--- a/assets/progettazioneTiw.pptx
+++ b/assets/progettazioneTiw.pptx
@@ -217,7 +217,7 @@
           <a:p>
             <a:fld id="{249143A6-5764-471C-9CD3-0A32A354F559}" type="datetimeFigureOut">
               <a:rPr lang="en-GB" smtClean="0"/>
-              <a:t>10/04/2024</a:t>
+              <a:t>16/04/2024</a:t>
             </a:fld>
             <a:endParaRPr lang="en-GB"/>
           </a:p>
@@ -862,7 +862,7 @@
           <a:p>
             <a:fld id="{ADB53C6F-6285-4061-9994-6EAFF3018963}" type="datetimeFigureOut">
               <a:rPr lang="en-US" smtClean="0"/>
-              <a:t>4/10/2024</a:t>
+              <a:t>4/16/2024</a:t>
             </a:fld>
             <a:endParaRPr lang="en-US"/>
           </a:p>
@@ -1030,7 +1030,7 @@
           <a:p>
             <a:fld id="{ADB53C6F-6285-4061-9994-6EAFF3018963}" type="datetimeFigureOut">
               <a:rPr lang="en-US" smtClean="0"/>
-              <a:t>4/10/2024</a:t>
+              <a:t>4/16/2024</a:t>
             </a:fld>
             <a:endParaRPr lang="en-US"/>
           </a:p>
@@ -1208,7 +1208,7 @@
           <a:p>
             <a:fld id="{ADB53C6F-6285-4061-9994-6EAFF3018963}" type="datetimeFigureOut">
               <a:rPr lang="en-US" smtClean="0"/>
-              <a:t>4/10/2024</a:t>
+              <a:t>4/16/2024</a:t>
             </a:fld>
             <a:endParaRPr lang="en-US"/>
           </a:p>
@@ -1376,7 +1376,7 @@
           <a:p>
             <a:fld id="{ADB53C6F-6285-4061-9994-6EAFF3018963}" type="datetimeFigureOut">
               <a:rPr lang="en-US" smtClean="0"/>
-              <a:t>4/10/2024</a:t>
+              <a:t>4/16/2024</a:t>
             </a:fld>
             <a:endParaRPr lang="en-US"/>
           </a:p>
@@ -1621,7 +1621,7 @@
           <a:p>
             <a:fld id="{ADB53C6F-6285-4061-9994-6EAFF3018963}" type="datetimeFigureOut">
               <a:rPr lang="en-US" smtClean="0"/>
-              <a:t>4/10/2024</a:t>
+              <a:t>4/16/2024</a:t>
             </a:fld>
             <a:endParaRPr lang="en-US"/>
           </a:p>
@@ -1906,7 +1906,7 @@
           <a:p>
             <a:fld id="{ADB53C6F-6285-4061-9994-6EAFF3018963}" type="datetimeFigureOut">
               <a:rPr lang="en-US" smtClean="0"/>
-              <a:t>4/10/2024</a:t>
+              <a:t>4/16/2024</a:t>
             </a:fld>
             <a:endParaRPr lang="en-US"/>
           </a:p>
@@ -2325,7 +2325,7 @@
           <a:p>
             <a:fld id="{ADB53C6F-6285-4061-9994-6EAFF3018963}" type="datetimeFigureOut">
               <a:rPr lang="en-US" smtClean="0"/>
-              <a:t>4/10/2024</a:t>
+              <a:t>4/16/2024</a:t>
             </a:fld>
             <a:endParaRPr lang="en-US"/>
           </a:p>
@@ -2442,7 +2442,7 @@
           <a:p>
             <a:fld id="{ADB53C6F-6285-4061-9994-6EAFF3018963}" type="datetimeFigureOut">
               <a:rPr lang="en-US" smtClean="0"/>
-              <a:t>4/10/2024</a:t>
+              <a:t>4/16/2024</a:t>
             </a:fld>
             <a:endParaRPr lang="en-US"/>
           </a:p>
@@ -2537,7 +2537,7 @@
           <a:p>
             <a:fld id="{ADB53C6F-6285-4061-9994-6EAFF3018963}" type="datetimeFigureOut">
               <a:rPr lang="en-US" smtClean="0"/>
-              <a:t>4/10/2024</a:t>
+              <a:t>4/16/2024</a:t>
             </a:fld>
             <a:endParaRPr lang="en-US"/>
           </a:p>
@@ -2812,7 +2812,7 @@
           <a:p>
             <a:fld id="{ADB53C6F-6285-4061-9994-6EAFF3018963}" type="datetimeFigureOut">
               <a:rPr lang="en-US" smtClean="0"/>
-              <a:t>4/10/2024</a:t>
+              <a:t>4/16/2024</a:t>
             </a:fld>
             <a:endParaRPr lang="en-US"/>
           </a:p>
@@ -3064,7 +3064,7 @@
           <a:p>
             <a:fld id="{ADB53C6F-6285-4061-9994-6EAFF3018963}" type="datetimeFigureOut">
               <a:rPr lang="en-US" smtClean="0"/>
-              <a:t>4/10/2024</a:t>
+              <a:t>4/16/2024</a:t>
             </a:fld>
             <a:endParaRPr lang="en-US"/>
           </a:p>
@@ -3275,7 +3275,7 @@
           <a:p>
             <a:fld id="{ADB53C6F-6285-4061-9994-6EAFF3018963}" type="datetimeFigureOut">
               <a:rPr lang="en-US" smtClean="0"/>
-              <a:t>4/10/2024</a:t>
+              <a:t>4/16/2024</a:t>
             </a:fld>
             <a:endParaRPr lang="en-US"/>
           </a:p>

--- a/assets/progettazioneTiw.pptx
+++ b/assets/progettazioneTiw.pptx
@@ -2,22 +2,26 @@
 <file path=ppt/presentation.xml><?xml version="1.0" encoding="utf-8"?>
 <p:presentation xmlns:a="http://schemas.openxmlformats.org/drawingml/2006/main" xmlns:r="http://schemas.openxmlformats.org/officeDocument/2006/relationships" xmlns:p="http://schemas.openxmlformats.org/presentationml/2006/main" saveSubsetFonts="1">
   <p:sldMasterIdLst>
-    <p:sldMasterId id="2147483648" r:id="rId1"/>
+    <p:sldMasterId id="2147483696" r:id="rId1"/>
   </p:sldMasterIdLst>
   <p:notesMasterIdLst>
-    <p:notesMasterId r:id="rId12"/>
+    <p:notesMasterId r:id="rId16"/>
   </p:notesMasterIdLst>
   <p:sldIdLst>
     <p:sldId id="256" r:id="rId2"/>
     <p:sldId id="286" r:id="rId3"/>
     <p:sldId id="264" r:id="rId4"/>
     <p:sldId id="268" r:id="rId5"/>
-    <p:sldId id="290" r:id="rId6"/>
-    <p:sldId id="276" r:id="rId7"/>
-    <p:sldId id="277" r:id="rId8"/>
-    <p:sldId id="288" r:id="rId9"/>
-    <p:sldId id="289" r:id="rId10"/>
-    <p:sldId id="295" r:id="rId11"/>
+    <p:sldId id="296" r:id="rId6"/>
+    <p:sldId id="290" r:id="rId7"/>
+    <p:sldId id="276" r:id="rId8"/>
+    <p:sldId id="277" r:id="rId9"/>
+    <p:sldId id="288" r:id="rId10"/>
+    <p:sldId id="289" r:id="rId11"/>
+    <p:sldId id="295" r:id="rId12"/>
+    <p:sldId id="298" r:id="rId13"/>
+    <p:sldId id="299" r:id="rId14"/>
+    <p:sldId id="297" r:id="rId15"/>
   </p:sldIdLst>
   <p:sldSz cx="9144000" cy="6858000" type="screen4x3"/>
   <p:notesSz cx="6858000" cy="9144000"/>
@@ -25,7 +29,7 @@
     <a:defPPr>
       <a:defRPr lang="en-US"/>
     </a:defPPr>
-    <a:lvl1pPr marL="0" algn="l" defTabSz="914400" rtl="0" eaLnBrk="1" latinLnBrk="0" hangingPunct="1">
+    <a:lvl1pPr marL="0" algn="l" defTabSz="457200" rtl="0" eaLnBrk="1" latinLnBrk="0" hangingPunct="1">
       <a:defRPr sz="1800" kern="1200">
         <a:solidFill>
           <a:schemeClr val="tx1"/>
@@ -35,7 +39,7 @@
         <a:cs typeface="+mn-cs"/>
       </a:defRPr>
     </a:lvl1pPr>
-    <a:lvl2pPr marL="457200" algn="l" defTabSz="914400" rtl="0" eaLnBrk="1" latinLnBrk="0" hangingPunct="1">
+    <a:lvl2pPr marL="457200" algn="l" defTabSz="457200" rtl="0" eaLnBrk="1" latinLnBrk="0" hangingPunct="1">
       <a:defRPr sz="1800" kern="1200">
         <a:solidFill>
           <a:schemeClr val="tx1"/>
@@ -45,7 +49,7 @@
         <a:cs typeface="+mn-cs"/>
       </a:defRPr>
     </a:lvl2pPr>
-    <a:lvl3pPr marL="914400" algn="l" defTabSz="914400" rtl="0" eaLnBrk="1" latinLnBrk="0" hangingPunct="1">
+    <a:lvl3pPr marL="914400" algn="l" defTabSz="457200" rtl="0" eaLnBrk="1" latinLnBrk="0" hangingPunct="1">
       <a:defRPr sz="1800" kern="1200">
         <a:solidFill>
           <a:schemeClr val="tx1"/>
@@ -55,7 +59,7 @@
         <a:cs typeface="+mn-cs"/>
       </a:defRPr>
     </a:lvl3pPr>
-    <a:lvl4pPr marL="1371600" algn="l" defTabSz="914400" rtl="0" eaLnBrk="1" latinLnBrk="0" hangingPunct="1">
+    <a:lvl4pPr marL="1371600" algn="l" defTabSz="457200" rtl="0" eaLnBrk="1" latinLnBrk="0" hangingPunct="1">
       <a:defRPr sz="1800" kern="1200">
         <a:solidFill>
           <a:schemeClr val="tx1"/>
@@ -65,7 +69,7 @@
         <a:cs typeface="+mn-cs"/>
       </a:defRPr>
     </a:lvl4pPr>
-    <a:lvl5pPr marL="1828800" algn="l" defTabSz="914400" rtl="0" eaLnBrk="1" latinLnBrk="0" hangingPunct="1">
+    <a:lvl5pPr marL="1828800" algn="l" defTabSz="457200" rtl="0" eaLnBrk="1" latinLnBrk="0" hangingPunct="1">
       <a:defRPr sz="1800" kern="1200">
         <a:solidFill>
           <a:schemeClr val="tx1"/>
@@ -75,7 +79,7 @@
         <a:cs typeface="+mn-cs"/>
       </a:defRPr>
     </a:lvl5pPr>
-    <a:lvl6pPr marL="2286000" algn="l" defTabSz="914400" rtl="0" eaLnBrk="1" latinLnBrk="0" hangingPunct="1">
+    <a:lvl6pPr marL="2286000" algn="l" defTabSz="457200" rtl="0" eaLnBrk="1" latinLnBrk="0" hangingPunct="1">
       <a:defRPr sz="1800" kern="1200">
         <a:solidFill>
           <a:schemeClr val="tx1"/>
@@ -85,7 +89,7 @@
         <a:cs typeface="+mn-cs"/>
       </a:defRPr>
     </a:lvl6pPr>
-    <a:lvl7pPr marL="2743200" algn="l" defTabSz="914400" rtl="0" eaLnBrk="1" latinLnBrk="0" hangingPunct="1">
+    <a:lvl7pPr marL="2743200" algn="l" defTabSz="457200" rtl="0" eaLnBrk="1" latinLnBrk="0" hangingPunct="1">
       <a:defRPr sz="1800" kern="1200">
         <a:solidFill>
           <a:schemeClr val="tx1"/>
@@ -95,7 +99,7 @@
         <a:cs typeface="+mn-cs"/>
       </a:defRPr>
     </a:lvl7pPr>
-    <a:lvl8pPr marL="3200400" algn="l" defTabSz="914400" rtl="0" eaLnBrk="1" latinLnBrk="0" hangingPunct="1">
+    <a:lvl8pPr marL="3200400" algn="l" defTabSz="457200" rtl="0" eaLnBrk="1" latinLnBrk="0" hangingPunct="1">
       <a:defRPr sz="1800" kern="1200">
         <a:solidFill>
           <a:schemeClr val="tx1"/>
@@ -105,7 +109,7 @@
         <a:cs typeface="+mn-cs"/>
       </a:defRPr>
     </a:lvl8pPr>
-    <a:lvl9pPr marL="3657600" algn="l" defTabSz="914400" rtl="0" eaLnBrk="1" latinLnBrk="0" hangingPunct="1">
+    <a:lvl9pPr marL="3657600" algn="l" defTabSz="457200" rtl="0" eaLnBrk="1" latinLnBrk="0" hangingPunct="1">
       <a:defRPr sz="1800" kern="1200">
         <a:solidFill>
           <a:schemeClr val="tx1"/>
@@ -217,7 +221,7 @@
           <a:p>
             <a:fld id="{249143A6-5764-471C-9CD3-0A32A354F559}" type="datetimeFigureOut">
               <a:rPr lang="en-GB" smtClean="0"/>
-              <a:t>16/04/2024</a:t>
+              <a:t>26/04/2024</a:t>
             </a:fld>
             <a:endParaRPr lang="en-GB"/>
           </a:p>
@@ -376,7 +380,7 @@
           <a:p>
             <a:fld id="{C7E337B6-CE7D-4458-A581-DEC8617C4696}" type="slidenum">
               <a:rPr lang="en-GB" smtClean="0"/>
-              <a:t>‹N›</a:t>
+              <a:t>‹#›</a:t>
             </a:fld>
             <a:endParaRPr lang="en-GB"/>
           </a:p>
@@ -664,7 +668,7 @@
           <a:p>
             <a:fld id="{C7E337B6-CE7D-4458-A581-DEC8617C4696}" type="slidenum">
               <a:rPr lang="en-GB" smtClean="0"/>
-              <a:t>6</a:t>
+              <a:t>7</a:t>
             </a:fld>
             <a:endParaRPr lang="en-GB"/>
           </a:p>
@@ -712,18 +716,23 @@
         </p:nvSpPr>
         <p:spPr>
           <a:xfrm>
-            <a:off x="685800" y="2130425"/>
-            <a:ext cx="7772400" cy="1470025"/>
+            <a:off x="685800" y="1122363"/>
+            <a:ext cx="7772400" cy="2387600"/>
           </a:xfrm>
         </p:spPr>
         <p:txBody>
-          <a:bodyPr/>
-          <a:lstStyle/>
-          <a:p>
-            <a:r>
-              <a:rPr lang="en-US"/>
+          <a:bodyPr anchor="b"/>
+          <a:lstStyle>
+            <a:lvl1pPr algn="ctr">
+              <a:defRPr sz="6000"/>
+            </a:lvl1pPr>
+          </a:lstStyle>
+          <a:p>
+            <a:r>
+              <a:rPr lang="en-GB"/>
               <a:t>Click to edit Master title style</a:t>
             </a:r>
+            <a:endParaRPr lang="en-US" dirty="0"/>
           </a:p>
         </p:txBody>
       </p:sp>
@@ -739,8 +748,8 @@
         </p:nvSpPr>
         <p:spPr>
           <a:xfrm>
-            <a:off x="1371600" y="3886200"/>
-            <a:ext cx="6400800" cy="1752600"/>
+            <a:off x="1143000" y="3602038"/>
+            <a:ext cx="6858000" cy="1655762"/>
           </a:xfrm>
         </p:spPr>
         <p:txBody>
@@ -748,100 +757,47 @@
           <a:lstStyle>
             <a:lvl1pPr marL="0" indent="0" algn="ctr">
               <a:buNone/>
-              <a:defRPr>
-                <a:solidFill>
-                  <a:schemeClr val="tx1">
-                    <a:tint val="75000"/>
-                  </a:schemeClr>
-                </a:solidFill>
-              </a:defRPr>
+              <a:defRPr sz="2400"/>
             </a:lvl1pPr>
             <a:lvl2pPr marL="457200" indent="0" algn="ctr">
               <a:buNone/>
-              <a:defRPr>
-                <a:solidFill>
-                  <a:schemeClr val="tx1">
-                    <a:tint val="75000"/>
-                  </a:schemeClr>
-                </a:solidFill>
-              </a:defRPr>
+              <a:defRPr sz="2000"/>
             </a:lvl2pPr>
             <a:lvl3pPr marL="914400" indent="0" algn="ctr">
               <a:buNone/>
-              <a:defRPr>
-                <a:solidFill>
-                  <a:schemeClr val="tx1">
-                    <a:tint val="75000"/>
-                  </a:schemeClr>
-                </a:solidFill>
-              </a:defRPr>
+              <a:defRPr sz="1800"/>
             </a:lvl3pPr>
             <a:lvl4pPr marL="1371600" indent="0" algn="ctr">
               <a:buNone/>
-              <a:defRPr>
-                <a:solidFill>
-                  <a:schemeClr val="tx1">
-                    <a:tint val="75000"/>
-                  </a:schemeClr>
-                </a:solidFill>
-              </a:defRPr>
+              <a:defRPr sz="1600"/>
             </a:lvl4pPr>
             <a:lvl5pPr marL="1828800" indent="0" algn="ctr">
               <a:buNone/>
-              <a:defRPr>
-                <a:solidFill>
-                  <a:schemeClr val="tx1">
-                    <a:tint val="75000"/>
-                  </a:schemeClr>
-                </a:solidFill>
-              </a:defRPr>
+              <a:defRPr sz="1600"/>
             </a:lvl5pPr>
             <a:lvl6pPr marL="2286000" indent="0" algn="ctr">
               <a:buNone/>
-              <a:defRPr>
-                <a:solidFill>
-                  <a:schemeClr val="tx1">
-                    <a:tint val="75000"/>
-                  </a:schemeClr>
-                </a:solidFill>
-              </a:defRPr>
+              <a:defRPr sz="1600"/>
             </a:lvl6pPr>
             <a:lvl7pPr marL="2743200" indent="0" algn="ctr">
               <a:buNone/>
-              <a:defRPr>
-                <a:solidFill>
-                  <a:schemeClr val="tx1">
-                    <a:tint val="75000"/>
-                  </a:schemeClr>
-                </a:solidFill>
-              </a:defRPr>
+              <a:defRPr sz="1600"/>
             </a:lvl7pPr>
             <a:lvl8pPr marL="3200400" indent="0" algn="ctr">
               <a:buNone/>
-              <a:defRPr>
-                <a:solidFill>
-                  <a:schemeClr val="tx1">
-                    <a:tint val="75000"/>
-                  </a:schemeClr>
-                </a:solidFill>
-              </a:defRPr>
+              <a:defRPr sz="1600"/>
             </a:lvl8pPr>
             <a:lvl9pPr marL="3657600" indent="0" algn="ctr">
               <a:buNone/>
-              <a:defRPr>
-                <a:solidFill>
-                  <a:schemeClr val="tx1">
-                    <a:tint val="75000"/>
-                  </a:schemeClr>
-                </a:solidFill>
-              </a:defRPr>
+              <a:defRPr sz="1600"/>
             </a:lvl9pPr>
           </a:lstStyle>
           <a:p>
             <a:r>
-              <a:rPr lang="en-US"/>
+              <a:rPr lang="en-GB"/>
               <a:t>Click to edit Master subtitle style</a:t>
             </a:r>
+            <a:endParaRPr lang="en-US" dirty="0"/>
           </a:p>
         </p:txBody>
       </p:sp>
@@ -862,7 +818,7 @@
           <a:p>
             <a:fld id="{ADB53C6F-6285-4061-9994-6EAFF3018963}" type="datetimeFigureOut">
               <a:rPr lang="en-US" smtClean="0"/>
-              <a:t>4/16/2024</a:t>
+              <a:t>4/26/24</a:t>
             </a:fld>
             <a:endParaRPr lang="en-US"/>
           </a:p>
@@ -904,7 +860,7 @@
           <a:p>
             <a:fld id="{798CBF04-D241-4986-947E-411460146C72}" type="slidenum">
               <a:rPr lang="en-US" smtClean="0"/>
-              <a:t>‹N›</a:t>
+              <a:t>‹#›</a:t>
             </a:fld>
             <a:endParaRPr lang="en-US"/>
           </a:p>
@@ -913,7 +869,7 @@
     </p:spTree>
     <p:extLst>
       <p:ext uri="{BB962C8B-B14F-4D97-AF65-F5344CB8AC3E}">
-        <p14:creationId xmlns:p14="http://schemas.microsoft.com/office/powerpoint/2010/main" val="579884351"/>
+        <p14:creationId xmlns:p14="http://schemas.microsoft.com/office/powerpoint/2010/main" val="783650181"/>
       </p:ext>
     </p:extLst>
   </p:cSld>
@@ -956,9 +912,10 @@
           <a:lstStyle/>
           <a:p>
             <a:r>
-              <a:rPr lang="en-US"/>
+              <a:rPr lang="en-GB"/>
               <a:t>Click to edit Master title style</a:t>
             </a:r>
+            <a:endParaRPr lang="en-US" dirty="0"/>
           </a:p>
         </p:txBody>
       </p:sp>
@@ -979,37 +936,38 @@
           <a:p>
             <a:pPr lvl="0"/>
             <a:r>
-              <a:rPr lang="en-US"/>
+              <a:rPr lang="en-GB"/>
               <a:t>Click to edit Master text styles</a:t>
             </a:r>
           </a:p>
           <a:p>
             <a:pPr lvl="1"/>
             <a:r>
-              <a:rPr lang="en-US"/>
+              <a:rPr lang="en-GB"/>
               <a:t>Second level</a:t>
             </a:r>
           </a:p>
           <a:p>
             <a:pPr lvl="2"/>
             <a:r>
-              <a:rPr lang="en-US"/>
+              <a:rPr lang="en-GB"/>
               <a:t>Third level</a:t>
             </a:r>
           </a:p>
           <a:p>
             <a:pPr lvl="3"/>
             <a:r>
-              <a:rPr lang="en-US"/>
+              <a:rPr lang="en-GB"/>
               <a:t>Fourth level</a:t>
             </a:r>
           </a:p>
           <a:p>
             <a:pPr lvl="4"/>
             <a:r>
-              <a:rPr lang="en-US"/>
+              <a:rPr lang="en-GB"/>
               <a:t>Fifth level</a:t>
             </a:r>
+            <a:endParaRPr lang="en-US" dirty="0"/>
           </a:p>
         </p:txBody>
       </p:sp>
@@ -1030,7 +988,7 @@
           <a:p>
             <a:fld id="{ADB53C6F-6285-4061-9994-6EAFF3018963}" type="datetimeFigureOut">
               <a:rPr lang="en-US" smtClean="0"/>
-              <a:t>4/16/2024</a:t>
+              <a:t>4/26/24</a:t>
             </a:fld>
             <a:endParaRPr lang="en-US"/>
           </a:p>
@@ -1072,7 +1030,7 @@
           <a:p>
             <a:fld id="{798CBF04-D241-4986-947E-411460146C72}" type="slidenum">
               <a:rPr lang="en-US" smtClean="0"/>
-              <a:t>‹N›</a:t>
+              <a:t>‹#›</a:t>
             </a:fld>
             <a:endParaRPr lang="en-US"/>
           </a:p>
@@ -1081,7 +1039,7 @@
     </p:spTree>
     <p:extLst>
       <p:ext uri="{BB962C8B-B14F-4D97-AF65-F5344CB8AC3E}">
-        <p14:creationId xmlns:p14="http://schemas.microsoft.com/office/powerpoint/2010/main" val="800486453"/>
+        <p14:creationId xmlns:p14="http://schemas.microsoft.com/office/powerpoint/2010/main" val="1121861822"/>
       </p:ext>
     </p:extLst>
   </p:cSld>
@@ -1120,8 +1078,8 @@
         </p:nvSpPr>
         <p:spPr>
           <a:xfrm>
-            <a:off x="6629400" y="274638"/>
-            <a:ext cx="2057400" cy="5851525"/>
+            <a:off x="6543675" y="365125"/>
+            <a:ext cx="1971675" cy="5811838"/>
           </a:xfrm>
         </p:spPr>
         <p:txBody>
@@ -1129,9 +1087,10 @@
           <a:lstStyle/>
           <a:p>
             <a:r>
-              <a:rPr lang="en-US"/>
+              <a:rPr lang="en-GB"/>
               <a:t>Click to edit Master title style</a:t>
             </a:r>
+            <a:endParaRPr lang="en-US" dirty="0"/>
           </a:p>
         </p:txBody>
       </p:sp>
@@ -1147,8 +1106,8 @@
         </p:nvSpPr>
         <p:spPr>
           <a:xfrm>
-            <a:off x="457200" y="274638"/>
-            <a:ext cx="6019800" cy="5851525"/>
+            <a:off x="628650" y="365125"/>
+            <a:ext cx="5800725" cy="5811838"/>
           </a:xfrm>
         </p:spPr>
         <p:txBody>
@@ -1157,37 +1116,38 @@
           <a:p>
             <a:pPr lvl="0"/>
             <a:r>
-              <a:rPr lang="en-US"/>
+              <a:rPr lang="en-GB"/>
               <a:t>Click to edit Master text styles</a:t>
             </a:r>
           </a:p>
           <a:p>
             <a:pPr lvl="1"/>
             <a:r>
-              <a:rPr lang="en-US"/>
+              <a:rPr lang="en-GB"/>
               <a:t>Second level</a:t>
             </a:r>
           </a:p>
           <a:p>
             <a:pPr lvl="2"/>
             <a:r>
-              <a:rPr lang="en-US"/>
+              <a:rPr lang="en-GB"/>
               <a:t>Third level</a:t>
             </a:r>
           </a:p>
           <a:p>
             <a:pPr lvl="3"/>
             <a:r>
-              <a:rPr lang="en-US"/>
+              <a:rPr lang="en-GB"/>
               <a:t>Fourth level</a:t>
             </a:r>
           </a:p>
           <a:p>
             <a:pPr lvl="4"/>
             <a:r>
-              <a:rPr lang="en-US"/>
+              <a:rPr lang="en-GB"/>
               <a:t>Fifth level</a:t>
             </a:r>
+            <a:endParaRPr lang="en-US" dirty="0"/>
           </a:p>
         </p:txBody>
       </p:sp>
@@ -1208,7 +1168,7 @@
           <a:p>
             <a:fld id="{ADB53C6F-6285-4061-9994-6EAFF3018963}" type="datetimeFigureOut">
               <a:rPr lang="en-US" smtClean="0"/>
-              <a:t>4/16/2024</a:t>
+              <a:t>4/26/24</a:t>
             </a:fld>
             <a:endParaRPr lang="en-US"/>
           </a:p>
@@ -1250,7 +1210,7 @@
           <a:p>
             <a:fld id="{798CBF04-D241-4986-947E-411460146C72}" type="slidenum">
               <a:rPr lang="en-US" smtClean="0"/>
-              <a:t>‹N›</a:t>
+              <a:t>‹#›</a:t>
             </a:fld>
             <a:endParaRPr lang="en-US"/>
           </a:p>
@@ -1259,7 +1219,7 @@
     </p:spTree>
     <p:extLst>
       <p:ext uri="{BB962C8B-B14F-4D97-AF65-F5344CB8AC3E}">
-        <p14:creationId xmlns:p14="http://schemas.microsoft.com/office/powerpoint/2010/main" val="3341405507"/>
+        <p14:creationId xmlns:p14="http://schemas.microsoft.com/office/powerpoint/2010/main" val="1672082683"/>
       </p:ext>
     </p:extLst>
   </p:cSld>
@@ -1302,9 +1262,10 @@
           <a:lstStyle/>
           <a:p>
             <a:r>
-              <a:rPr lang="en-US"/>
+              <a:rPr lang="en-GB"/>
               <a:t>Click to edit Master title style</a:t>
             </a:r>
+            <a:endParaRPr lang="en-US" dirty="0"/>
           </a:p>
         </p:txBody>
       </p:sp>
@@ -1325,37 +1286,38 @@
           <a:p>
             <a:pPr lvl="0"/>
             <a:r>
-              <a:rPr lang="en-US"/>
+              <a:rPr lang="en-GB"/>
               <a:t>Click to edit Master text styles</a:t>
             </a:r>
           </a:p>
           <a:p>
             <a:pPr lvl="1"/>
             <a:r>
-              <a:rPr lang="en-US"/>
+              <a:rPr lang="en-GB"/>
               <a:t>Second level</a:t>
             </a:r>
           </a:p>
           <a:p>
             <a:pPr lvl="2"/>
             <a:r>
-              <a:rPr lang="en-US"/>
+              <a:rPr lang="en-GB"/>
               <a:t>Third level</a:t>
             </a:r>
           </a:p>
           <a:p>
             <a:pPr lvl="3"/>
             <a:r>
-              <a:rPr lang="en-US"/>
+              <a:rPr lang="en-GB"/>
               <a:t>Fourth level</a:t>
             </a:r>
           </a:p>
           <a:p>
             <a:pPr lvl="4"/>
             <a:r>
-              <a:rPr lang="en-US"/>
+              <a:rPr lang="en-GB"/>
               <a:t>Fifth level</a:t>
             </a:r>
+            <a:endParaRPr lang="en-US" dirty="0"/>
           </a:p>
         </p:txBody>
       </p:sp>
@@ -1376,7 +1338,7 @@
           <a:p>
             <a:fld id="{ADB53C6F-6285-4061-9994-6EAFF3018963}" type="datetimeFigureOut">
               <a:rPr lang="en-US" smtClean="0"/>
-              <a:t>4/16/2024</a:t>
+              <a:t>4/26/24</a:t>
             </a:fld>
             <a:endParaRPr lang="en-US"/>
           </a:p>
@@ -1418,7 +1380,7 @@
           <a:p>
             <a:fld id="{798CBF04-D241-4986-947E-411460146C72}" type="slidenum">
               <a:rPr lang="en-US" smtClean="0"/>
-              <a:t>‹N›</a:t>
+              <a:t>‹#›</a:t>
             </a:fld>
             <a:endParaRPr lang="en-US"/>
           </a:p>
@@ -1427,7 +1389,7 @@
     </p:spTree>
     <p:extLst>
       <p:ext uri="{BB962C8B-B14F-4D97-AF65-F5344CB8AC3E}">
-        <p14:creationId xmlns:p14="http://schemas.microsoft.com/office/powerpoint/2010/main" val="747666559"/>
+        <p14:creationId xmlns:p14="http://schemas.microsoft.com/office/powerpoint/2010/main" val="1758471304"/>
       </p:ext>
     </p:extLst>
   </p:cSld>
@@ -1466,22 +1428,23 @@
         </p:nvSpPr>
         <p:spPr>
           <a:xfrm>
-            <a:off x="722313" y="4406900"/>
-            <a:ext cx="7772400" cy="1362075"/>
+            <a:off x="623888" y="1709739"/>
+            <a:ext cx="7886700" cy="2852737"/>
           </a:xfrm>
         </p:spPr>
         <p:txBody>
-          <a:bodyPr anchor="t"/>
+          <a:bodyPr anchor="b"/>
           <a:lstStyle>
-            <a:lvl1pPr algn="l">
-              <a:defRPr sz="4000" b="1" cap="all"/>
+            <a:lvl1pPr>
+              <a:defRPr sz="6000"/>
             </a:lvl1pPr>
           </a:lstStyle>
           <a:p>
             <a:r>
-              <a:rPr lang="en-US"/>
+              <a:rPr lang="en-GB"/>
               <a:t>Click to edit Master title style</a:t>
             </a:r>
+            <a:endParaRPr lang="en-US" dirty="0"/>
           </a:p>
         </p:txBody>
       </p:sp>
@@ -1497,26 +1460,24 @@
         </p:nvSpPr>
         <p:spPr>
           <a:xfrm>
-            <a:off x="722313" y="2906713"/>
-            <a:ext cx="7772400" cy="1500187"/>
+            <a:off x="623888" y="4589464"/>
+            <a:ext cx="7886700" cy="1500187"/>
           </a:xfrm>
         </p:spPr>
         <p:txBody>
-          <a:bodyPr anchor="b"/>
+          <a:bodyPr/>
           <a:lstStyle>
             <a:lvl1pPr marL="0" indent="0">
               <a:buNone/>
-              <a:defRPr sz="2000">
-                <a:solidFill>
-                  <a:schemeClr val="tx1">
-                    <a:tint val="75000"/>
-                  </a:schemeClr>
+              <a:defRPr sz="2400">
+                <a:solidFill>
+                  <a:schemeClr val="tx1"/>
                 </a:solidFill>
               </a:defRPr>
             </a:lvl1pPr>
             <a:lvl2pPr marL="457200" indent="0">
               <a:buNone/>
-              <a:defRPr sz="1800">
+              <a:defRPr sz="2000">
                 <a:solidFill>
                   <a:schemeClr val="tx1">
                     <a:tint val="75000"/>
@@ -1526,7 +1487,7 @@
             </a:lvl2pPr>
             <a:lvl3pPr marL="914400" indent="0">
               <a:buNone/>
-              <a:defRPr sz="1600">
+              <a:defRPr sz="1800">
                 <a:solidFill>
                   <a:schemeClr val="tx1">
                     <a:tint val="75000"/>
@@ -1536,7 +1497,7 @@
             </a:lvl3pPr>
             <a:lvl4pPr marL="1371600" indent="0">
               <a:buNone/>
-              <a:defRPr sz="1400">
+              <a:defRPr sz="1600">
                 <a:solidFill>
                   <a:schemeClr val="tx1">
                     <a:tint val="75000"/>
@@ -1546,7 +1507,7 @@
             </a:lvl4pPr>
             <a:lvl5pPr marL="1828800" indent="0">
               <a:buNone/>
-              <a:defRPr sz="1400">
+              <a:defRPr sz="1600">
                 <a:solidFill>
                   <a:schemeClr val="tx1">
                     <a:tint val="75000"/>
@@ -1556,7 +1517,7 @@
             </a:lvl5pPr>
             <a:lvl6pPr marL="2286000" indent="0">
               <a:buNone/>
-              <a:defRPr sz="1400">
+              <a:defRPr sz="1600">
                 <a:solidFill>
                   <a:schemeClr val="tx1">
                     <a:tint val="75000"/>
@@ -1566,7 +1527,7 @@
             </a:lvl6pPr>
             <a:lvl7pPr marL="2743200" indent="0">
               <a:buNone/>
-              <a:defRPr sz="1400">
+              <a:defRPr sz="1600">
                 <a:solidFill>
                   <a:schemeClr val="tx1">
                     <a:tint val="75000"/>
@@ -1576,7 +1537,7 @@
             </a:lvl7pPr>
             <a:lvl8pPr marL="3200400" indent="0">
               <a:buNone/>
-              <a:defRPr sz="1400">
+              <a:defRPr sz="1600">
                 <a:solidFill>
                   <a:schemeClr val="tx1">
                     <a:tint val="75000"/>
@@ -1586,7 +1547,7 @@
             </a:lvl8pPr>
             <a:lvl9pPr marL="3657600" indent="0">
               <a:buNone/>
-              <a:defRPr sz="1400">
+              <a:defRPr sz="1600">
                 <a:solidFill>
                   <a:schemeClr val="tx1">
                     <a:tint val="75000"/>
@@ -1598,7 +1559,7 @@
           <a:p>
             <a:pPr lvl="0"/>
             <a:r>
-              <a:rPr lang="en-US"/>
+              <a:rPr lang="en-GB"/>
               <a:t>Click to edit Master text styles</a:t>
             </a:r>
           </a:p>
@@ -1621,7 +1582,7 @@
           <a:p>
             <a:fld id="{ADB53C6F-6285-4061-9994-6EAFF3018963}" type="datetimeFigureOut">
               <a:rPr lang="en-US" smtClean="0"/>
-              <a:t>4/16/2024</a:t>
+              <a:t>4/26/24</a:t>
             </a:fld>
             <a:endParaRPr lang="en-US"/>
           </a:p>
@@ -1663,7 +1624,7 @@
           <a:p>
             <a:fld id="{798CBF04-D241-4986-947E-411460146C72}" type="slidenum">
               <a:rPr lang="en-US" smtClean="0"/>
-              <a:t>‹N›</a:t>
+              <a:t>‹#›</a:t>
             </a:fld>
             <a:endParaRPr lang="en-US"/>
           </a:p>
@@ -1672,7 +1633,7 @@
     </p:spTree>
     <p:extLst>
       <p:ext uri="{BB962C8B-B14F-4D97-AF65-F5344CB8AC3E}">
-        <p14:creationId xmlns:p14="http://schemas.microsoft.com/office/powerpoint/2010/main" val="3232726805"/>
+        <p14:creationId xmlns:p14="http://schemas.microsoft.com/office/powerpoint/2010/main" val="3812556048"/>
       </p:ext>
     </p:extLst>
   </p:cSld>
@@ -1715,9 +1676,10 @@
           <a:lstStyle/>
           <a:p>
             <a:r>
-              <a:rPr lang="en-US"/>
+              <a:rPr lang="en-GB"/>
               <a:t>Click to edit Master title style</a:t>
             </a:r>
+            <a:endParaRPr lang="en-US" dirty="0"/>
           </a:p>
         </p:txBody>
       </p:sp>
@@ -1733,75 +1695,48 @@
         </p:nvSpPr>
         <p:spPr>
           <a:xfrm>
-            <a:off x="457200" y="1600200"/>
-            <a:ext cx="4038600" cy="4525963"/>
+            <a:off x="628650" y="1825625"/>
+            <a:ext cx="3886200" cy="4351338"/>
           </a:xfrm>
         </p:spPr>
         <p:txBody>
           <a:bodyPr/>
-          <a:lstStyle>
-            <a:lvl1pPr>
-              <a:defRPr sz="2800"/>
-            </a:lvl1pPr>
-            <a:lvl2pPr>
-              <a:defRPr sz="2400"/>
-            </a:lvl2pPr>
-            <a:lvl3pPr>
-              <a:defRPr sz="2000"/>
-            </a:lvl3pPr>
-            <a:lvl4pPr>
-              <a:defRPr sz="1800"/>
-            </a:lvl4pPr>
-            <a:lvl5pPr>
-              <a:defRPr sz="1800"/>
-            </a:lvl5pPr>
-            <a:lvl6pPr>
-              <a:defRPr sz="1800"/>
-            </a:lvl6pPr>
-            <a:lvl7pPr>
-              <a:defRPr sz="1800"/>
-            </a:lvl7pPr>
-            <a:lvl8pPr>
-              <a:defRPr sz="1800"/>
-            </a:lvl8pPr>
-            <a:lvl9pPr>
-              <a:defRPr sz="1800"/>
-            </a:lvl9pPr>
-          </a:lstStyle>
+          <a:lstStyle/>
           <a:p>
             <a:pPr lvl="0"/>
             <a:r>
-              <a:rPr lang="en-US"/>
+              <a:rPr lang="en-GB"/>
               <a:t>Click to edit Master text styles</a:t>
             </a:r>
           </a:p>
           <a:p>
             <a:pPr lvl="1"/>
             <a:r>
-              <a:rPr lang="en-US"/>
+              <a:rPr lang="en-GB"/>
               <a:t>Second level</a:t>
             </a:r>
           </a:p>
           <a:p>
             <a:pPr lvl="2"/>
             <a:r>
-              <a:rPr lang="en-US"/>
+              <a:rPr lang="en-GB"/>
               <a:t>Third level</a:t>
             </a:r>
           </a:p>
           <a:p>
             <a:pPr lvl="3"/>
             <a:r>
-              <a:rPr lang="en-US"/>
+              <a:rPr lang="en-GB"/>
               <a:t>Fourth level</a:t>
             </a:r>
           </a:p>
           <a:p>
             <a:pPr lvl="4"/>
             <a:r>
-              <a:rPr lang="en-US"/>
+              <a:rPr lang="en-GB"/>
               <a:t>Fifth level</a:t>
             </a:r>
+            <a:endParaRPr lang="en-US" dirty="0"/>
           </a:p>
         </p:txBody>
       </p:sp>
@@ -1817,75 +1752,48 @@
         </p:nvSpPr>
         <p:spPr>
           <a:xfrm>
-            <a:off x="4648200" y="1600200"/>
-            <a:ext cx="4038600" cy="4525963"/>
+            <a:off x="4629150" y="1825625"/>
+            <a:ext cx="3886200" cy="4351338"/>
           </a:xfrm>
         </p:spPr>
         <p:txBody>
           <a:bodyPr/>
-          <a:lstStyle>
-            <a:lvl1pPr>
-              <a:defRPr sz="2800"/>
-            </a:lvl1pPr>
-            <a:lvl2pPr>
-              <a:defRPr sz="2400"/>
-            </a:lvl2pPr>
-            <a:lvl3pPr>
-              <a:defRPr sz="2000"/>
-            </a:lvl3pPr>
-            <a:lvl4pPr>
-              <a:defRPr sz="1800"/>
-            </a:lvl4pPr>
-            <a:lvl5pPr>
-              <a:defRPr sz="1800"/>
-            </a:lvl5pPr>
-            <a:lvl6pPr>
-              <a:defRPr sz="1800"/>
-            </a:lvl6pPr>
-            <a:lvl7pPr>
-              <a:defRPr sz="1800"/>
-            </a:lvl7pPr>
-            <a:lvl8pPr>
-              <a:defRPr sz="1800"/>
-            </a:lvl8pPr>
-            <a:lvl9pPr>
-              <a:defRPr sz="1800"/>
-            </a:lvl9pPr>
-          </a:lstStyle>
+          <a:lstStyle/>
           <a:p>
             <a:pPr lvl="0"/>
             <a:r>
-              <a:rPr lang="en-US"/>
+              <a:rPr lang="en-GB"/>
               <a:t>Click to edit Master text styles</a:t>
             </a:r>
           </a:p>
           <a:p>
             <a:pPr lvl="1"/>
             <a:r>
-              <a:rPr lang="en-US"/>
+              <a:rPr lang="en-GB"/>
               <a:t>Second level</a:t>
             </a:r>
           </a:p>
           <a:p>
             <a:pPr lvl="2"/>
             <a:r>
-              <a:rPr lang="en-US"/>
+              <a:rPr lang="en-GB"/>
               <a:t>Third level</a:t>
             </a:r>
           </a:p>
           <a:p>
             <a:pPr lvl="3"/>
             <a:r>
-              <a:rPr lang="en-US"/>
+              <a:rPr lang="en-GB"/>
               <a:t>Fourth level</a:t>
             </a:r>
           </a:p>
           <a:p>
             <a:pPr lvl="4"/>
             <a:r>
-              <a:rPr lang="en-US"/>
+              <a:rPr lang="en-GB"/>
               <a:t>Fifth level</a:t>
             </a:r>
+            <a:endParaRPr lang="en-US" dirty="0"/>
           </a:p>
         </p:txBody>
       </p:sp>
@@ -1906,7 +1814,7 @@
           <a:p>
             <a:fld id="{ADB53C6F-6285-4061-9994-6EAFF3018963}" type="datetimeFigureOut">
               <a:rPr lang="en-US" smtClean="0"/>
-              <a:t>4/16/2024</a:t>
+              <a:t>4/26/24</a:t>
             </a:fld>
             <a:endParaRPr lang="en-US"/>
           </a:p>
@@ -1948,7 +1856,7 @@
           <a:p>
             <a:fld id="{798CBF04-D241-4986-947E-411460146C72}" type="slidenum">
               <a:rPr lang="en-US" smtClean="0"/>
-              <a:t>‹N›</a:t>
+              <a:t>‹#›</a:t>
             </a:fld>
             <a:endParaRPr lang="en-US"/>
           </a:p>
@@ -1957,7 +1865,7 @@
     </p:spTree>
     <p:extLst>
       <p:ext uri="{BB962C8B-B14F-4D97-AF65-F5344CB8AC3E}">
-        <p14:creationId xmlns:p14="http://schemas.microsoft.com/office/powerpoint/2010/main" val="1733400582"/>
+        <p14:creationId xmlns:p14="http://schemas.microsoft.com/office/powerpoint/2010/main" val="3751850615"/>
       </p:ext>
     </p:extLst>
   </p:cSld>
@@ -1994,19 +1902,21 @@
             <p:ph type="title"/>
           </p:nvPr>
         </p:nvSpPr>
-        <p:spPr/>
+        <p:spPr>
+          <a:xfrm>
+            <a:off x="629841" y="365126"/>
+            <a:ext cx="7886700" cy="1325563"/>
+          </a:xfrm>
+        </p:spPr>
         <p:txBody>
           <a:bodyPr/>
-          <a:lstStyle>
-            <a:lvl1pPr>
-              <a:defRPr/>
-            </a:lvl1pPr>
-          </a:lstStyle>
-          <a:p>
-            <a:r>
-              <a:rPr lang="en-US"/>
+          <a:lstStyle/>
+          <a:p>
+            <a:r>
+              <a:rPr lang="en-GB"/>
               <a:t>Click to edit Master title style</a:t>
             </a:r>
+            <a:endParaRPr lang="en-US" dirty="0"/>
           </a:p>
         </p:txBody>
       </p:sp>
@@ -2022,8 +1932,8 @@
         </p:nvSpPr>
         <p:spPr>
           <a:xfrm>
-            <a:off x="457200" y="1535113"/>
-            <a:ext cx="4040188" cy="639762"/>
+            <a:off x="629842" y="1681163"/>
+            <a:ext cx="3868340" cy="823912"/>
           </a:xfrm>
         </p:spPr>
         <p:txBody>
@@ -2069,7 +1979,7 @@
           <a:p>
             <a:pPr lvl="0"/>
             <a:r>
-              <a:rPr lang="en-US"/>
+              <a:rPr lang="en-GB"/>
               <a:t>Click to edit Master text styles</a:t>
             </a:r>
           </a:p>
@@ -2087,75 +1997,48 @@
         </p:nvSpPr>
         <p:spPr>
           <a:xfrm>
-            <a:off x="457200" y="2174875"/>
-            <a:ext cx="4040188" cy="3951288"/>
+            <a:off x="629842" y="2505075"/>
+            <a:ext cx="3868340" cy="3684588"/>
           </a:xfrm>
         </p:spPr>
         <p:txBody>
           <a:bodyPr/>
-          <a:lstStyle>
-            <a:lvl1pPr>
-              <a:defRPr sz="2400"/>
-            </a:lvl1pPr>
-            <a:lvl2pPr>
-              <a:defRPr sz="2000"/>
-            </a:lvl2pPr>
-            <a:lvl3pPr>
-              <a:defRPr sz="1800"/>
-            </a:lvl3pPr>
-            <a:lvl4pPr>
-              <a:defRPr sz="1600"/>
-            </a:lvl4pPr>
-            <a:lvl5pPr>
-              <a:defRPr sz="1600"/>
-            </a:lvl5pPr>
-            <a:lvl6pPr>
-              <a:defRPr sz="1600"/>
-            </a:lvl6pPr>
-            <a:lvl7pPr>
-              <a:defRPr sz="1600"/>
-            </a:lvl7pPr>
-            <a:lvl8pPr>
-              <a:defRPr sz="1600"/>
-            </a:lvl8pPr>
-            <a:lvl9pPr>
-              <a:defRPr sz="1600"/>
-            </a:lvl9pPr>
-          </a:lstStyle>
+          <a:lstStyle/>
           <a:p>
             <a:pPr lvl="0"/>
             <a:r>
-              <a:rPr lang="en-US"/>
+              <a:rPr lang="en-GB"/>
               <a:t>Click to edit Master text styles</a:t>
             </a:r>
           </a:p>
           <a:p>
             <a:pPr lvl="1"/>
             <a:r>
-              <a:rPr lang="en-US"/>
+              <a:rPr lang="en-GB"/>
               <a:t>Second level</a:t>
             </a:r>
           </a:p>
           <a:p>
             <a:pPr lvl="2"/>
             <a:r>
-              <a:rPr lang="en-US"/>
+              <a:rPr lang="en-GB"/>
               <a:t>Third level</a:t>
             </a:r>
           </a:p>
           <a:p>
             <a:pPr lvl="3"/>
             <a:r>
-              <a:rPr lang="en-US"/>
+              <a:rPr lang="en-GB"/>
               <a:t>Fourth level</a:t>
             </a:r>
           </a:p>
           <a:p>
             <a:pPr lvl="4"/>
             <a:r>
-              <a:rPr lang="en-US"/>
+              <a:rPr lang="en-GB"/>
               <a:t>Fifth level</a:t>
             </a:r>
+            <a:endParaRPr lang="en-US" dirty="0"/>
           </a:p>
         </p:txBody>
       </p:sp>
@@ -2171,8 +2054,8 @@
         </p:nvSpPr>
         <p:spPr>
           <a:xfrm>
-            <a:off x="4645025" y="1535113"/>
-            <a:ext cx="4041775" cy="639762"/>
+            <a:off x="4629150" y="1681163"/>
+            <a:ext cx="3887391" cy="823912"/>
           </a:xfrm>
         </p:spPr>
         <p:txBody>
@@ -2218,7 +2101,7 @@
           <a:p>
             <a:pPr lvl="0"/>
             <a:r>
-              <a:rPr lang="en-US"/>
+              <a:rPr lang="en-GB"/>
               <a:t>Click to edit Master text styles</a:t>
             </a:r>
           </a:p>
@@ -2236,75 +2119,48 @@
         </p:nvSpPr>
         <p:spPr>
           <a:xfrm>
-            <a:off x="4645025" y="2174875"/>
-            <a:ext cx="4041775" cy="3951288"/>
+            <a:off x="4629150" y="2505075"/>
+            <a:ext cx="3887391" cy="3684588"/>
           </a:xfrm>
         </p:spPr>
         <p:txBody>
           <a:bodyPr/>
-          <a:lstStyle>
-            <a:lvl1pPr>
-              <a:defRPr sz="2400"/>
-            </a:lvl1pPr>
-            <a:lvl2pPr>
-              <a:defRPr sz="2000"/>
-            </a:lvl2pPr>
-            <a:lvl3pPr>
-              <a:defRPr sz="1800"/>
-            </a:lvl3pPr>
-            <a:lvl4pPr>
-              <a:defRPr sz="1600"/>
-            </a:lvl4pPr>
-            <a:lvl5pPr>
-              <a:defRPr sz="1600"/>
-            </a:lvl5pPr>
-            <a:lvl6pPr>
-              <a:defRPr sz="1600"/>
-            </a:lvl6pPr>
-            <a:lvl7pPr>
-              <a:defRPr sz="1600"/>
-            </a:lvl7pPr>
-            <a:lvl8pPr>
-              <a:defRPr sz="1600"/>
-            </a:lvl8pPr>
-            <a:lvl9pPr>
-              <a:defRPr sz="1600"/>
-            </a:lvl9pPr>
-          </a:lstStyle>
+          <a:lstStyle/>
           <a:p>
             <a:pPr lvl="0"/>
             <a:r>
-              <a:rPr lang="en-US"/>
+              <a:rPr lang="en-GB"/>
               <a:t>Click to edit Master text styles</a:t>
             </a:r>
           </a:p>
           <a:p>
             <a:pPr lvl="1"/>
             <a:r>
-              <a:rPr lang="en-US"/>
+              <a:rPr lang="en-GB"/>
               <a:t>Second level</a:t>
             </a:r>
           </a:p>
           <a:p>
             <a:pPr lvl="2"/>
             <a:r>
-              <a:rPr lang="en-US"/>
+              <a:rPr lang="en-GB"/>
               <a:t>Third level</a:t>
             </a:r>
           </a:p>
           <a:p>
             <a:pPr lvl="3"/>
             <a:r>
-              <a:rPr lang="en-US"/>
+              <a:rPr lang="en-GB"/>
               <a:t>Fourth level</a:t>
             </a:r>
           </a:p>
           <a:p>
             <a:pPr lvl="4"/>
             <a:r>
-              <a:rPr lang="en-US"/>
+              <a:rPr lang="en-GB"/>
               <a:t>Fifth level</a:t>
             </a:r>
+            <a:endParaRPr lang="en-US" dirty="0"/>
           </a:p>
         </p:txBody>
       </p:sp>
@@ -2325,7 +2181,7 @@
           <a:p>
             <a:fld id="{ADB53C6F-6285-4061-9994-6EAFF3018963}" type="datetimeFigureOut">
               <a:rPr lang="en-US" smtClean="0"/>
-              <a:t>4/16/2024</a:t>
+              <a:t>4/26/24</a:t>
             </a:fld>
             <a:endParaRPr lang="en-US"/>
           </a:p>
@@ -2367,7 +2223,7 @@
           <a:p>
             <a:fld id="{798CBF04-D241-4986-947E-411460146C72}" type="slidenum">
               <a:rPr lang="en-US" smtClean="0"/>
-              <a:t>‹N›</a:t>
+              <a:t>‹#›</a:t>
             </a:fld>
             <a:endParaRPr lang="en-US"/>
           </a:p>
@@ -2376,7 +2232,7 @@
     </p:spTree>
     <p:extLst>
       <p:ext uri="{BB962C8B-B14F-4D97-AF65-F5344CB8AC3E}">
-        <p14:creationId xmlns:p14="http://schemas.microsoft.com/office/powerpoint/2010/main" val="3603518904"/>
+        <p14:creationId xmlns:p14="http://schemas.microsoft.com/office/powerpoint/2010/main" val="2270160268"/>
       </p:ext>
     </p:extLst>
   </p:cSld>
@@ -2419,9 +2275,10 @@
           <a:lstStyle/>
           <a:p>
             <a:r>
-              <a:rPr lang="en-US"/>
+              <a:rPr lang="en-GB"/>
               <a:t>Click to edit Master title style</a:t>
             </a:r>
+            <a:endParaRPr lang="en-US" dirty="0"/>
           </a:p>
         </p:txBody>
       </p:sp>
@@ -2442,7 +2299,7 @@
           <a:p>
             <a:fld id="{ADB53C6F-6285-4061-9994-6EAFF3018963}" type="datetimeFigureOut">
               <a:rPr lang="en-US" smtClean="0"/>
-              <a:t>4/16/2024</a:t>
+              <a:t>4/26/24</a:t>
             </a:fld>
             <a:endParaRPr lang="en-US"/>
           </a:p>
@@ -2484,7 +2341,7 @@
           <a:p>
             <a:fld id="{798CBF04-D241-4986-947E-411460146C72}" type="slidenum">
               <a:rPr lang="en-US" smtClean="0"/>
-              <a:t>‹N›</a:t>
+              <a:t>‹#›</a:t>
             </a:fld>
             <a:endParaRPr lang="en-US"/>
           </a:p>
@@ -2493,7 +2350,7 @@
     </p:spTree>
     <p:extLst>
       <p:ext uri="{BB962C8B-B14F-4D97-AF65-F5344CB8AC3E}">
-        <p14:creationId xmlns:p14="http://schemas.microsoft.com/office/powerpoint/2010/main" val="3783296318"/>
+        <p14:creationId xmlns:p14="http://schemas.microsoft.com/office/powerpoint/2010/main" val="2739122147"/>
       </p:ext>
     </p:extLst>
   </p:cSld>
@@ -2537,7 +2394,7 @@
           <a:p>
             <a:fld id="{ADB53C6F-6285-4061-9994-6EAFF3018963}" type="datetimeFigureOut">
               <a:rPr lang="en-US" smtClean="0"/>
-              <a:t>4/16/2024</a:t>
+              <a:t>4/26/24</a:t>
             </a:fld>
             <a:endParaRPr lang="en-US"/>
           </a:p>
@@ -2579,7 +2436,7 @@
           <a:p>
             <a:fld id="{798CBF04-D241-4986-947E-411460146C72}" type="slidenum">
               <a:rPr lang="en-US" smtClean="0"/>
-              <a:t>‹N›</a:t>
+              <a:t>‹#›</a:t>
             </a:fld>
             <a:endParaRPr lang="en-US"/>
           </a:p>
@@ -2588,7 +2445,7 @@
     </p:spTree>
     <p:extLst>
       <p:ext uri="{BB962C8B-B14F-4D97-AF65-F5344CB8AC3E}">
-        <p14:creationId xmlns:p14="http://schemas.microsoft.com/office/powerpoint/2010/main" val="3824639241"/>
+        <p14:creationId xmlns:p14="http://schemas.microsoft.com/office/powerpoint/2010/main" val="314808041"/>
       </p:ext>
     </p:extLst>
   </p:cSld>
@@ -2627,22 +2484,23 @@
         </p:nvSpPr>
         <p:spPr>
           <a:xfrm>
-            <a:off x="457200" y="273050"/>
-            <a:ext cx="3008313" cy="1162050"/>
+            <a:off x="629841" y="457200"/>
+            <a:ext cx="2949178" cy="1600200"/>
           </a:xfrm>
         </p:spPr>
         <p:txBody>
           <a:bodyPr anchor="b"/>
           <a:lstStyle>
-            <a:lvl1pPr algn="l">
-              <a:defRPr sz="2000" b="1"/>
+            <a:lvl1pPr>
+              <a:defRPr sz="3200"/>
             </a:lvl1pPr>
           </a:lstStyle>
           <a:p>
             <a:r>
-              <a:rPr lang="en-US"/>
+              <a:rPr lang="en-GB"/>
               <a:t>Click to edit Master title style</a:t>
             </a:r>
+            <a:endParaRPr lang="en-US" dirty="0"/>
           </a:p>
         </p:txBody>
       </p:sp>
@@ -2658,8 +2516,8 @@
         </p:nvSpPr>
         <p:spPr>
           <a:xfrm>
-            <a:off x="3575050" y="273050"/>
-            <a:ext cx="5111750" cy="5853113"/>
+            <a:off x="3887391" y="987426"/>
+            <a:ext cx="4629150" cy="4873625"/>
           </a:xfrm>
         </p:spPr>
         <p:txBody>
@@ -2696,37 +2554,38 @@
           <a:p>
             <a:pPr lvl="0"/>
             <a:r>
-              <a:rPr lang="en-US"/>
+              <a:rPr lang="en-GB"/>
               <a:t>Click to edit Master text styles</a:t>
             </a:r>
           </a:p>
           <a:p>
             <a:pPr lvl="1"/>
             <a:r>
-              <a:rPr lang="en-US"/>
+              <a:rPr lang="en-GB"/>
               <a:t>Second level</a:t>
             </a:r>
           </a:p>
           <a:p>
             <a:pPr lvl="2"/>
             <a:r>
-              <a:rPr lang="en-US"/>
+              <a:rPr lang="en-GB"/>
               <a:t>Third level</a:t>
             </a:r>
           </a:p>
           <a:p>
             <a:pPr lvl="3"/>
             <a:r>
-              <a:rPr lang="en-US"/>
+              <a:rPr lang="en-GB"/>
               <a:t>Fourth level</a:t>
             </a:r>
           </a:p>
           <a:p>
             <a:pPr lvl="4"/>
             <a:r>
-              <a:rPr lang="en-US"/>
+              <a:rPr lang="en-GB"/>
               <a:t>Fifth level</a:t>
             </a:r>
+            <a:endParaRPr lang="en-US" dirty="0"/>
           </a:p>
         </p:txBody>
       </p:sp>
@@ -2742,8 +2601,8 @@
         </p:nvSpPr>
         <p:spPr>
           <a:xfrm>
-            <a:off x="457200" y="1435100"/>
-            <a:ext cx="3008313" cy="4691063"/>
+            <a:off x="629841" y="2057400"/>
+            <a:ext cx="2949178" cy="3811588"/>
           </a:xfrm>
         </p:spPr>
         <p:txBody>
@@ -2751,45 +2610,45 @@
           <a:lstStyle>
             <a:lvl1pPr marL="0" indent="0">
               <a:buNone/>
-              <a:defRPr sz="1400"/>
+              <a:defRPr sz="1600"/>
             </a:lvl1pPr>
             <a:lvl2pPr marL="457200" indent="0">
               <a:buNone/>
-              <a:defRPr sz="1200"/>
+              <a:defRPr sz="1400"/>
             </a:lvl2pPr>
             <a:lvl3pPr marL="914400" indent="0">
               <a:buNone/>
-              <a:defRPr sz="1000"/>
+              <a:defRPr sz="1200"/>
             </a:lvl3pPr>
             <a:lvl4pPr marL="1371600" indent="0">
               <a:buNone/>
-              <a:defRPr sz="900"/>
+              <a:defRPr sz="1000"/>
             </a:lvl4pPr>
             <a:lvl5pPr marL="1828800" indent="0">
               <a:buNone/>
-              <a:defRPr sz="900"/>
+              <a:defRPr sz="1000"/>
             </a:lvl5pPr>
             <a:lvl6pPr marL="2286000" indent="0">
               <a:buNone/>
-              <a:defRPr sz="900"/>
+              <a:defRPr sz="1000"/>
             </a:lvl6pPr>
             <a:lvl7pPr marL="2743200" indent="0">
               <a:buNone/>
-              <a:defRPr sz="900"/>
+              <a:defRPr sz="1000"/>
             </a:lvl7pPr>
             <a:lvl8pPr marL="3200400" indent="0">
               <a:buNone/>
-              <a:defRPr sz="900"/>
+              <a:defRPr sz="1000"/>
             </a:lvl8pPr>
             <a:lvl9pPr marL="3657600" indent="0">
               <a:buNone/>
-              <a:defRPr sz="900"/>
+              <a:defRPr sz="1000"/>
             </a:lvl9pPr>
           </a:lstStyle>
           <a:p>
             <a:pPr lvl="0"/>
             <a:r>
-              <a:rPr lang="en-US"/>
+              <a:rPr lang="en-GB"/>
               <a:t>Click to edit Master text styles</a:t>
             </a:r>
           </a:p>
@@ -2812,7 +2671,7 @@
           <a:p>
             <a:fld id="{ADB53C6F-6285-4061-9994-6EAFF3018963}" type="datetimeFigureOut">
               <a:rPr lang="en-US" smtClean="0"/>
-              <a:t>4/16/2024</a:t>
+              <a:t>4/26/24</a:t>
             </a:fld>
             <a:endParaRPr lang="en-US"/>
           </a:p>
@@ -2854,7 +2713,7 @@
           <a:p>
             <a:fld id="{798CBF04-D241-4986-947E-411460146C72}" type="slidenum">
               <a:rPr lang="en-US" smtClean="0"/>
-              <a:t>‹N›</a:t>
+              <a:t>‹#›</a:t>
             </a:fld>
             <a:endParaRPr lang="en-US"/>
           </a:p>
@@ -2863,7 +2722,7 @@
     </p:spTree>
     <p:extLst>
       <p:ext uri="{BB962C8B-B14F-4D97-AF65-F5344CB8AC3E}">
-        <p14:creationId xmlns:p14="http://schemas.microsoft.com/office/powerpoint/2010/main" val="2424614082"/>
+        <p14:creationId xmlns:p14="http://schemas.microsoft.com/office/powerpoint/2010/main" val="977645273"/>
       </p:ext>
     </p:extLst>
   </p:cSld>
@@ -2902,22 +2761,23 @@
         </p:nvSpPr>
         <p:spPr>
           <a:xfrm>
-            <a:off x="1792288" y="4800600"/>
-            <a:ext cx="5486400" cy="566738"/>
+            <a:off x="629841" y="457200"/>
+            <a:ext cx="2949178" cy="1600200"/>
           </a:xfrm>
         </p:spPr>
         <p:txBody>
           <a:bodyPr anchor="b"/>
           <a:lstStyle>
-            <a:lvl1pPr algn="l">
-              <a:defRPr sz="2000" b="1"/>
+            <a:lvl1pPr>
+              <a:defRPr sz="3200"/>
             </a:lvl1pPr>
           </a:lstStyle>
           <a:p>
             <a:r>
-              <a:rPr lang="en-US"/>
+              <a:rPr lang="en-GB"/>
               <a:t>Click to edit Master title style</a:t>
             </a:r>
+            <a:endParaRPr lang="en-US" dirty="0"/>
           </a:p>
         </p:txBody>
       </p:sp>
@@ -2925,7 +2785,7 @@
         <p:nvSpPr>
           <p:cNvPr id="3" name="Picture Placeholder 2"/>
           <p:cNvSpPr>
-            <a:spLocks noGrp="1"/>
+            <a:spLocks noGrp="1" noChangeAspect="1"/>
           </p:cNvSpPr>
           <p:nvPr>
             <p:ph type="pic" idx="1"/>
@@ -2933,12 +2793,12 @@
         </p:nvSpPr>
         <p:spPr>
           <a:xfrm>
-            <a:off x="1792288" y="612775"/>
-            <a:ext cx="5486400" cy="4114800"/>
+            <a:off x="3887391" y="987426"/>
+            <a:ext cx="4629150" cy="4873625"/>
           </a:xfrm>
         </p:spPr>
         <p:txBody>
-          <a:bodyPr/>
+          <a:bodyPr anchor="t"/>
           <a:lstStyle>
             <a:lvl1pPr marL="0" indent="0">
               <a:buNone/>
@@ -2978,7 +2838,11 @@
             </a:lvl9pPr>
           </a:lstStyle>
           <a:p>
-            <a:endParaRPr lang="en-US"/>
+            <a:r>
+              <a:rPr lang="en-GB"/>
+              <a:t>Click icon to add picture</a:t>
+            </a:r>
+            <a:endParaRPr lang="en-US" dirty="0"/>
           </a:p>
         </p:txBody>
       </p:sp>
@@ -2994,8 +2858,8 @@
         </p:nvSpPr>
         <p:spPr>
           <a:xfrm>
-            <a:off x="1792288" y="5367338"/>
-            <a:ext cx="5486400" cy="804862"/>
+            <a:off x="629841" y="2057400"/>
+            <a:ext cx="2949178" cy="3811588"/>
           </a:xfrm>
         </p:spPr>
         <p:txBody>
@@ -3003,45 +2867,45 @@
           <a:lstStyle>
             <a:lvl1pPr marL="0" indent="0">
               <a:buNone/>
-              <a:defRPr sz="1400"/>
+              <a:defRPr sz="1600"/>
             </a:lvl1pPr>
             <a:lvl2pPr marL="457200" indent="0">
               <a:buNone/>
-              <a:defRPr sz="1200"/>
+              <a:defRPr sz="1400"/>
             </a:lvl2pPr>
             <a:lvl3pPr marL="914400" indent="0">
               <a:buNone/>
-              <a:defRPr sz="1000"/>
+              <a:defRPr sz="1200"/>
             </a:lvl3pPr>
             <a:lvl4pPr marL="1371600" indent="0">
               <a:buNone/>
-              <a:defRPr sz="900"/>
+              <a:defRPr sz="1000"/>
             </a:lvl4pPr>
             <a:lvl5pPr marL="1828800" indent="0">
               <a:buNone/>
-              <a:defRPr sz="900"/>
+              <a:defRPr sz="1000"/>
             </a:lvl5pPr>
             <a:lvl6pPr marL="2286000" indent="0">
               <a:buNone/>
-              <a:defRPr sz="900"/>
+              <a:defRPr sz="1000"/>
             </a:lvl6pPr>
             <a:lvl7pPr marL="2743200" indent="0">
               <a:buNone/>
-              <a:defRPr sz="900"/>
+              <a:defRPr sz="1000"/>
             </a:lvl7pPr>
             <a:lvl8pPr marL="3200400" indent="0">
               <a:buNone/>
-              <a:defRPr sz="900"/>
+              <a:defRPr sz="1000"/>
             </a:lvl8pPr>
             <a:lvl9pPr marL="3657600" indent="0">
               <a:buNone/>
-              <a:defRPr sz="900"/>
+              <a:defRPr sz="1000"/>
             </a:lvl9pPr>
           </a:lstStyle>
           <a:p>
             <a:pPr lvl="0"/>
             <a:r>
-              <a:rPr lang="en-US"/>
+              <a:rPr lang="en-GB"/>
               <a:t>Click to edit Master text styles</a:t>
             </a:r>
           </a:p>
@@ -3064,7 +2928,7 @@
           <a:p>
             <a:fld id="{ADB53C6F-6285-4061-9994-6EAFF3018963}" type="datetimeFigureOut">
               <a:rPr lang="en-US" smtClean="0"/>
-              <a:t>4/16/2024</a:t>
+              <a:t>4/26/24</a:t>
             </a:fld>
             <a:endParaRPr lang="en-US"/>
           </a:p>
@@ -3106,7 +2970,7 @@
           <a:p>
             <a:fld id="{798CBF04-D241-4986-947E-411460146C72}" type="slidenum">
               <a:rPr lang="en-US" smtClean="0"/>
-              <a:t>‹N›</a:t>
+              <a:t>‹#›</a:t>
             </a:fld>
             <a:endParaRPr lang="en-US"/>
           </a:p>
@@ -3115,7 +2979,7 @@
     </p:spTree>
     <p:extLst>
       <p:ext uri="{BB962C8B-B14F-4D97-AF65-F5344CB8AC3E}">
-        <p14:creationId xmlns:p14="http://schemas.microsoft.com/office/powerpoint/2010/main" val="2016924103"/>
+        <p14:creationId xmlns:p14="http://schemas.microsoft.com/office/powerpoint/2010/main" val="3225460497"/>
       </p:ext>
     </p:extLst>
   </p:cSld>
@@ -3159,8 +3023,8 @@
         </p:nvSpPr>
         <p:spPr>
           <a:xfrm>
-            <a:off x="457200" y="274638"/>
-            <a:ext cx="8229600" cy="1143000"/>
+            <a:off x="628650" y="365126"/>
+            <a:ext cx="7886700" cy="1325563"/>
           </a:xfrm>
           <a:prstGeom prst="rect">
             <a:avLst/>
@@ -3173,9 +3037,10 @@
           <a:lstStyle/>
           <a:p>
             <a:r>
-              <a:rPr lang="en-US"/>
+              <a:rPr lang="en-GB"/>
               <a:t>Click to edit Master title style</a:t>
             </a:r>
+            <a:endParaRPr lang="en-US" dirty="0"/>
           </a:p>
         </p:txBody>
       </p:sp>
@@ -3191,8 +3056,8 @@
         </p:nvSpPr>
         <p:spPr>
           <a:xfrm>
-            <a:off x="457200" y="1600200"/>
-            <a:ext cx="8229600" cy="4525963"/>
+            <a:off x="628650" y="1825625"/>
+            <a:ext cx="7886700" cy="4351338"/>
           </a:xfrm>
           <a:prstGeom prst="rect">
             <a:avLst/>
@@ -3206,37 +3071,38 @@
           <a:p>
             <a:pPr lvl="0"/>
             <a:r>
-              <a:rPr lang="en-US"/>
+              <a:rPr lang="en-GB"/>
               <a:t>Click to edit Master text styles</a:t>
             </a:r>
           </a:p>
           <a:p>
             <a:pPr lvl="1"/>
             <a:r>
-              <a:rPr lang="en-US"/>
+              <a:rPr lang="en-GB"/>
               <a:t>Second level</a:t>
             </a:r>
           </a:p>
           <a:p>
             <a:pPr lvl="2"/>
             <a:r>
-              <a:rPr lang="en-US"/>
+              <a:rPr lang="en-GB"/>
               <a:t>Third level</a:t>
             </a:r>
           </a:p>
           <a:p>
             <a:pPr lvl="3"/>
             <a:r>
-              <a:rPr lang="en-US"/>
+              <a:rPr lang="en-GB"/>
               <a:t>Fourth level</a:t>
             </a:r>
           </a:p>
           <a:p>
             <a:pPr lvl="4"/>
             <a:r>
-              <a:rPr lang="en-US"/>
+              <a:rPr lang="en-GB"/>
               <a:t>Fifth level</a:t>
             </a:r>
+            <a:endParaRPr lang="en-US" dirty="0"/>
           </a:p>
         </p:txBody>
       </p:sp>
@@ -3252,8 +3118,8 @@
         </p:nvSpPr>
         <p:spPr>
           <a:xfrm>
-            <a:off x="457200" y="6356350"/>
-            <a:ext cx="2133600" cy="365125"/>
+            <a:off x="628650" y="6356351"/>
+            <a:ext cx="2057400" cy="365125"/>
           </a:xfrm>
           <a:prstGeom prst="rect">
             <a:avLst/>
@@ -3275,7 +3141,7 @@
           <a:p>
             <a:fld id="{ADB53C6F-6285-4061-9994-6EAFF3018963}" type="datetimeFigureOut">
               <a:rPr lang="en-US" smtClean="0"/>
-              <a:t>4/16/2024</a:t>
+              <a:t>4/26/24</a:t>
             </a:fld>
             <a:endParaRPr lang="en-US"/>
           </a:p>
@@ -3293,8 +3159,8 @@
         </p:nvSpPr>
         <p:spPr>
           <a:xfrm>
-            <a:off x="3124200" y="6356350"/>
-            <a:ext cx="2895600" cy="365125"/>
+            <a:off x="3028950" y="6356351"/>
+            <a:ext cx="3086100" cy="365125"/>
           </a:xfrm>
           <a:prstGeom prst="rect">
             <a:avLst/>
@@ -3330,8 +3196,8 @@
         </p:nvSpPr>
         <p:spPr>
           <a:xfrm>
-            <a:off x="6553200" y="6356350"/>
-            <a:ext cx="2133600" cy="365125"/>
+            <a:off x="6457950" y="6356351"/>
+            <a:ext cx="2057400" cy="365125"/>
           </a:xfrm>
           <a:prstGeom prst="rect">
             <a:avLst/>
@@ -3353,7 +3219,7 @@
           <a:p>
             <a:fld id="{798CBF04-D241-4986-947E-411460146C72}" type="slidenum">
               <a:rPr lang="en-US" smtClean="0"/>
-              <a:t>‹N›</a:t>
+              <a:t>‹#›</a:t>
             </a:fld>
             <a:endParaRPr lang="en-US"/>
           </a:p>
@@ -3362,27 +3228,30 @@
     </p:spTree>
     <p:extLst>
       <p:ext uri="{BB962C8B-B14F-4D97-AF65-F5344CB8AC3E}">
-        <p14:creationId xmlns:p14="http://schemas.microsoft.com/office/powerpoint/2010/main" val="4139887857"/>
+        <p14:creationId xmlns:p14="http://schemas.microsoft.com/office/powerpoint/2010/main" val="2664063287"/>
       </p:ext>
     </p:extLst>
   </p:cSld>
   <p:clrMap bg1="lt1" tx1="dk1" bg2="lt2" tx2="dk2" accent1="accent1" accent2="accent2" accent3="accent3" accent4="accent4" accent5="accent5" accent6="accent6" hlink="hlink" folHlink="folHlink"/>
   <p:sldLayoutIdLst>
-    <p:sldLayoutId id="2147483649" r:id="rId1"/>
-    <p:sldLayoutId id="2147483650" r:id="rId2"/>
-    <p:sldLayoutId id="2147483651" r:id="rId3"/>
-    <p:sldLayoutId id="2147483652" r:id="rId4"/>
-    <p:sldLayoutId id="2147483653" r:id="rId5"/>
-    <p:sldLayoutId id="2147483654" r:id="rId6"/>
-    <p:sldLayoutId id="2147483655" r:id="rId7"/>
-    <p:sldLayoutId id="2147483656" r:id="rId8"/>
-    <p:sldLayoutId id="2147483657" r:id="rId9"/>
-    <p:sldLayoutId id="2147483658" r:id="rId10"/>
-    <p:sldLayoutId id="2147483659" r:id="rId11"/>
+    <p:sldLayoutId id="2147483697" r:id="rId1"/>
+    <p:sldLayoutId id="2147483698" r:id="rId2"/>
+    <p:sldLayoutId id="2147483699" r:id="rId3"/>
+    <p:sldLayoutId id="2147483700" r:id="rId4"/>
+    <p:sldLayoutId id="2147483701" r:id="rId5"/>
+    <p:sldLayoutId id="2147483702" r:id="rId6"/>
+    <p:sldLayoutId id="2147483703" r:id="rId7"/>
+    <p:sldLayoutId id="2147483704" r:id="rId8"/>
+    <p:sldLayoutId id="2147483705" r:id="rId9"/>
+    <p:sldLayoutId id="2147483706" r:id="rId10"/>
+    <p:sldLayoutId id="2147483707" r:id="rId11"/>
   </p:sldLayoutIdLst>
   <p:txStyles>
     <p:titleStyle>
-      <a:lvl1pPr algn="ctr" defTabSz="914400" rtl="0" eaLnBrk="1" latinLnBrk="0" hangingPunct="1">
+      <a:lvl1pPr algn="l" defTabSz="914400" rtl="0" eaLnBrk="1" latinLnBrk="0" hangingPunct="1">
+        <a:lnSpc>
+          <a:spcPct val="90000"/>
+        </a:lnSpc>
         <a:spcBef>
           <a:spcPct val="0"/>
         </a:spcBef>
@@ -3398,13 +3267,16 @@
       </a:lvl1pPr>
     </p:titleStyle>
     <p:bodyStyle>
-      <a:lvl1pPr marL="342900" indent="-342900" algn="l" defTabSz="914400" rtl="0" eaLnBrk="1" latinLnBrk="0" hangingPunct="1">
+      <a:lvl1pPr marL="228600" indent="-228600" algn="l" defTabSz="914400" rtl="0" eaLnBrk="1" latinLnBrk="0" hangingPunct="1">
+        <a:lnSpc>
+          <a:spcPct val="90000"/>
+        </a:lnSpc>
         <a:spcBef>
-          <a:spcPct val="20000"/>
+          <a:spcPts val="1000"/>
         </a:spcBef>
         <a:buFont typeface="Arial" panose="020B0604020202020204" pitchFamily="34" charset="0"/>
         <a:buChar char="•"/>
-        <a:defRPr sz="3200" kern="1200">
+        <a:defRPr sz="2800" kern="1200">
           <a:solidFill>
             <a:schemeClr val="tx1"/>
           </a:solidFill>
@@ -3413,24 +3285,12 @@
           <a:cs typeface="+mn-cs"/>
         </a:defRPr>
       </a:lvl1pPr>
-      <a:lvl2pPr marL="742950" indent="-285750" algn="l" defTabSz="914400" rtl="0" eaLnBrk="1" latinLnBrk="0" hangingPunct="1">
+      <a:lvl2pPr marL="685800" indent="-228600" algn="l" defTabSz="914400" rtl="0" eaLnBrk="1" latinLnBrk="0" hangingPunct="1">
+        <a:lnSpc>
+          <a:spcPct val="90000"/>
+        </a:lnSpc>
         <a:spcBef>
-          <a:spcPct val="20000"/>
-        </a:spcBef>
-        <a:buFont typeface="Arial" panose="020B0604020202020204" pitchFamily="34" charset="0"/>
-        <a:buChar char="–"/>
-        <a:defRPr sz="2800" kern="1200">
-          <a:solidFill>
-            <a:schemeClr val="tx1"/>
-          </a:solidFill>
-          <a:latin typeface="+mn-lt"/>
-          <a:ea typeface="+mn-ea"/>
-          <a:cs typeface="+mn-cs"/>
-        </a:defRPr>
-      </a:lvl2pPr>
-      <a:lvl3pPr marL="1143000" indent="-228600" algn="l" defTabSz="914400" rtl="0" eaLnBrk="1" latinLnBrk="0" hangingPunct="1">
-        <a:spcBef>
-          <a:spcPct val="20000"/>
+          <a:spcPts val="500"/>
         </a:spcBef>
         <a:buFont typeface="Arial" panose="020B0604020202020204" pitchFamily="34" charset="0"/>
         <a:buChar char="•"/>
@@ -3442,40 +3302,13 @@
           <a:ea typeface="+mn-ea"/>
           <a:cs typeface="+mn-cs"/>
         </a:defRPr>
-      </a:lvl3pPr>
-      <a:lvl4pPr marL="1600200" indent="-228600" algn="l" defTabSz="914400" rtl="0" eaLnBrk="1" latinLnBrk="0" hangingPunct="1">
+      </a:lvl2pPr>
+      <a:lvl3pPr marL="1143000" indent="-228600" algn="l" defTabSz="914400" rtl="0" eaLnBrk="1" latinLnBrk="0" hangingPunct="1">
+        <a:lnSpc>
+          <a:spcPct val="90000"/>
+        </a:lnSpc>
         <a:spcBef>
-          <a:spcPct val="20000"/>
-        </a:spcBef>
-        <a:buFont typeface="Arial" panose="020B0604020202020204" pitchFamily="34" charset="0"/>
-        <a:buChar char="–"/>
-        <a:defRPr sz="2000" kern="1200">
-          <a:solidFill>
-            <a:schemeClr val="tx1"/>
-          </a:solidFill>
-          <a:latin typeface="+mn-lt"/>
-          <a:ea typeface="+mn-ea"/>
-          <a:cs typeface="+mn-cs"/>
-        </a:defRPr>
-      </a:lvl4pPr>
-      <a:lvl5pPr marL="2057400" indent="-228600" algn="l" defTabSz="914400" rtl="0" eaLnBrk="1" latinLnBrk="0" hangingPunct="1">
-        <a:spcBef>
-          <a:spcPct val="20000"/>
-        </a:spcBef>
-        <a:buFont typeface="Arial" panose="020B0604020202020204" pitchFamily="34" charset="0"/>
-        <a:buChar char="»"/>
-        <a:defRPr sz="2000" kern="1200">
-          <a:solidFill>
-            <a:schemeClr val="tx1"/>
-          </a:solidFill>
-          <a:latin typeface="+mn-lt"/>
-          <a:ea typeface="+mn-ea"/>
-          <a:cs typeface="+mn-cs"/>
-        </a:defRPr>
-      </a:lvl5pPr>
-      <a:lvl6pPr marL="2514600" indent="-228600" algn="l" defTabSz="914400" rtl="0" eaLnBrk="1" latinLnBrk="0" hangingPunct="1">
-        <a:spcBef>
-          <a:spcPct val="20000"/>
+          <a:spcPts val="500"/>
         </a:spcBef>
         <a:buFont typeface="Arial" panose="020B0604020202020204" pitchFamily="34" charset="0"/>
         <a:buChar char="•"/>
@@ -3487,14 +3320,71 @@
           <a:ea typeface="+mn-ea"/>
           <a:cs typeface="+mn-cs"/>
         </a:defRPr>
-      </a:lvl6pPr>
-      <a:lvl7pPr marL="2971800" indent="-228600" algn="l" defTabSz="914400" rtl="0" eaLnBrk="1" latinLnBrk="0" hangingPunct="1">
+      </a:lvl3pPr>
+      <a:lvl4pPr marL="1600200" indent="-228600" algn="l" defTabSz="914400" rtl="0" eaLnBrk="1" latinLnBrk="0" hangingPunct="1">
+        <a:lnSpc>
+          <a:spcPct val="90000"/>
+        </a:lnSpc>
         <a:spcBef>
-          <a:spcPct val="20000"/>
+          <a:spcPts val="500"/>
         </a:spcBef>
         <a:buFont typeface="Arial" panose="020B0604020202020204" pitchFamily="34" charset="0"/>
         <a:buChar char="•"/>
-        <a:defRPr sz="2000" kern="1200">
+        <a:defRPr sz="1800" kern="1200">
+          <a:solidFill>
+            <a:schemeClr val="tx1"/>
+          </a:solidFill>
+          <a:latin typeface="+mn-lt"/>
+          <a:ea typeface="+mn-ea"/>
+          <a:cs typeface="+mn-cs"/>
+        </a:defRPr>
+      </a:lvl4pPr>
+      <a:lvl5pPr marL="2057400" indent="-228600" algn="l" defTabSz="914400" rtl="0" eaLnBrk="1" latinLnBrk="0" hangingPunct="1">
+        <a:lnSpc>
+          <a:spcPct val="90000"/>
+        </a:lnSpc>
+        <a:spcBef>
+          <a:spcPts val="500"/>
+        </a:spcBef>
+        <a:buFont typeface="Arial" panose="020B0604020202020204" pitchFamily="34" charset="0"/>
+        <a:buChar char="•"/>
+        <a:defRPr sz="1800" kern="1200">
+          <a:solidFill>
+            <a:schemeClr val="tx1"/>
+          </a:solidFill>
+          <a:latin typeface="+mn-lt"/>
+          <a:ea typeface="+mn-ea"/>
+          <a:cs typeface="+mn-cs"/>
+        </a:defRPr>
+      </a:lvl5pPr>
+      <a:lvl6pPr marL="2514600" indent="-228600" algn="l" defTabSz="914400" rtl="0" eaLnBrk="1" latinLnBrk="0" hangingPunct="1">
+        <a:lnSpc>
+          <a:spcPct val="90000"/>
+        </a:lnSpc>
+        <a:spcBef>
+          <a:spcPts val="500"/>
+        </a:spcBef>
+        <a:buFont typeface="Arial" panose="020B0604020202020204" pitchFamily="34" charset="0"/>
+        <a:buChar char="•"/>
+        <a:defRPr sz="1800" kern="1200">
+          <a:solidFill>
+            <a:schemeClr val="tx1"/>
+          </a:solidFill>
+          <a:latin typeface="+mn-lt"/>
+          <a:ea typeface="+mn-ea"/>
+          <a:cs typeface="+mn-cs"/>
+        </a:defRPr>
+      </a:lvl6pPr>
+      <a:lvl7pPr marL="2971800" indent="-228600" algn="l" defTabSz="914400" rtl="0" eaLnBrk="1" latinLnBrk="0" hangingPunct="1">
+        <a:lnSpc>
+          <a:spcPct val="90000"/>
+        </a:lnSpc>
+        <a:spcBef>
+          <a:spcPts val="500"/>
+        </a:spcBef>
+        <a:buFont typeface="Arial" panose="020B0604020202020204" pitchFamily="34" charset="0"/>
+        <a:buChar char="•"/>
+        <a:defRPr sz="1800" kern="1200">
           <a:solidFill>
             <a:schemeClr val="tx1"/>
           </a:solidFill>
@@ -3504,12 +3394,15 @@
         </a:defRPr>
       </a:lvl7pPr>
       <a:lvl8pPr marL="3429000" indent="-228600" algn="l" defTabSz="914400" rtl="0" eaLnBrk="1" latinLnBrk="0" hangingPunct="1">
+        <a:lnSpc>
+          <a:spcPct val="90000"/>
+        </a:lnSpc>
         <a:spcBef>
-          <a:spcPct val="20000"/>
+          <a:spcPts val="500"/>
         </a:spcBef>
         <a:buFont typeface="Arial" panose="020B0604020202020204" pitchFamily="34" charset="0"/>
         <a:buChar char="•"/>
-        <a:defRPr sz="2000" kern="1200">
+        <a:defRPr sz="1800" kern="1200">
           <a:solidFill>
             <a:schemeClr val="tx1"/>
           </a:solidFill>
@@ -3519,12 +3412,15 @@
         </a:defRPr>
       </a:lvl8pPr>
       <a:lvl9pPr marL="3886200" indent="-228600" algn="l" defTabSz="914400" rtl="0" eaLnBrk="1" latinLnBrk="0" hangingPunct="1">
+        <a:lnSpc>
+          <a:spcPct val="90000"/>
+        </a:lnSpc>
         <a:spcBef>
-          <a:spcPct val="20000"/>
+          <a:spcPts val="500"/>
         </a:spcBef>
         <a:buFont typeface="Arial" panose="020B0604020202020204" pitchFamily="34" charset="0"/>
         <a:buChar char="•"/>
-        <a:defRPr sz="2000" kern="1200">
+        <a:defRPr sz="1800" kern="1200">
           <a:solidFill>
             <a:schemeClr val="tx1"/>
           </a:solidFill>
@@ -3662,12 +3558,14 @@
         </p:nvSpPr>
         <p:spPr/>
         <p:txBody>
-          <a:bodyPr/>
+          <a:bodyPr>
+            <a:normAutofit fontScale="90000"/>
+          </a:bodyPr>
           <a:lstStyle/>
           <a:p>
             <a:r>
               <a:rPr lang="en-US" dirty="0"/>
-              <a:t>PROGETTO TIW 2023-24: </a:t>
+              <a:t>PROGETTO TIW(No JS) 2023-24: </a:t>
             </a:r>
             <a:r>
               <a:rPr lang="it-IT" dirty="0"/>
@@ -3734,6 +3632,609 @@
           <p:cNvPr id="2" name="Titolo 1">
             <a:extLst>
               <a:ext uri="{FF2B5EF4-FFF2-40B4-BE49-F238E27FC236}">
+                <a16:creationId xmlns:a16="http://schemas.microsoft.com/office/drawing/2014/main" id="{1DA9E24E-24CC-0263-0412-4768E56D43C9}"/>
+              </a:ext>
+            </a:extLst>
+          </p:cNvPr>
+          <p:cNvSpPr>
+            <a:spLocks noGrp="1"/>
+          </p:cNvSpPr>
+          <p:nvPr>
+            <p:ph type="title"/>
+          </p:nvPr>
+        </p:nvSpPr>
+        <p:spPr/>
+        <p:txBody>
+          <a:bodyPr/>
+          <a:lstStyle/>
+          <a:p>
+            <a:r>
+              <a:rPr lang="en-US" dirty="0"/>
+              <a:t>Componenti (U)</a:t>
+            </a:r>
+            <a:endParaRPr lang="it-IT" dirty="0"/>
+          </a:p>
+        </p:txBody>
+      </p:sp>
+      <p:sp>
+        <p:nvSpPr>
+          <p:cNvPr id="3" name="Segnaposto contenuto 2">
+            <a:extLst>
+              <a:ext uri="{FF2B5EF4-FFF2-40B4-BE49-F238E27FC236}">
+                <a16:creationId xmlns:a16="http://schemas.microsoft.com/office/drawing/2014/main" id="{2C268C9A-34F6-A7F7-162E-B35F722E1F0A}"/>
+              </a:ext>
+            </a:extLst>
+          </p:cNvPr>
+          <p:cNvSpPr>
+            <a:spLocks noGrp="1"/>
+          </p:cNvSpPr>
+          <p:nvPr>
+            <p:ph sz="half" idx="1"/>
+          </p:nvPr>
+        </p:nvSpPr>
+        <p:spPr>
+          <a:xfrm>
+            <a:off x="457200" y="1600200"/>
+            <a:ext cx="4038600" cy="4853136"/>
+          </a:xfrm>
+        </p:spPr>
+        <p:txBody>
+          <a:bodyPr>
+            <a:normAutofit fontScale="25000" lnSpcReduction="20000"/>
+          </a:bodyPr>
+          <a:lstStyle/>
+          <a:p>
+            <a:pPr marL="0" indent="0">
+              <a:buNone/>
+            </a:pPr>
+            <a:r>
+              <a:rPr lang="en-US" sz="4000" b="1" i="1" dirty="0">
+                <a:effectLst>
+                  <a:outerShdw blurRad="38100" dist="38100" dir="2700000" algn="tl">
+                    <a:srgbClr val="000000">
+                      <a:alpha val="43137"/>
+                    </a:srgbClr>
+                  </a:outerShdw>
+                </a:effectLst>
+              </a:rPr>
+              <a:t>Controllers (Servlets):</a:t>
+            </a:r>
+          </a:p>
+          <a:p>
+            <a:pPr marL="0" indent="0">
+              <a:buNone/>
+            </a:pPr>
+            <a:endParaRPr lang="en-US" dirty="0"/>
+          </a:p>
+          <a:p>
+            <a:pPr marL="742950" indent="-742950">
+              <a:buFont typeface="+mj-lt"/>
+              <a:buAutoNum type="arabicPeriod"/>
+            </a:pPr>
+            <a:r>
+              <a:rPr lang="it-IT" sz="3600" b="1" u="sng" dirty="0"/>
+              <a:t>CheckLogin</a:t>
+            </a:r>
+            <a:r>
+              <a:rPr lang="it-IT" sz="3600" dirty="0"/>
+              <a:t>: Autentica le credenziali di accesso dell'utente.</a:t>
+            </a:r>
+          </a:p>
+          <a:p>
+            <a:pPr marL="742950" indent="-742950">
+              <a:buFont typeface="+mj-lt"/>
+              <a:buAutoNum type="arabicPeriod"/>
+            </a:pPr>
+            <a:r>
+              <a:rPr lang="it-IT" sz="3600" b="1" u="sng" dirty="0"/>
+              <a:t>Registration</a:t>
+            </a:r>
+            <a:r>
+              <a:rPr lang="it-IT" sz="3600" dirty="0"/>
+              <a:t>: gestisce la registrazione del nuovo utente.</a:t>
+            </a:r>
+          </a:p>
+          <a:p>
+            <a:pPr marL="742950" indent="-742950">
+              <a:buFont typeface="+mj-lt"/>
+              <a:buAutoNum type="arabicPeriod"/>
+            </a:pPr>
+            <a:r>
+              <a:rPr lang="it-IT" sz="3600" b="1" u="sng" dirty="0"/>
+              <a:t>Logout</a:t>
+            </a:r>
+            <a:r>
+              <a:rPr lang="it-IT" sz="3600" dirty="0"/>
+              <a:t>: Gestisce il processo di logout dell'utente.</a:t>
+            </a:r>
+          </a:p>
+          <a:p>
+            <a:pPr marL="742950" indent="-742950">
+              <a:buFont typeface="+mj-lt"/>
+              <a:buAutoNum type="arabicPeriod"/>
+            </a:pPr>
+            <a:r>
+              <a:rPr lang="it-IT" sz="3600" b="1" u="sng" dirty="0"/>
+              <a:t>GoToHome</a:t>
+            </a:r>
+            <a:r>
+              <a:rPr lang="it-IT" sz="3600" dirty="0"/>
+              <a:t>: Reindirizza alla pagina principale.</a:t>
+            </a:r>
+          </a:p>
+          <a:p>
+            <a:pPr marL="742950" indent="-742950">
+              <a:buFont typeface="+mj-lt"/>
+              <a:buAutoNum type="arabicPeriod"/>
+            </a:pPr>
+            <a:r>
+              <a:rPr lang="it-IT" sz="3600" b="1" u="sng" dirty="0"/>
+              <a:t>CreateAlbum</a:t>
+            </a:r>
+            <a:r>
+              <a:rPr lang="it-IT" sz="3600" dirty="0"/>
+              <a:t>: Gestisce la creazione di album fotografici da parte degli utenti.</a:t>
+            </a:r>
+          </a:p>
+          <a:p>
+            <a:pPr marL="742950" indent="-742950">
+              <a:buFont typeface="+mj-lt"/>
+              <a:buAutoNum type="arabicPeriod"/>
+            </a:pPr>
+            <a:r>
+              <a:rPr lang="it-IT" sz="3600" b="1" u="sng" dirty="0"/>
+              <a:t>AddImage</a:t>
+            </a:r>
+            <a:r>
+              <a:rPr lang="it-IT" sz="3600" dirty="0"/>
+              <a:t>: Gestisce il caricamento e l'associazione delle immagini agli album.</a:t>
+            </a:r>
+          </a:p>
+          <a:p>
+            <a:pPr marL="742950" indent="-742950">
+              <a:buFont typeface="+mj-lt"/>
+              <a:buAutoNum type="arabicPeriod"/>
+            </a:pPr>
+            <a:r>
+              <a:rPr lang="it-IT" sz="3600" b="1" u="sng" dirty="0"/>
+              <a:t>GoToAlbum</a:t>
+            </a:r>
+            <a:r>
+              <a:rPr lang="it-IT" sz="3600" dirty="0"/>
+              <a:t>: Indirizza alla pagina di un album specifico.</a:t>
+            </a:r>
+          </a:p>
+          <a:p>
+            <a:pPr marL="742950" indent="-742950">
+              <a:buFont typeface="+mj-lt"/>
+              <a:buAutoNum type="arabicPeriod"/>
+            </a:pPr>
+            <a:r>
+              <a:rPr lang="it-IT" sz="3600" b="1" u="sng" dirty="0"/>
+              <a:t>AddComment</a:t>
+            </a:r>
+            <a:r>
+              <a:rPr lang="it-IT" sz="3600" dirty="0"/>
+              <a:t>: Gestisce l'aggiunta di commenti alle immagini.</a:t>
+            </a:r>
+          </a:p>
+          <a:p>
+            <a:pPr marL="742950" indent="-742950">
+              <a:buFont typeface="+mj-lt"/>
+              <a:buAutoNum type="arabicPeriod"/>
+            </a:pPr>
+            <a:r>
+              <a:rPr lang="it-IT" sz="3600" b="1" u="sng" dirty="0"/>
+              <a:t>DeleteImage</a:t>
+            </a:r>
+            <a:r>
+              <a:rPr lang="it-IT" sz="3600" dirty="0"/>
+              <a:t>: Consente l'eliminazione delle immagini, con relativi commenti.</a:t>
+            </a:r>
+          </a:p>
+          <a:p>
+            <a:pPr marL="742950" indent="-742950">
+              <a:buFont typeface="+mj-lt"/>
+              <a:buAutoNum type="arabicPeriod"/>
+            </a:pPr>
+            <a:r>
+              <a:rPr lang="it-IT" sz="3600" b="1" u="sng" dirty="0"/>
+              <a:t>SaveImageOrder</a:t>
+            </a:r>
+            <a:r>
+              <a:rPr lang="it-IT" sz="3600" dirty="0"/>
+              <a:t>: Preserva l'ordine personalizzato delle immagini impostato dall'utente.</a:t>
+            </a:r>
+            <a:endParaRPr lang="en-US" sz="3600" dirty="0"/>
+          </a:p>
+          <a:p>
+            <a:pPr marL="0" indent="0">
+              <a:buNone/>
+            </a:pPr>
+            <a:endParaRPr lang="en-US" sz="3600" dirty="0"/>
+          </a:p>
+          <a:p>
+            <a:pPr marL="0" indent="0">
+              <a:buNone/>
+            </a:pPr>
+            <a:r>
+              <a:rPr lang="en-US" sz="4000" b="1" i="1" dirty="0">
+                <a:effectLst>
+                  <a:outerShdw blurRad="38100" dist="38100" dir="2700000" algn="tl">
+                    <a:srgbClr val="000000">
+                      <a:alpha val="43137"/>
+                    </a:srgbClr>
+                  </a:outerShdw>
+                </a:effectLst>
+              </a:rPr>
+              <a:t>Views (Templates) &amp; Components</a:t>
+            </a:r>
+            <a:r>
+              <a:rPr lang="en-US" sz="4000" b="1" dirty="0"/>
+              <a:t>:</a:t>
+            </a:r>
+          </a:p>
+          <a:p>
+            <a:pPr marL="0" indent="0">
+              <a:buNone/>
+            </a:pPr>
+            <a:endParaRPr lang="en-US" dirty="0"/>
+          </a:p>
+          <a:p>
+            <a:r>
+              <a:rPr lang="en-US" sz="3600" b="1" u="sng" dirty="0"/>
+              <a:t>Login Page</a:t>
+            </a:r>
+            <a:r>
+              <a:rPr lang="en-US" sz="3600" dirty="0"/>
+              <a:t>:</a:t>
+            </a:r>
+          </a:p>
+          <a:p>
+            <a:pPr lvl="1"/>
+            <a:r>
+              <a:rPr lang="en-US" sz="3200" dirty="0"/>
+              <a:t>Login form: Username and password richiesti.</a:t>
+            </a:r>
+          </a:p>
+          <a:p>
+            <a:r>
+              <a:rPr lang="en-US" sz="3600" b="1" u="sng" dirty="0"/>
+              <a:t>Registration Page</a:t>
+            </a:r>
+            <a:r>
+              <a:rPr lang="en-US" sz="3600" dirty="0"/>
+              <a:t>:</a:t>
+            </a:r>
+          </a:p>
+          <a:p>
+            <a:pPr lvl="1"/>
+            <a:r>
+              <a:rPr lang="en-US" sz="3200" dirty="0"/>
+              <a:t>Registration form: username, email, and password.</a:t>
+            </a:r>
+          </a:p>
+          <a:p>
+            <a:r>
+              <a:rPr lang="en-US" sz="3600" b="1" u="sng" dirty="0"/>
+              <a:t>Home Page</a:t>
+            </a:r>
+            <a:r>
+              <a:rPr lang="en-US" sz="3600" dirty="0"/>
+              <a:t>:</a:t>
+            </a:r>
+          </a:p>
+          <a:p>
+            <a:pPr lvl="1"/>
+            <a:r>
+              <a:rPr lang="en-US" sz="3200" dirty="0"/>
+              <a:t>Lista di Album: disposte prima quelle dell’utente e poi le altre.</a:t>
+            </a:r>
+          </a:p>
+          <a:p>
+            <a:pPr lvl="1"/>
+            <a:r>
+              <a:rPr lang="en-US" sz="3200" dirty="0"/>
+              <a:t>Album Creation Form: titolo (richiesto) piu immagini.</a:t>
+            </a:r>
+          </a:p>
+          <a:p>
+            <a:r>
+              <a:rPr lang="en-US" sz="3600" b="1" u="sng" dirty="0"/>
+              <a:t>Album Page</a:t>
+            </a:r>
+            <a:r>
+              <a:rPr lang="en-US" sz="3600" dirty="0"/>
+              <a:t>:</a:t>
+            </a:r>
+          </a:p>
+          <a:p>
+            <a:pPr lvl="1"/>
+            <a:r>
+              <a:rPr lang="it-IT" sz="3200" dirty="0"/>
+              <a:t>Griglia delle Immagini: Una disposizione a griglia per visualizzare le miniature delle immagini.</a:t>
+            </a:r>
+          </a:p>
+          <a:p>
+            <a:pPr lvl="1"/>
+            <a:r>
+              <a:rPr lang="it-IT" sz="3200" dirty="0"/>
+              <a:t>Controlli di Paginazione: Pulsanti per navigare attraverso i set di immagini.</a:t>
+            </a:r>
+            <a:endParaRPr lang="en-US" sz="3200" dirty="0"/>
+          </a:p>
+          <a:p>
+            <a:r>
+              <a:rPr lang="en-US" sz="3600" b="1" u="sng" dirty="0"/>
+              <a:t>Image Page</a:t>
+            </a:r>
+            <a:r>
+              <a:rPr lang="en-US" sz="3600" dirty="0"/>
+              <a:t>:</a:t>
+            </a:r>
+            <a:endParaRPr lang="en-US" sz="3200" dirty="0"/>
+          </a:p>
+          <a:p>
+            <a:pPr lvl="1"/>
+            <a:r>
+              <a:rPr lang="it-IT" sz="3200" dirty="0"/>
+              <a:t>Dettagli dell'Immagine: Mostra l'immagine a dimensioni intere, titolo, descrizione e altre metadati.</a:t>
+            </a:r>
+          </a:p>
+          <a:p>
+            <a:pPr lvl="1"/>
+            <a:r>
+              <a:rPr lang="it-IT" sz="3200" dirty="0"/>
+              <a:t>Sezione Commenti: Elenca i commenti e include un modulo per aggiungere nuovi commenti.</a:t>
+            </a:r>
+          </a:p>
+          <a:p>
+            <a:pPr lvl="1"/>
+            <a:r>
+              <a:rPr lang="it-IT" sz="3200" dirty="0"/>
+              <a:t>Pulsante Elimina Immagine: Opzione per eliminare l'immagine se l'utente ne è il proprietario.</a:t>
+            </a:r>
+          </a:p>
+        </p:txBody>
+      </p:sp>
+      <p:sp>
+        <p:nvSpPr>
+          <p:cNvPr id="4" name="Segnaposto contenuto 3">
+            <a:extLst>
+              <a:ext uri="{FF2B5EF4-FFF2-40B4-BE49-F238E27FC236}">
+                <a16:creationId xmlns:a16="http://schemas.microsoft.com/office/drawing/2014/main" id="{566E95B2-1436-F5C6-DDA5-48A6CD66B107}"/>
+              </a:ext>
+            </a:extLst>
+          </p:cNvPr>
+          <p:cNvSpPr>
+            <a:spLocks noGrp="1"/>
+          </p:cNvSpPr>
+          <p:nvPr>
+            <p:ph sz="half" idx="2"/>
+          </p:nvPr>
+        </p:nvSpPr>
+        <p:spPr>
+          <a:xfrm>
+            <a:off x="4648200" y="1600200"/>
+            <a:ext cx="4038600" cy="4853136"/>
+          </a:xfrm>
+        </p:spPr>
+        <p:txBody>
+          <a:bodyPr>
+            <a:normAutofit fontScale="25000" lnSpcReduction="20000"/>
+          </a:bodyPr>
+          <a:lstStyle/>
+          <a:p>
+            <a:pPr marL="0" indent="0">
+              <a:buNone/>
+            </a:pPr>
+            <a:r>
+              <a:rPr lang="en-US" sz="4000" b="1" i="1" dirty="0">
+                <a:effectLst>
+                  <a:outerShdw blurRad="38100" dist="38100" dir="2700000" algn="tl">
+                    <a:srgbClr val="000000">
+                      <a:alpha val="43137"/>
+                    </a:srgbClr>
+                  </a:outerShdw>
+                </a:effectLst>
+              </a:rPr>
+              <a:t>Model Objects (Beans):</a:t>
+            </a:r>
+          </a:p>
+          <a:p>
+            <a:pPr marL="0" indent="0">
+              <a:buNone/>
+            </a:pPr>
+            <a:endParaRPr lang="en-US" dirty="0"/>
+          </a:p>
+          <a:p>
+            <a:r>
+              <a:rPr lang="en-US" sz="3600" b="1" u="sng" dirty="0"/>
+              <a:t>User</a:t>
+            </a:r>
+            <a:r>
+              <a:rPr lang="en-US" sz="3600" dirty="0"/>
+              <a:t>: Object representing the user with properties like username, password, and email.</a:t>
+            </a:r>
+          </a:p>
+          <a:p>
+            <a:r>
+              <a:rPr lang="en-US" sz="3600" b="1" u="sng" dirty="0"/>
+              <a:t>Album</a:t>
+            </a:r>
+            <a:r>
+              <a:rPr lang="en-US" sz="3600" dirty="0"/>
+              <a:t>: Represents a photo album with properties like title, creator, and creation date.</a:t>
+            </a:r>
+          </a:p>
+          <a:p>
+            <a:r>
+              <a:rPr lang="en-US" sz="3600" b="1" u="sng" dirty="0"/>
+              <a:t>Image</a:t>
+            </a:r>
+            <a:r>
+              <a:rPr lang="en-US" sz="3600" u="sng" dirty="0"/>
+              <a:t>:</a:t>
+            </a:r>
+            <a:r>
+              <a:rPr lang="en-US" sz="3600" dirty="0"/>
+              <a:t> Holds information about an image, including title, description, file path, and creation date.</a:t>
+            </a:r>
+          </a:p>
+          <a:p>
+            <a:r>
+              <a:rPr lang="en-US" sz="3600" b="1" u="sng" dirty="0"/>
+              <a:t>Comment</a:t>
+            </a:r>
+            <a:r>
+              <a:rPr lang="en-US" sz="3600" dirty="0"/>
+              <a:t>: Represents a comment made on an image with properties like text and author.</a:t>
+            </a:r>
+          </a:p>
+          <a:p>
+            <a:endParaRPr lang="en-US" dirty="0"/>
+          </a:p>
+          <a:p>
+            <a:pPr marL="0" indent="0">
+              <a:buNone/>
+            </a:pPr>
+            <a:endParaRPr lang="en-US" sz="4000" b="1" dirty="0"/>
+          </a:p>
+          <a:p>
+            <a:pPr marL="0" indent="0">
+              <a:buNone/>
+            </a:pPr>
+            <a:r>
+              <a:rPr lang="en-US" sz="4000" b="1" i="1" dirty="0">
+                <a:effectLst>
+                  <a:outerShdw blurRad="38100" dist="38100" dir="2700000" algn="tl">
+                    <a:srgbClr val="000000">
+                      <a:alpha val="43137"/>
+                    </a:srgbClr>
+                  </a:outerShdw>
+                </a:effectLst>
+              </a:rPr>
+              <a:t>Data Access Objects (Classes):</a:t>
+            </a:r>
+          </a:p>
+          <a:p>
+            <a:pPr marL="0" indent="0">
+              <a:buNone/>
+            </a:pPr>
+            <a:endParaRPr lang="en-US" dirty="0"/>
+          </a:p>
+          <a:p>
+            <a:pPr marL="0" indent="0">
+              <a:buNone/>
+            </a:pPr>
+            <a:endParaRPr lang="en-US" dirty="0"/>
+          </a:p>
+          <a:p>
+            <a:r>
+              <a:rPr lang="en-US" sz="3600" b="1" u="sng" dirty="0"/>
+              <a:t>UserDAO</a:t>
+            </a:r>
+            <a:r>
+              <a:rPr lang="en-US" sz="3600" dirty="0"/>
+              <a:t>:</a:t>
+            </a:r>
+          </a:p>
+          <a:p>
+            <a:pPr lvl="1"/>
+            <a:r>
+              <a:rPr lang="en-US" sz="3600" dirty="0"/>
+              <a:t>Metodi per creare utenti, controllare le credenziali e gestire la sessione dell’utente.</a:t>
+            </a:r>
+          </a:p>
+          <a:p>
+            <a:r>
+              <a:rPr lang="en-US" sz="3600" b="1" u="sng" dirty="0" err="1"/>
+              <a:t>AlbumDAO</a:t>
+            </a:r>
+            <a:r>
+              <a:rPr lang="en-US" sz="3600" dirty="0"/>
+              <a:t>:</a:t>
+            </a:r>
+          </a:p>
+          <a:p>
+            <a:pPr lvl="1"/>
+            <a:r>
+              <a:rPr lang="en-US" sz="3600" dirty="0"/>
+              <a:t>Metodi per la creazione di album, ritornare gli album e associazione con immagini.</a:t>
+            </a:r>
+          </a:p>
+          <a:p>
+            <a:r>
+              <a:rPr lang="en-US" sz="3600" b="1" u="sng" dirty="0"/>
+              <a:t>ImageDAO</a:t>
+            </a:r>
+            <a:r>
+              <a:rPr lang="en-US" sz="3600" dirty="0"/>
+              <a:t>:</a:t>
+            </a:r>
+          </a:p>
+          <a:p>
+            <a:pPr lvl="1"/>
+            <a:r>
+              <a:rPr lang="en-US" sz="3600" dirty="0"/>
+              <a:t>Metodi per upload di immagini, ritornare le immagini, aggiornare e cancellare le immagini.</a:t>
+            </a:r>
+          </a:p>
+          <a:p>
+            <a:r>
+              <a:rPr lang="en-US" sz="3600" b="1" u="sng" dirty="0"/>
+              <a:t>CommentDAO</a:t>
+            </a:r>
+            <a:r>
+              <a:rPr lang="en-US" sz="3600" dirty="0"/>
+              <a:t>:</a:t>
+            </a:r>
+          </a:p>
+          <a:p>
+            <a:pPr lvl="1"/>
+            <a:r>
+              <a:rPr lang="en-US" sz="3600" dirty="0"/>
+              <a:t>Metodi per aggiungere, ritornare e cancellare commenti relativi ad immagini.</a:t>
+            </a:r>
+            <a:endParaRPr lang="it-IT" sz="3600" dirty="0"/>
+          </a:p>
+        </p:txBody>
+      </p:sp>
+    </p:spTree>
+    <p:extLst>
+      <p:ext uri="{BB962C8B-B14F-4D97-AF65-F5344CB8AC3E}">
+        <p14:creationId xmlns:p14="http://schemas.microsoft.com/office/powerpoint/2010/main" val="2096765414"/>
+      </p:ext>
+    </p:extLst>
+  </p:cSld>
+  <p:clrMapOvr>
+    <a:masterClrMapping/>
+  </p:clrMapOvr>
+</p:sld>
+</file>
+
+<file path=ppt/slides/slide11.xml><?xml version="1.0" encoding="utf-8"?>
+<p:sld xmlns:a="http://schemas.openxmlformats.org/drawingml/2006/main" xmlns:r="http://schemas.openxmlformats.org/officeDocument/2006/relationships" xmlns:p="http://schemas.openxmlformats.org/presentationml/2006/main">
+  <p:cSld>
+    <p:spTree>
+      <p:nvGrpSpPr>
+        <p:cNvPr id="1" name=""/>
+        <p:cNvGrpSpPr/>
+        <p:nvPr/>
+      </p:nvGrpSpPr>
+      <p:grpSpPr>
+        <a:xfrm>
+          <a:off x="0" y="0"/>
+          <a:ext cx="0" cy="0"/>
+          <a:chOff x="0" y="0"/>
+          <a:chExt cx="0" cy="0"/>
+        </a:xfrm>
+      </p:grpSpPr>
+      <p:sp>
+        <p:nvSpPr>
+          <p:cNvPr id="2" name="Titolo 1">
+            <a:extLst>
+              <a:ext uri="{FF2B5EF4-FFF2-40B4-BE49-F238E27FC236}">
                 <a16:creationId xmlns:a16="http://schemas.microsoft.com/office/drawing/2014/main" id="{C6FE3DC2-EFDB-FB82-0017-9DD968037400}"/>
               </a:ext>
             </a:extLst>
@@ -3748,58 +4249,52 @@
         <p:spPr/>
         <p:txBody>
           <a:bodyPr>
-            <a:normAutofit fontScale="90000"/>
+            <a:normAutofit/>
           </a:bodyPr>
           <a:lstStyle/>
           <a:p>
             <a:r>
               <a:rPr lang="it-IT" dirty="0"/>
-              <a:t>Aggiungere qui </a:t>
-            </a:r>
-            <a:r>
-              <a:rPr lang="it-IT" dirty="0" err="1"/>
-              <a:t>sequence</a:t>
-            </a:r>
-            <a:r>
-              <a:rPr lang="it-IT" dirty="0"/>
-              <a:t> </a:t>
-            </a:r>
-            <a:r>
-              <a:rPr lang="it-IT" dirty="0" err="1"/>
-              <a:t>diagrams</a:t>
-            </a:r>
-            <a:r>
-              <a:rPr lang="it-IT" dirty="0"/>
-              <a:t> (uno per diapositiva)</a:t>
-            </a:r>
-          </a:p>
-        </p:txBody>
-      </p:sp>
-      <p:sp>
-        <p:nvSpPr>
-          <p:cNvPr id="3" name="Segnaposto contenuto 2">
+              <a:t>Login</a:t>
+            </a:r>
+          </a:p>
+        </p:txBody>
+      </p:sp>
+      <p:pic>
+        <p:nvPicPr>
+          <p:cNvPr id="6" name="Content Placeholder 5">
             <a:extLst>
               <a:ext uri="{FF2B5EF4-FFF2-40B4-BE49-F238E27FC236}">
-                <a16:creationId xmlns:a16="http://schemas.microsoft.com/office/drawing/2014/main" id="{538BF3B8-AE5F-94EB-3A36-CFC0A0C9D60A}"/>
+                <a16:creationId xmlns:a16="http://schemas.microsoft.com/office/drawing/2014/main" id="{7FFDFE00-1B8A-C7ED-5E0F-4F017A8394EA}"/>
               </a:ext>
             </a:extLst>
           </p:cNvPr>
-          <p:cNvSpPr>
-            <a:spLocks noGrp="1"/>
-          </p:cNvSpPr>
+          <p:cNvPicPr>
+            <a:picLocks noGrp="1" noChangeAspect="1"/>
+          </p:cNvPicPr>
           <p:nvPr>
             <p:ph sz="half" idx="1"/>
           </p:nvPr>
-        </p:nvSpPr>
-        <p:spPr/>
-        <p:txBody>
-          <a:bodyPr/>
-          <a:lstStyle/>
-          <a:p>
-            <a:endParaRPr lang="it-IT"/>
-          </a:p>
-        </p:txBody>
-      </p:sp>
+        </p:nvPicPr>
+        <p:blipFill>
+          <a:blip r:embed="rId2">
+            <a:extLst>
+              <a:ext uri="{28A0092B-C50C-407E-A947-70E740481C1C}">
+                <a14:useLocalDpi xmlns:a14="http://schemas.microsoft.com/office/drawing/2010/main" val="0"/>
+              </a:ext>
+            </a:extLst>
+          </a:blip>
+          <a:stretch>
+            <a:fillRect/>
+          </a:stretch>
+        </p:blipFill>
+        <p:spPr>
+          <a:xfrm>
+            <a:off x="1757388" y="1690689"/>
+            <a:ext cx="5514926" cy="4316028"/>
+          </a:xfrm>
+        </p:spPr>
+      </p:pic>
       <p:sp>
         <p:nvSpPr>
           <p:cNvPr id="4" name="Segnaposto contenuto 3">
@@ -3821,7 +4316,7 @@
           <a:bodyPr/>
           <a:lstStyle/>
           <a:p>
-            <a:endParaRPr lang="it-IT"/>
+            <a:endParaRPr lang="it-IT" dirty="0"/>
           </a:p>
         </p:txBody>
       </p:sp>
@@ -3829,6 +4324,372 @@
     <p:extLst>
       <p:ext uri="{BB962C8B-B14F-4D97-AF65-F5344CB8AC3E}">
         <p14:creationId xmlns:p14="http://schemas.microsoft.com/office/powerpoint/2010/main" val="3365502920"/>
+      </p:ext>
+    </p:extLst>
+  </p:cSld>
+  <p:clrMapOvr>
+    <a:masterClrMapping/>
+  </p:clrMapOvr>
+</p:sld>
+</file>
+
+<file path=ppt/slides/slide12.xml><?xml version="1.0" encoding="utf-8"?>
+<p:sld xmlns:a="http://schemas.openxmlformats.org/drawingml/2006/main" xmlns:r="http://schemas.openxmlformats.org/officeDocument/2006/relationships" xmlns:p="http://schemas.openxmlformats.org/presentationml/2006/main">
+  <p:cSld>
+    <p:spTree>
+      <p:nvGrpSpPr>
+        <p:cNvPr id="1" name=""/>
+        <p:cNvGrpSpPr/>
+        <p:nvPr/>
+      </p:nvGrpSpPr>
+      <p:grpSpPr>
+        <a:xfrm>
+          <a:off x="0" y="0"/>
+          <a:ext cx="0" cy="0"/>
+          <a:chOff x="0" y="0"/>
+          <a:chExt cx="0" cy="0"/>
+        </a:xfrm>
+      </p:grpSpPr>
+      <p:sp>
+        <p:nvSpPr>
+          <p:cNvPr id="2" name="Title 1">
+            <a:extLst>
+              <a:ext uri="{FF2B5EF4-FFF2-40B4-BE49-F238E27FC236}">
+                <a16:creationId xmlns:a16="http://schemas.microsoft.com/office/drawing/2014/main" id="{0716237F-32C2-684F-1D38-E53C703AFBBB}"/>
+              </a:ext>
+            </a:extLst>
+          </p:cNvPr>
+          <p:cNvSpPr>
+            <a:spLocks noGrp="1"/>
+          </p:cNvSpPr>
+          <p:nvPr>
+            <p:ph type="title"/>
+          </p:nvPr>
+        </p:nvSpPr>
+        <p:spPr/>
+        <p:txBody>
+          <a:bodyPr/>
+          <a:lstStyle/>
+          <a:p>
+            <a:r>
+              <a:rPr lang="en-IT" dirty="0"/>
+              <a:t>GoToHomePage</a:t>
+            </a:r>
+          </a:p>
+        </p:txBody>
+      </p:sp>
+      <p:pic>
+        <p:nvPicPr>
+          <p:cNvPr id="6" name="Content Placeholder 5">
+            <a:extLst>
+              <a:ext uri="{FF2B5EF4-FFF2-40B4-BE49-F238E27FC236}">
+                <a16:creationId xmlns:a16="http://schemas.microsoft.com/office/drawing/2014/main" id="{0EC45C13-576E-7B2F-723B-F3C3F5EB78A1}"/>
+              </a:ext>
+            </a:extLst>
+          </p:cNvPr>
+          <p:cNvPicPr>
+            <a:picLocks noGrp="1" noChangeAspect="1"/>
+          </p:cNvPicPr>
+          <p:nvPr>
+            <p:ph sz="half" idx="1"/>
+          </p:nvPr>
+        </p:nvPicPr>
+        <p:blipFill>
+          <a:blip r:embed="rId2">
+            <a:extLst>
+              <a:ext uri="{28A0092B-C50C-407E-A947-70E740481C1C}">
+                <a14:useLocalDpi xmlns:a14="http://schemas.microsoft.com/office/drawing/2010/main" val="0"/>
+              </a:ext>
+            </a:extLst>
+          </a:blip>
+          <a:stretch>
+            <a:fillRect/>
+          </a:stretch>
+        </p:blipFill>
+        <p:spPr>
+          <a:xfrm>
+            <a:off x="1973399" y="1466358"/>
+            <a:ext cx="5311502" cy="4710605"/>
+          </a:xfrm>
+        </p:spPr>
+      </p:pic>
+      <p:sp>
+        <p:nvSpPr>
+          <p:cNvPr id="4" name="Content Placeholder 3">
+            <a:extLst>
+              <a:ext uri="{FF2B5EF4-FFF2-40B4-BE49-F238E27FC236}">
+                <a16:creationId xmlns:a16="http://schemas.microsoft.com/office/drawing/2014/main" id="{8D29EA6D-7904-DA13-C757-40A1F5803463}"/>
+              </a:ext>
+            </a:extLst>
+          </p:cNvPr>
+          <p:cNvSpPr>
+            <a:spLocks noGrp="1"/>
+          </p:cNvSpPr>
+          <p:nvPr>
+            <p:ph sz="half" idx="2"/>
+          </p:nvPr>
+        </p:nvSpPr>
+        <p:spPr/>
+        <p:txBody>
+          <a:bodyPr/>
+          <a:lstStyle/>
+          <a:p>
+            <a:endParaRPr lang="en-IT" dirty="0"/>
+          </a:p>
+        </p:txBody>
+      </p:sp>
+    </p:spTree>
+    <p:extLst>
+      <p:ext uri="{BB962C8B-B14F-4D97-AF65-F5344CB8AC3E}">
+        <p14:creationId xmlns:p14="http://schemas.microsoft.com/office/powerpoint/2010/main" val="1976539882"/>
+      </p:ext>
+    </p:extLst>
+  </p:cSld>
+  <p:clrMapOvr>
+    <a:masterClrMapping/>
+  </p:clrMapOvr>
+</p:sld>
+</file>
+
+<file path=ppt/slides/slide13.xml><?xml version="1.0" encoding="utf-8"?>
+<p:sld xmlns:a="http://schemas.openxmlformats.org/drawingml/2006/main" xmlns:r="http://schemas.openxmlformats.org/officeDocument/2006/relationships" xmlns:p="http://schemas.openxmlformats.org/presentationml/2006/main">
+  <p:cSld>
+    <p:spTree>
+      <p:nvGrpSpPr>
+        <p:cNvPr id="1" name=""/>
+        <p:cNvGrpSpPr/>
+        <p:nvPr/>
+      </p:nvGrpSpPr>
+      <p:grpSpPr>
+        <a:xfrm>
+          <a:off x="0" y="0"/>
+          <a:ext cx="0" cy="0"/>
+          <a:chOff x="0" y="0"/>
+          <a:chExt cx="0" cy="0"/>
+        </a:xfrm>
+      </p:grpSpPr>
+      <p:sp>
+        <p:nvSpPr>
+          <p:cNvPr id="2" name="Title 1">
+            <a:extLst>
+              <a:ext uri="{FF2B5EF4-FFF2-40B4-BE49-F238E27FC236}">
+                <a16:creationId xmlns:a16="http://schemas.microsoft.com/office/drawing/2014/main" id="{A0E9BA7C-FD12-ADEA-2CDB-A62383CB0FD7}"/>
+              </a:ext>
+            </a:extLst>
+          </p:cNvPr>
+          <p:cNvSpPr>
+            <a:spLocks noGrp="1"/>
+          </p:cNvSpPr>
+          <p:nvPr>
+            <p:ph type="title"/>
+          </p:nvPr>
+        </p:nvSpPr>
+        <p:spPr/>
+        <p:txBody>
+          <a:bodyPr/>
+          <a:lstStyle/>
+          <a:p>
+            <a:r>
+              <a:rPr lang="en-IT" dirty="0"/>
+              <a:t>GoToAlbumPage</a:t>
+            </a:r>
+          </a:p>
+        </p:txBody>
+      </p:sp>
+      <p:pic>
+        <p:nvPicPr>
+          <p:cNvPr id="6" name="Content Placeholder 5">
+            <a:extLst>
+              <a:ext uri="{FF2B5EF4-FFF2-40B4-BE49-F238E27FC236}">
+                <a16:creationId xmlns:a16="http://schemas.microsoft.com/office/drawing/2014/main" id="{8BF12C73-C8B9-FB0D-E828-658D602EB52E}"/>
+              </a:ext>
+            </a:extLst>
+          </p:cNvPr>
+          <p:cNvPicPr>
+            <a:picLocks noGrp="1" noChangeAspect="1"/>
+          </p:cNvPicPr>
+          <p:nvPr>
+            <p:ph sz="half" idx="1"/>
+          </p:nvPr>
+        </p:nvPicPr>
+        <p:blipFill rotWithShape="1">
+          <a:blip r:embed="rId2">
+            <a:extLst>
+              <a:ext uri="{28A0092B-C50C-407E-A947-70E740481C1C}">
+                <a14:useLocalDpi xmlns:a14="http://schemas.microsoft.com/office/drawing/2010/main" val="0"/>
+              </a:ext>
+            </a:extLst>
+          </a:blip>
+          <a:srcRect l="28911" r="-33091"/>
+          <a:stretch/>
+        </p:blipFill>
+        <p:spPr>
+          <a:xfrm>
+            <a:off x="1943106" y="1790991"/>
+            <a:ext cx="7200894" cy="4418626"/>
+          </a:xfrm>
+        </p:spPr>
+      </p:pic>
+      <p:pic>
+        <p:nvPicPr>
+          <p:cNvPr id="8" name="Content Placeholder 7">
+            <a:extLst>
+              <a:ext uri="{FF2B5EF4-FFF2-40B4-BE49-F238E27FC236}">
+                <a16:creationId xmlns:a16="http://schemas.microsoft.com/office/drawing/2014/main" id="{B4A9054A-F803-19DB-69F5-7DC8F147AD97}"/>
+              </a:ext>
+            </a:extLst>
+          </p:cNvPr>
+          <p:cNvPicPr>
+            <a:picLocks noGrp="1" noChangeAspect="1"/>
+          </p:cNvPicPr>
+          <p:nvPr>
+            <p:ph sz="half" idx="2"/>
+          </p:nvPr>
+        </p:nvPicPr>
+        <p:blipFill>
+          <a:blip r:embed="rId3">
+            <a:extLst>
+              <a:ext uri="{28A0092B-C50C-407E-A947-70E740481C1C}">
+                <a14:useLocalDpi xmlns:a14="http://schemas.microsoft.com/office/drawing/2010/main" val="0"/>
+              </a:ext>
+            </a:extLst>
+          </a:blip>
+          <a:stretch>
+            <a:fillRect/>
+          </a:stretch>
+        </p:blipFill>
+        <p:spPr>
+          <a:xfrm>
+            <a:off x="1187624" y="2636912"/>
+            <a:ext cx="1369438" cy="360040"/>
+          </a:xfrm>
+        </p:spPr>
+      </p:pic>
+    </p:spTree>
+    <p:extLst>
+      <p:ext uri="{BB962C8B-B14F-4D97-AF65-F5344CB8AC3E}">
+        <p14:creationId xmlns:p14="http://schemas.microsoft.com/office/powerpoint/2010/main" val="1242989990"/>
+      </p:ext>
+    </p:extLst>
+  </p:cSld>
+  <p:clrMapOvr>
+    <a:masterClrMapping/>
+  </p:clrMapOvr>
+</p:sld>
+</file>
+
+<file path=ppt/slides/slide14.xml><?xml version="1.0" encoding="utf-8"?>
+<p:sld xmlns:a="http://schemas.openxmlformats.org/drawingml/2006/main" xmlns:r="http://schemas.openxmlformats.org/officeDocument/2006/relationships" xmlns:p="http://schemas.openxmlformats.org/presentationml/2006/main">
+  <p:cSld>
+    <p:spTree>
+      <p:nvGrpSpPr>
+        <p:cNvPr id="1" name=""/>
+        <p:cNvGrpSpPr/>
+        <p:nvPr/>
+      </p:nvGrpSpPr>
+      <p:grpSpPr>
+        <a:xfrm>
+          <a:off x="0" y="0"/>
+          <a:ext cx="0" cy="0"/>
+          <a:chOff x="0" y="0"/>
+          <a:chExt cx="0" cy="0"/>
+        </a:xfrm>
+      </p:grpSpPr>
+      <p:sp>
+        <p:nvSpPr>
+          <p:cNvPr id="2" name="Title 1">
+            <a:extLst>
+              <a:ext uri="{FF2B5EF4-FFF2-40B4-BE49-F238E27FC236}">
+                <a16:creationId xmlns:a16="http://schemas.microsoft.com/office/drawing/2014/main" id="{9CBF10F5-655F-B690-16D7-1823B5AD2B26}"/>
+              </a:ext>
+            </a:extLst>
+          </p:cNvPr>
+          <p:cNvSpPr>
+            <a:spLocks noGrp="1"/>
+          </p:cNvSpPr>
+          <p:nvPr>
+            <p:ph type="title"/>
+          </p:nvPr>
+        </p:nvSpPr>
+        <p:spPr/>
+        <p:txBody>
+          <a:bodyPr/>
+          <a:lstStyle/>
+          <a:p>
+            <a:r>
+              <a:rPr lang="en-IT" dirty="0"/>
+              <a:t>Album Creation</a:t>
+            </a:r>
+          </a:p>
+        </p:txBody>
+      </p:sp>
+      <p:pic>
+        <p:nvPicPr>
+          <p:cNvPr id="6" name="Content Placeholder 5">
+            <a:extLst>
+              <a:ext uri="{FF2B5EF4-FFF2-40B4-BE49-F238E27FC236}">
+                <a16:creationId xmlns:a16="http://schemas.microsoft.com/office/drawing/2014/main" id="{F0C18FE2-244B-EA1C-F879-69741A7E62C6}"/>
+              </a:ext>
+            </a:extLst>
+          </p:cNvPr>
+          <p:cNvPicPr>
+            <a:picLocks noGrp="1" noChangeAspect="1"/>
+          </p:cNvPicPr>
+          <p:nvPr>
+            <p:ph sz="half" idx="1"/>
+          </p:nvPr>
+        </p:nvPicPr>
+        <p:blipFill>
+          <a:blip r:embed="rId2">
+            <a:extLst>
+              <a:ext uri="{28A0092B-C50C-407E-A947-70E740481C1C}">
+                <a14:useLocalDpi xmlns:a14="http://schemas.microsoft.com/office/drawing/2010/main" val="0"/>
+              </a:ext>
+            </a:extLst>
+          </a:blip>
+          <a:stretch>
+            <a:fillRect/>
+          </a:stretch>
+        </p:blipFill>
+        <p:spPr>
+          <a:xfrm>
+            <a:off x="1391048" y="2046579"/>
+            <a:ext cx="6247606" cy="3909429"/>
+          </a:xfrm>
+        </p:spPr>
+      </p:pic>
+      <p:sp>
+        <p:nvSpPr>
+          <p:cNvPr id="4" name="Content Placeholder 3">
+            <a:extLst>
+              <a:ext uri="{FF2B5EF4-FFF2-40B4-BE49-F238E27FC236}">
+                <a16:creationId xmlns:a16="http://schemas.microsoft.com/office/drawing/2014/main" id="{ED6B2E4D-B786-BAEC-57A0-59485F3C6408}"/>
+              </a:ext>
+            </a:extLst>
+          </p:cNvPr>
+          <p:cNvSpPr>
+            <a:spLocks noGrp="1"/>
+          </p:cNvSpPr>
+          <p:nvPr>
+            <p:ph sz="half" idx="2"/>
+          </p:nvPr>
+        </p:nvSpPr>
+        <p:spPr/>
+        <p:txBody>
+          <a:bodyPr/>
+          <a:lstStyle/>
+          <a:p>
+            <a:pPr marL="0" indent="0">
+              <a:buNone/>
+            </a:pPr>
+            <a:endParaRPr lang="en-IT" dirty="0"/>
+          </a:p>
+        </p:txBody>
+      </p:sp>
+    </p:spTree>
+    <p:extLst>
+      <p:ext uri="{BB962C8B-B14F-4D97-AF65-F5344CB8AC3E}">
+        <p14:creationId xmlns:p14="http://schemas.microsoft.com/office/powerpoint/2010/main" val="579168087"/>
       </p:ext>
     </p:extLst>
   </p:cSld>
@@ -6095,20 +6956,969 @@
         </p:spPr>
         <p:txBody>
           <a:bodyPr>
-            <a:normAutofit/>
+            <a:normAutofit fontScale="85000" lnSpcReduction="20000"/>
           </a:bodyPr>
           <a:lstStyle/>
+          <a:p>
+            <a:r>
+              <a:rPr lang="en-GB" sz="1400" b="0" dirty="0">
+                <a:solidFill>
+                  <a:srgbClr val="569CD6"/>
+                </a:solidFill>
+                <a:effectLst/>
+                <a:latin typeface="Menlo" panose="020B0609030804020204" pitchFamily="49" charset="0"/>
+              </a:rPr>
+              <a:t>DROP</a:t>
+            </a:r>
+            <a:r>
+              <a:rPr lang="en-GB" sz="1400" b="0" dirty="0">
+                <a:solidFill>
+                  <a:srgbClr val="CCCCCC"/>
+                </a:solidFill>
+                <a:effectLst/>
+                <a:latin typeface="Menlo" panose="020B0609030804020204" pitchFamily="49" charset="0"/>
+              </a:rPr>
+              <a:t> </a:t>
+            </a:r>
+            <a:r>
+              <a:rPr lang="en-GB" sz="1400" b="0" dirty="0">
+                <a:solidFill>
+                  <a:srgbClr val="569CD6"/>
+                </a:solidFill>
+                <a:effectLst/>
+                <a:latin typeface="Menlo" panose="020B0609030804020204" pitchFamily="49" charset="0"/>
+              </a:rPr>
+              <a:t>TABLE</a:t>
+            </a:r>
+            <a:r>
+              <a:rPr lang="en-GB" sz="1400" b="0" dirty="0">
+                <a:solidFill>
+                  <a:srgbClr val="CCCCCC"/>
+                </a:solidFill>
+                <a:effectLst/>
+                <a:latin typeface="Menlo" panose="020B0609030804020204" pitchFamily="49" charset="0"/>
+              </a:rPr>
+              <a:t> </a:t>
+            </a:r>
+            <a:r>
+              <a:rPr lang="en-GB" sz="1400" b="0" dirty="0">
+                <a:solidFill>
+                  <a:srgbClr val="569CD6"/>
+                </a:solidFill>
+                <a:effectLst/>
+                <a:latin typeface="Menlo" panose="020B0609030804020204" pitchFamily="49" charset="0"/>
+              </a:rPr>
+              <a:t>IF</a:t>
+            </a:r>
+            <a:r>
+              <a:rPr lang="en-GB" sz="1400" b="0" dirty="0">
+                <a:solidFill>
+                  <a:srgbClr val="CCCCCC"/>
+                </a:solidFill>
+                <a:effectLst/>
+                <a:latin typeface="Menlo" panose="020B0609030804020204" pitchFamily="49" charset="0"/>
+              </a:rPr>
+              <a:t> </a:t>
+            </a:r>
+            <a:r>
+              <a:rPr lang="en-GB" sz="1400" b="0" dirty="0">
+                <a:solidFill>
+                  <a:srgbClr val="569CD6"/>
+                </a:solidFill>
+                <a:effectLst/>
+                <a:latin typeface="Menlo" panose="020B0609030804020204" pitchFamily="49" charset="0"/>
+              </a:rPr>
+              <a:t>EXISTS</a:t>
+            </a:r>
+            <a:r>
+              <a:rPr lang="en-GB" sz="1400" b="0" dirty="0">
+                <a:solidFill>
+                  <a:srgbClr val="CCCCCC"/>
+                </a:solidFill>
+                <a:effectLst/>
+                <a:latin typeface="Menlo" panose="020B0609030804020204" pitchFamily="49" charset="0"/>
+              </a:rPr>
+              <a:t> </a:t>
+            </a:r>
+            <a:r>
+              <a:rPr lang="en-GB" sz="1400" b="0" dirty="0">
+                <a:solidFill>
+                  <a:srgbClr val="CE9178"/>
+                </a:solidFill>
+                <a:effectLst/>
+                <a:latin typeface="Menlo" panose="020B0609030804020204" pitchFamily="49" charset="0"/>
+              </a:rPr>
+              <a:t>`album`</a:t>
+            </a:r>
+            <a:r>
+              <a:rPr lang="en-GB" sz="1400" b="0" dirty="0">
+                <a:solidFill>
+                  <a:srgbClr val="CCCCCC"/>
+                </a:solidFill>
+                <a:effectLst/>
+                <a:latin typeface="Menlo" panose="020B0609030804020204" pitchFamily="49" charset="0"/>
+              </a:rPr>
+              <a:t>;</a:t>
+            </a:r>
+          </a:p>
+          <a:p>
+            <a:r>
+              <a:rPr lang="en-GB" sz="1400" b="0" dirty="0">
+                <a:solidFill>
+                  <a:srgbClr val="6A9955"/>
+                </a:solidFill>
+                <a:effectLst/>
+                <a:latin typeface="Menlo" panose="020B0609030804020204" pitchFamily="49" charset="0"/>
+              </a:rPr>
+              <a:t>/*!40101 SET @</a:t>
+            </a:r>
+            <a:r>
+              <a:rPr lang="en-GB" sz="1400" b="0" dirty="0" err="1">
+                <a:solidFill>
+                  <a:srgbClr val="6A9955"/>
+                </a:solidFill>
+                <a:effectLst/>
+                <a:latin typeface="Menlo" panose="020B0609030804020204" pitchFamily="49" charset="0"/>
+              </a:rPr>
+              <a:t>saved_cs_client</a:t>
+            </a:r>
+            <a:r>
+              <a:rPr lang="en-GB" sz="1400" b="0" dirty="0">
+                <a:solidFill>
+                  <a:srgbClr val="6A9955"/>
+                </a:solidFill>
+                <a:effectLst/>
+                <a:latin typeface="Menlo" panose="020B0609030804020204" pitchFamily="49" charset="0"/>
+              </a:rPr>
+              <a:t> = @@</a:t>
+            </a:r>
+            <a:r>
+              <a:rPr lang="en-GB" sz="1400" b="0" dirty="0" err="1">
+                <a:solidFill>
+                  <a:srgbClr val="6A9955"/>
+                </a:solidFill>
+                <a:effectLst/>
+                <a:latin typeface="Menlo" panose="020B0609030804020204" pitchFamily="49" charset="0"/>
+              </a:rPr>
+              <a:t>character_set_client</a:t>
+            </a:r>
+            <a:r>
+              <a:rPr lang="en-GB" sz="1400" b="0" dirty="0">
+                <a:solidFill>
+                  <a:srgbClr val="6A9955"/>
+                </a:solidFill>
+                <a:effectLst/>
+                <a:latin typeface="Menlo" panose="020B0609030804020204" pitchFamily="49" charset="0"/>
+              </a:rPr>
+              <a:t> */</a:t>
+            </a:r>
+            <a:r>
+              <a:rPr lang="en-GB" sz="1400" b="0" dirty="0">
+                <a:solidFill>
+                  <a:srgbClr val="CCCCCC"/>
+                </a:solidFill>
+                <a:effectLst/>
+                <a:latin typeface="Menlo" panose="020B0609030804020204" pitchFamily="49" charset="0"/>
+              </a:rPr>
+              <a:t>;</a:t>
+            </a:r>
+          </a:p>
+          <a:p>
+            <a:r>
+              <a:rPr lang="en-GB" sz="1400" b="0" dirty="0">
+                <a:solidFill>
+                  <a:srgbClr val="6A9955"/>
+                </a:solidFill>
+                <a:effectLst/>
+                <a:latin typeface="Menlo" panose="020B0609030804020204" pitchFamily="49" charset="0"/>
+              </a:rPr>
+              <a:t>/*!50503 SET </a:t>
+            </a:r>
+            <a:r>
+              <a:rPr lang="en-GB" sz="1400" b="0" dirty="0" err="1">
+                <a:solidFill>
+                  <a:srgbClr val="6A9955"/>
+                </a:solidFill>
+                <a:effectLst/>
+                <a:latin typeface="Menlo" panose="020B0609030804020204" pitchFamily="49" charset="0"/>
+              </a:rPr>
+              <a:t>character_set_client</a:t>
+            </a:r>
+            <a:r>
+              <a:rPr lang="en-GB" sz="1400" b="0" dirty="0">
+                <a:solidFill>
+                  <a:srgbClr val="6A9955"/>
+                </a:solidFill>
+                <a:effectLst/>
+                <a:latin typeface="Menlo" panose="020B0609030804020204" pitchFamily="49" charset="0"/>
+              </a:rPr>
+              <a:t> = utf8mb4 */</a:t>
+            </a:r>
+            <a:r>
+              <a:rPr lang="en-GB" sz="1400" b="0" dirty="0">
+                <a:solidFill>
+                  <a:srgbClr val="CCCCCC"/>
+                </a:solidFill>
+                <a:effectLst/>
+                <a:latin typeface="Menlo" panose="020B0609030804020204" pitchFamily="49" charset="0"/>
+              </a:rPr>
+              <a:t>;</a:t>
+            </a:r>
+          </a:p>
+          <a:p>
+            <a:r>
+              <a:rPr lang="en-GB" sz="1400" b="0" dirty="0">
+                <a:solidFill>
+                  <a:srgbClr val="569CD6"/>
+                </a:solidFill>
+                <a:effectLst/>
+                <a:latin typeface="Menlo" panose="020B0609030804020204" pitchFamily="49" charset="0"/>
+              </a:rPr>
+              <a:t>CREATE</a:t>
+            </a:r>
+            <a:r>
+              <a:rPr lang="en-GB" sz="1400" b="0" dirty="0">
+                <a:solidFill>
+                  <a:srgbClr val="CCCCCC"/>
+                </a:solidFill>
+                <a:effectLst/>
+                <a:latin typeface="Menlo" panose="020B0609030804020204" pitchFamily="49" charset="0"/>
+              </a:rPr>
+              <a:t> </a:t>
+            </a:r>
+            <a:r>
+              <a:rPr lang="en-GB" sz="1400" b="0" dirty="0">
+                <a:solidFill>
+                  <a:srgbClr val="569CD6"/>
+                </a:solidFill>
+                <a:effectLst/>
+                <a:latin typeface="Menlo" panose="020B0609030804020204" pitchFamily="49" charset="0"/>
+              </a:rPr>
+              <a:t>TABLE</a:t>
+            </a:r>
+            <a:r>
+              <a:rPr lang="en-GB" sz="1400" b="0" dirty="0">
+                <a:solidFill>
+                  <a:srgbClr val="CCCCCC"/>
+                </a:solidFill>
+                <a:effectLst/>
+                <a:latin typeface="Menlo" panose="020B0609030804020204" pitchFamily="49" charset="0"/>
+              </a:rPr>
+              <a:t> `</a:t>
+            </a:r>
+            <a:r>
+              <a:rPr lang="en-GB" sz="1400" b="0" dirty="0">
+                <a:solidFill>
+                  <a:srgbClr val="DCDCAA"/>
+                </a:solidFill>
+                <a:effectLst/>
+                <a:latin typeface="Menlo" panose="020B0609030804020204" pitchFamily="49" charset="0"/>
+              </a:rPr>
+              <a:t>album</a:t>
+            </a:r>
+            <a:r>
+              <a:rPr lang="en-GB" sz="1400" b="0" dirty="0">
+                <a:solidFill>
+                  <a:srgbClr val="CCCCCC"/>
+                </a:solidFill>
+                <a:effectLst/>
+                <a:latin typeface="Menlo" panose="020B0609030804020204" pitchFamily="49" charset="0"/>
+              </a:rPr>
+              <a:t>` (</a:t>
+            </a:r>
+          </a:p>
+          <a:p>
+            <a:r>
+              <a:rPr lang="en-GB" sz="1400" b="0" dirty="0">
+                <a:solidFill>
+                  <a:srgbClr val="CE9178"/>
+                </a:solidFill>
+                <a:effectLst/>
+                <a:latin typeface="Menlo" panose="020B0609030804020204" pitchFamily="49" charset="0"/>
+              </a:rPr>
+              <a:t>`Username`</a:t>
+            </a:r>
+            <a:r>
+              <a:rPr lang="en-GB" sz="1400" b="0" dirty="0">
+                <a:solidFill>
+                  <a:srgbClr val="CCCCCC"/>
+                </a:solidFill>
+                <a:effectLst/>
+                <a:latin typeface="Menlo" panose="020B0609030804020204" pitchFamily="49" charset="0"/>
+              </a:rPr>
+              <a:t> </a:t>
+            </a:r>
+            <a:r>
+              <a:rPr lang="en-GB" sz="1400" b="0" dirty="0">
+                <a:solidFill>
+                  <a:srgbClr val="569CD6"/>
+                </a:solidFill>
+                <a:effectLst/>
+                <a:latin typeface="Menlo" panose="020B0609030804020204" pitchFamily="49" charset="0"/>
+              </a:rPr>
+              <a:t>varchar</a:t>
+            </a:r>
+            <a:r>
+              <a:rPr lang="en-GB" sz="1400" b="0" dirty="0">
+                <a:solidFill>
+                  <a:srgbClr val="CCCCCC"/>
+                </a:solidFill>
+                <a:effectLst/>
+                <a:latin typeface="Menlo" panose="020B0609030804020204" pitchFamily="49" charset="0"/>
+              </a:rPr>
+              <a:t>(</a:t>
+            </a:r>
+            <a:r>
+              <a:rPr lang="en-GB" sz="1400" b="0" dirty="0">
+                <a:solidFill>
+                  <a:srgbClr val="B5CEA8"/>
+                </a:solidFill>
+                <a:effectLst/>
+                <a:latin typeface="Menlo" panose="020B0609030804020204" pitchFamily="49" charset="0"/>
+              </a:rPr>
+              <a:t>255</a:t>
+            </a:r>
+            <a:r>
+              <a:rPr lang="en-GB" sz="1400" b="0" dirty="0">
+                <a:solidFill>
+                  <a:srgbClr val="CCCCCC"/>
+                </a:solidFill>
+                <a:effectLst/>
+                <a:latin typeface="Menlo" panose="020B0609030804020204" pitchFamily="49" charset="0"/>
+              </a:rPr>
+              <a:t>) </a:t>
+            </a:r>
+            <a:r>
+              <a:rPr lang="en-GB" sz="1400" b="0" dirty="0">
+                <a:solidFill>
+                  <a:srgbClr val="569CD6"/>
+                </a:solidFill>
+                <a:effectLst/>
+                <a:latin typeface="Menlo" panose="020B0609030804020204" pitchFamily="49" charset="0"/>
+              </a:rPr>
+              <a:t>DEFAULT</a:t>
+            </a:r>
+            <a:r>
+              <a:rPr lang="en-GB" sz="1400" b="0" dirty="0">
+                <a:solidFill>
+                  <a:srgbClr val="CCCCCC"/>
+                </a:solidFill>
+                <a:effectLst/>
+                <a:latin typeface="Menlo" panose="020B0609030804020204" pitchFamily="49" charset="0"/>
+              </a:rPr>
+              <a:t> </a:t>
+            </a:r>
+            <a:r>
+              <a:rPr lang="en-GB" sz="1400" b="0" dirty="0">
+                <a:solidFill>
+                  <a:srgbClr val="569CD6"/>
+                </a:solidFill>
+                <a:effectLst/>
+                <a:latin typeface="Menlo" panose="020B0609030804020204" pitchFamily="49" charset="0"/>
+              </a:rPr>
+              <a:t>NULL</a:t>
+            </a:r>
+            <a:r>
+              <a:rPr lang="en-GB" sz="1400" b="0" dirty="0">
+                <a:solidFill>
+                  <a:srgbClr val="CCCCCC"/>
+                </a:solidFill>
+                <a:effectLst/>
+                <a:latin typeface="Menlo" panose="020B0609030804020204" pitchFamily="49" charset="0"/>
+              </a:rPr>
+              <a:t>,</a:t>
+            </a:r>
+          </a:p>
+          <a:p>
+            <a:r>
+              <a:rPr lang="en-GB" sz="1400" b="0" dirty="0">
+                <a:solidFill>
+                  <a:srgbClr val="CE9178"/>
+                </a:solidFill>
+                <a:effectLst/>
+                <a:latin typeface="Menlo" panose="020B0609030804020204" pitchFamily="49" charset="0"/>
+              </a:rPr>
+              <a:t>`</a:t>
+            </a:r>
+            <a:r>
+              <a:rPr lang="en-GB" sz="1400" b="0" dirty="0" err="1">
+                <a:solidFill>
+                  <a:srgbClr val="CE9178"/>
+                </a:solidFill>
+                <a:effectLst/>
+                <a:latin typeface="Menlo" panose="020B0609030804020204" pitchFamily="49" charset="0"/>
+              </a:rPr>
+              <a:t>User_id</a:t>
+            </a:r>
+            <a:r>
+              <a:rPr lang="en-GB" sz="1400" b="0" dirty="0">
+                <a:solidFill>
+                  <a:srgbClr val="CE9178"/>
+                </a:solidFill>
+                <a:effectLst/>
+                <a:latin typeface="Menlo" panose="020B0609030804020204" pitchFamily="49" charset="0"/>
+              </a:rPr>
+              <a:t>`</a:t>
+            </a:r>
+            <a:r>
+              <a:rPr lang="en-GB" sz="1400" b="0" dirty="0">
+                <a:solidFill>
+                  <a:srgbClr val="CCCCCC"/>
+                </a:solidFill>
+                <a:effectLst/>
+                <a:latin typeface="Menlo" panose="020B0609030804020204" pitchFamily="49" charset="0"/>
+              </a:rPr>
+              <a:t> </a:t>
+            </a:r>
+            <a:r>
+              <a:rPr lang="en-GB" sz="1400" b="0" dirty="0">
+                <a:solidFill>
+                  <a:srgbClr val="569CD6"/>
+                </a:solidFill>
+                <a:effectLst/>
+                <a:latin typeface="Menlo" panose="020B0609030804020204" pitchFamily="49" charset="0"/>
+              </a:rPr>
+              <a:t>int</a:t>
+            </a:r>
+            <a:r>
+              <a:rPr lang="en-GB" sz="1400" b="0" dirty="0">
+                <a:solidFill>
+                  <a:srgbClr val="CCCCCC"/>
+                </a:solidFill>
+                <a:effectLst/>
+                <a:latin typeface="Menlo" panose="020B0609030804020204" pitchFamily="49" charset="0"/>
+              </a:rPr>
+              <a:t> </a:t>
+            </a:r>
+            <a:r>
+              <a:rPr lang="en-GB" sz="1400" b="0" dirty="0">
+                <a:solidFill>
+                  <a:srgbClr val="569CD6"/>
+                </a:solidFill>
+                <a:effectLst/>
+                <a:latin typeface="Menlo" panose="020B0609030804020204" pitchFamily="49" charset="0"/>
+              </a:rPr>
+              <a:t>NOT NULL</a:t>
+            </a:r>
+            <a:r>
+              <a:rPr lang="en-GB" sz="1400" b="0" dirty="0">
+                <a:solidFill>
+                  <a:srgbClr val="CCCCCC"/>
+                </a:solidFill>
+                <a:effectLst/>
+                <a:latin typeface="Menlo" panose="020B0609030804020204" pitchFamily="49" charset="0"/>
+              </a:rPr>
+              <a:t>,</a:t>
+            </a:r>
+          </a:p>
+          <a:p>
+            <a:r>
+              <a:rPr lang="en-GB" sz="1400" b="0" dirty="0">
+                <a:solidFill>
+                  <a:srgbClr val="CE9178"/>
+                </a:solidFill>
+                <a:effectLst/>
+                <a:latin typeface="Menlo" panose="020B0609030804020204" pitchFamily="49" charset="0"/>
+              </a:rPr>
+              <a:t>`Title`</a:t>
+            </a:r>
+            <a:r>
+              <a:rPr lang="en-GB" sz="1400" b="0" dirty="0">
+                <a:solidFill>
+                  <a:srgbClr val="CCCCCC"/>
+                </a:solidFill>
+                <a:effectLst/>
+                <a:latin typeface="Menlo" panose="020B0609030804020204" pitchFamily="49" charset="0"/>
+              </a:rPr>
+              <a:t> </a:t>
+            </a:r>
+            <a:r>
+              <a:rPr lang="en-GB" sz="1400" b="0" dirty="0">
+                <a:solidFill>
+                  <a:srgbClr val="569CD6"/>
+                </a:solidFill>
+                <a:effectLst/>
+                <a:latin typeface="Menlo" panose="020B0609030804020204" pitchFamily="49" charset="0"/>
+              </a:rPr>
+              <a:t>varchar</a:t>
+            </a:r>
+            <a:r>
+              <a:rPr lang="en-GB" sz="1400" b="0" dirty="0">
+                <a:solidFill>
+                  <a:srgbClr val="CCCCCC"/>
+                </a:solidFill>
+                <a:effectLst/>
+                <a:latin typeface="Menlo" panose="020B0609030804020204" pitchFamily="49" charset="0"/>
+              </a:rPr>
+              <a:t>(</a:t>
+            </a:r>
+            <a:r>
+              <a:rPr lang="en-GB" sz="1400" b="0" dirty="0">
+                <a:solidFill>
+                  <a:srgbClr val="B5CEA8"/>
+                </a:solidFill>
+                <a:effectLst/>
+                <a:latin typeface="Menlo" panose="020B0609030804020204" pitchFamily="49" charset="0"/>
+              </a:rPr>
+              <a:t>255</a:t>
+            </a:r>
+            <a:r>
+              <a:rPr lang="en-GB" sz="1400" b="0" dirty="0">
+                <a:solidFill>
+                  <a:srgbClr val="CCCCCC"/>
+                </a:solidFill>
+                <a:effectLst/>
+                <a:latin typeface="Menlo" panose="020B0609030804020204" pitchFamily="49" charset="0"/>
+              </a:rPr>
+              <a:t>) </a:t>
+            </a:r>
+            <a:r>
+              <a:rPr lang="en-GB" sz="1400" b="0" dirty="0">
+                <a:solidFill>
+                  <a:srgbClr val="569CD6"/>
+                </a:solidFill>
+                <a:effectLst/>
+                <a:latin typeface="Menlo" panose="020B0609030804020204" pitchFamily="49" charset="0"/>
+              </a:rPr>
+              <a:t>NOT NULL</a:t>
+            </a:r>
+            <a:r>
+              <a:rPr lang="en-GB" sz="1400" b="0" dirty="0">
+                <a:solidFill>
+                  <a:srgbClr val="CCCCCC"/>
+                </a:solidFill>
+                <a:effectLst/>
+                <a:latin typeface="Menlo" panose="020B0609030804020204" pitchFamily="49" charset="0"/>
+              </a:rPr>
+              <a:t>,</a:t>
+            </a:r>
+          </a:p>
+          <a:p>
+            <a:r>
+              <a:rPr lang="en-GB" sz="1400" b="0" dirty="0">
+                <a:solidFill>
+                  <a:srgbClr val="CE9178"/>
+                </a:solidFill>
+                <a:effectLst/>
+                <a:latin typeface="Menlo" panose="020B0609030804020204" pitchFamily="49" charset="0"/>
+              </a:rPr>
+              <a:t>`</a:t>
+            </a:r>
+            <a:r>
+              <a:rPr lang="en-GB" sz="1400" b="0" dirty="0" err="1">
+                <a:solidFill>
+                  <a:srgbClr val="CE9178"/>
+                </a:solidFill>
+                <a:effectLst/>
+                <a:latin typeface="Menlo" panose="020B0609030804020204" pitchFamily="49" charset="0"/>
+              </a:rPr>
+              <a:t>Creation_Date</a:t>
+            </a:r>
+            <a:r>
+              <a:rPr lang="en-GB" sz="1400" b="0" dirty="0">
+                <a:solidFill>
+                  <a:srgbClr val="CE9178"/>
+                </a:solidFill>
+                <a:effectLst/>
+                <a:latin typeface="Menlo" panose="020B0609030804020204" pitchFamily="49" charset="0"/>
+              </a:rPr>
+              <a:t>`</a:t>
+            </a:r>
+            <a:r>
+              <a:rPr lang="en-GB" sz="1400" b="0" dirty="0">
+                <a:solidFill>
+                  <a:srgbClr val="CCCCCC"/>
+                </a:solidFill>
+                <a:effectLst/>
+                <a:latin typeface="Menlo" panose="020B0609030804020204" pitchFamily="49" charset="0"/>
+              </a:rPr>
+              <a:t> </a:t>
+            </a:r>
+            <a:r>
+              <a:rPr lang="en-GB" sz="1400" b="0" dirty="0">
+                <a:solidFill>
+                  <a:srgbClr val="569CD6"/>
+                </a:solidFill>
+                <a:effectLst/>
+                <a:latin typeface="Menlo" panose="020B0609030804020204" pitchFamily="49" charset="0"/>
+              </a:rPr>
+              <a:t>date</a:t>
+            </a:r>
+            <a:r>
+              <a:rPr lang="en-GB" sz="1400" b="0" dirty="0">
+                <a:solidFill>
+                  <a:srgbClr val="CCCCCC"/>
+                </a:solidFill>
+                <a:effectLst/>
+                <a:latin typeface="Menlo" panose="020B0609030804020204" pitchFamily="49" charset="0"/>
+              </a:rPr>
+              <a:t> </a:t>
+            </a:r>
+            <a:r>
+              <a:rPr lang="en-GB" sz="1400" b="0" dirty="0">
+                <a:solidFill>
+                  <a:srgbClr val="569CD6"/>
+                </a:solidFill>
+                <a:effectLst/>
+                <a:latin typeface="Menlo" panose="020B0609030804020204" pitchFamily="49" charset="0"/>
+              </a:rPr>
+              <a:t>NOT NULL</a:t>
+            </a:r>
+            <a:r>
+              <a:rPr lang="en-GB" sz="1400" b="0" dirty="0">
+                <a:solidFill>
+                  <a:srgbClr val="CCCCCC"/>
+                </a:solidFill>
+                <a:effectLst/>
+                <a:latin typeface="Menlo" panose="020B0609030804020204" pitchFamily="49" charset="0"/>
+              </a:rPr>
+              <a:t>,</a:t>
+            </a:r>
+          </a:p>
+          <a:p>
+            <a:r>
+              <a:rPr lang="en-GB" sz="1400" b="0" dirty="0">
+                <a:solidFill>
+                  <a:srgbClr val="569CD6"/>
+                </a:solidFill>
+                <a:effectLst/>
+                <a:latin typeface="Menlo" panose="020B0609030804020204" pitchFamily="49" charset="0"/>
+              </a:rPr>
+              <a:t>KEY</a:t>
+            </a:r>
+            <a:r>
+              <a:rPr lang="en-GB" sz="1400" b="0" dirty="0">
+                <a:solidFill>
+                  <a:srgbClr val="CCCCCC"/>
+                </a:solidFill>
+                <a:effectLst/>
+                <a:latin typeface="Menlo" panose="020B0609030804020204" pitchFamily="49" charset="0"/>
+              </a:rPr>
+              <a:t> </a:t>
+            </a:r>
+            <a:r>
+              <a:rPr lang="en-GB" sz="1400" b="0" dirty="0">
+                <a:solidFill>
+                  <a:srgbClr val="CE9178"/>
+                </a:solidFill>
+                <a:effectLst/>
+                <a:latin typeface="Menlo" panose="020B0609030804020204" pitchFamily="49" charset="0"/>
+              </a:rPr>
+              <a:t>`fk_Album_1_idx`</a:t>
+            </a:r>
+            <a:r>
+              <a:rPr lang="en-GB" sz="1400" b="0" dirty="0">
+                <a:solidFill>
+                  <a:srgbClr val="CCCCCC"/>
+                </a:solidFill>
+                <a:effectLst/>
+                <a:latin typeface="Menlo" panose="020B0609030804020204" pitchFamily="49" charset="0"/>
+              </a:rPr>
+              <a:t> (</a:t>
+            </a:r>
+            <a:r>
+              <a:rPr lang="en-GB" sz="1400" b="0" dirty="0">
+                <a:solidFill>
+                  <a:srgbClr val="CE9178"/>
+                </a:solidFill>
+                <a:effectLst/>
+                <a:latin typeface="Menlo" panose="020B0609030804020204" pitchFamily="49" charset="0"/>
+              </a:rPr>
+              <a:t>`</a:t>
+            </a:r>
+            <a:r>
+              <a:rPr lang="en-GB" sz="1400" b="0" dirty="0" err="1">
+                <a:solidFill>
+                  <a:srgbClr val="CE9178"/>
+                </a:solidFill>
+                <a:effectLst/>
+                <a:latin typeface="Menlo" panose="020B0609030804020204" pitchFamily="49" charset="0"/>
+              </a:rPr>
+              <a:t>User_id`</a:t>
+            </a:r>
+            <a:r>
+              <a:rPr lang="en-GB" sz="1400" b="0" dirty="0" err="1">
+                <a:solidFill>
+                  <a:srgbClr val="CCCCCC"/>
+                </a:solidFill>
+                <a:effectLst/>
+                <a:latin typeface="Menlo" panose="020B0609030804020204" pitchFamily="49" charset="0"/>
+              </a:rPr>
+              <a:t>,</a:t>
+            </a:r>
+            <a:r>
+              <a:rPr lang="en-GB" sz="1400" b="0" dirty="0" err="1">
+                <a:solidFill>
+                  <a:srgbClr val="CE9178"/>
+                </a:solidFill>
+                <a:effectLst/>
+                <a:latin typeface="Menlo" panose="020B0609030804020204" pitchFamily="49" charset="0"/>
+              </a:rPr>
+              <a:t>`Title</a:t>
+            </a:r>
+            <a:r>
+              <a:rPr lang="en-GB" sz="1400" b="0" dirty="0">
+                <a:solidFill>
+                  <a:srgbClr val="CE9178"/>
+                </a:solidFill>
+                <a:effectLst/>
+                <a:latin typeface="Menlo" panose="020B0609030804020204" pitchFamily="49" charset="0"/>
+              </a:rPr>
+              <a:t>`</a:t>
+            </a:r>
+            <a:r>
+              <a:rPr lang="en-GB" sz="1400" b="0" dirty="0">
+                <a:solidFill>
+                  <a:srgbClr val="CCCCCC"/>
+                </a:solidFill>
+                <a:effectLst/>
+                <a:latin typeface="Menlo" panose="020B0609030804020204" pitchFamily="49" charset="0"/>
+              </a:rPr>
+              <a:t>),</a:t>
+            </a:r>
+          </a:p>
+          <a:p>
+            <a:r>
+              <a:rPr lang="en-GB" sz="1400" b="0" dirty="0">
+                <a:solidFill>
+                  <a:srgbClr val="569CD6"/>
+                </a:solidFill>
+                <a:effectLst/>
+                <a:latin typeface="Menlo" panose="020B0609030804020204" pitchFamily="49" charset="0"/>
+              </a:rPr>
+              <a:t>CONSTRAINT</a:t>
+            </a:r>
+            <a:r>
+              <a:rPr lang="en-GB" sz="1400" b="0" dirty="0">
+                <a:solidFill>
+                  <a:srgbClr val="CCCCCC"/>
+                </a:solidFill>
+                <a:effectLst/>
+                <a:latin typeface="Menlo" panose="020B0609030804020204" pitchFamily="49" charset="0"/>
+              </a:rPr>
+              <a:t> </a:t>
+            </a:r>
+            <a:r>
+              <a:rPr lang="en-GB" sz="1400" b="0" dirty="0">
+                <a:solidFill>
+                  <a:srgbClr val="CE9178"/>
+                </a:solidFill>
+                <a:effectLst/>
+                <a:latin typeface="Menlo" panose="020B0609030804020204" pitchFamily="49" charset="0"/>
+              </a:rPr>
+              <a:t>`fk_Album_2`</a:t>
+            </a:r>
+            <a:r>
+              <a:rPr lang="en-GB" sz="1400" b="0" dirty="0">
+                <a:solidFill>
+                  <a:srgbClr val="CCCCCC"/>
+                </a:solidFill>
+                <a:effectLst/>
+                <a:latin typeface="Menlo" panose="020B0609030804020204" pitchFamily="49" charset="0"/>
+              </a:rPr>
+              <a:t> </a:t>
+            </a:r>
+            <a:r>
+              <a:rPr lang="en-GB" sz="1400" b="0" dirty="0">
+                <a:solidFill>
+                  <a:srgbClr val="569CD6"/>
+                </a:solidFill>
+                <a:effectLst/>
+                <a:latin typeface="Menlo" panose="020B0609030804020204" pitchFamily="49" charset="0"/>
+              </a:rPr>
+              <a:t>FOREIGN KEY</a:t>
+            </a:r>
+            <a:r>
+              <a:rPr lang="en-GB" sz="1400" b="0" dirty="0">
+                <a:solidFill>
+                  <a:srgbClr val="CCCCCC"/>
+                </a:solidFill>
+                <a:effectLst/>
+                <a:latin typeface="Menlo" panose="020B0609030804020204" pitchFamily="49" charset="0"/>
+              </a:rPr>
+              <a:t> (</a:t>
+            </a:r>
+            <a:r>
+              <a:rPr lang="en-GB" sz="1400" b="0" dirty="0">
+                <a:solidFill>
+                  <a:srgbClr val="CE9178"/>
+                </a:solidFill>
+                <a:effectLst/>
+                <a:latin typeface="Menlo" panose="020B0609030804020204" pitchFamily="49" charset="0"/>
+              </a:rPr>
+              <a:t>`</a:t>
+            </a:r>
+            <a:r>
+              <a:rPr lang="en-GB" sz="1400" b="0" dirty="0" err="1">
+                <a:solidFill>
+                  <a:srgbClr val="CE9178"/>
+                </a:solidFill>
+                <a:effectLst/>
+                <a:latin typeface="Menlo" panose="020B0609030804020204" pitchFamily="49" charset="0"/>
+              </a:rPr>
+              <a:t>User_id</a:t>
+            </a:r>
+            <a:r>
+              <a:rPr lang="en-GB" sz="1400" b="0" dirty="0">
+                <a:solidFill>
+                  <a:srgbClr val="CE9178"/>
+                </a:solidFill>
+                <a:effectLst/>
+                <a:latin typeface="Menlo" panose="020B0609030804020204" pitchFamily="49" charset="0"/>
+              </a:rPr>
+              <a:t>`</a:t>
+            </a:r>
+            <a:r>
+              <a:rPr lang="en-GB" sz="1400" b="0" dirty="0">
+                <a:solidFill>
+                  <a:srgbClr val="CCCCCC"/>
+                </a:solidFill>
+                <a:effectLst/>
+                <a:latin typeface="Menlo" panose="020B0609030804020204" pitchFamily="49" charset="0"/>
+              </a:rPr>
+              <a:t>) </a:t>
+            </a:r>
+            <a:r>
+              <a:rPr lang="en-GB" sz="1400" b="0" dirty="0">
+                <a:solidFill>
+                  <a:srgbClr val="569CD6"/>
+                </a:solidFill>
+                <a:effectLst/>
+                <a:latin typeface="Menlo" panose="020B0609030804020204" pitchFamily="49" charset="0"/>
+              </a:rPr>
+              <a:t>REFERENCES</a:t>
+            </a:r>
+            <a:r>
+              <a:rPr lang="en-GB" sz="1400" b="0" dirty="0">
+                <a:solidFill>
+                  <a:srgbClr val="CCCCCC"/>
+                </a:solidFill>
+                <a:effectLst/>
+                <a:latin typeface="Menlo" panose="020B0609030804020204" pitchFamily="49" charset="0"/>
+              </a:rPr>
+              <a:t> </a:t>
+            </a:r>
+            <a:r>
+              <a:rPr lang="en-GB" sz="1400" b="0" dirty="0">
+                <a:solidFill>
+                  <a:srgbClr val="CE9178"/>
+                </a:solidFill>
+                <a:effectLst/>
+                <a:latin typeface="Menlo" panose="020B0609030804020204" pitchFamily="49" charset="0"/>
+              </a:rPr>
+              <a:t>`user`</a:t>
+            </a:r>
+            <a:r>
+              <a:rPr lang="en-GB" sz="1400" b="0" dirty="0">
+                <a:solidFill>
+                  <a:srgbClr val="CCCCCC"/>
+                </a:solidFill>
+                <a:effectLst/>
+                <a:latin typeface="Menlo" panose="020B0609030804020204" pitchFamily="49" charset="0"/>
+              </a:rPr>
+              <a:t> (</a:t>
+            </a:r>
+            <a:r>
+              <a:rPr lang="en-GB" sz="1400" b="0" dirty="0">
+                <a:solidFill>
+                  <a:srgbClr val="CE9178"/>
+                </a:solidFill>
+                <a:effectLst/>
+                <a:latin typeface="Menlo" panose="020B0609030804020204" pitchFamily="49" charset="0"/>
+              </a:rPr>
+              <a:t>`Id`</a:t>
+            </a:r>
+            <a:r>
+              <a:rPr lang="en-GB" sz="1400" b="0" dirty="0">
+                <a:solidFill>
+                  <a:srgbClr val="CCCCCC"/>
+                </a:solidFill>
+                <a:effectLst/>
+                <a:latin typeface="Menlo" panose="020B0609030804020204" pitchFamily="49" charset="0"/>
+              </a:rPr>
+              <a:t>) </a:t>
+            </a:r>
+            <a:r>
+              <a:rPr lang="en-GB" sz="1400" b="0" dirty="0">
+                <a:solidFill>
+                  <a:srgbClr val="569CD6"/>
+                </a:solidFill>
+                <a:effectLst/>
+                <a:latin typeface="Menlo" panose="020B0609030804020204" pitchFamily="49" charset="0"/>
+              </a:rPr>
+              <a:t>ON DELETE CASCADE</a:t>
+            </a:r>
+            <a:r>
+              <a:rPr lang="en-GB" sz="1400" b="0" dirty="0">
+                <a:solidFill>
+                  <a:srgbClr val="CCCCCC"/>
+                </a:solidFill>
+                <a:effectLst/>
+                <a:latin typeface="Menlo" panose="020B0609030804020204" pitchFamily="49" charset="0"/>
+              </a:rPr>
+              <a:t> </a:t>
+            </a:r>
+            <a:r>
+              <a:rPr lang="en-GB" sz="1400" b="0" dirty="0">
+                <a:solidFill>
+                  <a:srgbClr val="569CD6"/>
+                </a:solidFill>
+                <a:effectLst/>
+                <a:latin typeface="Menlo" panose="020B0609030804020204" pitchFamily="49" charset="0"/>
+              </a:rPr>
+              <a:t>ON</a:t>
+            </a:r>
+            <a:r>
+              <a:rPr lang="en-GB" sz="1400" b="0" dirty="0">
+                <a:solidFill>
+                  <a:srgbClr val="CCCCCC"/>
+                </a:solidFill>
+                <a:effectLst/>
+                <a:latin typeface="Menlo" panose="020B0609030804020204" pitchFamily="49" charset="0"/>
+              </a:rPr>
+              <a:t> </a:t>
+            </a:r>
+            <a:r>
+              <a:rPr lang="en-GB" sz="1400" b="0" dirty="0">
+                <a:solidFill>
+                  <a:srgbClr val="569CD6"/>
+                </a:solidFill>
+                <a:effectLst/>
+                <a:latin typeface="Menlo" panose="020B0609030804020204" pitchFamily="49" charset="0"/>
+              </a:rPr>
+              <a:t>UPDATE</a:t>
+            </a:r>
+            <a:r>
+              <a:rPr lang="en-GB" sz="1400" b="0" dirty="0">
+                <a:solidFill>
+                  <a:srgbClr val="CCCCCC"/>
+                </a:solidFill>
+                <a:effectLst/>
+                <a:latin typeface="Menlo" panose="020B0609030804020204" pitchFamily="49" charset="0"/>
+              </a:rPr>
+              <a:t> CASCADE</a:t>
+            </a:r>
+          </a:p>
+          <a:p>
+            <a:r>
+              <a:rPr lang="en-GB" sz="1400" b="0" dirty="0">
+                <a:solidFill>
+                  <a:srgbClr val="CCCCCC"/>
+                </a:solidFill>
+                <a:effectLst/>
+                <a:latin typeface="Menlo" panose="020B0609030804020204" pitchFamily="49" charset="0"/>
+              </a:rPr>
+              <a:t>)</a:t>
+            </a:r>
+          </a:p>
           <a:p>
             <a:pPr marL="0" indent="0">
               <a:buNone/>
             </a:pPr>
-            <a:r>
-              <a:rPr lang="en-US" sz="1800" dirty="0">
-                <a:latin typeface="Courier New" panose="02070309020205020404" pitchFamily="49" charset="0"/>
-                <a:cs typeface="Courier New" panose="02070309020205020404" pitchFamily="49" charset="0"/>
-              </a:rPr>
-              <a:t>// to do</a:t>
-            </a:r>
+            <a:endParaRPr lang="en-US" sz="1800" dirty="0">
+              <a:latin typeface="Courier New" panose="02070309020205020404" pitchFamily="49" charset="0"/>
+              <a:cs typeface="Courier New" panose="02070309020205020404" pitchFamily="49" charset="0"/>
+            </a:endParaRPr>
           </a:p>
         </p:txBody>
       </p:sp>
@@ -6130,19 +7940,1202 @@
         </p:spPr>
         <p:txBody>
           <a:bodyPr>
-            <a:normAutofit/>
+            <a:normAutofit fontScale="85000" lnSpcReduction="20000"/>
           </a:bodyPr>
           <a:lstStyle/>
           <a:p>
-            <a:pPr marL="0" indent="0">
-              <a:buNone/>
-            </a:pPr>
-            <a:r>
-              <a:rPr lang="en-US" sz="1800" dirty="0">
-                <a:latin typeface="Courier New" panose="02070309020205020404" pitchFamily="49" charset="0"/>
-                <a:cs typeface="Courier New" panose="02070309020205020404" pitchFamily="49" charset="0"/>
-              </a:rPr>
-              <a:t>// to do</a:t>
+            <a:r>
+              <a:rPr lang="en-GB" sz="1400" b="0" dirty="0">
+                <a:solidFill>
+                  <a:srgbClr val="569CD6"/>
+                </a:solidFill>
+                <a:effectLst/>
+                <a:latin typeface="Menlo" panose="020B0609030804020204" pitchFamily="49" charset="0"/>
+              </a:rPr>
+              <a:t>DROP</a:t>
+            </a:r>
+            <a:r>
+              <a:rPr lang="en-GB" sz="1400" b="0" dirty="0">
+                <a:solidFill>
+                  <a:srgbClr val="CCCCCC"/>
+                </a:solidFill>
+                <a:effectLst/>
+                <a:latin typeface="Menlo" panose="020B0609030804020204" pitchFamily="49" charset="0"/>
+              </a:rPr>
+              <a:t> </a:t>
+            </a:r>
+            <a:r>
+              <a:rPr lang="en-GB" sz="1400" b="0" dirty="0">
+                <a:solidFill>
+                  <a:srgbClr val="569CD6"/>
+                </a:solidFill>
+                <a:effectLst/>
+                <a:latin typeface="Menlo" panose="020B0609030804020204" pitchFamily="49" charset="0"/>
+              </a:rPr>
+              <a:t>TABLE</a:t>
+            </a:r>
+            <a:r>
+              <a:rPr lang="en-GB" sz="1400" b="0" dirty="0">
+                <a:solidFill>
+                  <a:srgbClr val="CCCCCC"/>
+                </a:solidFill>
+                <a:effectLst/>
+                <a:latin typeface="Menlo" panose="020B0609030804020204" pitchFamily="49" charset="0"/>
+              </a:rPr>
+              <a:t> </a:t>
+            </a:r>
+            <a:r>
+              <a:rPr lang="en-GB" sz="1400" b="0" dirty="0">
+                <a:solidFill>
+                  <a:srgbClr val="569CD6"/>
+                </a:solidFill>
+                <a:effectLst/>
+                <a:latin typeface="Menlo" panose="020B0609030804020204" pitchFamily="49" charset="0"/>
+              </a:rPr>
+              <a:t>IF</a:t>
+            </a:r>
+            <a:r>
+              <a:rPr lang="en-GB" sz="1400" b="0" dirty="0">
+                <a:solidFill>
+                  <a:srgbClr val="CCCCCC"/>
+                </a:solidFill>
+                <a:effectLst/>
+                <a:latin typeface="Menlo" panose="020B0609030804020204" pitchFamily="49" charset="0"/>
+              </a:rPr>
+              <a:t> </a:t>
+            </a:r>
+            <a:r>
+              <a:rPr lang="en-GB" sz="1400" b="0" dirty="0">
+                <a:solidFill>
+                  <a:srgbClr val="569CD6"/>
+                </a:solidFill>
+                <a:effectLst/>
+                <a:latin typeface="Menlo" panose="020B0609030804020204" pitchFamily="49" charset="0"/>
+              </a:rPr>
+              <a:t>EXISTS</a:t>
+            </a:r>
+            <a:r>
+              <a:rPr lang="en-GB" sz="1400" b="0" dirty="0">
+                <a:solidFill>
+                  <a:srgbClr val="CCCCCC"/>
+                </a:solidFill>
+                <a:effectLst/>
+                <a:latin typeface="Menlo" panose="020B0609030804020204" pitchFamily="49" charset="0"/>
+              </a:rPr>
+              <a:t> </a:t>
+            </a:r>
+            <a:r>
+              <a:rPr lang="en-GB" sz="1400" b="0" dirty="0">
+                <a:solidFill>
+                  <a:srgbClr val="CE9178"/>
+                </a:solidFill>
+                <a:effectLst/>
+                <a:latin typeface="Menlo" panose="020B0609030804020204" pitchFamily="49" charset="0"/>
+              </a:rPr>
+              <a:t>`comment`</a:t>
+            </a:r>
+            <a:r>
+              <a:rPr lang="en-GB" sz="1400" b="0" dirty="0">
+                <a:solidFill>
+                  <a:srgbClr val="CCCCCC"/>
+                </a:solidFill>
+                <a:effectLst/>
+                <a:latin typeface="Menlo" panose="020B0609030804020204" pitchFamily="49" charset="0"/>
+              </a:rPr>
+              <a:t>;</a:t>
+            </a:r>
+          </a:p>
+          <a:p>
+            <a:r>
+              <a:rPr lang="en-GB" sz="1400" b="0" dirty="0">
+                <a:solidFill>
+                  <a:srgbClr val="6A9955"/>
+                </a:solidFill>
+                <a:effectLst/>
+                <a:latin typeface="Menlo" panose="020B0609030804020204" pitchFamily="49" charset="0"/>
+              </a:rPr>
+              <a:t>/*!40101 SET @</a:t>
+            </a:r>
+            <a:r>
+              <a:rPr lang="en-GB" sz="1400" b="0" dirty="0" err="1">
+                <a:solidFill>
+                  <a:srgbClr val="6A9955"/>
+                </a:solidFill>
+                <a:effectLst/>
+                <a:latin typeface="Menlo" panose="020B0609030804020204" pitchFamily="49" charset="0"/>
+              </a:rPr>
+              <a:t>saved_cs_client</a:t>
+            </a:r>
+            <a:r>
+              <a:rPr lang="en-GB" sz="1400" b="0" dirty="0">
+                <a:solidFill>
+                  <a:srgbClr val="6A9955"/>
+                </a:solidFill>
+                <a:effectLst/>
+                <a:latin typeface="Menlo" panose="020B0609030804020204" pitchFamily="49" charset="0"/>
+              </a:rPr>
+              <a:t> = @@</a:t>
+            </a:r>
+            <a:r>
+              <a:rPr lang="en-GB" sz="1400" b="0" dirty="0" err="1">
+                <a:solidFill>
+                  <a:srgbClr val="6A9955"/>
+                </a:solidFill>
+                <a:effectLst/>
+                <a:latin typeface="Menlo" panose="020B0609030804020204" pitchFamily="49" charset="0"/>
+              </a:rPr>
+              <a:t>character_set_client</a:t>
+            </a:r>
+            <a:r>
+              <a:rPr lang="en-GB" sz="1400" b="0" dirty="0">
+                <a:solidFill>
+                  <a:srgbClr val="6A9955"/>
+                </a:solidFill>
+                <a:effectLst/>
+                <a:latin typeface="Menlo" panose="020B0609030804020204" pitchFamily="49" charset="0"/>
+              </a:rPr>
+              <a:t> */</a:t>
+            </a:r>
+            <a:r>
+              <a:rPr lang="en-GB" sz="1400" b="0" dirty="0">
+                <a:solidFill>
+                  <a:srgbClr val="CCCCCC"/>
+                </a:solidFill>
+                <a:effectLst/>
+                <a:latin typeface="Menlo" panose="020B0609030804020204" pitchFamily="49" charset="0"/>
+              </a:rPr>
+              <a:t>;</a:t>
+            </a:r>
+          </a:p>
+          <a:p>
+            <a:r>
+              <a:rPr lang="en-GB" sz="1400" b="0" dirty="0">
+                <a:solidFill>
+                  <a:srgbClr val="6A9955"/>
+                </a:solidFill>
+                <a:effectLst/>
+                <a:latin typeface="Menlo" panose="020B0609030804020204" pitchFamily="49" charset="0"/>
+              </a:rPr>
+              <a:t>/*!50503 SET </a:t>
+            </a:r>
+            <a:r>
+              <a:rPr lang="en-GB" sz="1400" b="0" dirty="0" err="1">
+                <a:solidFill>
+                  <a:srgbClr val="6A9955"/>
+                </a:solidFill>
+                <a:effectLst/>
+                <a:latin typeface="Menlo" panose="020B0609030804020204" pitchFamily="49" charset="0"/>
+              </a:rPr>
+              <a:t>character_set_client</a:t>
+            </a:r>
+            <a:r>
+              <a:rPr lang="en-GB" sz="1400" b="0" dirty="0">
+                <a:solidFill>
+                  <a:srgbClr val="6A9955"/>
+                </a:solidFill>
+                <a:effectLst/>
+                <a:latin typeface="Menlo" panose="020B0609030804020204" pitchFamily="49" charset="0"/>
+              </a:rPr>
+              <a:t> = utf8mb4 */</a:t>
+            </a:r>
+            <a:r>
+              <a:rPr lang="en-GB" sz="1400" b="0" dirty="0">
+                <a:solidFill>
+                  <a:srgbClr val="CCCCCC"/>
+                </a:solidFill>
+                <a:effectLst/>
+                <a:latin typeface="Menlo" panose="020B0609030804020204" pitchFamily="49" charset="0"/>
+              </a:rPr>
+              <a:t>;</a:t>
+            </a:r>
+          </a:p>
+          <a:p>
+            <a:r>
+              <a:rPr lang="en-GB" sz="1400" b="0" dirty="0">
+                <a:solidFill>
+                  <a:srgbClr val="569CD6"/>
+                </a:solidFill>
+                <a:effectLst/>
+                <a:latin typeface="Menlo" panose="020B0609030804020204" pitchFamily="49" charset="0"/>
+              </a:rPr>
+              <a:t>CREATE</a:t>
+            </a:r>
+            <a:r>
+              <a:rPr lang="en-GB" sz="1400" b="0" dirty="0">
+                <a:solidFill>
+                  <a:srgbClr val="CCCCCC"/>
+                </a:solidFill>
+                <a:effectLst/>
+                <a:latin typeface="Menlo" panose="020B0609030804020204" pitchFamily="49" charset="0"/>
+              </a:rPr>
+              <a:t> </a:t>
+            </a:r>
+            <a:r>
+              <a:rPr lang="en-GB" sz="1400" b="0" dirty="0">
+                <a:solidFill>
+                  <a:srgbClr val="569CD6"/>
+                </a:solidFill>
+                <a:effectLst/>
+                <a:latin typeface="Menlo" panose="020B0609030804020204" pitchFamily="49" charset="0"/>
+              </a:rPr>
+              <a:t>TABLE</a:t>
+            </a:r>
+            <a:r>
+              <a:rPr lang="en-GB" sz="1400" b="0" dirty="0">
+                <a:solidFill>
+                  <a:srgbClr val="CCCCCC"/>
+                </a:solidFill>
+                <a:effectLst/>
+                <a:latin typeface="Menlo" panose="020B0609030804020204" pitchFamily="49" charset="0"/>
+              </a:rPr>
+              <a:t> `</a:t>
+            </a:r>
+            <a:r>
+              <a:rPr lang="en-GB" sz="1400" b="0" dirty="0">
+                <a:solidFill>
+                  <a:srgbClr val="DCDCAA"/>
+                </a:solidFill>
+                <a:effectLst/>
+                <a:latin typeface="Menlo" panose="020B0609030804020204" pitchFamily="49" charset="0"/>
+              </a:rPr>
+              <a:t>comment</a:t>
+            </a:r>
+            <a:r>
+              <a:rPr lang="en-GB" sz="1400" b="0" dirty="0">
+                <a:solidFill>
+                  <a:srgbClr val="CCCCCC"/>
+                </a:solidFill>
+                <a:effectLst/>
+                <a:latin typeface="Menlo" panose="020B0609030804020204" pitchFamily="49" charset="0"/>
+              </a:rPr>
+              <a:t>` (</a:t>
+            </a:r>
+          </a:p>
+          <a:p>
+            <a:r>
+              <a:rPr lang="en-GB" sz="1400" b="0" dirty="0">
+                <a:solidFill>
+                  <a:srgbClr val="CE9178"/>
+                </a:solidFill>
+                <a:effectLst/>
+                <a:latin typeface="Menlo" panose="020B0609030804020204" pitchFamily="49" charset="0"/>
+              </a:rPr>
+              <a:t>`</a:t>
+            </a:r>
+            <a:r>
+              <a:rPr lang="en-GB" sz="1400" b="0" dirty="0" err="1">
+                <a:solidFill>
+                  <a:srgbClr val="CE9178"/>
+                </a:solidFill>
+                <a:effectLst/>
+                <a:latin typeface="Menlo" panose="020B0609030804020204" pitchFamily="49" charset="0"/>
+              </a:rPr>
+              <a:t>Image_Id</a:t>
+            </a:r>
+            <a:r>
+              <a:rPr lang="en-GB" sz="1400" b="0" dirty="0">
+                <a:solidFill>
+                  <a:srgbClr val="CE9178"/>
+                </a:solidFill>
+                <a:effectLst/>
+                <a:latin typeface="Menlo" panose="020B0609030804020204" pitchFamily="49" charset="0"/>
+              </a:rPr>
+              <a:t>`</a:t>
+            </a:r>
+            <a:r>
+              <a:rPr lang="en-GB" sz="1400" b="0" dirty="0">
+                <a:solidFill>
+                  <a:srgbClr val="CCCCCC"/>
+                </a:solidFill>
+                <a:effectLst/>
+                <a:latin typeface="Menlo" panose="020B0609030804020204" pitchFamily="49" charset="0"/>
+              </a:rPr>
+              <a:t> </a:t>
+            </a:r>
+            <a:r>
+              <a:rPr lang="en-GB" sz="1400" b="0" dirty="0">
+                <a:solidFill>
+                  <a:srgbClr val="569CD6"/>
+                </a:solidFill>
+                <a:effectLst/>
+                <a:latin typeface="Menlo" panose="020B0609030804020204" pitchFamily="49" charset="0"/>
+              </a:rPr>
+              <a:t>int</a:t>
+            </a:r>
+            <a:r>
+              <a:rPr lang="en-GB" sz="1400" b="0" dirty="0">
+                <a:solidFill>
+                  <a:srgbClr val="CCCCCC"/>
+                </a:solidFill>
+                <a:effectLst/>
+                <a:latin typeface="Menlo" panose="020B0609030804020204" pitchFamily="49" charset="0"/>
+              </a:rPr>
+              <a:t> </a:t>
+            </a:r>
+            <a:r>
+              <a:rPr lang="en-GB" sz="1400" b="0" dirty="0">
+                <a:solidFill>
+                  <a:srgbClr val="569CD6"/>
+                </a:solidFill>
+                <a:effectLst/>
+                <a:latin typeface="Menlo" panose="020B0609030804020204" pitchFamily="49" charset="0"/>
+              </a:rPr>
+              <a:t>NOT NULL</a:t>
+            </a:r>
+            <a:r>
+              <a:rPr lang="en-GB" sz="1400" b="0" dirty="0">
+                <a:solidFill>
+                  <a:srgbClr val="CCCCCC"/>
+                </a:solidFill>
+                <a:effectLst/>
+                <a:latin typeface="Menlo" panose="020B0609030804020204" pitchFamily="49" charset="0"/>
+              </a:rPr>
+              <a:t>,</a:t>
+            </a:r>
+          </a:p>
+          <a:p>
+            <a:r>
+              <a:rPr lang="en-GB" sz="1400" b="0" dirty="0">
+                <a:solidFill>
+                  <a:srgbClr val="CE9178"/>
+                </a:solidFill>
+                <a:effectLst/>
+                <a:latin typeface="Menlo" panose="020B0609030804020204" pitchFamily="49" charset="0"/>
+              </a:rPr>
+              <a:t>`Id`</a:t>
+            </a:r>
+            <a:r>
+              <a:rPr lang="en-GB" sz="1400" b="0" dirty="0">
+                <a:solidFill>
+                  <a:srgbClr val="CCCCCC"/>
+                </a:solidFill>
+                <a:effectLst/>
+                <a:latin typeface="Menlo" panose="020B0609030804020204" pitchFamily="49" charset="0"/>
+              </a:rPr>
+              <a:t> </a:t>
+            </a:r>
+            <a:r>
+              <a:rPr lang="en-GB" sz="1400" b="0" dirty="0">
+                <a:solidFill>
+                  <a:srgbClr val="569CD6"/>
+                </a:solidFill>
+                <a:effectLst/>
+                <a:latin typeface="Menlo" panose="020B0609030804020204" pitchFamily="49" charset="0"/>
+              </a:rPr>
+              <a:t>int</a:t>
+            </a:r>
+            <a:r>
+              <a:rPr lang="en-GB" sz="1400" b="0" dirty="0">
+                <a:solidFill>
+                  <a:srgbClr val="CCCCCC"/>
+                </a:solidFill>
+                <a:effectLst/>
+                <a:latin typeface="Menlo" panose="020B0609030804020204" pitchFamily="49" charset="0"/>
+              </a:rPr>
+              <a:t> </a:t>
+            </a:r>
+            <a:r>
+              <a:rPr lang="en-GB" sz="1400" b="0" dirty="0">
+                <a:solidFill>
+                  <a:srgbClr val="569CD6"/>
+                </a:solidFill>
+                <a:effectLst/>
+                <a:latin typeface="Menlo" panose="020B0609030804020204" pitchFamily="49" charset="0"/>
+              </a:rPr>
+              <a:t>NOT NULL</a:t>
+            </a:r>
+            <a:r>
+              <a:rPr lang="en-GB" sz="1400" b="0" dirty="0">
+                <a:solidFill>
+                  <a:srgbClr val="CCCCCC"/>
+                </a:solidFill>
+                <a:effectLst/>
+                <a:latin typeface="Menlo" panose="020B0609030804020204" pitchFamily="49" charset="0"/>
+              </a:rPr>
+              <a:t>,</a:t>
+            </a:r>
+          </a:p>
+          <a:p>
+            <a:r>
+              <a:rPr lang="en-GB" sz="1400" b="0" dirty="0">
+                <a:solidFill>
+                  <a:srgbClr val="CE9178"/>
+                </a:solidFill>
+                <a:effectLst/>
+                <a:latin typeface="Menlo" panose="020B0609030804020204" pitchFamily="49" charset="0"/>
+              </a:rPr>
+              <a:t>`</a:t>
+            </a:r>
+            <a:r>
+              <a:rPr lang="en-GB" sz="1400" b="0" dirty="0" err="1">
+                <a:solidFill>
+                  <a:srgbClr val="CE9178"/>
+                </a:solidFill>
+                <a:effectLst/>
+                <a:latin typeface="Menlo" panose="020B0609030804020204" pitchFamily="49" charset="0"/>
+              </a:rPr>
+              <a:t>Publication_date</a:t>
+            </a:r>
+            <a:r>
+              <a:rPr lang="en-GB" sz="1400" b="0" dirty="0">
+                <a:solidFill>
+                  <a:srgbClr val="CE9178"/>
+                </a:solidFill>
+                <a:effectLst/>
+                <a:latin typeface="Menlo" panose="020B0609030804020204" pitchFamily="49" charset="0"/>
+              </a:rPr>
+              <a:t>`</a:t>
+            </a:r>
+            <a:r>
+              <a:rPr lang="en-GB" sz="1400" b="0" dirty="0">
+                <a:solidFill>
+                  <a:srgbClr val="CCCCCC"/>
+                </a:solidFill>
+                <a:effectLst/>
+                <a:latin typeface="Menlo" panose="020B0609030804020204" pitchFamily="49" charset="0"/>
+              </a:rPr>
+              <a:t> </a:t>
+            </a:r>
+            <a:r>
+              <a:rPr lang="en-GB" sz="1400" dirty="0">
+                <a:solidFill>
+                  <a:srgbClr val="569CD6"/>
+                </a:solidFill>
+                <a:latin typeface="Menlo" panose="020B0609030804020204" pitchFamily="49" charset="0"/>
+              </a:rPr>
+              <a:t>DATETIME</a:t>
+            </a:r>
+            <a:r>
+              <a:rPr lang="en-GB" sz="1400" b="0" dirty="0">
+                <a:solidFill>
+                  <a:srgbClr val="CCCCCC"/>
+                </a:solidFill>
+                <a:effectLst/>
+                <a:latin typeface="Menlo" panose="020B0609030804020204" pitchFamily="49" charset="0"/>
+              </a:rPr>
+              <a:t> </a:t>
+            </a:r>
+            <a:r>
+              <a:rPr lang="en-GB" sz="1400" b="0" dirty="0">
+                <a:solidFill>
+                  <a:srgbClr val="569CD6"/>
+                </a:solidFill>
+                <a:effectLst/>
+                <a:latin typeface="Menlo" panose="020B0609030804020204" pitchFamily="49" charset="0"/>
+              </a:rPr>
+              <a:t>NOT NULL</a:t>
+            </a:r>
+            <a:r>
+              <a:rPr lang="en-GB" sz="1400" b="0" dirty="0">
+                <a:solidFill>
+                  <a:srgbClr val="CCCCCC"/>
+                </a:solidFill>
+                <a:effectLst/>
+                <a:latin typeface="Menlo" panose="020B0609030804020204" pitchFamily="49" charset="0"/>
+              </a:rPr>
+              <a:t>,</a:t>
+            </a:r>
+          </a:p>
+          <a:p>
+            <a:r>
+              <a:rPr lang="en-GB" sz="1400" b="0" dirty="0">
+                <a:solidFill>
+                  <a:srgbClr val="CE9178"/>
+                </a:solidFill>
+                <a:effectLst/>
+                <a:latin typeface="Menlo" panose="020B0609030804020204" pitchFamily="49" charset="0"/>
+              </a:rPr>
+              <a:t>`Text`</a:t>
+            </a:r>
+            <a:r>
+              <a:rPr lang="en-GB" sz="1400" b="0" dirty="0">
+                <a:solidFill>
+                  <a:srgbClr val="CCCCCC"/>
+                </a:solidFill>
+                <a:effectLst/>
+                <a:latin typeface="Menlo" panose="020B0609030804020204" pitchFamily="49" charset="0"/>
+              </a:rPr>
+              <a:t> </a:t>
+            </a:r>
+            <a:r>
+              <a:rPr lang="en-GB" sz="1400" b="0" dirty="0">
+                <a:solidFill>
+                  <a:srgbClr val="569CD6"/>
+                </a:solidFill>
+                <a:effectLst/>
+                <a:latin typeface="Menlo" panose="020B0609030804020204" pitchFamily="49" charset="0"/>
+              </a:rPr>
+              <a:t>varchar</a:t>
+            </a:r>
+            <a:r>
+              <a:rPr lang="en-GB" sz="1400" b="0" dirty="0">
+                <a:solidFill>
+                  <a:srgbClr val="CCCCCC"/>
+                </a:solidFill>
+                <a:effectLst/>
+                <a:latin typeface="Menlo" panose="020B0609030804020204" pitchFamily="49" charset="0"/>
+              </a:rPr>
+              <a:t>(</a:t>
+            </a:r>
+            <a:r>
+              <a:rPr lang="en-GB" sz="1400" b="0" dirty="0">
+                <a:solidFill>
+                  <a:srgbClr val="B5CEA8"/>
+                </a:solidFill>
+                <a:effectLst/>
+                <a:latin typeface="Menlo" panose="020B0609030804020204" pitchFamily="49" charset="0"/>
+              </a:rPr>
+              <a:t>255</a:t>
+            </a:r>
+            <a:r>
+              <a:rPr lang="en-GB" sz="1400" b="0" dirty="0">
+                <a:solidFill>
+                  <a:srgbClr val="CCCCCC"/>
+                </a:solidFill>
+                <a:effectLst/>
+                <a:latin typeface="Menlo" panose="020B0609030804020204" pitchFamily="49" charset="0"/>
+              </a:rPr>
+              <a:t>) </a:t>
+            </a:r>
+            <a:r>
+              <a:rPr lang="en-GB" sz="1400" b="0" dirty="0">
+                <a:solidFill>
+                  <a:srgbClr val="569CD6"/>
+                </a:solidFill>
+                <a:effectLst/>
+                <a:latin typeface="Menlo" panose="020B0609030804020204" pitchFamily="49" charset="0"/>
+              </a:rPr>
+              <a:t>NOT NULL</a:t>
+            </a:r>
+            <a:r>
+              <a:rPr lang="en-GB" sz="1400" b="0" dirty="0">
+                <a:solidFill>
+                  <a:srgbClr val="CCCCCC"/>
+                </a:solidFill>
+                <a:effectLst/>
+                <a:latin typeface="Menlo" panose="020B0609030804020204" pitchFamily="49" charset="0"/>
+              </a:rPr>
+              <a:t>,</a:t>
+            </a:r>
+          </a:p>
+          <a:p>
+            <a:r>
+              <a:rPr lang="en-GB" sz="1400" b="0" dirty="0">
+                <a:solidFill>
+                  <a:srgbClr val="569CD6"/>
+                </a:solidFill>
+                <a:effectLst/>
+                <a:latin typeface="Menlo" panose="020B0609030804020204" pitchFamily="49" charset="0"/>
+              </a:rPr>
+              <a:t>PRIMARY KEY</a:t>
+            </a:r>
+            <a:r>
+              <a:rPr lang="en-GB" sz="1400" b="0" dirty="0">
+                <a:solidFill>
+                  <a:srgbClr val="CCCCCC"/>
+                </a:solidFill>
+                <a:effectLst/>
+                <a:latin typeface="Menlo" panose="020B0609030804020204" pitchFamily="49" charset="0"/>
+              </a:rPr>
+              <a:t> (</a:t>
+            </a:r>
+            <a:r>
+              <a:rPr lang="en-GB" sz="1400" b="0" dirty="0">
+                <a:solidFill>
+                  <a:srgbClr val="CE9178"/>
+                </a:solidFill>
+                <a:effectLst/>
+                <a:latin typeface="Menlo" panose="020B0609030804020204" pitchFamily="49" charset="0"/>
+              </a:rPr>
+              <a:t>`Image_Id`</a:t>
+            </a:r>
+            <a:r>
+              <a:rPr lang="en-GB" sz="1400" b="0" dirty="0">
+                <a:solidFill>
+                  <a:srgbClr val="CCCCCC"/>
+                </a:solidFill>
+                <a:effectLst/>
+                <a:latin typeface="Menlo" panose="020B0609030804020204" pitchFamily="49" charset="0"/>
+              </a:rPr>
+              <a:t>,</a:t>
+            </a:r>
+            <a:r>
+              <a:rPr lang="en-GB" sz="1400" b="0" dirty="0">
+                <a:solidFill>
+                  <a:srgbClr val="CE9178"/>
+                </a:solidFill>
+                <a:effectLst/>
+                <a:latin typeface="Menlo" panose="020B0609030804020204" pitchFamily="49" charset="0"/>
+              </a:rPr>
+              <a:t>`Id`</a:t>
+            </a:r>
+            <a:r>
+              <a:rPr lang="en-GB" sz="1400" b="0" dirty="0">
+                <a:solidFill>
+                  <a:srgbClr val="CCCCCC"/>
+                </a:solidFill>
+                <a:effectLst/>
+                <a:latin typeface="Menlo" panose="020B0609030804020204" pitchFamily="49" charset="0"/>
+              </a:rPr>
+              <a:t>,</a:t>
+            </a:r>
+            <a:r>
+              <a:rPr lang="en-GB" sz="1400" b="0" dirty="0">
+                <a:solidFill>
+                  <a:srgbClr val="CE9178"/>
+                </a:solidFill>
+                <a:effectLst/>
+                <a:latin typeface="Menlo" panose="020B0609030804020204" pitchFamily="49" charset="0"/>
+              </a:rPr>
+              <a:t>`</a:t>
+            </a:r>
+            <a:r>
+              <a:rPr lang="en-GB" sz="1400" b="0" dirty="0" err="1">
+                <a:solidFill>
+                  <a:srgbClr val="CE9178"/>
+                </a:solidFill>
+                <a:effectLst/>
+                <a:latin typeface="Menlo" panose="020B0609030804020204" pitchFamily="49" charset="0"/>
+              </a:rPr>
+              <a:t>Publication_date</a:t>
+            </a:r>
+            <a:r>
+              <a:rPr lang="en-GB" sz="1400" b="0" dirty="0">
+                <a:solidFill>
+                  <a:srgbClr val="CE9178"/>
+                </a:solidFill>
+                <a:effectLst/>
+                <a:latin typeface="Menlo" panose="020B0609030804020204" pitchFamily="49" charset="0"/>
+              </a:rPr>
+              <a:t>`</a:t>
+            </a:r>
+            <a:r>
+              <a:rPr lang="en-GB" sz="1400" b="0" dirty="0">
+                <a:solidFill>
+                  <a:srgbClr val="CCCCCC"/>
+                </a:solidFill>
+                <a:effectLst/>
+                <a:latin typeface="Menlo" panose="020B0609030804020204" pitchFamily="49" charset="0"/>
+              </a:rPr>
+              <a:t>),</a:t>
+            </a:r>
+          </a:p>
+          <a:p>
+            <a:r>
+              <a:rPr lang="en-GB" sz="1400" b="0" dirty="0">
+                <a:solidFill>
+                  <a:srgbClr val="569CD6"/>
+                </a:solidFill>
+                <a:effectLst/>
+                <a:latin typeface="Menlo" panose="020B0609030804020204" pitchFamily="49" charset="0"/>
+              </a:rPr>
+              <a:t>KEY</a:t>
+            </a:r>
+            <a:r>
+              <a:rPr lang="en-GB" sz="1400" b="0" dirty="0">
+                <a:solidFill>
+                  <a:srgbClr val="CCCCCC"/>
+                </a:solidFill>
+                <a:effectLst/>
+                <a:latin typeface="Menlo" panose="020B0609030804020204" pitchFamily="49" charset="0"/>
+              </a:rPr>
+              <a:t> </a:t>
+            </a:r>
+            <a:r>
+              <a:rPr lang="en-GB" sz="1400" b="0" dirty="0">
+                <a:solidFill>
+                  <a:srgbClr val="CE9178"/>
+                </a:solidFill>
+                <a:effectLst/>
+                <a:latin typeface="Menlo" panose="020B0609030804020204" pitchFamily="49" charset="0"/>
+              </a:rPr>
+              <a:t>`fk_Comment_1_idx`</a:t>
+            </a:r>
+            <a:r>
+              <a:rPr lang="en-GB" sz="1400" b="0" dirty="0">
+                <a:solidFill>
+                  <a:srgbClr val="CCCCCC"/>
+                </a:solidFill>
+                <a:effectLst/>
+                <a:latin typeface="Menlo" panose="020B0609030804020204" pitchFamily="49" charset="0"/>
+              </a:rPr>
+              <a:t> (</a:t>
+            </a:r>
+            <a:r>
+              <a:rPr lang="en-GB" sz="1400" b="0" dirty="0">
+                <a:solidFill>
+                  <a:srgbClr val="CE9178"/>
+                </a:solidFill>
+                <a:effectLst/>
+                <a:latin typeface="Menlo" panose="020B0609030804020204" pitchFamily="49" charset="0"/>
+              </a:rPr>
+              <a:t>`Id`</a:t>
+            </a:r>
+            <a:r>
+              <a:rPr lang="en-GB" sz="1400" b="0" dirty="0">
+                <a:solidFill>
+                  <a:srgbClr val="CCCCCC"/>
+                </a:solidFill>
+                <a:effectLst/>
+                <a:latin typeface="Menlo" panose="020B0609030804020204" pitchFamily="49" charset="0"/>
+              </a:rPr>
+              <a:t>),</a:t>
+            </a:r>
+          </a:p>
+          <a:p>
+            <a:r>
+              <a:rPr lang="en-GB" sz="1400" b="0" dirty="0">
+                <a:solidFill>
+                  <a:srgbClr val="569CD6"/>
+                </a:solidFill>
+                <a:effectLst/>
+                <a:latin typeface="Menlo" panose="020B0609030804020204" pitchFamily="49" charset="0"/>
+              </a:rPr>
+              <a:t>CONSTRAINT</a:t>
+            </a:r>
+            <a:r>
+              <a:rPr lang="en-GB" sz="1400" b="0" dirty="0">
+                <a:solidFill>
+                  <a:srgbClr val="CCCCCC"/>
+                </a:solidFill>
+                <a:effectLst/>
+                <a:latin typeface="Menlo" panose="020B0609030804020204" pitchFamily="49" charset="0"/>
+              </a:rPr>
+              <a:t> </a:t>
+            </a:r>
+            <a:r>
+              <a:rPr lang="en-GB" sz="1400" b="0" dirty="0">
+                <a:solidFill>
+                  <a:srgbClr val="CE9178"/>
+                </a:solidFill>
+                <a:effectLst/>
+                <a:latin typeface="Menlo" panose="020B0609030804020204" pitchFamily="49" charset="0"/>
+              </a:rPr>
+              <a:t>`fk_Comment_1`</a:t>
+            </a:r>
+            <a:r>
+              <a:rPr lang="en-GB" sz="1400" b="0" dirty="0">
+                <a:solidFill>
+                  <a:srgbClr val="CCCCCC"/>
+                </a:solidFill>
+                <a:effectLst/>
+                <a:latin typeface="Menlo" panose="020B0609030804020204" pitchFamily="49" charset="0"/>
+              </a:rPr>
+              <a:t> </a:t>
+            </a:r>
+            <a:r>
+              <a:rPr lang="en-GB" sz="1400" b="0" dirty="0">
+                <a:solidFill>
+                  <a:srgbClr val="569CD6"/>
+                </a:solidFill>
+                <a:effectLst/>
+                <a:latin typeface="Menlo" panose="020B0609030804020204" pitchFamily="49" charset="0"/>
+              </a:rPr>
+              <a:t>FOREIGN KEY</a:t>
+            </a:r>
+            <a:r>
+              <a:rPr lang="en-GB" sz="1400" b="0" dirty="0">
+                <a:solidFill>
+                  <a:srgbClr val="CCCCCC"/>
+                </a:solidFill>
+                <a:effectLst/>
+                <a:latin typeface="Menlo" panose="020B0609030804020204" pitchFamily="49" charset="0"/>
+              </a:rPr>
+              <a:t> (</a:t>
+            </a:r>
+            <a:r>
+              <a:rPr lang="en-GB" sz="1400" b="0" dirty="0">
+                <a:solidFill>
+                  <a:srgbClr val="CE9178"/>
+                </a:solidFill>
+                <a:effectLst/>
+                <a:latin typeface="Menlo" panose="020B0609030804020204" pitchFamily="49" charset="0"/>
+              </a:rPr>
+              <a:t>`Id`</a:t>
+            </a:r>
+            <a:r>
+              <a:rPr lang="en-GB" sz="1400" b="0" dirty="0">
+                <a:solidFill>
+                  <a:srgbClr val="CCCCCC"/>
+                </a:solidFill>
+                <a:effectLst/>
+                <a:latin typeface="Menlo" panose="020B0609030804020204" pitchFamily="49" charset="0"/>
+              </a:rPr>
+              <a:t>) </a:t>
+            </a:r>
+            <a:r>
+              <a:rPr lang="en-GB" sz="1400" b="0" dirty="0">
+                <a:solidFill>
+                  <a:srgbClr val="569CD6"/>
+                </a:solidFill>
+                <a:effectLst/>
+                <a:latin typeface="Menlo" panose="020B0609030804020204" pitchFamily="49" charset="0"/>
+              </a:rPr>
+              <a:t>REFERENCES</a:t>
+            </a:r>
+            <a:r>
+              <a:rPr lang="en-GB" sz="1400" b="0" dirty="0">
+                <a:solidFill>
+                  <a:srgbClr val="CCCCCC"/>
+                </a:solidFill>
+                <a:effectLst/>
+                <a:latin typeface="Menlo" panose="020B0609030804020204" pitchFamily="49" charset="0"/>
+              </a:rPr>
+              <a:t> </a:t>
+            </a:r>
+            <a:r>
+              <a:rPr lang="en-GB" sz="1400" b="0" dirty="0">
+                <a:solidFill>
+                  <a:srgbClr val="CE9178"/>
+                </a:solidFill>
+                <a:effectLst/>
+                <a:latin typeface="Menlo" panose="020B0609030804020204" pitchFamily="49" charset="0"/>
+              </a:rPr>
+              <a:t>`user`</a:t>
+            </a:r>
+            <a:r>
+              <a:rPr lang="en-GB" sz="1400" b="0" dirty="0">
+                <a:solidFill>
+                  <a:srgbClr val="CCCCCC"/>
+                </a:solidFill>
+                <a:effectLst/>
+                <a:latin typeface="Menlo" panose="020B0609030804020204" pitchFamily="49" charset="0"/>
+              </a:rPr>
+              <a:t> (</a:t>
+            </a:r>
+            <a:r>
+              <a:rPr lang="en-GB" sz="1400" b="0" dirty="0">
+                <a:solidFill>
+                  <a:srgbClr val="CE9178"/>
+                </a:solidFill>
+                <a:effectLst/>
+                <a:latin typeface="Menlo" panose="020B0609030804020204" pitchFamily="49" charset="0"/>
+              </a:rPr>
+              <a:t>`Id`</a:t>
+            </a:r>
+            <a:r>
+              <a:rPr lang="en-GB" sz="1400" b="0" dirty="0">
+                <a:solidFill>
+                  <a:srgbClr val="CCCCCC"/>
+                </a:solidFill>
+                <a:effectLst/>
+                <a:latin typeface="Menlo" panose="020B0609030804020204" pitchFamily="49" charset="0"/>
+              </a:rPr>
+              <a:t>) </a:t>
+            </a:r>
+            <a:r>
+              <a:rPr lang="en-GB" sz="1400" b="0" dirty="0">
+                <a:solidFill>
+                  <a:srgbClr val="569CD6"/>
+                </a:solidFill>
+                <a:effectLst/>
+                <a:latin typeface="Menlo" panose="020B0609030804020204" pitchFamily="49" charset="0"/>
+              </a:rPr>
+              <a:t>ON DELETE CASCADE</a:t>
+            </a:r>
+            <a:r>
+              <a:rPr lang="en-GB" sz="1400" b="0" dirty="0">
+                <a:solidFill>
+                  <a:srgbClr val="CCCCCC"/>
+                </a:solidFill>
+                <a:effectLst/>
+                <a:latin typeface="Menlo" panose="020B0609030804020204" pitchFamily="49" charset="0"/>
+              </a:rPr>
+              <a:t> </a:t>
+            </a:r>
+            <a:r>
+              <a:rPr lang="en-GB" sz="1400" b="0" dirty="0">
+                <a:solidFill>
+                  <a:srgbClr val="569CD6"/>
+                </a:solidFill>
+                <a:effectLst/>
+                <a:latin typeface="Menlo" panose="020B0609030804020204" pitchFamily="49" charset="0"/>
+              </a:rPr>
+              <a:t>ON</a:t>
+            </a:r>
+            <a:r>
+              <a:rPr lang="en-GB" sz="1400" b="0" dirty="0">
+                <a:solidFill>
+                  <a:srgbClr val="CCCCCC"/>
+                </a:solidFill>
+                <a:effectLst/>
+                <a:latin typeface="Menlo" panose="020B0609030804020204" pitchFamily="49" charset="0"/>
+              </a:rPr>
+              <a:t> </a:t>
+            </a:r>
+            <a:r>
+              <a:rPr lang="en-GB" sz="1400" b="0" dirty="0">
+                <a:solidFill>
+                  <a:srgbClr val="569CD6"/>
+                </a:solidFill>
+                <a:effectLst/>
+                <a:latin typeface="Menlo" panose="020B0609030804020204" pitchFamily="49" charset="0"/>
+              </a:rPr>
+              <a:t>UPDATE</a:t>
+            </a:r>
+            <a:r>
+              <a:rPr lang="en-GB" sz="1400" b="0" dirty="0">
+                <a:solidFill>
+                  <a:srgbClr val="CCCCCC"/>
+                </a:solidFill>
+                <a:effectLst/>
+                <a:latin typeface="Menlo" panose="020B0609030804020204" pitchFamily="49" charset="0"/>
+              </a:rPr>
+              <a:t> CASCADE,</a:t>
+            </a:r>
+          </a:p>
+          <a:p>
+            <a:r>
+              <a:rPr lang="en-GB" sz="1400" b="0" dirty="0">
+                <a:solidFill>
+                  <a:srgbClr val="569CD6"/>
+                </a:solidFill>
+                <a:effectLst/>
+                <a:latin typeface="Menlo" panose="020B0609030804020204" pitchFamily="49" charset="0"/>
+              </a:rPr>
+              <a:t>CONSTRAINT</a:t>
+            </a:r>
+            <a:r>
+              <a:rPr lang="en-GB" sz="1400" b="0" dirty="0">
+                <a:solidFill>
+                  <a:srgbClr val="CCCCCC"/>
+                </a:solidFill>
+                <a:effectLst/>
+                <a:latin typeface="Menlo" panose="020B0609030804020204" pitchFamily="49" charset="0"/>
+              </a:rPr>
+              <a:t> </a:t>
+            </a:r>
+            <a:r>
+              <a:rPr lang="en-GB" sz="1400" b="0" dirty="0">
+                <a:solidFill>
+                  <a:srgbClr val="CE9178"/>
+                </a:solidFill>
+                <a:effectLst/>
+                <a:latin typeface="Menlo" panose="020B0609030804020204" pitchFamily="49" charset="0"/>
+              </a:rPr>
+              <a:t>`fk_Comment_2`</a:t>
+            </a:r>
+            <a:r>
+              <a:rPr lang="en-GB" sz="1400" b="0" dirty="0">
+                <a:solidFill>
+                  <a:srgbClr val="CCCCCC"/>
+                </a:solidFill>
+                <a:effectLst/>
+                <a:latin typeface="Menlo" panose="020B0609030804020204" pitchFamily="49" charset="0"/>
+              </a:rPr>
+              <a:t> </a:t>
+            </a:r>
+            <a:r>
+              <a:rPr lang="en-GB" sz="1400" b="0" dirty="0">
+                <a:solidFill>
+                  <a:srgbClr val="569CD6"/>
+                </a:solidFill>
+                <a:effectLst/>
+                <a:latin typeface="Menlo" panose="020B0609030804020204" pitchFamily="49" charset="0"/>
+              </a:rPr>
+              <a:t>FOREIGN KEY</a:t>
+            </a:r>
+            <a:r>
+              <a:rPr lang="en-GB" sz="1400" b="0" dirty="0">
+                <a:solidFill>
+                  <a:srgbClr val="CCCCCC"/>
+                </a:solidFill>
+                <a:effectLst/>
+                <a:latin typeface="Menlo" panose="020B0609030804020204" pitchFamily="49" charset="0"/>
+              </a:rPr>
+              <a:t> (</a:t>
+            </a:r>
+            <a:r>
+              <a:rPr lang="en-GB" sz="1400" b="0" dirty="0">
+                <a:solidFill>
+                  <a:srgbClr val="CE9178"/>
+                </a:solidFill>
+                <a:effectLst/>
+                <a:latin typeface="Menlo" panose="020B0609030804020204" pitchFamily="49" charset="0"/>
+              </a:rPr>
+              <a:t>`</a:t>
+            </a:r>
+            <a:r>
+              <a:rPr lang="en-GB" sz="1400" b="0" dirty="0" err="1">
+                <a:solidFill>
+                  <a:srgbClr val="CE9178"/>
+                </a:solidFill>
+                <a:effectLst/>
+                <a:latin typeface="Menlo" panose="020B0609030804020204" pitchFamily="49" charset="0"/>
+              </a:rPr>
+              <a:t>Image_Id</a:t>
+            </a:r>
+            <a:r>
+              <a:rPr lang="en-GB" sz="1400" b="0" dirty="0">
+                <a:solidFill>
+                  <a:srgbClr val="CE9178"/>
+                </a:solidFill>
+                <a:effectLst/>
+                <a:latin typeface="Menlo" panose="020B0609030804020204" pitchFamily="49" charset="0"/>
+              </a:rPr>
+              <a:t>`</a:t>
+            </a:r>
+            <a:r>
+              <a:rPr lang="en-GB" sz="1400" b="0" dirty="0">
+                <a:solidFill>
+                  <a:srgbClr val="CCCCCC"/>
+                </a:solidFill>
+                <a:effectLst/>
+                <a:latin typeface="Menlo" panose="020B0609030804020204" pitchFamily="49" charset="0"/>
+              </a:rPr>
+              <a:t>) </a:t>
+            </a:r>
+            <a:r>
+              <a:rPr lang="en-GB" sz="1400" b="0" dirty="0">
+                <a:solidFill>
+                  <a:srgbClr val="569CD6"/>
+                </a:solidFill>
+                <a:effectLst/>
+                <a:latin typeface="Menlo" panose="020B0609030804020204" pitchFamily="49" charset="0"/>
+              </a:rPr>
+              <a:t>REFERENCES</a:t>
+            </a:r>
+            <a:r>
+              <a:rPr lang="en-GB" sz="1400" b="0" dirty="0">
+                <a:solidFill>
+                  <a:srgbClr val="CCCCCC"/>
+                </a:solidFill>
+                <a:effectLst/>
+                <a:latin typeface="Menlo" panose="020B0609030804020204" pitchFamily="49" charset="0"/>
+              </a:rPr>
+              <a:t> </a:t>
+            </a:r>
+            <a:r>
+              <a:rPr lang="en-GB" sz="1400" b="0" dirty="0">
+                <a:solidFill>
+                  <a:srgbClr val="CE9178"/>
+                </a:solidFill>
+                <a:effectLst/>
+                <a:latin typeface="Menlo" panose="020B0609030804020204" pitchFamily="49" charset="0"/>
+              </a:rPr>
+              <a:t>`image`</a:t>
+            </a:r>
+            <a:r>
+              <a:rPr lang="en-GB" sz="1400" b="0" dirty="0">
+                <a:solidFill>
+                  <a:srgbClr val="CCCCCC"/>
+                </a:solidFill>
+                <a:effectLst/>
+                <a:latin typeface="Menlo" panose="020B0609030804020204" pitchFamily="49" charset="0"/>
+              </a:rPr>
+              <a:t> (</a:t>
+            </a:r>
+            <a:r>
+              <a:rPr lang="en-GB" sz="1400" b="0" dirty="0">
+                <a:solidFill>
+                  <a:srgbClr val="CE9178"/>
+                </a:solidFill>
+                <a:effectLst/>
+                <a:latin typeface="Menlo" panose="020B0609030804020204" pitchFamily="49" charset="0"/>
+              </a:rPr>
+              <a:t>`</a:t>
+            </a:r>
+            <a:r>
+              <a:rPr lang="en-GB" sz="1400" b="0" dirty="0" err="1">
+                <a:solidFill>
+                  <a:srgbClr val="CE9178"/>
+                </a:solidFill>
+                <a:effectLst/>
+                <a:latin typeface="Menlo" panose="020B0609030804020204" pitchFamily="49" charset="0"/>
+              </a:rPr>
+              <a:t>Image_id</a:t>
+            </a:r>
+            <a:r>
+              <a:rPr lang="en-GB" sz="1400" b="0" dirty="0">
+                <a:solidFill>
+                  <a:srgbClr val="CE9178"/>
+                </a:solidFill>
+                <a:effectLst/>
+                <a:latin typeface="Menlo" panose="020B0609030804020204" pitchFamily="49" charset="0"/>
+              </a:rPr>
+              <a:t>`</a:t>
+            </a:r>
+            <a:r>
+              <a:rPr lang="en-GB" sz="1400" b="0" dirty="0">
+                <a:solidFill>
+                  <a:srgbClr val="CCCCCC"/>
+                </a:solidFill>
+                <a:effectLst/>
+                <a:latin typeface="Menlo" panose="020B0609030804020204" pitchFamily="49" charset="0"/>
+              </a:rPr>
+              <a:t>) </a:t>
+            </a:r>
+            <a:r>
+              <a:rPr lang="en-GB" sz="1400" b="0" dirty="0">
+                <a:solidFill>
+                  <a:srgbClr val="569CD6"/>
+                </a:solidFill>
+                <a:effectLst/>
+                <a:latin typeface="Menlo" panose="020B0609030804020204" pitchFamily="49" charset="0"/>
+              </a:rPr>
+              <a:t>ON DELETE CASCADE</a:t>
+            </a:r>
+            <a:r>
+              <a:rPr lang="en-GB" sz="1400" b="0" dirty="0">
+                <a:solidFill>
+                  <a:srgbClr val="CCCCCC"/>
+                </a:solidFill>
+                <a:effectLst/>
+                <a:latin typeface="Menlo" panose="020B0609030804020204" pitchFamily="49" charset="0"/>
+              </a:rPr>
+              <a:t> </a:t>
+            </a:r>
+            <a:r>
+              <a:rPr lang="en-GB" sz="1400" b="0" dirty="0">
+                <a:solidFill>
+                  <a:srgbClr val="569CD6"/>
+                </a:solidFill>
+                <a:effectLst/>
+                <a:latin typeface="Menlo" panose="020B0609030804020204" pitchFamily="49" charset="0"/>
+              </a:rPr>
+              <a:t>ON</a:t>
+            </a:r>
+            <a:r>
+              <a:rPr lang="en-GB" sz="1400" b="0" dirty="0">
+                <a:solidFill>
+                  <a:srgbClr val="CCCCCC"/>
+                </a:solidFill>
+                <a:effectLst/>
+                <a:latin typeface="Menlo" panose="020B0609030804020204" pitchFamily="49" charset="0"/>
+              </a:rPr>
+              <a:t> </a:t>
+            </a:r>
+            <a:r>
+              <a:rPr lang="en-GB" sz="1400" b="0" dirty="0">
+                <a:solidFill>
+                  <a:srgbClr val="569CD6"/>
+                </a:solidFill>
+                <a:effectLst/>
+                <a:latin typeface="Menlo" panose="020B0609030804020204" pitchFamily="49" charset="0"/>
+              </a:rPr>
+              <a:t>UPDATE</a:t>
+            </a:r>
+            <a:r>
+              <a:rPr lang="en-GB" sz="1400" b="0" dirty="0">
+                <a:solidFill>
+                  <a:srgbClr val="CCCCCC"/>
+                </a:solidFill>
+                <a:effectLst/>
+                <a:latin typeface="Menlo" panose="020B0609030804020204" pitchFamily="49" charset="0"/>
+              </a:rPr>
+              <a:t> CASCADE</a:t>
+            </a:r>
+          </a:p>
+          <a:p>
+            <a:r>
+              <a:rPr lang="en-GB" sz="1400" b="0" dirty="0">
+                <a:solidFill>
+                  <a:srgbClr val="CCCCCC"/>
+                </a:solidFill>
+                <a:effectLst/>
+                <a:latin typeface="Menlo" panose="020B0609030804020204" pitchFamily="49" charset="0"/>
+              </a:rPr>
+              <a:t>)</a:t>
             </a:r>
           </a:p>
         </p:txBody>
@@ -6221,15 +9214,855 @@
           </a:bodyPr>
           <a:lstStyle/>
           <a:p>
-            <a:pPr marL="0" indent="0">
-              <a:buNone/>
-            </a:pPr>
-            <a:r>
-              <a:rPr lang="en-US" sz="1800" dirty="0">
-                <a:latin typeface="Courier New" panose="02070309020205020404" pitchFamily="49" charset="0"/>
-                <a:cs typeface="Courier New" panose="02070309020205020404" pitchFamily="49" charset="0"/>
-              </a:rPr>
-              <a:t>// to do</a:t>
+            <a:r>
+              <a:rPr lang="en-GB" sz="1400" b="0" dirty="0">
+                <a:solidFill>
+                  <a:srgbClr val="569CD6"/>
+                </a:solidFill>
+                <a:effectLst/>
+                <a:latin typeface="Menlo" panose="020B0609030804020204" pitchFamily="49" charset="0"/>
+              </a:rPr>
+              <a:t>DROP</a:t>
+            </a:r>
+            <a:r>
+              <a:rPr lang="en-GB" sz="1400" b="0" dirty="0">
+                <a:solidFill>
+                  <a:srgbClr val="CCCCCC"/>
+                </a:solidFill>
+                <a:effectLst/>
+                <a:latin typeface="Menlo" panose="020B0609030804020204" pitchFamily="49" charset="0"/>
+              </a:rPr>
+              <a:t> </a:t>
+            </a:r>
+            <a:r>
+              <a:rPr lang="en-GB" sz="1400" b="0" dirty="0">
+                <a:solidFill>
+                  <a:srgbClr val="569CD6"/>
+                </a:solidFill>
+                <a:effectLst/>
+                <a:latin typeface="Menlo" panose="020B0609030804020204" pitchFamily="49" charset="0"/>
+              </a:rPr>
+              <a:t>TABLE</a:t>
+            </a:r>
+            <a:r>
+              <a:rPr lang="en-GB" sz="1400" b="0" dirty="0">
+                <a:solidFill>
+                  <a:srgbClr val="CCCCCC"/>
+                </a:solidFill>
+                <a:effectLst/>
+                <a:latin typeface="Menlo" panose="020B0609030804020204" pitchFamily="49" charset="0"/>
+              </a:rPr>
+              <a:t> </a:t>
+            </a:r>
+            <a:r>
+              <a:rPr lang="en-GB" sz="1400" b="0" dirty="0">
+                <a:solidFill>
+                  <a:srgbClr val="569CD6"/>
+                </a:solidFill>
+                <a:effectLst/>
+                <a:latin typeface="Menlo" panose="020B0609030804020204" pitchFamily="49" charset="0"/>
+              </a:rPr>
+              <a:t>IF</a:t>
+            </a:r>
+            <a:r>
+              <a:rPr lang="en-GB" sz="1400" b="0" dirty="0">
+                <a:solidFill>
+                  <a:srgbClr val="CCCCCC"/>
+                </a:solidFill>
+                <a:effectLst/>
+                <a:latin typeface="Menlo" panose="020B0609030804020204" pitchFamily="49" charset="0"/>
+              </a:rPr>
+              <a:t> </a:t>
+            </a:r>
+            <a:r>
+              <a:rPr lang="en-GB" sz="1400" b="0" dirty="0">
+                <a:solidFill>
+                  <a:srgbClr val="569CD6"/>
+                </a:solidFill>
+                <a:effectLst/>
+                <a:latin typeface="Menlo" panose="020B0609030804020204" pitchFamily="49" charset="0"/>
+              </a:rPr>
+              <a:t>EXISTS</a:t>
+            </a:r>
+            <a:r>
+              <a:rPr lang="en-GB" sz="1400" b="0" dirty="0">
+                <a:solidFill>
+                  <a:srgbClr val="CCCCCC"/>
+                </a:solidFill>
+                <a:effectLst/>
+                <a:latin typeface="Menlo" panose="020B0609030804020204" pitchFamily="49" charset="0"/>
+              </a:rPr>
+              <a:t> </a:t>
+            </a:r>
+            <a:r>
+              <a:rPr lang="en-GB" sz="1400" b="0" dirty="0">
+                <a:solidFill>
+                  <a:srgbClr val="CE9178"/>
+                </a:solidFill>
+                <a:effectLst/>
+                <a:latin typeface="Menlo" panose="020B0609030804020204" pitchFamily="49" charset="0"/>
+              </a:rPr>
+              <a:t>`image`</a:t>
+            </a:r>
+            <a:r>
+              <a:rPr lang="en-GB" sz="1400" b="0" dirty="0">
+                <a:solidFill>
+                  <a:srgbClr val="CCCCCC"/>
+                </a:solidFill>
+                <a:effectLst/>
+                <a:latin typeface="Menlo" panose="020B0609030804020204" pitchFamily="49" charset="0"/>
+              </a:rPr>
+              <a:t>;</a:t>
+            </a:r>
+          </a:p>
+          <a:p>
+            <a:r>
+              <a:rPr lang="en-GB" sz="1400" b="0" dirty="0">
+                <a:solidFill>
+                  <a:srgbClr val="6A9955"/>
+                </a:solidFill>
+                <a:effectLst/>
+                <a:latin typeface="Menlo" panose="020B0609030804020204" pitchFamily="49" charset="0"/>
+              </a:rPr>
+              <a:t>/*!40101 SET @</a:t>
+            </a:r>
+            <a:r>
+              <a:rPr lang="en-GB" sz="1400" b="0" dirty="0" err="1">
+                <a:solidFill>
+                  <a:srgbClr val="6A9955"/>
+                </a:solidFill>
+                <a:effectLst/>
+                <a:latin typeface="Menlo" panose="020B0609030804020204" pitchFamily="49" charset="0"/>
+              </a:rPr>
+              <a:t>saved_cs_client</a:t>
+            </a:r>
+            <a:r>
+              <a:rPr lang="en-GB" sz="1400" b="0" dirty="0">
+                <a:solidFill>
+                  <a:srgbClr val="6A9955"/>
+                </a:solidFill>
+                <a:effectLst/>
+                <a:latin typeface="Menlo" panose="020B0609030804020204" pitchFamily="49" charset="0"/>
+              </a:rPr>
+              <a:t> = @@</a:t>
+            </a:r>
+            <a:r>
+              <a:rPr lang="en-GB" sz="1400" b="0" dirty="0" err="1">
+                <a:solidFill>
+                  <a:srgbClr val="6A9955"/>
+                </a:solidFill>
+                <a:effectLst/>
+                <a:latin typeface="Menlo" panose="020B0609030804020204" pitchFamily="49" charset="0"/>
+              </a:rPr>
+              <a:t>character_set_client</a:t>
+            </a:r>
+            <a:r>
+              <a:rPr lang="en-GB" sz="1400" b="0" dirty="0">
+                <a:solidFill>
+                  <a:srgbClr val="6A9955"/>
+                </a:solidFill>
+                <a:effectLst/>
+                <a:latin typeface="Menlo" panose="020B0609030804020204" pitchFamily="49" charset="0"/>
+              </a:rPr>
+              <a:t> */</a:t>
+            </a:r>
+            <a:r>
+              <a:rPr lang="en-GB" sz="1400" b="0" dirty="0">
+                <a:solidFill>
+                  <a:srgbClr val="CCCCCC"/>
+                </a:solidFill>
+                <a:effectLst/>
+                <a:latin typeface="Menlo" panose="020B0609030804020204" pitchFamily="49" charset="0"/>
+              </a:rPr>
+              <a:t>;</a:t>
+            </a:r>
+          </a:p>
+          <a:p>
+            <a:r>
+              <a:rPr lang="en-GB" sz="1400" b="0" dirty="0">
+                <a:solidFill>
+                  <a:srgbClr val="6A9955"/>
+                </a:solidFill>
+                <a:effectLst/>
+                <a:latin typeface="Menlo" panose="020B0609030804020204" pitchFamily="49" charset="0"/>
+              </a:rPr>
+              <a:t>/*!50503 SET </a:t>
+            </a:r>
+            <a:r>
+              <a:rPr lang="en-GB" sz="1400" b="0" dirty="0" err="1">
+                <a:solidFill>
+                  <a:srgbClr val="6A9955"/>
+                </a:solidFill>
+                <a:effectLst/>
+                <a:latin typeface="Menlo" panose="020B0609030804020204" pitchFamily="49" charset="0"/>
+              </a:rPr>
+              <a:t>character_set_client</a:t>
+            </a:r>
+            <a:r>
+              <a:rPr lang="en-GB" sz="1400" b="0" dirty="0">
+                <a:solidFill>
+                  <a:srgbClr val="6A9955"/>
+                </a:solidFill>
+                <a:effectLst/>
+                <a:latin typeface="Menlo" panose="020B0609030804020204" pitchFamily="49" charset="0"/>
+              </a:rPr>
+              <a:t> = utf8mb4 */</a:t>
+            </a:r>
+            <a:r>
+              <a:rPr lang="en-GB" sz="1400" b="0" dirty="0">
+                <a:solidFill>
+                  <a:srgbClr val="CCCCCC"/>
+                </a:solidFill>
+                <a:effectLst/>
+                <a:latin typeface="Menlo" panose="020B0609030804020204" pitchFamily="49" charset="0"/>
+              </a:rPr>
+              <a:t>;</a:t>
+            </a:r>
+          </a:p>
+          <a:p>
+            <a:r>
+              <a:rPr lang="en-GB" sz="1400" b="0" dirty="0">
+                <a:solidFill>
+                  <a:srgbClr val="569CD6"/>
+                </a:solidFill>
+                <a:effectLst/>
+                <a:latin typeface="Menlo" panose="020B0609030804020204" pitchFamily="49" charset="0"/>
+              </a:rPr>
+              <a:t>CREATE</a:t>
+            </a:r>
+            <a:r>
+              <a:rPr lang="en-GB" sz="1400" b="0" dirty="0">
+                <a:solidFill>
+                  <a:srgbClr val="CCCCCC"/>
+                </a:solidFill>
+                <a:effectLst/>
+                <a:latin typeface="Menlo" panose="020B0609030804020204" pitchFamily="49" charset="0"/>
+              </a:rPr>
+              <a:t> </a:t>
+            </a:r>
+            <a:r>
+              <a:rPr lang="en-GB" sz="1400" b="0" dirty="0">
+                <a:solidFill>
+                  <a:srgbClr val="569CD6"/>
+                </a:solidFill>
+                <a:effectLst/>
+                <a:latin typeface="Menlo" panose="020B0609030804020204" pitchFamily="49" charset="0"/>
+              </a:rPr>
+              <a:t>TABLE</a:t>
+            </a:r>
+            <a:r>
+              <a:rPr lang="en-GB" sz="1400" b="0" dirty="0">
+                <a:solidFill>
+                  <a:srgbClr val="CCCCCC"/>
+                </a:solidFill>
+                <a:effectLst/>
+                <a:latin typeface="Menlo" panose="020B0609030804020204" pitchFamily="49" charset="0"/>
+              </a:rPr>
+              <a:t> `</a:t>
+            </a:r>
+            <a:r>
+              <a:rPr lang="en-GB" sz="1400" b="0" dirty="0">
+                <a:solidFill>
+                  <a:srgbClr val="DCDCAA"/>
+                </a:solidFill>
+                <a:effectLst/>
+                <a:latin typeface="Menlo" panose="020B0609030804020204" pitchFamily="49" charset="0"/>
+              </a:rPr>
+              <a:t>image</a:t>
+            </a:r>
+            <a:r>
+              <a:rPr lang="en-GB" sz="1400" b="0" dirty="0">
+                <a:solidFill>
+                  <a:srgbClr val="CCCCCC"/>
+                </a:solidFill>
+                <a:effectLst/>
+                <a:latin typeface="Menlo" panose="020B0609030804020204" pitchFamily="49" charset="0"/>
+              </a:rPr>
+              <a:t>` (</a:t>
+            </a:r>
+          </a:p>
+          <a:p>
+            <a:r>
+              <a:rPr lang="en-GB" sz="1400" b="0" dirty="0">
+                <a:solidFill>
+                  <a:srgbClr val="CE9178"/>
+                </a:solidFill>
+                <a:effectLst/>
+                <a:latin typeface="Menlo" panose="020B0609030804020204" pitchFamily="49" charset="0"/>
+              </a:rPr>
+              <a:t>`</a:t>
+            </a:r>
+            <a:r>
+              <a:rPr lang="en-GB" sz="1400" b="0" dirty="0" err="1">
+                <a:solidFill>
+                  <a:srgbClr val="CE9178"/>
+                </a:solidFill>
+                <a:effectLst/>
+                <a:latin typeface="Menlo" panose="020B0609030804020204" pitchFamily="49" charset="0"/>
+              </a:rPr>
+              <a:t>Image_id</a:t>
+            </a:r>
+            <a:r>
+              <a:rPr lang="en-GB" sz="1400" b="0" dirty="0">
+                <a:solidFill>
+                  <a:srgbClr val="CE9178"/>
+                </a:solidFill>
+                <a:effectLst/>
+                <a:latin typeface="Menlo" panose="020B0609030804020204" pitchFamily="49" charset="0"/>
+              </a:rPr>
+              <a:t>`</a:t>
+            </a:r>
+            <a:r>
+              <a:rPr lang="en-GB" sz="1400" b="0" dirty="0">
+                <a:solidFill>
+                  <a:srgbClr val="CCCCCC"/>
+                </a:solidFill>
+                <a:effectLst/>
+                <a:latin typeface="Menlo" panose="020B0609030804020204" pitchFamily="49" charset="0"/>
+              </a:rPr>
+              <a:t> </a:t>
+            </a:r>
+            <a:r>
+              <a:rPr lang="en-GB" sz="1400" b="0" dirty="0">
+                <a:solidFill>
+                  <a:srgbClr val="569CD6"/>
+                </a:solidFill>
+                <a:effectLst/>
+                <a:latin typeface="Menlo" panose="020B0609030804020204" pitchFamily="49" charset="0"/>
+              </a:rPr>
+              <a:t>int</a:t>
+            </a:r>
+            <a:r>
+              <a:rPr lang="en-GB" sz="1400" b="0" dirty="0">
+                <a:solidFill>
+                  <a:srgbClr val="CCCCCC"/>
+                </a:solidFill>
+                <a:effectLst/>
+                <a:latin typeface="Menlo" panose="020B0609030804020204" pitchFamily="49" charset="0"/>
+              </a:rPr>
+              <a:t> </a:t>
+            </a:r>
+            <a:r>
+              <a:rPr lang="en-GB" sz="1400" b="0" dirty="0">
+                <a:solidFill>
+                  <a:srgbClr val="569CD6"/>
+                </a:solidFill>
+                <a:effectLst/>
+                <a:latin typeface="Menlo" panose="020B0609030804020204" pitchFamily="49" charset="0"/>
+              </a:rPr>
+              <a:t>NOT NULL</a:t>
+            </a:r>
+            <a:r>
+              <a:rPr lang="en-GB" sz="1400" b="0" dirty="0">
+                <a:solidFill>
+                  <a:srgbClr val="CCCCCC"/>
+                </a:solidFill>
+                <a:effectLst/>
+                <a:latin typeface="Menlo" panose="020B0609030804020204" pitchFamily="49" charset="0"/>
+              </a:rPr>
+              <a:t> AUTO_INCREMENT,</a:t>
+            </a:r>
+          </a:p>
+          <a:p>
+            <a:r>
+              <a:rPr lang="en-GB" sz="1400" b="0" dirty="0">
+                <a:solidFill>
+                  <a:srgbClr val="CE9178"/>
+                </a:solidFill>
+                <a:effectLst/>
+                <a:latin typeface="Menlo" panose="020B0609030804020204" pitchFamily="49" charset="0"/>
+              </a:rPr>
+              <a:t>`Title`</a:t>
+            </a:r>
+            <a:r>
+              <a:rPr lang="en-GB" sz="1400" b="0" dirty="0">
+                <a:solidFill>
+                  <a:srgbClr val="CCCCCC"/>
+                </a:solidFill>
+                <a:effectLst/>
+                <a:latin typeface="Menlo" panose="020B0609030804020204" pitchFamily="49" charset="0"/>
+              </a:rPr>
+              <a:t> </a:t>
+            </a:r>
+            <a:r>
+              <a:rPr lang="en-GB" sz="1400" b="0" dirty="0">
+                <a:solidFill>
+                  <a:srgbClr val="569CD6"/>
+                </a:solidFill>
+                <a:effectLst/>
+                <a:latin typeface="Menlo" panose="020B0609030804020204" pitchFamily="49" charset="0"/>
+              </a:rPr>
+              <a:t>varchar</a:t>
+            </a:r>
+            <a:r>
+              <a:rPr lang="en-GB" sz="1400" b="0" dirty="0">
+                <a:solidFill>
+                  <a:srgbClr val="CCCCCC"/>
+                </a:solidFill>
+                <a:effectLst/>
+                <a:latin typeface="Menlo" panose="020B0609030804020204" pitchFamily="49" charset="0"/>
+              </a:rPr>
+              <a:t>(</a:t>
+            </a:r>
+            <a:r>
+              <a:rPr lang="en-GB" sz="1400" b="0" dirty="0">
+                <a:solidFill>
+                  <a:srgbClr val="B5CEA8"/>
+                </a:solidFill>
+                <a:effectLst/>
+                <a:latin typeface="Menlo" panose="020B0609030804020204" pitchFamily="49" charset="0"/>
+              </a:rPr>
+              <a:t>255</a:t>
+            </a:r>
+            <a:r>
+              <a:rPr lang="en-GB" sz="1400" b="0" dirty="0">
+                <a:solidFill>
+                  <a:srgbClr val="CCCCCC"/>
+                </a:solidFill>
+                <a:effectLst/>
+                <a:latin typeface="Menlo" panose="020B0609030804020204" pitchFamily="49" charset="0"/>
+              </a:rPr>
+              <a:t>) </a:t>
+            </a:r>
+            <a:r>
+              <a:rPr lang="en-GB" sz="1400" b="0" dirty="0">
+                <a:solidFill>
+                  <a:srgbClr val="569CD6"/>
+                </a:solidFill>
+                <a:effectLst/>
+                <a:latin typeface="Menlo" panose="020B0609030804020204" pitchFamily="49" charset="0"/>
+              </a:rPr>
+              <a:t>DEFAULT</a:t>
+            </a:r>
+            <a:r>
+              <a:rPr lang="en-GB" sz="1400" b="0" dirty="0">
+                <a:solidFill>
+                  <a:srgbClr val="CCCCCC"/>
+                </a:solidFill>
+                <a:effectLst/>
+                <a:latin typeface="Menlo" panose="020B0609030804020204" pitchFamily="49" charset="0"/>
+              </a:rPr>
+              <a:t> </a:t>
+            </a:r>
+            <a:r>
+              <a:rPr lang="en-GB" sz="1400" b="0" dirty="0">
+                <a:solidFill>
+                  <a:srgbClr val="569CD6"/>
+                </a:solidFill>
+                <a:effectLst/>
+                <a:latin typeface="Menlo" panose="020B0609030804020204" pitchFamily="49" charset="0"/>
+              </a:rPr>
+              <a:t>NULL</a:t>
+            </a:r>
+            <a:r>
+              <a:rPr lang="en-GB" sz="1400" b="0" dirty="0">
+                <a:solidFill>
+                  <a:srgbClr val="CCCCCC"/>
+                </a:solidFill>
+                <a:effectLst/>
+                <a:latin typeface="Menlo" panose="020B0609030804020204" pitchFamily="49" charset="0"/>
+              </a:rPr>
+              <a:t>,</a:t>
+            </a:r>
+          </a:p>
+          <a:p>
+            <a:r>
+              <a:rPr lang="en-GB" sz="1400" b="0" dirty="0">
+                <a:solidFill>
+                  <a:srgbClr val="CE9178"/>
+                </a:solidFill>
+                <a:effectLst/>
+                <a:latin typeface="Menlo" panose="020B0609030804020204" pitchFamily="49" charset="0"/>
+              </a:rPr>
+              <a:t>`</a:t>
+            </a:r>
+            <a:r>
+              <a:rPr lang="en-GB" sz="1400" b="0" dirty="0" err="1">
+                <a:solidFill>
+                  <a:srgbClr val="CE9178"/>
+                </a:solidFill>
+                <a:effectLst/>
+                <a:latin typeface="Menlo" panose="020B0609030804020204" pitchFamily="49" charset="0"/>
+              </a:rPr>
+              <a:t>Creation_Date</a:t>
+            </a:r>
+            <a:r>
+              <a:rPr lang="en-GB" sz="1400" b="0" dirty="0">
+                <a:solidFill>
+                  <a:srgbClr val="CE9178"/>
+                </a:solidFill>
+                <a:effectLst/>
+                <a:latin typeface="Menlo" panose="020B0609030804020204" pitchFamily="49" charset="0"/>
+              </a:rPr>
+              <a:t>`</a:t>
+            </a:r>
+            <a:r>
+              <a:rPr lang="en-GB" sz="1400" b="0" dirty="0">
+                <a:solidFill>
+                  <a:srgbClr val="CCCCCC"/>
+                </a:solidFill>
+                <a:effectLst/>
+                <a:latin typeface="Menlo" panose="020B0609030804020204" pitchFamily="49" charset="0"/>
+              </a:rPr>
+              <a:t> </a:t>
+            </a:r>
+            <a:r>
+              <a:rPr lang="en-GB" sz="1400" b="0" dirty="0">
+                <a:solidFill>
+                  <a:srgbClr val="569CD6"/>
+                </a:solidFill>
+                <a:effectLst/>
+                <a:latin typeface="Menlo" panose="020B0609030804020204" pitchFamily="49" charset="0"/>
+              </a:rPr>
+              <a:t>date</a:t>
+            </a:r>
+            <a:r>
+              <a:rPr lang="en-GB" sz="1400" b="0" dirty="0">
+                <a:solidFill>
+                  <a:srgbClr val="CCCCCC"/>
+                </a:solidFill>
+                <a:effectLst/>
+                <a:latin typeface="Menlo" panose="020B0609030804020204" pitchFamily="49" charset="0"/>
+              </a:rPr>
+              <a:t> </a:t>
+            </a:r>
+            <a:r>
+              <a:rPr lang="en-GB" sz="1400" b="0" dirty="0">
+                <a:solidFill>
+                  <a:srgbClr val="569CD6"/>
+                </a:solidFill>
+                <a:effectLst/>
+                <a:latin typeface="Menlo" panose="020B0609030804020204" pitchFamily="49" charset="0"/>
+              </a:rPr>
+              <a:t>DEFAULT</a:t>
+            </a:r>
+            <a:r>
+              <a:rPr lang="en-GB" sz="1400" b="0" dirty="0">
+                <a:solidFill>
+                  <a:srgbClr val="CCCCCC"/>
+                </a:solidFill>
+                <a:effectLst/>
+                <a:latin typeface="Menlo" panose="020B0609030804020204" pitchFamily="49" charset="0"/>
+              </a:rPr>
+              <a:t> </a:t>
+            </a:r>
+            <a:r>
+              <a:rPr lang="en-GB" sz="1400" b="0" dirty="0">
+                <a:solidFill>
+                  <a:srgbClr val="569CD6"/>
+                </a:solidFill>
+                <a:effectLst/>
+                <a:latin typeface="Menlo" panose="020B0609030804020204" pitchFamily="49" charset="0"/>
+              </a:rPr>
+              <a:t>NULL</a:t>
+            </a:r>
+            <a:r>
+              <a:rPr lang="en-GB" sz="1400" b="0" dirty="0">
+                <a:solidFill>
+                  <a:srgbClr val="CCCCCC"/>
+                </a:solidFill>
+                <a:effectLst/>
+                <a:latin typeface="Menlo" panose="020B0609030804020204" pitchFamily="49" charset="0"/>
+              </a:rPr>
+              <a:t>,</a:t>
+            </a:r>
+          </a:p>
+          <a:p>
+            <a:r>
+              <a:rPr lang="en-GB" sz="1400" b="0" dirty="0">
+                <a:solidFill>
+                  <a:srgbClr val="CE9178"/>
+                </a:solidFill>
+                <a:effectLst/>
+                <a:latin typeface="Menlo" panose="020B0609030804020204" pitchFamily="49" charset="0"/>
+              </a:rPr>
+              <a:t>`Description`</a:t>
+            </a:r>
+            <a:r>
+              <a:rPr lang="en-GB" sz="1400" b="0" dirty="0">
+                <a:solidFill>
+                  <a:srgbClr val="CCCCCC"/>
+                </a:solidFill>
+                <a:effectLst/>
+                <a:latin typeface="Menlo" panose="020B0609030804020204" pitchFamily="49" charset="0"/>
+              </a:rPr>
+              <a:t> </a:t>
+            </a:r>
+            <a:r>
+              <a:rPr lang="en-GB" sz="1400" b="0" dirty="0">
+                <a:solidFill>
+                  <a:srgbClr val="569CD6"/>
+                </a:solidFill>
+                <a:effectLst/>
+                <a:latin typeface="Menlo" panose="020B0609030804020204" pitchFamily="49" charset="0"/>
+              </a:rPr>
+              <a:t>varchar</a:t>
+            </a:r>
+            <a:r>
+              <a:rPr lang="en-GB" sz="1400" b="0" dirty="0">
+                <a:solidFill>
+                  <a:srgbClr val="CCCCCC"/>
+                </a:solidFill>
+                <a:effectLst/>
+                <a:latin typeface="Menlo" panose="020B0609030804020204" pitchFamily="49" charset="0"/>
+              </a:rPr>
+              <a:t>(</a:t>
+            </a:r>
+            <a:r>
+              <a:rPr lang="en-GB" sz="1400" b="0" dirty="0">
+                <a:solidFill>
+                  <a:srgbClr val="B5CEA8"/>
+                </a:solidFill>
+                <a:effectLst/>
+                <a:latin typeface="Menlo" panose="020B0609030804020204" pitchFamily="49" charset="0"/>
+              </a:rPr>
+              <a:t>255</a:t>
+            </a:r>
+            <a:r>
+              <a:rPr lang="en-GB" sz="1400" b="0" dirty="0">
+                <a:solidFill>
+                  <a:srgbClr val="CCCCCC"/>
+                </a:solidFill>
+                <a:effectLst/>
+                <a:latin typeface="Menlo" panose="020B0609030804020204" pitchFamily="49" charset="0"/>
+              </a:rPr>
+              <a:t>) </a:t>
+            </a:r>
+            <a:r>
+              <a:rPr lang="en-GB" sz="1400" b="0" dirty="0">
+                <a:solidFill>
+                  <a:srgbClr val="569CD6"/>
+                </a:solidFill>
+                <a:effectLst/>
+                <a:latin typeface="Menlo" panose="020B0609030804020204" pitchFamily="49" charset="0"/>
+              </a:rPr>
+              <a:t>DEFAULT</a:t>
+            </a:r>
+            <a:r>
+              <a:rPr lang="en-GB" sz="1400" b="0" dirty="0">
+                <a:solidFill>
+                  <a:srgbClr val="CCCCCC"/>
+                </a:solidFill>
+                <a:effectLst/>
+                <a:latin typeface="Menlo" panose="020B0609030804020204" pitchFamily="49" charset="0"/>
+              </a:rPr>
+              <a:t> </a:t>
+            </a:r>
+            <a:r>
+              <a:rPr lang="en-GB" sz="1400" b="0" dirty="0">
+                <a:solidFill>
+                  <a:srgbClr val="569CD6"/>
+                </a:solidFill>
+                <a:effectLst/>
+                <a:latin typeface="Menlo" panose="020B0609030804020204" pitchFamily="49" charset="0"/>
+              </a:rPr>
+              <a:t>NULL</a:t>
+            </a:r>
+            <a:r>
+              <a:rPr lang="en-GB" sz="1400" b="0" dirty="0">
+                <a:solidFill>
+                  <a:srgbClr val="CCCCCC"/>
+                </a:solidFill>
+                <a:effectLst/>
+                <a:latin typeface="Menlo" panose="020B0609030804020204" pitchFamily="49" charset="0"/>
+              </a:rPr>
+              <a:t>,</a:t>
+            </a:r>
+          </a:p>
+          <a:p>
+            <a:r>
+              <a:rPr lang="en-GB" sz="1400" b="0" dirty="0">
+                <a:solidFill>
+                  <a:srgbClr val="CE9178"/>
+                </a:solidFill>
+                <a:effectLst/>
+                <a:latin typeface="Menlo" panose="020B0609030804020204" pitchFamily="49" charset="0"/>
+              </a:rPr>
+              <a:t>`</a:t>
+            </a:r>
+            <a:r>
+              <a:rPr lang="en-GB" sz="1400" b="0" dirty="0" err="1">
+                <a:solidFill>
+                  <a:srgbClr val="CE9178"/>
+                </a:solidFill>
+                <a:effectLst/>
+                <a:latin typeface="Menlo" panose="020B0609030804020204" pitchFamily="49" charset="0"/>
+              </a:rPr>
+              <a:t>System_Path</a:t>
+            </a:r>
+            <a:r>
+              <a:rPr lang="en-GB" sz="1400" b="0" dirty="0">
+                <a:solidFill>
+                  <a:srgbClr val="CE9178"/>
+                </a:solidFill>
+                <a:effectLst/>
+                <a:latin typeface="Menlo" panose="020B0609030804020204" pitchFamily="49" charset="0"/>
+              </a:rPr>
+              <a:t>`</a:t>
+            </a:r>
+            <a:r>
+              <a:rPr lang="en-GB" sz="1400" b="0" dirty="0">
+                <a:solidFill>
+                  <a:srgbClr val="CCCCCC"/>
+                </a:solidFill>
+                <a:effectLst/>
+                <a:latin typeface="Menlo" panose="020B0609030804020204" pitchFamily="49" charset="0"/>
+              </a:rPr>
+              <a:t> </a:t>
+            </a:r>
+            <a:r>
+              <a:rPr lang="en-GB" sz="1400" b="0" dirty="0">
+                <a:solidFill>
+                  <a:srgbClr val="569CD6"/>
+                </a:solidFill>
+                <a:effectLst/>
+                <a:latin typeface="Menlo" panose="020B0609030804020204" pitchFamily="49" charset="0"/>
+              </a:rPr>
+              <a:t>varchar</a:t>
+            </a:r>
+            <a:r>
+              <a:rPr lang="en-GB" sz="1400" b="0" dirty="0">
+                <a:solidFill>
+                  <a:srgbClr val="CCCCCC"/>
+                </a:solidFill>
+                <a:effectLst/>
+                <a:latin typeface="Menlo" panose="020B0609030804020204" pitchFamily="49" charset="0"/>
+              </a:rPr>
+              <a:t>(</a:t>
+            </a:r>
+            <a:r>
+              <a:rPr lang="en-GB" sz="1400" b="0" dirty="0">
+                <a:solidFill>
+                  <a:srgbClr val="B5CEA8"/>
+                </a:solidFill>
+                <a:effectLst/>
+                <a:latin typeface="Menlo" panose="020B0609030804020204" pitchFamily="49" charset="0"/>
+              </a:rPr>
+              <a:t>255</a:t>
+            </a:r>
+            <a:r>
+              <a:rPr lang="en-GB" sz="1400" b="0" dirty="0">
+                <a:solidFill>
+                  <a:srgbClr val="CCCCCC"/>
+                </a:solidFill>
+                <a:effectLst/>
+                <a:latin typeface="Menlo" panose="020B0609030804020204" pitchFamily="49" charset="0"/>
+              </a:rPr>
+              <a:t>) </a:t>
+            </a:r>
+            <a:r>
+              <a:rPr lang="en-GB" sz="1400" b="0" dirty="0">
+                <a:solidFill>
+                  <a:srgbClr val="569CD6"/>
+                </a:solidFill>
+                <a:effectLst/>
+                <a:latin typeface="Menlo" panose="020B0609030804020204" pitchFamily="49" charset="0"/>
+              </a:rPr>
+              <a:t>DEFAULT</a:t>
+            </a:r>
+            <a:r>
+              <a:rPr lang="en-GB" sz="1400" b="0" dirty="0">
+                <a:solidFill>
+                  <a:srgbClr val="CCCCCC"/>
+                </a:solidFill>
+                <a:effectLst/>
+                <a:latin typeface="Menlo" panose="020B0609030804020204" pitchFamily="49" charset="0"/>
+              </a:rPr>
+              <a:t> </a:t>
+            </a:r>
+            <a:r>
+              <a:rPr lang="en-GB" sz="1400" b="0" dirty="0">
+                <a:solidFill>
+                  <a:srgbClr val="569CD6"/>
+                </a:solidFill>
+                <a:effectLst/>
+                <a:latin typeface="Menlo" panose="020B0609030804020204" pitchFamily="49" charset="0"/>
+              </a:rPr>
+              <a:t>NULL</a:t>
+            </a:r>
+            <a:r>
+              <a:rPr lang="en-GB" sz="1400" b="0" dirty="0">
+                <a:solidFill>
+                  <a:srgbClr val="CCCCCC"/>
+                </a:solidFill>
+                <a:effectLst/>
+                <a:latin typeface="Menlo" panose="020B0609030804020204" pitchFamily="49" charset="0"/>
+              </a:rPr>
+              <a:t>,</a:t>
+            </a:r>
+          </a:p>
+          <a:p>
+            <a:r>
+              <a:rPr lang="en-GB" sz="1400" b="0" dirty="0">
+                <a:solidFill>
+                  <a:srgbClr val="569CD6"/>
+                </a:solidFill>
+                <a:effectLst/>
+                <a:latin typeface="Menlo" panose="020B0609030804020204" pitchFamily="49" charset="0"/>
+              </a:rPr>
+              <a:t>PRIMARY KEY</a:t>
+            </a:r>
+            <a:r>
+              <a:rPr lang="en-GB" sz="1400" b="0" dirty="0">
+                <a:solidFill>
+                  <a:srgbClr val="CCCCCC"/>
+                </a:solidFill>
+                <a:effectLst/>
+                <a:latin typeface="Menlo" panose="020B0609030804020204" pitchFamily="49" charset="0"/>
+              </a:rPr>
+              <a:t> (</a:t>
+            </a:r>
+            <a:r>
+              <a:rPr lang="en-GB" sz="1400" b="0" dirty="0">
+                <a:solidFill>
+                  <a:srgbClr val="CE9178"/>
+                </a:solidFill>
+                <a:effectLst/>
+                <a:latin typeface="Menlo" panose="020B0609030804020204" pitchFamily="49" charset="0"/>
+              </a:rPr>
+              <a:t>`</a:t>
+            </a:r>
+            <a:r>
+              <a:rPr lang="en-GB" sz="1400" b="0" dirty="0" err="1">
+                <a:solidFill>
+                  <a:srgbClr val="CE9178"/>
+                </a:solidFill>
+                <a:effectLst/>
+                <a:latin typeface="Menlo" panose="020B0609030804020204" pitchFamily="49" charset="0"/>
+              </a:rPr>
+              <a:t>Image_id</a:t>
+            </a:r>
+            <a:r>
+              <a:rPr lang="en-GB" sz="1400" b="0" dirty="0">
+                <a:solidFill>
+                  <a:srgbClr val="CE9178"/>
+                </a:solidFill>
+                <a:effectLst/>
+                <a:latin typeface="Menlo" panose="020B0609030804020204" pitchFamily="49" charset="0"/>
+              </a:rPr>
+              <a:t>`</a:t>
+            </a:r>
+            <a:r>
+              <a:rPr lang="en-GB" sz="1400" b="0" dirty="0">
+                <a:solidFill>
+                  <a:srgbClr val="CCCCCC"/>
+                </a:solidFill>
+                <a:effectLst/>
+                <a:latin typeface="Menlo" panose="020B0609030804020204" pitchFamily="49" charset="0"/>
+              </a:rPr>
+              <a:t>)</a:t>
+            </a:r>
+          </a:p>
+          <a:p>
+            <a:r>
+              <a:rPr lang="en-GB" sz="1400" b="0" dirty="0">
+                <a:solidFill>
+                  <a:srgbClr val="CCCCCC"/>
+                </a:solidFill>
+                <a:effectLst/>
+                <a:latin typeface="Menlo" panose="020B0609030804020204" pitchFamily="49" charset="0"/>
+              </a:rPr>
+              <a:t>)</a:t>
             </a:r>
           </a:p>
         </p:txBody>
@@ -6256,15 +10089,753 @@
           </a:bodyPr>
           <a:lstStyle/>
           <a:p>
-            <a:pPr marL="0" indent="0">
-              <a:buNone/>
-            </a:pPr>
-            <a:r>
-              <a:rPr lang="en-US" sz="1800" dirty="0">
-                <a:latin typeface="Courier New" panose="02070309020205020404" pitchFamily="49" charset="0"/>
-                <a:cs typeface="Courier New" panose="02070309020205020404" pitchFamily="49" charset="0"/>
-              </a:rPr>
-              <a:t>// to do </a:t>
+            <a:r>
+              <a:rPr lang="en-GB" sz="1400" b="0" dirty="0">
+                <a:solidFill>
+                  <a:srgbClr val="569CD6"/>
+                </a:solidFill>
+                <a:effectLst/>
+                <a:latin typeface="Menlo" panose="020B0609030804020204" pitchFamily="49" charset="0"/>
+              </a:rPr>
+              <a:t>DROP</a:t>
+            </a:r>
+            <a:r>
+              <a:rPr lang="en-GB" sz="1400" b="0" dirty="0">
+                <a:solidFill>
+                  <a:srgbClr val="CCCCCC"/>
+                </a:solidFill>
+                <a:effectLst/>
+                <a:latin typeface="Menlo" panose="020B0609030804020204" pitchFamily="49" charset="0"/>
+              </a:rPr>
+              <a:t> </a:t>
+            </a:r>
+            <a:r>
+              <a:rPr lang="en-GB" sz="1400" b="0" dirty="0">
+                <a:solidFill>
+                  <a:srgbClr val="569CD6"/>
+                </a:solidFill>
+                <a:effectLst/>
+                <a:latin typeface="Menlo" panose="020B0609030804020204" pitchFamily="49" charset="0"/>
+              </a:rPr>
+              <a:t>TABLE</a:t>
+            </a:r>
+            <a:r>
+              <a:rPr lang="en-GB" sz="1400" b="0" dirty="0">
+                <a:solidFill>
+                  <a:srgbClr val="CCCCCC"/>
+                </a:solidFill>
+                <a:effectLst/>
+                <a:latin typeface="Menlo" panose="020B0609030804020204" pitchFamily="49" charset="0"/>
+              </a:rPr>
+              <a:t> </a:t>
+            </a:r>
+            <a:r>
+              <a:rPr lang="en-GB" sz="1400" b="0" dirty="0">
+                <a:solidFill>
+                  <a:srgbClr val="569CD6"/>
+                </a:solidFill>
+                <a:effectLst/>
+                <a:latin typeface="Menlo" panose="020B0609030804020204" pitchFamily="49" charset="0"/>
+              </a:rPr>
+              <a:t>IF</a:t>
+            </a:r>
+            <a:r>
+              <a:rPr lang="en-GB" sz="1400" b="0" dirty="0">
+                <a:solidFill>
+                  <a:srgbClr val="CCCCCC"/>
+                </a:solidFill>
+                <a:effectLst/>
+                <a:latin typeface="Menlo" panose="020B0609030804020204" pitchFamily="49" charset="0"/>
+              </a:rPr>
+              <a:t> </a:t>
+            </a:r>
+            <a:r>
+              <a:rPr lang="en-GB" sz="1400" b="0" dirty="0">
+                <a:solidFill>
+                  <a:srgbClr val="569CD6"/>
+                </a:solidFill>
+                <a:effectLst/>
+                <a:latin typeface="Menlo" panose="020B0609030804020204" pitchFamily="49" charset="0"/>
+              </a:rPr>
+              <a:t>EXISTS</a:t>
+            </a:r>
+            <a:r>
+              <a:rPr lang="en-GB" sz="1400" b="0" dirty="0">
+                <a:solidFill>
+                  <a:srgbClr val="CCCCCC"/>
+                </a:solidFill>
+                <a:effectLst/>
+                <a:latin typeface="Menlo" panose="020B0609030804020204" pitchFamily="49" charset="0"/>
+              </a:rPr>
+              <a:t> </a:t>
+            </a:r>
+            <a:r>
+              <a:rPr lang="en-GB" sz="1400" b="0" dirty="0">
+                <a:solidFill>
+                  <a:srgbClr val="CE9178"/>
+                </a:solidFill>
+                <a:effectLst/>
+                <a:latin typeface="Menlo" panose="020B0609030804020204" pitchFamily="49" charset="0"/>
+              </a:rPr>
+              <a:t>`</a:t>
+            </a:r>
+            <a:r>
+              <a:rPr lang="en-GB" sz="1400" b="0" dirty="0" err="1">
+                <a:solidFill>
+                  <a:srgbClr val="CE9178"/>
+                </a:solidFill>
+                <a:effectLst/>
+                <a:latin typeface="Menlo" panose="020B0609030804020204" pitchFamily="49" charset="0"/>
+              </a:rPr>
+              <a:t>contains_images</a:t>
+            </a:r>
+            <a:r>
+              <a:rPr lang="en-GB" sz="1400" b="0" dirty="0">
+                <a:solidFill>
+                  <a:srgbClr val="CE9178"/>
+                </a:solidFill>
+                <a:effectLst/>
+                <a:latin typeface="Menlo" panose="020B0609030804020204" pitchFamily="49" charset="0"/>
+              </a:rPr>
+              <a:t>`</a:t>
+            </a:r>
+            <a:r>
+              <a:rPr lang="en-GB" sz="1400" b="0" dirty="0">
+                <a:solidFill>
+                  <a:srgbClr val="CCCCCC"/>
+                </a:solidFill>
+                <a:effectLst/>
+                <a:latin typeface="Menlo" panose="020B0609030804020204" pitchFamily="49" charset="0"/>
+              </a:rPr>
+              <a:t>;</a:t>
+            </a:r>
+          </a:p>
+          <a:p>
+            <a:r>
+              <a:rPr lang="en-GB" sz="1400" b="0" dirty="0">
+                <a:solidFill>
+                  <a:srgbClr val="6A9955"/>
+                </a:solidFill>
+                <a:effectLst/>
+                <a:latin typeface="Menlo" panose="020B0609030804020204" pitchFamily="49" charset="0"/>
+              </a:rPr>
+              <a:t>/*!40101 SET @</a:t>
+            </a:r>
+            <a:r>
+              <a:rPr lang="en-GB" sz="1400" b="0" dirty="0" err="1">
+                <a:solidFill>
+                  <a:srgbClr val="6A9955"/>
+                </a:solidFill>
+                <a:effectLst/>
+                <a:latin typeface="Menlo" panose="020B0609030804020204" pitchFamily="49" charset="0"/>
+              </a:rPr>
+              <a:t>saved_cs_client</a:t>
+            </a:r>
+            <a:r>
+              <a:rPr lang="en-GB" sz="1400" b="0" dirty="0">
+                <a:solidFill>
+                  <a:srgbClr val="6A9955"/>
+                </a:solidFill>
+                <a:effectLst/>
+                <a:latin typeface="Menlo" panose="020B0609030804020204" pitchFamily="49" charset="0"/>
+              </a:rPr>
+              <a:t> = @@</a:t>
+            </a:r>
+            <a:r>
+              <a:rPr lang="en-GB" sz="1400" b="0" dirty="0" err="1">
+                <a:solidFill>
+                  <a:srgbClr val="6A9955"/>
+                </a:solidFill>
+                <a:effectLst/>
+                <a:latin typeface="Menlo" panose="020B0609030804020204" pitchFamily="49" charset="0"/>
+              </a:rPr>
+              <a:t>character_set_client</a:t>
+            </a:r>
+            <a:r>
+              <a:rPr lang="en-GB" sz="1400" b="0" dirty="0">
+                <a:solidFill>
+                  <a:srgbClr val="6A9955"/>
+                </a:solidFill>
+                <a:effectLst/>
+                <a:latin typeface="Menlo" panose="020B0609030804020204" pitchFamily="49" charset="0"/>
+              </a:rPr>
+              <a:t> */</a:t>
+            </a:r>
+            <a:r>
+              <a:rPr lang="en-GB" sz="1400" b="0" dirty="0">
+                <a:solidFill>
+                  <a:srgbClr val="CCCCCC"/>
+                </a:solidFill>
+                <a:effectLst/>
+                <a:latin typeface="Menlo" panose="020B0609030804020204" pitchFamily="49" charset="0"/>
+              </a:rPr>
+              <a:t>;</a:t>
+            </a:r>
+          </a:p>
+          <a:p>
+            <a:r>
+              <a:rPr lang="en-GB" sz="1400" b="0" dirty="0">
+                <a:solidFill>
+                  <a:srgbClr val="6A9955"/>
+                </a:solidFill>
+                <a:effectLst/>
+                <a:latin typeface="Menlo" panose="020B0609030804020204" pitchFamily="49" charset="0"/>
+              </a:rPr>
+              <a:t>/*!50503 SET </a:t>
+            </a:r>
+            <a:r>
+              <a:rPr lang="en-GB" sz="1400" b="0" dirty="0" err="1">
+                <a:solidFill>
+                  <a:srgbClr val="6A9955"/>
+                </a:solidFill>
+                <a:effectLst/>
+                <a:latin typeface="Menlo" panose="020B0609030804020204" pitchFamily="49" charset="0"/>
+              </a:rPr>
+              <a:t>character_set_client</a:t>
+            </a:r>
+            <a:r>
+              <a:rPr lang="en-GB" sz="1400" b="0" dirty="0">
+                <a:solidFill>
+                  <a:srgbClr val="6A9955"/>
+                </a:solidFill>
+                <a:effectLst/>
+                <a:latin typeface="Menlo" panose="020B0609030804020204" pitchFamily="49" charset="0"/>
+              </a:rPr>
+              <a:t> = utf8mb4 */</a:t>
+            </a:r>
+            <a:r>
+              <a:rPr lang="en-GB" sz="1400" b="0" dirty="0">
+                <a:solidFill>
+                  <a:srgbClr val="CCCCCC"/>
+                </a:solidFill>
+                <a:effectLst/>
+                <a:latin typeface="Menlo" panose="020B0609030804020204" pitchFamily="49" charset="0"/>
+              </a:rPr>
+              <a:t>;</a:t>
+            </a:r>
+          </a:p>
+          <a:p>
+            <a:r>
+              <a:rPr lang="en-GB" sz="1400" b="0" dirty="0">
+                <a:solidFill>
+                  <a:srgbClr val="569CD6"/>
+                </a:solidFill>
+                <a:effectLst/>
+                <a:latin typeface="Menlo" panose="020B0609030804020204" pitchFamily="49" charset="0"/>
+              </a:rPr>
+              <a:t>CREATE</a:t>
+            </a:r>
+            <a:r>
+              <a:rPr lang="en-GB" sz="1400" b="0" dirty="0">
+                <a:solidFill>
+                  <a:srgbClr val="CCCCCC"/>
+                </a:solidFill>
+                <a:effectLst/>
+                <a:latin typeface="Menlo" panose="020B0609030804020204" pitchFamily="49" charset="0"/>
+              </a:rPr>
+              <a:t> </a:t>
+            </a:r>
+            <a:r>
+              <a:rPr lang="en-GB" sz="1400" b="0" dirty="0">
+                <a:solidFill>
+                  <a:srgbClr val="569CD6"/>
+                </a:solidFill>
+                <a:effectLst/>
+                <a:latin typeface="Menlo" panose="020B0609030804020204" pitchFamily="49" charset="0"/>
+              </a:rPr>
+              <a:t>TABLE</a:t>
+            </a:r>
+            <a:r>
+              <a:rPr lang="en-GB" sz="1400" b="0" dirty="0">
+                <a:solidFill>
+                  <a:srgbClr val="CCCCCC"/>
+                </a:solidFill>
+                <a:effectLst/>
+                <a:latin typeface="Menlo" panose="020B0609030804020204" pitchFamily="49" charset="0"/>
+              </a:rPr>
+              <a:t> `</a:t>
+            </a:r>
+            <a:r>
+              <a:rPr lang="en-GB" sz="1400" b="0" dirty="0" err="1">
+                <a:solidFill>
+                  <a:srgbClr val="DCDCAA"/>
+                </a:solidFill>
+                <a:effectLst/>
+                <a:latin typeface="Menlo" panose="020B0609030804020204" pitchFamily="49" charset="0"/>
+              </a:rPr>
+              <a:t>contains_images</a:t>
+            </a:r>
+            <a:r>
+              <a:rPr lang="en-GB" sz="1400" b="0" dirty="0">
+                <a:solidFill>
+                  <a:srgbClr val="CCCCCC"/>
+                </a:solidFill>
+                <a:effectLst/>
+                <a:latin typeface="Menlo" panose="020B0609030804020204" pitchFamily="49" charset="0"/>
+              </a:rPr>
+              <a:t>` (</a:t>
+            </a:r>
+          </a:p>
+          <a:p>
+            <a:r>
+              <a:rPr lang="en-GB" sz="1400" b="0" dirty="0">
+                <a:solidFill>
+                  <a:srgbClr val="CE9178"/>
+                </a:solidFill>
+                <a:effectLst/>
+                <a:latin typeface="Menlo" panose="020B0609030804020204" pitchFamily="49" charset="0"/>
+              </a:rPr>
+              <a:t>`</a:t>
+            </a:r>
+            <a:r>
+              <a:rPr lang="en-GB" sz="1400" b="0" dirty="0" err="1">
+                <a:solidFill>
+                  <a:srgbClr val="CE9178"/>
+                </a:solidFill>
+                <a:effectLst/>
+                <a:latin typeface="Menlo" panose="020B0609030804020204" pitchFamily="49" charset="0"/>
+              </a:rPr>
+              <a:t>Image_Id</a:t>
+            </a:r>
+            <a:r>
+              <a:rPr lang="en-GB" sz="1400" b="0" dirty="0">
+                <a:solidFill>
+                  <a:srgbClr val="CE9178"/>
+                </a:solidFill>
+                <a:effectLst/>
+                <a:latin typeface="Menlo" panose="020B0609030804020204" pitchFamily="49" charset="0"/>
+              </a:rPr>
+              <a:t>`</a:t>
+            </a:r>
+            <a:r>
+              <a:rPr lang="en-GB" sz="1400" b="0" dirty="0">
+                <a:solidFill>
+                  <a:srgbClr val="CCCCCC"/>
+                </a:solidFill>
+                <a:effectLst/>
+                <a:latin typeface="Menlo" panose="020B0609030804020204" pitchFamily="49" charset="0"/>
+              </a:rPr>
+              <a:t> </a:t>
+            </a:r>
+            <a:r>
+              <a:rPr lang="en-GB" sz="1400" b="0" dirty="0">
+                <a:solidFill>
+                  <a:srgbClr val="569CD6"/>
+                </a:solidFill>
+                <a:effectLst/>
+                <a:latin typeface="Menlo" panose="020B0609030804020204" pitchFamily="49" charset="0"/>
+              </a:rPr>
+              <a:t>int</a:t>
+            </a:r>
+            <a:r>
+              <a:rPr lang="en-GB" sz="1400" b="0" dirty="0">
+                <a:solidFill>
+                  <a:srgbClr val="CCCCCC"/>
+                </a:solidFill>
+                <a:effectLst/>
+                <a:latin typeface="Menlo" panose="020B0609030804020204" pitchFamily="49" charset="0"/>
+              </a:rPr>
+              <a:t> </a:t>
+            </a:r>
+            <a:r>
+              <a:rPr lang="en-GB" sz="1400" b="0" dirty="0">
+                <a:solidFill>
+                  <a:srgbClr val="569CD6"/>
+                </a:solidFill>
+                <a:effectLst/>
+                <a:latin typeface="Menlo" panose="020B0609030804020204" pitchFamily="49" charset="0"/>
+              </a:rPr>
+              <a:t>NOT NULL</a:t>
+            </a:r>
+            <a:r>
+              <a:rPr lang="en-GB" sz="1400" b="0" dirty="0">
+                <a:solidFill>
+                  <a:srgbClr val="CCCCCC"/>
+                </a:solidFill>
+                <a:effectLst/>
+                <a:latin typeface="Menlo" panose="020B0609030804020204" pitchFamily="49" charset="0"/>
+              </a:rPr>
+              <a:t>,</a:t>
+            </a:r>
+          </a:p>
+          <a:p>
+            <a:r>
+              <a:rPr lang="en-GB" sz="1400" b="0" dirty="0">
+                <a:solidFill>
+                  <a:srgbClr val="CE9178"/>
+                </a:solidFill>
+                <a:effectLst/>
+                <a:latin typeface="Menlo" panose="020B0609030804020204" pitchFamily="49" charset="0"/>
+              </a:rPr>
+              <a:t>`title`</a:t>
+            </a:r>
+            <a:r>
+              <a:rPr lang="en-GB" sz="1400" b="0" dirty="0">
+                <a:solidFill>
+                  <a:srgbClr val="CCCCCC"/>
+                </a:solidFill>
+                <a:effectLst/>
+                <a:latin typeface="Menlo" panose="020B0609030804020204" pitchFamily="49" charset="0"/>
+              </a:rPr>
+              <a:t> </a:t>
+            </a:r>
+            <a:r>
+              <a:rPr lang="en-GB" sz="1400" b="0" dirty="0">
+                <a:solidFill>
+                  <a:srgbClr val="569CD6"/>
+                </a:solidFill>
+                <a:effectLst/>
+                <a:latin typeface="Menlo" panose="020B0609030804020204" pitchFamily="49" charset="0"/>
+              </a:rPr>
+              <a:t>varchar</a:t>
+            </a:r>
+            <a:r>
+              <a:rPr lang="en-GB" sz="1400" b="0" dirty="0">
+                <a:solidFill>
+                  <a:srgbClr val="CCCCCC"/>
+                </a:solidFill>
+                <a:effectLst/>
+                <a:latin typeface="Menlo" panose="020B0609030804020204" pitchFamily="49" charset="0"/>
+              </a:rPr>
+              <a:t>(</a:t>
+            </a:r>
+            <a:r>
+              <a:rPr lang="en-GB" sz="1400" b="0" dirty="0">
+                <a:solidFill>
+                  <a:srgbClr val="B5CEA8"/>
+                </a:solidFill>
+                <a:effectLst/>
+                <a:latin typeface="Menlo" panose="020B0609030804020204" pitchFamily="49" charset="0"/>
+              </a:rPr>
+              <a:t>255</a:t>
+            </a:r>
+            <a:r>
+              <a:rPr lang="en-GB" sz="1400" b="0" dirty="0">
+                <a:solidFill>
+                  <a:srgbClr val="CCCCCC"/>
+                </a:solidFill>
+                <a:effectLst/>
+                <a:latin typeface="Menlo" panose="020B0609030804020204" pitchFamily="49" charset="0"/>
+              </a:rPr>
+              <a:t>) </a:t>
+            </a:r>
+            <a:r>
+              <a:rPr lang="en-GB" sz="1400" b="0" dirty="0">
+                <a:solidFill>
+                  <a:srgbClr val="569CD6"/>
+                </a:solidFill>
+                <a:effectLst/>
+                <a:latin typeface="Menlo" panose="020B0609030804020204" pitchFamily="49" charset="0"/>
+              </a:rPr>
+              <a:t>NOT NULL</a:t>
+            </a:r>
+            <a:r>
+              <a:rPr lang="en-GB" sz="1400" b="0" dirty="0">
+                <a:solidFill>
+                  <a:srgbClr val="CCCCCC"/>
+                </a:solidFill>
+                <a:effectLst/>
+                <a:latin typeface="Menlo" panose="020B0609030804020204" pitchFamily="49" charset="0"/>
+              </a:rPr>
+              <a:t>,</a:t>
+            </a:r>
+          </a:p>
+          <a:p>
+            <a:r>
+              <a:rPr lang="en-GB" sz="1400" b="0" dirty="0">
+                <a:solidFill>
+                  <a:srgbClr val="CE9178"/>
+                </a:solidFill>
+                <a:effectLst/>
+                <a:latin typeface="Menlo" panose="020B0609030804020204" pitchFamily="49" charset="0"/>
+              </a:rPr>
+              <a:t>`</a:t>
+            </a:r>
+            <a:r>
+              <a:rPr lang="en-GB" sz="1400" b="0" dirty="0" err="1">
+                <a:solidFill>
+                  <a:srgbClr val="CE9178"/>
+                </a:solidFill>
+                <a:effectLst/>
+                <a:latin typeface="Menlo" panose="020B0609030804020204" pitchFamily="49" charset="0"/>
+              </a:rPr>
+              <a:t>User_Id</a:t>
+            </a:r>
+            <a:r>
+              <a:rPr lang="en-GB" sz="1400" b="0" dirty="0">
+                <a:solidFill>
+                  <a:srgbClr val="CE9178"/>
+                </a:solidFill>
+                <a:effectLst/>
+                <a:latin typeface="Menlo" panose="020B0609030804020204" pitchFamily="49" charset="0"/>
+              </a:rPr>
+              <a:t>`</a:t>
+            </a:r>
+            <a:r>
+              <a:rPr lang="en-GB" sz="1400" b="0" dirty="0">
+                <a:solidFill>
+                  <a:srgbClr val="CCCCCC"/>
+                </a:solidFill>
+                <a:effectLst/>
+                <a:latin typeface="Menlo" panose="020B0609030804020204" pitchFamily="49" charset="0"/>
+              </a:rPr>
+              <a:t> </a:t>
+            </a:r>
+            <a:r>
+              <a:rPr lang="en-GB" sz="1400" b="0" dirty="0">
+                <a:solidFill>
+                  <a:srgbClr val="569CD6"/>
+                </a:solidFill>
+                <a:effectLst/>
+                <a:latin typeface="Menlo" panose="020B0609030804020204" pitchFamily="49" charset="0"/>
+              </a:rPr>
+              <a:t>int</a:t>
+            </a:r>
+            <a:r>
+              <a:rPr lang="en-GB" sz="1400" b="0" dirty="0">
+                <a:solidFill>
+                  <a:srgbClr val="CCCCCC"/>
+                </a:solidFill>
+                <a:effectLst/>
+                <a:latin typeface="Menlo" panose="020B0609030804020204" pitchFamily="49" charset="0"/>
+              </a:rPr>
+              <a:t> </a:t>
+            </a:r>
+            <a:r>
+              <a:rPr lang="en-GB" sz="1400" b="0" dirty="0">
+                <a:solidFill>
+                  <a:srgbClr val="569CD6"/>
+                </a:solidFill>
+                <a:effectLst/>
+                <a:latin typeface="Menlo" panose="020B0609030804020204" pitchFamily="49" charset="0"/>
+              </a:rPr>
+              <a:t>NOT NULL</a:t>
+            </a:r>
+            <a:r>
+              <a:rPr lang="en-GB" sz="1400" b="0" dirty="0">
+                <a:solidFill>
+                  <a:srgbClr val="CCCCCC"/>
+                </a:solidFill>
+                <a:effectLst/>
+                <a:latin typeface="Menlo" panose="020B0609030804020204" pitchFamily="49" charset="0"/>
+              </a:rPr>
+              <a:t>,</a:t>
+            </a:r>
+          </a:p>
+          <a:p>
+            <a:r>
+              <a:rPr lang="en-GB" sz="1400" b="0" dirty="0">
+                <a:solidFill>
+                  <a:srgbClr val="569CD6"/>
+                </a:solidFill>
+                <a:effectLst/>
+                <a:latin typeface="Menlo" panose="020B0609030804020204" pitchFamily="49" charset="0"/>
+              </a:rPr>
+              <a:t>PRIMARY KEY</a:t>
+            </a:r>
+            <a:r>
+              <a:rPr lang="en-GB" sz="1400" b="0" dirty="0">
+                <a:solidFill>
+                  <a:srgbClr val="CCCCCC"/>
+                </a:solidFill>
+                <a:effectLst/>
+                <a:latin typeface="Menlo" panose="020B0609030804020204" pitchFamily="49" charset="0"/>
+              </a:rPr>
+              <a:t> (</a:t>
+            </a:r>
+            <a:r>
+              <a:rPr lang="en-GB" sz="1400" b="0" dirty="0">
+                <a:solidFill>
+                  <a:srgbClr val="CE9178"/>
+                </a:solidFill>
+                <a:effectLst/>
+                <a:latin typeface="Menlo" panose="020B0609030804020204" pitchFamily="49" charset="0"/>
+              </a:rPr>
+              <a:t>`Image_Id`</a:t>
+            </a:r>
+            <a:r>
+              <a:rPr lang="en-GB" sz="1400" b="0" dirty="0">
+                <a:solidFill>
+                  <a:srgbClr val="CCCCCC"/>
+                </a:solidFill>
+                <a:effectLst/>
+                <a:latin typeface="Menlo" panose="020B0609030804020204" pitchFamily="49" charset="0"/>
+              </a:rPr>
+              <a:t>,</a:t>
+            </a:r>
+            <a:r>
+              <a:rPr lang="en-GB" sz="1400" b="0" dirty="0">
+                <a:solidFill>
+                  <a:srgbClr val="CE9178"/>
+                </a:solidFill>
+                <a:effectLst/>
+                <a:latin typeface="Menlo" panose="020B0609030804020204" pitchFamily="49" charset="0"/>
+              </a:rPr>
+              <a:t>`title`</a:t>
+            </a:r>
+            <a:r>
+              <a:rPr lang="en-GB" sz="1400" b="0" dirty="0">
+                <a:solidFill>
+                  <a:srgbClr val="CCCCCC"/>
+                </a:solidFill>
+                <a:effectLst/>
+                <a:latin typeface="Menlo" panose="020B0609030804020204" pitchFamily="49" charset="0"/>
+              </a:rPr>
+              <a:t>,</a:t>
+            </a:r>
+            <a:r>
+              <a:rPr lang="en-GB" sz="1400" b="0" dirty="0">
+                <a:solidFill>
+                  <a:srgbClr val="CE9178"/>
+                </a:solidFill>
+                <a:effectLst/>
+                <a:latin typeface="Menlo" panose="020B0609030804020204" pitchFamily="49" charset="0"/>
+              </a:rPr>
+              <a:t>`</a:t>
+            </a:r>
+            <a:r>
+              <a:rPr lang="en-GB" sz="1400" b="0" dirty="0" err="1">
+                <a:solidFill>
+                  <a:srgbClr val="CE9178"/>
+                </a:solidFill>
+                <a:effectLst/>
+                <a:latin typeface="Menlo" panose="020B0609030804020204" pitchFamily="49" charset="0"/>
+              </a:rPr>
+              <a:t>User_Id</a:t>
+            </a:r>
+            <a:r>
+              <a:rPr lang="en-GB" sz="1400" b="0" dirty="0">
+                <a:solidFill>
+                  <a:srgbClr val="CE9178"/>
+                </a:solidFill>
+                <a:effectLst/>
+                <a:latin typeface="Menlo" panose="020B0609030804020204" pitchFamily="49" charset="0"/>
+              </a:rPr>
+              <a:t>`</a:t>
+            </a:r>
+            <a:r>
+              <a:rPr lang="en-GB" sz="1400" b="0" dirty="0">
+                <a:solidFill>
+                  <a:srgbClr val="CCCCCC"/>
+                </a:solidFill>
+                <a:effectLst/>
+                <a:latin typeface="Menlo" panose="020B0609030804020204" pitchFamily="49" charset="0"/>
+              </a:rPr>
+              <a:t>),</a:t>
+            </a:r>
+          </a:p>
+          <a:p>
+            <a:r>
+              <a:rPr lang="en-GB" sz="1400" b="0" dirty="0">
+                <a:solidFill>
+                  <a:srgbClr val="569CD6"/>
+                </a:solidFill>
+                <a:effectLst/>
+                <a:latin typeface="Menlo" panose="020B0609030804020204" pitchFamily="49" charset="0"/>
+              </a:rPr>
+              <a:t>KEY</a:t>
+            </a:r>
+            <a:r>
+              <a:rPr lang="en-GB" sz="1400" b="0" dirty="0">
+                <a:solidFill>
+                  <a:srgbClr val="CCCCCC"/>
+                </a:solidFill>
+                <a:effectLst/>
+                <a:latin typeface="Menlo" panose="020B0609030804020204" pitchFamily="49" charset="0"/>
+              </a:rPr>
+              <a:t> </a:t>
+            </a:r>
+            <a:r>
+              <a:rPr lang="en-GB" sz="1400" b="0" dirty="0">
+                <a:solidFill>
+                  <a:srgbClr val="CE9178"/>
+                </a:solidFill>
+                <a:effectLst/>
+                <a:latin typeface="Menlo" panose="020B0609030804020204" pitchFamily="49" charset="0"/>
+              </a:rPr>
+              <a:t>`fk_Contains_Images_1_idx`</a:t>
+            </a:r>
+            <a:r>
+              <a:rPr lang="en-GB" sz="1400" b="0" dirty="0">
+                <a:solidFill>
+                  <a:srgbClr val="CCCCCC"/>
+                </a:solidFill>
+                <a:effectLst/>
+                <a:latin typeface="Menlo" panose="020B0609030804020204" pitchFamily="49" charset="0"/>
+              </a:rPr>
+              <a:t> (</a:t>
+            </a:r>
+            <a:r>
+              <a:rPr lang="en-GB" sz="1400" b="0" dirty="0">
+                <a:solidFill>
+                  <a:srgbClr val="CE9178"/>
+                </a:solidFill>
+                <a:effectLst/>
+                <a:latin typeface="Menlo" panose="020B0609030804020204" pitchFamily="49" charset="0"/>
+              </a:rPr>
+              <a:t>`</a:t>
+            </a:r>
+            <a:r>
+              <a:rPr lang="en-GB" sz="1400" b="0" dirty="0" err="1">
+                <a:solidFill>
+                  <a:srgbClr val="CE9178"/>
+                </a:solidFill>
+                <a:effectLst/>
+                <a:latin typeface="Menlo" panose="020B0609030804020204" pitchFamily="49" charset="0"/>
+              </a:rPr>
+              <a:t>User_Id`</a:t>
+            </a:r>
+            <a:r>
+              <a:rPr lang="en-GB" sz="1400" b="0" dirty="0" err="1">
+                <a:solidFill>
+                  <a:srgbClr val="CCCCCC"/>
+                </a:solidFill>
+                <a:effectLst/>
+                <a:latin typeface="Menlo" panose="020B0609030804020204" pitchFamily="49" charset="0"/>
+              </a:rPr>
+              <a:t>,</a:t>
+            </a:r>
+            <a:r>
+              <a:rPr lang="en-GB" sz="1400" b="0" dirty="0" err="1">
+                <a:solidFill>
+                  <a:srgbClr val="CE9178"/>
+                </a:solidFill>
+                <a:effectLst/>
+                <a:latin typeface="Menlo" panose="020B0609030804020204" pitchFamily="49" charset="0"/>
+              </a:rPr>
+              <a:t>`title</a:t>
+            </a:r>
+            <a:r>
+              <a:rPr lang="en-GB" sz="1400" b="0" dirty="0">
+                <a:solidFill>
+                  <a:srgbClr val="CE9178"/>
+                </a:solidFill>
+                <a:effectLst/>
+                <a:latin typeface="Menlo" panose="020B0609030804020204" pitchFamily="49" charset="0"/>
+              </a:rPr>
+              <a:t>`</a:t>
+            </a:r>
+            <a:r>
+              <a:rPr lang="en-GB" sz="1400" b="0" dirty="0">
+                <a:solidFill>
+                  <a:srgbClr val="CCCCCC"/>
+                </a:solidFill>
+                <a:effectLst/>
+                <a:latin typeface="Menlo" panose="020B0609030804020204" pitchFamily="49" charset="0"/>
+              </a:rPr>
+              <a:t>)</a:t>
+            </a:r>
+          </a:p>
+          <a:p>
+            <a:r>
+              <a:rPr lang="en-GB" sz="1400" b="0" dirty="0">
+                <a:solidFill>
+                  <a:srgbClr val="CCCCCC"/>
+                </a:solidFill>
+                <a:effectLst/>
+                <a:latin typeface="Menlo" panose="020B0609030804020204" pitchFamily="49" charset="0"/>
+              </a:rPr>
+              <a:t>)</a:t>
             </a:r>
           </a:p>
         </p:txBody>
@@ -6283,6 +10854,1442 @@
 </file>
 
 <file path=ppt/slides/slide5.xml><?xml version="1.0" encoding="utf-8"?>
+<p:sld xmlns:a="http://schemas.openxmlformats.org/drawingml/2006/main" xmlns:r="http://schemas.openxmlformats.org/officeDocument/2006/relationships" xmlns:p="http://schemas.openxmlformats.org/presentationml/2006/main">
+  <p:cSld>
+    <p:spTree>
+      <p:nvGrpSpPr>
+        <p:cNvPr id="1" name=""/>
+        <p:cNvGrpSpPr/>
+        <p:nvPr/>
+      </p:nvGrpSpPr>
+      <p:grpSpPr>
+        <a:xfrm>
+          <a:off x="0" y="0"/>
+          <a:ext cx="0" cy="0"/>
+          <a:chOff x="0" y="0"/>
+          <a:chExt cx="0" cy="0"/>
+        </a:xfrm>
+      </p:grpSpPr>
+      <p:sp>
+        <p:nvSpPr>
+          <p:cNvPr id="4" name="Title 3"/>
+          <p:cNvSpPr>
+            <a:spLocks noGrp="1"/>
+          </p:cNvSpPr>
+          <p:nvPr>
+            <p:ph type="title"/>
+          </p:nvPr>
+        </p:nvSpPr>
+        <p:spPr/>
+        <p:txBody>
+          <a:bodyPr/>
+          <a:lstStyle/>
+          <a:p>
+            <a:r>
+              <a:rPr lang="en-US" dirty="0"/>
+              <a:t>Local database schema</a:t>
+            </a:r>
+          </a:p>
+        </p:txBody>
+      </p:sp>
+      <p:sp>
+        <p:nvSpPr>
+          <p:cNvPr id="3" name="Content Placeholder 2"/>
+          <p:cNvSpPr>
+            <a:spLocks noGrp="1"/>
+          </p:cNvSpPr>
+          <p:nvPr>
+            <p:ph sz="half" idx="1"/>
+          </p:nvPr>
+        </p:nvSpPr>
+        <p:spPr>
+          <a:xfrm>
+            <a:off x="4572000" y="1600200"/>
+            <a:ext cx="4038600" cy="4525963"/>
+          </a:xfrm>
+        </p:spPr>
+        <p:txBody>
+          <a:bodyPr>
+            <a:normAutofit/>
+          </a:bodyPr>
+          <a:lstStyle/>
+          <a:p>
+            <a:r>
+              <a:rPr lang="en-GB" sz="1100" b="0" dirty="0">
+                <a:solidFill>
+                  <a:srgbClr val="569CD6"/>
+                </a:solidFill>
+                <a:effectLst/>
+                <a:latin typeface="Menlo" panose="020B0609030804020204" pitchFamily="49" charset="0"/>
+              </a:rPr>
+              <a:t>DROP</a:t>
+            </a:r>
+            <a:r>
+              <a:rPr lang="en-GB" sz="1100" b="0" dirty="0">
+                <a:solidFill>
+                  <a:srgbClr val="CCCCCC"/>
+                </a:solidFill>
+                <a:effectLst/>
+                <a:latin typeface="Menlo" panose="020B0609030804020204" pitchFamily="49" charset="0"/>
+              </a:rPr>
+              <a:t> </a:t>
+            </a:r>
+            <a:r>
+              <a:rPr lang="en-GB" sz="1100" b="0" dirty="0">
+                <a:solidFill>
+                  <a:srgbClr val="569CD6"/>
+                </a:solidFill>
+                <a:effectLst/>
+                <a:latin typeface="Menlo" panose="020B0609030804020204" pitchFamily="49" charset="0"/>
+              </a:rPr>
+              <a:t>TABLE</a:t>
+            </a:r>
+            <a:r>
+              <a:rPr lang="en-GB" sz="1100" b="0" dirty="0">
+                <a:solidFill>
+                  <a:srgbClr val="CCCCCC"/>
+                </a:solidFill>
+                <a:effectLst/>
+                <a:latin typeface="Menlo" panose="020B0609030804020204" pitchFamily="49" charset="0"/>
+              </a:rPr>
+              <a:t> </a:t>
+            </a:r>
+            <a:r>
+              <a:rPr lang="en-GB" sz="1100" b="0" dirty="0">
+                <a:solidFill>
+                  <a:srgbClr val="569CD6"/>
+                </a:solidFill>
+                <a:effectLst/>
+                <a:latin typeface="Menlo" panose="020B0609030804020204" pitchFamily="49" charset="0"/>
+              </a:rPr>
+              <a:t>IF</a:t>
+            </a:r>
+            <a:r>
+              <a:rPr lang="en-GB" sz="1100" b="0" dirty="0">
+                <a:solidFill>
+                  <a:srgbClr val="CCCCCC"/>
+                </a:solidFill>
+                <a:effectLst/>
+                <a:latin typeface="Menlo" panose="020B0609030804020204" pitchFamily="49" charset="0"/>
+              </a:rPr>
+              <a:t> </a:t>
+            </a:r>
+            <a:r>
+              <a:rPr lang="en-GB" sz="1100" b="0" dirty="0">
+                <a:solidFill>
+                  <a:srgbClr val="569CD6"/>
+                </a:solidFill>
+                <a:effectLst/>
+                <a:latin typeface="Menlo" panose="020B0609030804020204" pitchFamily="49" charset="0"/>
+              </a:rPr>
+              <a:t>EXISTS</a:t>
+            </a:r>
+            <a:r>
+              <a:rPr lang="en-GB" sz="1100" b="0" dirty="0">
+                <a:solidFill>
+                  <a:srgbClr val="CCCCCC"/>
+                </a:solidFill>
+                <a:effectLst/>
+                <a:latin typeface="Menlo" panose="020B0609030804020204" pitchFamily="49" charset="0"/>
+              </a:rPr>
+              <a:t> </a:t>
+            </a:r>
+            <a:r>
+              <a:rPr lang="en-GB" sz="1100" b="0" dirty="0">
+                <a:solidFill>
+                  <a:srgbClr val="CE9178"/>
+                </a:solidFill>
+                <a:effectLst/>
+                <a:latin typeface="Menlo" panose="020B0609030804020204" pitchFamily="49" charset="0"/>
+              </a:rPr>
+              <a:t>`user`</a:t>
+            </a:r>
+            <a:r>
+              <a:rPr lang="en-GB" sz="1100" b="0" dirty="0">
+                <a:solidFill>
+                  <a:srgbClr val="CCCCCC"/>
+                </a:solidFill>
+                <a:effectLst/>
+                <a:latin typeface="Menlo" panose="020B0609030804020204" pitchFamily="49" charset="0"/>
+              </a:rPr>
+              <a:t>;</a:t>
+            </a:r>
+          </a:p>
+          <a:p>
+            <a:r>
+              <a:rPr lang="en-GB" sz="1100" b="0" dirty="0">
+                <a:solidFill>
+                  <a:srgbClr val="6A9955"/>
+                </a:solidFill>
+                <a:effectLst/>
+                <a:latin typeface="Menlo" panose="020B0609030804020204" pitchFamily="49" charset="0"/>
+              </a:rPr>
+              <a:t>/*!40101 SET @</a:t>
+            </a:r>
+            <a:r>
+              <a:rPr lang="en-GB" sz="1100" b="0" dirty="0" err="1">
+                <a:solidFill>
+                  <a:srgbClr val="6A9955"/>
+                </a:solidFill>
+                <a:effectLst/>
+                <a:latin typeface="Menlo" panose="020B0609030804020204" pitchFamily="49" charset="0"/>
+              </a:rPr>
+              <a:t>saved_cs_client</a:t>
+            </a:r>
+            <a:r>
+              <a:rPr lang="en-GB" sz="1100" b="0" dirty="0">
+                <a:solidFill>
+                  <a:srgbClr val="6A9955"/>
+                </a:solidFill>
+                <a:effectLst/>
+                <a:latin typeface="Menlo" panose="020B0609030804020204" pitchFamily="49" charset="0"/>
+              </a:rPr>
+              <a:t> = @@</a:t>
+            </a:r>
+            <a:r>
+              <a:rPr lang="en-GB" sz="1100" b="0" dirty="0" err="1">
+                <a:solidFill>
+                  <a:srgbClr val="6A9955"/>
+                </a:solidFill>
+                <a:effectLst/>
+                <a:latin typeface="Menlo" panose="020B0609030804020204" pitchFamily="49" charset="0"/>
+              </a:rPr>
+              <a:t>character_set_client</a:t>
+            </a:r>
+            <a:r>
+              <a:rPr lang="en-GB" sz="1100" b="0" dirty="0">
+                <a:solidFill>
+                  <a:srgbClr val="6A9955"/>
+                </a:solidFill>
+                <a:effectLst/>
+                <a:latin typeface="Menlo" panose="020B0609030804020204" pitchFamily="49" charset="0"/>
+              </a:rPr>
+              <a:t> */</a:t>
+            </a:r>
+            <a:r>
+              <a:rPr lang="en-GB" sz="1100" b="0" dirty="0">
+                <a:solidFill>
+                  <a:srgbClr val="CCCCCC"/>
+                </a:solidFill>
+                <a:effectLst/>
+                <a:latin typeface="Menlo" panose="020B0609030804020204" pitchFamily="49" charset="0"/>
+              </a:rPr>
+              <a:t>;</a:t>
+            </a:r>
+          </a:p>
+          <a:p>
+            <a:r>
+              <a:rPr lang="en-GB" sz="1100" b="0" dirty="0">
+                <a:solidFill>
+                  <a:srgbClr val="6A9955"/>
+                </a:solidFill>
+                <a:effectLst/>
+                <a:latin typeface="Menlo" panose="020B0609030804020204" pitchFamily="49" charset="0"/>
+              </a:rPr>
+              <a:t>/*!50503 SET </a:t>
+            </a:r>
+            <a:r>
+              <a:rPr lang="en-GB" sz="1100" b="0" dirty="0" err="1">
+                <a:solidFill>
+                  <a:srgbClr val="6A9955"/>
+                </a:solidFill>
+                <a:effectLst/>
+                <a:latin typeface="Menlo" panose="020B0609030804020204" pitchFamily="49" charset="0"/>
+              </a:rPr>
+              <a:t>character_set_client</a:t>
+            </a:r>
+            <a:r>
+              <a:rPr lang="en-GB" sz="1100" b="0" dirty="0">
+                <a:solidFill>
+                  <a:srgbClr val="6A9955"/>
+                </a:solidFill>
+                <a:effectLst/>
+                <a:latin typeface="Menlo" panose="020B0609030804020204" pitchFamily="49" charset="0"/>
+              </a:rPr>
+              <a:t> = utf8mb4 */</a:t>
+            </a:r>
+            <a:r>
+              <a:rPr lang="en-GB" sz="1100" b="0" dirty="0">
+                <a:solidFill>
+                  <a:srgbClr val="CCCCCC"/>
+                </a:solidFill>
+                <a:effectLst/>
+                <a:latin typeface="Menlo" panose="020B0609030804020204" pitchFamily="49" charset="0"/>
+              </a:rPr>
+              <a:t>;</a:t>
+            </a:r>
+          </a:p>
+          <a:p>
+            <a:r>
+              <a:rPr lang="en-GB" sz="1100" b="0" dirty="0">
+                <a:solidFill>
+                  <a:srgbClr val="569CD6"/>
+                </a:solidFill>
+                <a:effectLst/>
+                <a:latin typeface="Menlo" panose="020B0609030804020204" pitchFamily="49" charset="0"/>
+              </a:rPr>
+              <a:t>CREATE</a:t>
+            </a:r>
+            <a:r>
+              <a:rPr lang="en-GB" sz="1100" b="0" dirty="0">
+                <a:solidFill>
+                  <a:srgbClr val="CCCCCC"/>
+                </a:solidFill>
+                <a:effectLst/>
+                <a:latin typeface="Menlo" panose="020B0609030804020204" pitchFamily="49" charset="0"/>
+              </a:rPr>
+              <a:t> </a:t>
+            </a:r>
+            <a:r>
+              <a:rPr lang="en-GB" sz="1100" b="0" dirty="0">
+                <a:solidFill>
+                  <a:srgbClr val="569CD6"/>
+                </a:solidFill>
+                <a:effectLst/>
+                <a:latin typeface="Menlo" panose="020B0609030804020204" pitchFamily="49" charset="0"/>
+              </a:rPr>
+              <a:t>TABLE</a:t>
+            </a:r>
+            <a:r>
+              <a:rPr lang="en-GB" sz="1100" b="0" dirty="0">
+                <a:solidFill>
+                  <a:srgbClr val="CCCCCC"/>
+                </a:solidFill>
+                <a:effectLst/>
+                <a:latin typeface="Menlo" panose="020B0609030804020204" pitchFamily="49" charset="0"/>
+              </a:rPr>
+              <a:t> `</a:t>
+            </a:r>
+            <a:r>
+              <a:rPr lang="en-GB" sz="1100" b="0" dirty="0">
+                <a:solidFill>
+                  <a:srgbClr val="DCDCAA"/>
+                </a:solidFill>
+                <a:effectLst/>
+                <a:latin typeface="Menlo" panose="020B0609030804020204" pitchFamily="49" charset="0"/>
+              </a:rPr>
+              <a:t>user</a:t>
+            </a:r>
+            <a:r>
+              <a:rPr lang="en-GB" sz="1100" b="0" dirty="0">
+                <a:solidFill>
+                  <a:srgbClr val="CCCCCC"/>
+                </a:solidFill>
+                <a:effectLst/>
+                <a:latin typeface="Menlo" panose="020B0609030804020204" pitchFamily="49" charset="0"/>
+              </a:rPr>
+              <a:t>` (</a:t>
+            </a:r>
+          </a:p>
+          <a:p>
+            <a:r>
+              <a:rPr lang="en-GB" sz="1100" b="0" dirty="0">
+                <a:solidFill>
+                  <a:srgbClr val="CE9178"/>
+                </a:solidFill>
+                <a:effectLst/>
+                <a:latin typeface="Menlo" panose="020B0609030804020204" pitchFamily="49" charset="0"/>
+              </a:rPr>
+              <a:t>`Id`</a:t>
+            </a:r>
+            <a:r>
+              <a:rPr lang="en-GB" sz="1100" b="0" dirty="0">
+                <a:solidFill>
+                  <a:srgbClr val="CCCCCC"/>
+                </a:solidFill>
+                <a:effectLst/>
+                <a:latin typeface="Menlo" panose="020B0609030804020204" pitchFamily="49" charset="0"/>
+              </a:rPr>
+              <a:t> </a:t>
+            </a:r>
+            <a:r>
+              <a:rPr lang="en-GB" sz="1100" b="0" dirty="0">
+                <a:solidFill>
+                  <a:srgbClr val="569CD6"/>
+                </a:solidFill>
+                <a:effectLst/>
+                <a:latin typeface="Menlo" panose="020B0609030804020204" pitchFamily="49" charset="0"/>
+              </a:rPr>
+              <a:t>int</a:t>
+            </a:r>
+            <a:r>
+              <a:rPr lang="en-GB" sz="1100" b="0" dirty="0">
+                <a:solidFill>
+                  <a:srgbClr val="CCCCCC"/>
+                </a:solidFill>
+                <a:effectLst/>
+                <a:latin typeface="Menlo" panose="020B0609030804020204" pitchFamily="49" charset="0"/>
+              </a:rPr>
+              <a:t> </a:t>
+            </a:r>
+            <a:r>
+              <a:rPr lang="en-GB" sz="1100" b="0" dirty="0">
+                <a:solidFill>
+                  <a:srgbClr val="569CD6"/>
+                </a:solidFill>
+                <a:effectLst/>
+                <a:latin typeface="Menlo" panose="020B0609030804020204" pitchFamily="49" charset="0"/>
+              </a:rPr>
+              <a:t>NOT NULL</a:t>
+            </a:r>
+            <a:r>
+              <a:rPr lang="en-GB" sz="1100" b="0" dirty="0">
+                <a:solidFill>
+                  <a:srgbClr val="CCCCCC"/>
+                </a:solidFill>
+                <a:effectLst/>
+                <a:latin typeface="Menlo" panose="020B0609030804020204" pitchFamily="49" charset="0"/>
+              </a:rPr>
+              <a:t> AUTO_INCREMENT,</a:t>
+            </a:r>
+          </a:p>
+          <a:p>
+            <a:r>
+              <a:rPr lang="en-GB" sz="1100" b="0" dirty="0">
+                <a:solidFill>
+                  <a:srgbClr val="CE9178"/>
+                </a:solidFill>
+                <a:effectLst/>
+                <a:latin typeface="Menlo" panose="020B0609030804020204" pitchFamily="49" charset="0"/>
+              </a:rPr>
+              <a:t>`Username`</a:t>
+            </a:r>
+            <a:r>
+              <a:rPr lang="en-GB" sz="1100" b="0" dirty="0">
+                <a:solidFill>
+                  <a:srgbClr val="CCCCCC"/>
+                </a:solidFill>
+                <a:effectLst/>
+                <a:latin typeface="Menlo" panose="020B0609030804020204" pitchFamily="49" charset="0"/>
+              </a:rPr>
+              <a:t> </a:t>
+            </a:r>
+            <a:r>
+              <a:rPr lang="en-GB" sz="1100" b="0" dirty="0">
+                <a:solidFill>
+                  <a:srgbClr val="569CD6"/>
+                </a:solidFill>
+                <a:effectLst/>
+                <a:latin typeface="Menlo" panose="020B0609030804020204" pitchFamily="49" charset="0"/>
+              </a:rPr>
+              <a:t>varchar</a:t>
+            </a:r>
+            <a:r>
+              <a:rPr lang="en-GB" sz="1100" b="0" dirty="0">
+                <a:solidFill>
+                  <a:srgbClr val="CCCCCC"/>
+                </a:solidFill>
+                <a:effectLst/>
+                <a:latin typeface="Menlo" panose="020B0609030804020204" pitchFamily="49" charset="0"/>
+              </a:rPr>
+              <a:t>(</a:t>
+            </a:r>
+            <a:r>
+              <a:rPr lang="en-GB" sz="1100" b="0" dirty="0">
+                <a:solidFill>
+                  <a:srgbClr val="B5CEA8"/>
+                </a:solidFill>
+                <a:effectLst/>
+                <a:latin typeface="Menlo" panose="020B0609030804020204" pitchFamily="49" charset="0"/>
+              </a:rPr>
+              <a:t>255</a:t>
+            </a:r>
+            <a:r>
+              <a:rPr lang="en-GB" sz="1100" b="0" dirty="0">
+                <a:solidFill>
+                  <a:srgbClr val="CCCCCC"/>
+                </a:solidFill>
+                <a:effectLst/>
+                <a:latin typeface="Menlo" panose="020B0609030804020204" pitchFamily="49" charset="0"/>
+              </a:rPr>
+              <a:t>) </a:t>
+            </a:r>
+            <a:r>
+              <a:rPr lang="en-GB" sz="1100" b="0" dirty="0">
+                <a:solidFill>
+                  <a:srgbClr val="569CD6"/>
+                </a:solidFill>
+                <a:effectLst/>
+                <a:latin typeface="Menlo" panose="020B0609030804020204" pitchFamily="49" charset="0"/>
+              </a:rPr>
+              <a:t>DEFAULT</a:t>
+            </a:r>
+            <a:r>
+              <a:rPr lang="en-GB" sz="1100" b="0" dirty="0">
+                <a:solidFill>
+                  <a:srgbClr val="CCCCCC"/>
+                </a:solidFill>
+                <a:effectLst/>
+                <a:latin typeface="Menlo" panose="020B0609030804020204" pitchFamily="49" charset="0"/>
+              </a:rPr>
+              <a:t> </a:t>
+            </a:r>
+            <a:r>
+              <a:rPr lang="en-GB" sz="1100" b="0" dirty="0">
+                <a:solidFill>
+                  <a:srgbClr val="569CD6"/>
+                </a:solidFill>
+                <a:effectLst/>
+                <a:latin typeface="Menlo" panose="020B0609030804020204" pitchFamily="49" charset="0"/>
+              </a:rPr>
+              <a:t>NULL</a:t>
+            </a:r>
+            <a:r>
+              <a:rPr lang="en-GB" sz="1100" b="0" dirty="0">
+                <a:solidFill>
+                  <a:srgbClr val="CCCCCC"/>
+                </a:solidFill>
+                <a:effectLst/>
+                <a:latin typeface="Menlo" panose="020B0609030804020204" pitchFamily="49" charset="0"/>
+              </a:rPr>
+              <a:t>,</a:t>
+            </a:r>
+          </a:p>
+          <a:p>
+            <a:r>
+              <a:rPr lang="en-GB" sz="1100" b="0" dirty="0">
+                <a:solidFill>
+                  <a:srgbClr val="CE9178"/>
+                </a:solidFill>
+                <a:effectLst/>
+                <a:latin typeface="Menlo" panose="020B0609030804020204" pitchFamily="49" charset="0"/>
+              </a:rPr>
+              <a:t>`Email`</a:t>
+            </a:r>
+            <a:r>
+              <a:rPr lang="en-GB" sz="1100" b="0" dirty="0">
+                <a:solidFill>
+                  <a:srgbClr val="CCCCCC"/>
+                </a:solidFill>
+                <a:effectLst/>
+                <a:latin typeface="Menlo" panose="020B0609030804020204" pitchFamily="49" charset="0"/>
+              </a:rPr>
+              <a:t> </a:t>
+            </a:r>
+            <a:r>
+              <a:rPr lang="en-GB" sz="1100" b="0" dirty="0">
+                <a:solidFill>
+                  <a:srgbClr val="569CD6"/>
+                </a:solidFill>
+                <a:effectLst/>
+                <a:latin typeface="Menlo" panose="020B0609030804020204" pitchFamily="49" charset="0"/>
+              </a:rPr>
+              <a:t>varchar</a:t>
+            </a:r>
+            <a:r>
+              <a:rPr lang="en-GB" sz="1100" b="0" dirty="0">
+                <a:solidFill>
+                  <a:srgbClr val="CCCCCC"/>
+                </a:solidFill>
+                <a:effectLst/>
+                <a:latin typeface="Menlo" panose="020B0609030804020204" pitchFamily="49" charset="0"/>
+              </a:rPr>
+              <a:t>(</a:t>
+            </a:r>
+            <a:r>
+              <a:rPr lang="en-GB" sz="1100" b="0" dirty="0">
+                <a:solidFill>
+                  <a:srgbClr val="B5CEA8"/>
+                </a:solidFill>
+                <a:effectLst/>
+                <a:latin typeface="Menlo" panose="020B0609030804020204" pitchFamily="49" charset="0"/>
+              </a:rPr>
+              <a:t>255</a:t>
+            </a:r>
+            <a:r>
+              <a:rPr lang="en-GB" sz="1100" b="0" dirty="0">
+                <a:solidFill>
+                  <a:srgbClr val="CCCCCC"/>
+                </a:solidFill>
+                <a:effectLst/>
+                <a:latin typeface="Menlo" panose="020B0609030804020204" pitchFamily="49" charset="0"/>
+              </a:rPr>
+              <a:t>) </a:t>
+            </a:r>
+            <a:r>
+              <a:rPr lang="en-GB" sz="1100" b="0" dirty="0">
+                <a:solidFill>
+                  <a:srgbClr val="569CD6"/>
+                </a:solidFill>
+                <a:effectLst/>
+                <a:latin typeface="Menlo" panose="020B0609030804020204" pitchFamily="49" charset="0"/>
+              </a:rPr>
+              <a:t>DEFAULT</a:t>
+            </a:r>
+            <a:r>
+              <a:rPr lang="en-GB" sz="1100" b="0" dirty="0">
+                <a:solidFill>
+                  <a:srgbClr val="CCCCCC"/>
+                </a:solidFill>
+                <a:effectLst/>
+                <a:latin typeface="Menlo" panose="020B0609030804020204" pitchFamily="49" charset="0"/>
+              </a:rPr>
+              <a:t> </a:t>
+            </a:r>
+            <a:r>
+              <a:rPr lang="en-GB" sz="1100" b="0" dirty="0">
+                <a:solidFill>
+                  <a:srgbClr val="569CD6"/>
+                </a:solidFill>
+                <a:effectLst/>
+                <a:latin typeface="Menlo" panose="020B0609030804020204" pitchFamily="49" charset="0"/>
+              </a:rPr>
+              <a:t>NULL</a:t>
+            </a:r>
+            <a:r>
+              <a:rPr lang="en-GB" sz="1100" b="0" dirty="0">
+                <a:solidFill>
+                  <a:srgbClr val="CCCCCC"/>
+                </a:solidFill>
+                <a:effectLst/>
+                <a:latin typeface="Menlo" panose="020B0609030804020204" pitchFamily="49" charset="0"/>
+              </a:rPr>
+              <a:t>,</a:t>
+            </a:r>
+          </a:p>
+          <a:p>
+            <a:r>
+              <a:rPr lang="en-GB" sz="1100" b="0" dirty="0">
+                <a:solidFill>
+                  <a:srgbClr val="CE9178"/>
+                </a:solidFill>
+                <a:effectLst/>
+                <a:latin typeface="Menlo" panose="020B0609030804020204" pitchFamily="49" charset="0"/>
+              </a:rPr>
+              <a:t>`Password`</a:t>
+            </a:r>
+            <a:r>
+              <a:rPr lang="en-GB" sz="1100" b="0" dirty="0">
+                <a:solidFill>
+                  <a:srgbClr val="CCCCCC"/>
+                </a:solidFill>
+                <a:effectLst/>
+                <a:latin typeface="Menlo" panose="020B0609030804020204" pitchFamily="49" charset="0"/>
+              </a:rPr>
+              <a:t> </a:t>
+            </a:r>
+            <a:r>
+              <a:rPr lang="en-GB" sz="1100" b="0" dirty="0">
+                <a:solidFill>
+                  <a:srgbClr val="569CD6"/>
+                </a:solidFill>
+                <a:effectLst/>
+                <a:latin typeface="Menlo" panose="020B0609030804020204" pitchFamily="49" charset="0"/>
+              </a:rPr>
+              <a:t>varchar</a:t>
+            </a:r>
+            <a:r>
+              <a:rPr lang="en-GB" sz="1100" b="0" dirty="0">
+                <a:solidFill>
+                  <a:srgbClr val="CCCCCC"/>
+                </a:solidFill>
+                <a:effectLst/>
+                <a:latin typeface="Menlo" panose="020B0609030804020204" pitchFamily="49" charset="0"/>
+              </a:rPr>
+              <a:t>(</a:t>
+            </a:r>
+            <a:r>
+              <a:rPr lang="en-GB" sz="1100" b="0" dirty="0">
+                <a:solidFill>
+                  <a:srgbClr val="B5CEA8"/>
+                </a:solidFill>
+                <a:effectLst/>
+                <a:latin typeface="Menlo" panose="020B0609030804020204" pitchFamily="49" charset="0"/>
+              </a:rPr>
+              <a:t>255</a:t>
+            </a:r>
+            <a:r>
+              <a:rPr lang="en-GB" sz="1100" b="0" dirty="0">
+                <a:solidFill>
+                  <a:srgbClr val="CCCCCC"/>
+                </a:solidFill>
+                <a:effectLst/>
+                <a:latin typeface="Menlo" panose="020B0609030804020204" pitchFamily="49" charset="0"/>
+              </a:rPr>
+              <a:t>) </a:t>
+            </a:r>
+            <a:r>
+              <a:rPr lang="en-GB" sz="1100" b="0" dirty="0">
+                <a:solidFill>
+                  <a:srgbClr val="569CD6"/>
+                </a:solidFill>
+                <a:effectLst/>
+                <a:latin typeface="Menlo" panose="020B0609030804020204" pitchFamily="49" charset="0"/>
+              </a:rPr>
+              <a:t>DEFAULT</a:t>
+            </a:r>
+            <a:r>
+              <a:rPr lang="en-GB" sz="1100" b="0" dirty="0">
+                <a:solidFill>
+                  <a:srgbClr val="CCCCCC"/>
+                </a:solidFill>
+                <a:effectLst/>
+                <a:latin typeface="Menlo" panose="020B0609030804020204" pitchFamily="49" charset="0"/>
+              </a:rPr>
+              <a:t> </a:t>
+            </a:r>
+            <a:r>
+              <a:rPr lang="en-GB" sz="1100" b="0" dirty="0">
+                <a:solidFill>
+                  <a:srgbClr val="569CD6"/>
+                </a:solidFill>
+                <a:effectLst/>
+                <a:latin typeface="Menlo" panose="020B0609030804020204" pitchFamily="49" charset="0"/>
+              </a:rPr>
+              <a:t>NULL</a:t>
+            </a:r>
+            <a:r>
+              <a:rPr lang="en-GB" sz="1100" b="0" dirty="0">
+                <a:solidFill>
+                  <a:srgbClr val="CCCCCC"/>
+                </a:solidFill>
+                <a:effectLst/>
+                <a:latin typeface="Menlo" panose="020B0609030804020204" pitchFamily="49" charset="0"/>
+              </a:rPr>
+              <a:t>,</a:t>
+            </a:r>
+          </a:p>
+          <a:p>
+            <a:r>
+              <a:rPr lang="en-GB" sz="1100" b="0" dirty="0">
+                <a:solidFill>
+                  <a:srgbClr val="CE9178"/>
+                </a:solidFill>
+                <a:effectLst/>
+                <a:latin typeface="Menlo" panose="020B0609030804020204" pitchFamily="49" charset="0"/>
+              </a:rPr>
+              <a:t>`</a:t>
+            </a:r>
+            <a:r>
+              <a:rPr lang="en-GB" sz="1100" b="0" dirty="0" err="1">
+                <a:solidFill>
+                  <a:srgbClr val="CE9178"/>
+                </a:solidFill>
+                <a:effectLst/>
+                <a:latin typeface="Menlo" panose="020B0609030804020204" pitchFamily="49" charset="0"/>
+              </a:rPr>
+              <a:t>Reg_Date</a:t>
+            </a:r>
+            <a:r>
+              <a:rPr lang="en-GB" sz="1100" b="0" dirty="0">
+                <a:solidFill>
+                  <a:srgbClr val="CE9178"/>
+                </a:solidFill>
+                <a:effectLst/>
+                <a:latin typeface="Menlo" panose="020B0609030804020204" pitchFamily="49" charset="0"/>
+              </a:rPr>
+              <a:t>`</a:t>
+            </a:r>
+            <a:r>
+              <a:rPr lang="en-GB" sz="1100" b="0" dirty="0">
+                <a:solidFill>
+                  <a:srgbClr val="CCCCCC"/>
+                </a:solidFill>
+                <a:effectLst/>
+                <a:latin typeface="Menlo" panose="020B0609030804020204" pitchFamily="49" charset="0"/>
+              </a:rPr>
+              <a:t> </a:t>
+            </a:r>
+            <a:r>
+              <a:rPr lang="en-GB" sz="1100" b="0" dirty="0">
+                <a:solidFill>
+                  <a:srgbClr val="569CD6"/>
+                </a:solidFill>
+                <a:effectLst/>
+                <a:latin typeface="Menlo" panose="020B0609030804020204" pitchFamily="49" charset="0"/>
+              </a:rPr>
+              <a:t>date</a:t>
+            </a:r>
+            <a:r>
+              <a:rPr lang="en-GB" sz="1100" b="0" dirty="0">
+                <a:solidFill>
+                  <a:srgbClr val="CCCCCC"/>
+                </a:solidFill>
+                <a:effectLst/>
+                <a:latin typeface="Menlo" panose="020B0609030804020204" pitchFamily="49" charset="0"/>
+              </a:rPr>
+              <a:t> </a:t>
+            </a:r>
+            <a:r>
+              <a:rPr lang="en-GB" sz="1100" b="0" dirty="0">
+                <a:solidFill>
+                  <a:srgbClr val="569CD6"/>
+                </a:solidFill>
+                <a:effectLst/>
+                <a:latin typeface="Menlo" panose="020B0609030804020204" pitchFamily="49" charset="0"/>
+              </a:rPr>
+              <a:t>DEFAULT</a:t>
+            </a:r>
+            <a:r>
+              <a:rPr lang="en-GB" sz="1100" b="0" dirty="0">
+                <a:solidFill>
+                  <a:srgbClr val="CCCCCC"/>
+                </a:solidFill>
+                <a:effectLst/>
+                <a:latin typeface="Menlo" panose="020B0609030804020204" pitchFamily="49" charset="0"/>
+              </a:rPr>
+              <a:t> </a:t>
+            </a:r>
+            <a:r>
+              <a:rPr lang="en-GB" sz="1100" b="0" dirty="0">
+                <a:solidFill>
+                  <a:srgbClr val="569CD6"/>
+                </a:solidFill>
+                <a:effectLst/>
+                <a:latin typeface="Menlo" panose="020B0609030804020204" pitchFamily="49" charset="0"/>
+              </a:rPr>
+              <a:t>NULL</a:t>
+            </a:r>
+            <a:r>
+              <a:rPr lang="en-GB" sz="1100" b="0" dirty="0">
+                <a:solidFill>
+                  <a:srgbClr val="CCCCCC"/>
+                </a:solidFill>
+                <a:effectLst/>
+                <a:latin typeface="Menlo" panose="020B0609030804020204" pitchFamily="49" charset="0"/>
+              </a:rPr>
+              <a:t>,</a:t>
+            </a:r>
+          </a:p>
+          <a:p>
+            <a:r>
+              <a:rPr lang="en-GB" sz="1100" b="0" dirty="0">
+                <a:solidFill>
+                  <a:srgbClr val="569CD6"/>
+                </a:solidFill>
+                <a:effectLst/>
+                <a:latin typeface="Menlo" panose="020B0609030804020204" pitchFamily="49" charset="0"/>
+              </a:rPr>
+              <a:t>PRIMARY KEY</a:t>
+            </a:r>
+            <a:r>
+              <a:rPr lang="en-GB" sz="1100" b="0" dirty="0">
+                <a:solidFill>
+                  <a:srgbClr val="CCCCCC"/>
+                </a:solidFill>
+                <a:effectLst/>
+                <a:latin typeface="Menlo" panose="020B0609030804020204" pitchFamily="49" charset="0"/>
+              </a:rPr>
+              <a:t> (</a:t>
+            </a:r>
+            <a:r>
+              <a:rPr lang="en-GB" sz="1100" b="0" dirty="0">
+                <a:solidFill>
+                  <a:srgbClr val="CE9178"/>
+                </a:solidFill>
+                <a:effectLst/>
+                <a:latin typeface="Menlo" panose="020B0609030804020204" pitchFamily="49" charset="0"/>
+              </a:rPr>
+              <a:t>`Id`</a:t>
+            </a:r>
+            <a:r>
+              <a:rPr lang="en-GB" sz="1100" b="0" dirty="0">
+                <a:solidFill>
+                  <a:srgbClr val="CCCCCC"/>
+                </a:solidFill>
+                <a:effectLst/>
+                <a:latin typeface="Menlo" panose="020B0609030804020204" pitchFamily="49" charset="0"/>
+              </a:rPr>
+              <a:t>)</a:t>
+            </a:r>
+          </a:p>
+          <a:p>
+            <a:r>
+              <a:rPr lang="en-GB" sz="1100" b="0" dirty="0">
+                <a:solidFill>
+                  <a:srgbClr val="CCCCCC"/>
+                </a:solidFill>
+                <a:effectLst/>
+                <a:latin typeface="Menlo" panose="020B0609030804020204" pitchFamily="49" charset="0"/>
+              </a:rPr>
+              <a:t>)</a:t>
+            </a:r>
+          </a:p>
+        </p:txBody>
+      </p:sp>
+      <p:sp>
+        <p:nvSpPr>
+          <p:cNvPr id="5" name="Content Placeholder 4"/>
+          <p:cNvSpPr>
+            <a:spLocks noGrp="1"/>
+          </p:cNvSpPr>
+          <p:nvPr>
+            <p:ph sz="half" idx="2"/>
+          </p:nvPr>
+        </p:nvSpPr>
+        <p:spPr>
+          <a:xfrm>
+            <a:off x="101352" y="1600200"/>
+            <a:ext cx="4038600" cy="4525963"/>
+          </a:xfrm>
+        </p:spPr>
+        <p:txBody>
+          <a:bodyPr>
+            <a:normAutofit/>
+          </a:bodyPr>
+          <a:lstStyle/>
+          <a:p>
+            <a:r>
+              <a:rPr lang="en-GB" sz="1100" b="0" dirty="0">
+                <a:solidFill>
+                  <a:srgbClr val="569CD6"/>
+                </a:solidFill>
+                <a:effectLst/>
+                <a:latin typeface="Menlo" panose="020B0609030804020204" pitchFamily="49" charset="0"/>
+              </a:rPr>
+              <a:t>DROP</a:t>
+            </a:r>
+            <a:r>
+              <a:rPr lang="en-GB" sz="1100" b="0" dirty="0">
+                <a:solidFill>
+                  <a:srgbClr val="CCCCCC"/>
+                </a:solidFill>
+                <a:effectLst/>
+                <a:latin typeface="Menlo" panose="020B0609030804020204" pitchFamily="49" charset="0"/>
+              </a:rPr>
+              <a:t> </a:t>
+            </a:r>
+            <a:r>
+              <a:rPr lang="en-GB" sz="1100" b="0" dirty="0">
+                <a:solidFill>
+                  <a:srgbClr val="569CD6"/>
+                </a:solidFill>
+                <a:effectLst/>
+                <a:latin typeface="Menlo" panose="020B0609030804020204" pitchFamily="49" charset="0"/>
+              </a:rPr>
+              <a:t>TABLE</a:t>
+            </a:r>
+            <a:r>
+              <a:rPr lang="en-GB" sz="1100" b="0" dirty="0">
+                <a:solidFill>
+                  <a:srgbClr val="CCCCCC"/>
+                </a:solidFill>
+                <a:effectLst/>
+                <a:latin typeface="Menlo" panose="020B0609030804020204" pitchFamily="49" charset="0"/>
+              </a:rPr>
+              <a:t> </a:t>
+            </a:r>
+            <a:r>
+              <a:rPr lang="en-GB" sz="1100" b="0" dirty="0">
+                <a:solidFill>
+                  <a:srgbClr val="569CD6"/>
+                </a:solidFill>
+                <a:effectLst/>
+                <a:latin typeface="Menlo" panose="020B0609030804020204" pitchFamily="49" charset="0"/>
+              </a:rPr>
+              <a:t>IF</a:t>
+            </a:r>
+            <a:r>
+              <a:rPr lang="en-GB" sz="1100" b="0" dirty="0">
+                <a:solidFill>
+                  <a:srgbClr val="CCCCCC"/>
+                </a:solidFill>
+                <a:effectLst/>
+                <a:latin typeface="Menlo" panose="020B0609030804020204" pitchFamily="49" charset="0"/>
+              </a:rPr>
+              <a:t> </a:t>
+            </a:r>
+            <a:r>
+              <a:rPr lang="en-GB" sz="1100" b="0" dirty="0">
+                <a:solidFill>
+                  <a:srgbClr val="569CD6"/>
+                </a:solidFill>
+                <a:effectLst/>
+                <a:latin typeface="Menlo" panose="020B0609030804020204" pitchFamily="49" charset="0"/>
+              </a:rPr>
+              <a:t>EXISTS</a:t>
+            </a:r>
+            <a:r>
+              <a:rPr lang="en-GB" sz="1100" b="0" dirty="0">
+                <a:solidFill>
+                  <a:srgbClr val="CCCCCC"/>
+                </a:solidFill>
+                <a:effectLst/>
+                <a:latin typeface="Menlo" panose="020B0609030804020204" pitchFamily="49" charset="0"/>
+              </a:rPr>
+              <a:t> </a:t>
+            </a:r>
+            <a:r>
+              <a:rPr lang="en-GB" sz="1100" b="0" dirty="0">
+                <a:solidFill>
+                  <a:srgbClr val="CE9178"/>
+                </a:solidFill>
+                <a:effectLst/>
+                <a:latin typeface="Menlo" panose="020B0609030804020204" pitchFamily="49" charset="0"/>
+              </a:rPr>
+              <a:t>`</a:t>
+            </a:r>
+            <a:r>
+              <a:rPr lang="en-GB" sz="1100" b="0" dirty="0" err="1">
+                <a:solidFill>
+                  <a:srgbClr val="CE9178"/>
+                </a:solidFill>
+                <a:effectLst/>
+                <a:latin typeface="Menlo" panose="020B0609030804020204" pitchFamily="49" charset="0"/>
+              </a:rPr>
+              <a:t>publish_image</a:t>
+            </a:r>
+            <a:r>
+              <a:rPr lang="en-GB" sz="1100" b="0" dirty="0">
+                <a:solidFill>
+                  <a:srgbClr val="CE9178"/>
+                </a:solidFill>
+                <a:effectLst/>
+                <a:latin typeface="Menlo" panose="020B0609030804020204" pitchFamily="49" charset="0"/>
+              </a:rPr>
+              <a:t>`</a:t>
+            </a:r>
+            <a:r>
+              <a:rPr lang="en-GB" sz="1100" b="0" dirty="0">
+                <a:solidFill>
+                  <a:srgbClr val="CCCCCC"/>
+                </a:solidFill>
+                <a:effectLst/>
+                <a:latin typeface="Menlo" panose="020B0609030804020204" pitchFamily="49" charset="0"/>
+              </a:rPr>
+              <a:t>;</a:t>
+            </a:r>
+          </a:p>
+          <a:p>
+            <a:r>
+              <a:rPr lang="en-GB" sz="1100" b="0" dirty="0">
+                <a:solidFill>
+                  <a:srgbClr val="6A9955"/>
+                </a:solidFill>
+                <a:effectLst/>
+                <a:latin typeface="Menlo" panose="020B0609030804020204" pitchFamily="49" charset="0"/>
+              </a:rPr>
+              <a:t>/*!40101 SET @</a:t>
+            </a:r>
+            <a:r>
+              <a:rPr lang="en-GB" sz="1100" b="0" dirty="0" err="1">
+                <a:solidFill>
+                  <a:srgbClr val="6A9955"/>
+                </a:solidFill>
+                <a:effectLst/>
+                <a:latin typeface="Menlo" panose="020B0609030804020204" pitchFamily="49" charset="0"/>
+              </a:rPr>
+              <a:t>saved_cs_client</a:t>
+            </a:r>
+            <a:r>
+              <a:rPr lang="en-GB" sz="1100" b="0" dirty="0">
+                <a:solidFill>
+                  <a:srgbClr val="6A9955"/>
+                </a:solidFill>
+                <a:effectLst/>
+                <a:latin typeface="Menlo" panose="020B0609030804020204" pitchFamily="49" charset="0"/>
+              </a:rPr>
+              <a:t> = @@</a:t>
+            </a:r>
+            <a:r>
+              <a:rPr lang="en-GB" sz="1100" b="0" dirty="0" err="1">
+                <a:solidFill>
+                  <a:srgbClr val="6A9955"/>
+                </a:solidFill>
+                <a:effectLst/>
+                <a:latin typeface="Menlo" panose="020B0609030804020204" pitchFamily="49" charset="0"/>
+              </a:rPr>
+              <a:t>character_set_client</a:t>
+            </a:r>
+            <a:r>
+              <a:rPr lang="en-GB" sz="1100" b="0" dirty="0">
+                <a:solidFill>
+                  <a:srgbClr val="6A9955"/>
+                </a:solidFill>
+                <a:effectLst/>
+                <a:latin typeface="Menlo" panose="020B0609030804020204" pitchFamily="49" charset="0"/>
+              </a:rPr>
+              <a:t> */</a:t>
+            </a:r>
+            <a:r>
+              <a:rPr lang="en-GB" sz="1100" b="0" dirty="0">
+                <a:solidFill>
+                  <a:srgbClr val="CCCCCC"/>
+                </a:solidFill>
+                <a:effectLst/>
+                <a:latin typeface="Menlo" panose="020B0609030804020204" pitchFamily="49" charset="0"/>
+              </a:rPr>
+              <a:t>;</a:t>
+            </a:r>
+          </a:p>
+          <a:p>
+            <a:r>
+              <a:rPr lang="en-GB" sz="1100" b="0" dirty="0">
+                <a:solidFill>
+                  <a:srgbClr val="6A9955"/>
+                </a:solidFill>
+                <a:effectLst/>
+                <a:latin typeface="Menlo" panose="020B0609030804020204" pitchFamily="49" charset="0"/>
+              </a:rPr>
+              <a:t>/*!50503 SET </a:t>
+            </a:r>
+            <a:r>
+              <a:rPr lang="en-GB" sz="1100" b="0" dirty="0" err="1">
+                <a:solidFill>
+                  <a:srgbClr val="6A9955"/>
+                </a:solidFill>
+                <a:effectLst/>
+                <a:latin typeface="Menlo" panose="020B0609030804020204" pitchFamily="49" charset="0"/>
+              </a:rPr>
+              <a:t>character_set_client</a:t>
+            </a:r>
+            <a:r>
+              <a:rPr lang="en-GB" sz="1100" b="0" dirty="0">
+                <a:solidFill>
+                  <a:srgbClr val="6A9955"/>
+                </a:solidFill>
+                <a:effectLst/>
+                <a:latin typeface="Menlo" panose="020B0609030804020204" pitchFamily="49" charset="0"/>
+              </a:rPr>
+              <a:t> = utf8mb4 */</a:t>
+            </a:r>
+            <a:r>
+              <a:rPr lang="en-GB" sz="1100" b="0" dirty="0">
+                <a:solidFill>
+                  <a:srgbClr val="CCCCCC"/>
+                </a:solidFill>
+                <a:effectLst/>
+                <a:latin typeface="Menlo" panose="020B0609030804020204" pitchFamily="49" charset="0"/>
+              </a:rPr>
+              <a:t>;</a:t>
+            </a:r>
+          </a:p>
+          <a:p>
+            <a:r>
+              <a:rPr lang="en-GB" sz="1100" b="0" dirty="0">
+                <a:solidFill>
+                  <a:srgbClr val="569CD6"/>
+                </a:solidFill>
+                <a:effectLst/>
+                <a:latin typeface="Menlo" panose="020B0609030804020204" pitchFamily="49" charset="0"/>
+              </a:rPr>
+              <a:t>CREATE</a:t>
+            </a:r>
+            <a:r>
+              <a:rPr lang="en-GB" sz="1100" b="0" dirty="0">
+                <a:solidFill>
+                  <a:srgbClr val="CCCCCC"/>
+                </a:solidFill>
+                <a:effectLst/>
+                <a:latin typeface="Menlo" panose="020B0609030804020204" pitchFamily="49" charset="0"/>
+              </a:rPr>
+              <a:t> </a:t>
+            </a:r>
+            <a:r>
+              <a:rPr lang="en-GB" sz="1100" b="0" dirty="0">
+                <a:solidFill>
+                  <a:srgbClr val="569CD6"/>
+                </a:solidFill>
+                <a:effectLst/>
+                <a:latin typeface="Menlo" panose="020B0609030804020204" pitchFamily="49" charset="0"/>
+              </a:rPr>
+              <a:t>TABLE</a:t>
+            </a:r>
+            <a:r>
+              <a:rPr lang="en-GB" sz="1100" b="0" dirty="0">
+                <a:solidFill>
+                  <a:srgbClr val="CCCCCC"/>
+                </a:solidFill>
+                <a:effectLst/>
+                <a:latin typeface="Menlo" panose="020B0609030804020204" pitchFamily="49" charset="0"/>
+              </a:rPr>
+              <a:t> `</a:t>
+            </a:r>
+            <a:r>
+              <a:rPr lang="en-GB" sz="1100" b="0" dirty="0" err="1">
+                <a:solidFill>
+                  <a:srgbClr val="DCDCAA"/>
+                </a:solidFill>
+                <a:effectLst/>
+                <a:latin typeface="Menlo" panose="020B0609030804020204" pitchFamily="49" charset="0"/>
+              </a:rPr>
+              <a:t>publish_image</a:t>
+            </a:r>
+            <a:r>
+              <a:rPr lang="en-GB" sz="1100" b="0" dirty="0">
+                <a:solidFill>
+                  <a:srgbClr val="CCCCCC"/>
+                </a:solidFill>
+                <a:effectLst/>
+                <a:latin typeface="Menlo" panose="020B0609030804020204" pitchFamily="49" charset="0"/>
+              </a:rPr>
+              <a:t>` (</a:t>
+            </a:r>
+          </a:p>
+          <a:p>
+            <a:r>
+              <a:rPr lang="en-GB" sz="1100" b="0" dirty="0">
+                <a:solidFill>
+                  <a:srgbClr val="CE9178"/>
+                </a:solidFill>
+                <a:effectLst/>
+                <a:latin typeface="Menlo" panose="020B0609030804020204" pitchFamily="49" charset="0"/>
+              </a:rPr>
+              <a:t>`</a:t>
+            </a:r>
+            <a:r>
+              <a:rPr lang="en-GB" sz="1100" b="0" dirty="0" err="1">
+                <a:solidFill>
+                  <a:srgbClr val="CE9178"/>
+                </a:solidFill>
+                <a:effectLst/>
+                <a:latin typeface="Menlo" panose="020B0609030804020204" pitchFamily="49" charset="0"/>
+              </a:rPr>
+              <a:t>image_Id</a:t>
+            </a:r>
+            <a:r>
+              <a:rPr lang="en-GB" sz="1100" b="0" dirty="0">
+                <a:solidFill>
+                  <a:srgbClr val="CE9178"/>
+                </a:solidFill>
+                <a:effectLst/>
+                <a:latin typeface="Menlo" panose="020B0609030804020204" pitchFamily="49" charset="0"/>
+              </a:rPr>
+              <a:t>`</a:t>
+            </a:r>
+            <a:r>
+              <a:rPr lang="en-GB" sz="1100" b="0" dirty="0">
+                <a:solidFill>
+                  <a:srgbClr val="CCCCCC"/>
+                </a:solidFill>
+                <a:effectLst/>
+                <a:latin typeface="Menlo" panose="020B0609030804020204" pitchFamily="49" charset="0"/>
+              </a:rPr>
+              <a:t> </a:t>
+            </a:r>
+            <a:r>
+              <a:rPr lang="en-GB" sz="1100" b="0" dirty="0">
+                <a:solidFill>
+                  <a:srgbClr val="569CD6"/>
+                </a:solidFill>
+                <a:effectLst/>
+                <a:latin typeface="Menlo" panose="020B0609030804020204" pitchFamily="49" charset="0"/>
+              </a:rPr>
+              <a:t>int</a:t>
+            </a:r>
+            <a:r>
+              <a:rPr lang="en-GB" sz="1100" b="0" dirty="0">
+                <a:solidFill>
+                  <a:srgbClr val="CCCCCC"/>
+                </a:solidFill>
+                <a:effectLst/>
+                <a:latin typeface="Menlo" panose="020B0609030804020204" pitchFamily="49" charset="0"/>
+              </a:rPr>
+              <a:t> </a:t>
+            </a:r>
+            <a:r>
+              <a:rPr lang="en-GB" sz="1100" b="0" dirty="0">
+                <a:solidFill>
+                  <a:srgbClr val="569CD6"/>
+                </a:solidFill>
+                <a:effectLst/>
+                <a:latin typeface="Menlo" panose="020B0609030804020204" pitchFamily="49" charset="0"/>
+              </a:rPr>
+              <a:t>NOT NULL</a:t>
+            </a:r>
+            <a:r>
+              <a:rPr lang="en-GB" sz="1100" b="0" dirty="0">
+                <a:solidFill>
+                  <a:srgbClr val="CCCCCC"/>
+                </a:solidFill>
+                <a:effectLst/>
+                <a:latin typeface="Menlo" panose="020B0609030804020204" pitchFamily="49" charset="0"/>
+              </a:rPr>
+              <a:t>,</a:t>
+            </a:r>
+          </a:p>
+          <a:p>
+            <a:r>
+              <a:rPr lang="en-GB" sz="1100" b="0" dirty="0">
+                <a:solidFill>
+                  <a:srgbClr val="CE9178"/>
+                </a:solidFill>
+                <a:effectLst/>
+                <a:latin typeface="Menlo" panose="020B0609030804020204" pitchFamily="49" charset="0"/>
+              </a:rPr>
+              <a:t>`</a:t>
+            </a:r>
+            <a:r>
+              <a:rPr lang="en-GB" sz="1100" b="0" dirty="0" err="1">
+                <a:solidFill>
+                  <a:srgbClr val="CE9178"/>
+                </a:solidFill>
+                <a:effectLst/>
+                <a:latin typeface="Menlo" panose="020B0609030804020204" pitchFamily="49" charset="0"/>
+              </a:rPr>
+              <a:t>User_Id</a:t>
+            </a:r>
+            <a:r>
+              <a:rPr lang="en-GB" sz="1100" b="0" dirty="0">
+                <a:solidFill>
+                  <a:srgbClr val="CE9178"/>
+                </a:solidFill>
+                <a:effectLst/>
+                <a:latin typeface="Menlo" panose="020B0609030804020204" pitchFamily="49" charset="0"/>
+              </a:rPr>
+              <a:t>`</a:t>
+            </a:r>
+            <a:r>
+              <a:rPr lang="en-GB" sz="1100" b="0" dirty="0">
+                <a:solidFill>
+                  <a:srgbClr val="CCCCCC"/>
+                </a:solidFill>
+                <a:effectLst/>
+                <a:latin typeface="Menlo" panose="020B0609030804020204" pitchFamily="49" charset="0"/>
+              </a:rPr>
+              <a:t> </a:t>
+            </a:r>
+            <a:r>
+              <a:rPr lang="en-GB" sz="1100" b="0" dirty="0">
+                <a:solidFill>
+                  <a:srgbClr val="569CD6"/>
+                </a:solidFill>
+                <a:effectLst/>
+                <a:latin typeface="Menlo" panose="020B0609030804020204" pitchFamily="49" charset="0"/>
+              </a:rPr>
+              <a:t>int</a:t>
+            </a:r>
+            <a:r>
+              <a:rPr lang="en-GB" sz="1100" b="0" dirty="0">
+                <a:solidFill>
+                  <a:srgbClr val="CCCCCC"/>
+                </a:solidFill>
+                <a:effectLst/>
+                <a:latin typeface="Menlo" panose="020B0609030804020204" pitchFamily="49" charset="0"/>
+              </a:rPr>
+              <a:t> </a:t>
+            </a:r>
+            <a:r>
+              <a:rPr lang="en-GB" sz="1100" b="0" dirty="0">
+                <a:solidFill>
+                  <a:srgbClr val="569CD6"/>
+                </a:solidFill>
+                <a:effectLst/>
+                <a:latin typeface="Menlo" panose="020B0609030804020204" pitchFamily="49" charset="0"/>
+              </a:rPr>
+              <a:t>NOT NULL</a:t>
+            </a:r>
+            <a:r>
+              <a:rPr lang="en-GB" sz="1100" b="0" dirty="0">
+                <a:solidFill>
+                  <a:srgbClr val="CCCCCC"/>
+                </a:solidFill>
+                <a:effectLst/>
+                <a:latin typeface="Menlo" panose="020B0609030804020204" pitchFamily="49" charset="0"/>
+              </a:rPr>
+              <a:t>,</a:t>
+            </a:r>
+          </a:p>
+          <a:p>
+            <a:r>
+              <a:rPr lang="en-GB" sz="1100" b="0" dirty="0">
+                <a:solidFill>
+                  <a:srgbClr val="569CD6"/>
+                </a:solidFill>
+                <a:effectLst/>
+                <a:latin typeface="Menlo" panose="020B0609030804020204" pitchFamily="49" charset="0"/>
+              </a:rPr>
+              <a:t>PRIMARY KEY</a:t>
+            </a:r>
+            <a:r>
+              <a:rPr lang="en-GB" sz="1100" b="0" dirty="0">
+                <a:solidFill>
+                  <a:srgbClr val="CCCCCC"/>
+                </a:solidFill>
+                <a:effectLst/>
+                <a:latin typeface="Menlo" panose="020B0609030804020204" pitchFamily="49" charset="0"/>
+              </a:rPr>
+              <a:t> (</a:t>
+            </a:r>
+            <a:r>
+              <a:rPr lang="en-GB" sz="1100" b="0" dirty="0">
+                <a:solidFill>
+                  <a:srgbClr val="CE9178"/>
+                </a:solidFill>
+                <a:effectLst/>
+                <a:latin typeface="Menlo" panose="020B0609030804020204" pitchFamily="49" charset="0"/>
+              </a:rPr>
+              <a:t>`image_Id`</a:t>
+            </a:r>
+            <a:r>
+              <a:rPr lang="en-GB" sz="1100" b="0" dirty="0">
+                <a:solidFill>
+                  <a:srgbClr val="CCCCCC"/>
+                </a:solidFill>
+                <a:effectLst/>
+                <a:latin typeface="Menlo" panose="020B0609030804020204" pitchFamily="49" charset="0"/>
+              </a:rPr>
+              <a:t>,</a:t>
+            </a:r>
+            <a:r>
+              <a:rPr lang="en-GB" sz="1100" b="0" dirty="0">
+                <a:solidFill>
+                  <a:srgbClr val="CE9178"/>
+                </a:solidFill>
+                <a:effectLst/>
+                <a:latin typeface="Menlo" panose="020B0609030804020204" pitchFamily="49" charset="0"/>
+              </a:rPr>
+              <a:t>`</a:t>
+            </a:r>
+            <a:r>
+              <a:rPr lang="en-GB" sz="1100" b="0" dirty="0" err="1">
+                <a:solidFill>
+                  <a:srgbClr val="CE9178"/>
+                </a:solidFill>
+                <a:effectLst/>
+                <a:latin typeface="Menlo" panose="020B0609030804020204" pitchFamily="49" charset="0"/>
+              </a:rPr>
+              <a:t>User_Id</a:t>
+            </a:r>
+            <a:r>
+              <a:rPr lang="en-GB" sz="1100" b="0" dirty="0">
+                <a:solidFill>
+                  <a:srgbClr val="CE9178"/>
+                </a:solidFill>
+                <a:effectLst/>
+                <a:latin typeface="Menlo" panose="020B0609030804020204" pitchFamily="49" charset="0"/>
+              </a:rPr>
+              <a:t>`</a:t>
+            </a:r>
+            <a:r>
+              <a:rPr lang="en-GB" sz="1100" b="0" dirty="0">
+                <a:solidFill>
+                  <a:srgbClr val="CCCCCC"/>
+                </a:solidFill>
+                <a:effectLst/>
+                <a:latin typeface="Menlo" panose="020B0609030804020204" pitchFamily="49" charset="0"/>
+              </a:rPr>
+              <a:t>)</a:t>
+            </a:r>
+          </a:p>
+          <a:p>
+            <a:r>
+              <a:rPr lang="en-GB" sz="1100" b="0" dirty="0">
+                <a:solidFill>
+                  <a:srgbClr val="CCCCCC"/>
+                </a:solidFill>
+                <a:effectLst/>
+                <a:latin typeface="Menlo" panose="020B0609030804020204" pitchFamily="49" charset="0"/>
+              </a:rPr>
+              <a:t>)</a:t>
+            </a:r>
+          </a:p>
+        </p:txBody>
+      </p:sp>
+    </p:spTree>
+    <p:extLst>
+      <p:ext uri="{BB962C8B-B14F-4D97-AF65-F5344CB8AC3E}">
+        <p14:creationId xmlns:p14="http://schemas.microsoft.com/office/powerpoint/2010/main" val="2032172460"/>
+      </p:ext>
+    </p:extLst>
+  </p:cSld>
+  <p:clrMapOvr>
+    <a:masterClrMapping/>
+  </p:clrMapOvr>
+</p:sld>
+</file>
+
+<file path=ppt/slides/slide6.xml><?xml version="1.0" encoding="utf-8"?>
 <p:sld xmlns:a="http://schemas.openxmlformats.org/drawingml/2006/main" xmlns:r="http://schemas.openxmlformats.org/officeDocument/2006/relationships" xmlns:p="http://schemas.openxmlformats.org/presentationml/2006/main">
   <p:cSld>
     <p:spTree>
@@ -7813,7 +13820,7 @@
 </p:sld>
 </file>
 
-<file path=ppt/slides/slide6.xml><?xml version="1.0" encoding="utf-8"?>
+<file path=ppt/slides/slide7.xml><?xml version="1.0" encoding="utf-8"?>
 <p:sld xmlns:a="http://schemas.openxmlformats.org/drawingml/2006/main" xmlns:r="http://schemas.openxmlformats.org/officeDocument/2006/relationships" xmlns:p="http://schemas.openxmlformats.org/presentationml/2006/main">
   <p:cSld>
     <p:spTree>
@@ -9032,7 +15039,7 @@
 </p:sld>
 </file>
 
-<file path=ppt/slides/slide7.xml><?xml version="1.0" encoding="utf-8"?>
+<file path=ppt/slides/slide8.xml><?xml version="1.0" encoding="utf-8"?>
 <p:sld xmlns:a="http://schemas.openxmlformats.org/drawingml/2006/main" xmlns:r="http://schemas.openxmlformats.org/officeDocument/2006/relationships" xmlns:p="http://schemas.openxmlformats.org/presentationml/2006/main">
   <p:cSld>
     <p:spTree>
@@ -10194,305 +16201,6 @@
 </p:sld>
 </file>
 
-<file path=ppt/slides/slide8.xml><?xml version="1.0" encoding="utf-8"?>
-<p:sld xmlns:a="http://schemas.openxmlformats.org/drawingml/2006/main" xmlns:r="http://schemas.openxmlformats.org/officeDocument/2006/relationships" xmlns:p="http://schemas.openxmlformats.org/presentationml/2006/main">
-  <p:cSld>
-    <p:spTree>
-      <p:nvGrpSpPr>
-        <p:cNvPr id="1" name=""/>
-        <p:cNvGrpSpPr/>
-        <p:nvPr/>
-      </p:nvGrpSpPr>
-      <p:grpSpPr>
-        <a:xfrm>
-          <a:off x="0" y="0"/>
-          <a:ext cx="0" cy="0"/>
-          <a:chOff x="0" y="0"/>
-          <a:chExt cx="0" cy="0"/>
-        </a:xfrm>
-      </p:grpSpPr>
-      <p:sp>
-        <p:nvSpPr>
-          <p:cNvPr id="2" name="Titolo 1">
-            <a:extLst>
-              <a:ext uri="{FF2B5EF4-FFF2-40B4-BE49-F238E27FC236}">
-                <a16:creationId xmlns:a16="http://schemas.microsoft.com/office/drawing/2014/main" id="{27E199B9-2457-4811-999B-5B199386A7AF}"/>
-              </a:ext>
-            </a:extLst>
-          </p:cNvPr>
-          <p:cNvSpPr>
-            <a:spLocks noGrp="1"/>
-          </p:cNvSpPr>
-          <p:nvPr>
-            <p:ph type="title"/>
-          </p:nvPr>
-        </p:nvSpPr>
-        <p:spPr/>
-        <p:txBody>
-          <a:bodyPr/>
-          <a:lstStyle/>
-          <a:p>
-            <a:r>
-              <a:rPr lang="it-IT" dirty="0"/>
-              <a:t>Eventi e azioni (riassunto)</a:t>
-            </a:r>
-          </a:p>
-        </p:txBody>
-      </p:sp>
-      <p:sp>
-        <p:nvSpPr>
-          <p:cNvPr id="3" name="Segnaposto contenuto 2">
-            <a:extLst>
-              <a:ext uri="{FF2B5EF4-FFF2-40B4-BE49-F238E27FC236}">
-                <a16:creationId xmlns:a16="http://schemas.microsoft.com/office/drawing/2014/main" id="{174F638C-1CFE-9DB3-53DF-3EC03126D745}"/>
-              </a:ext>
-            </a:extLst>
-          </p:cNvPr>
-          <p:cNvSpPr>
-            <a:spLocks noGrp="1"/>
-          </p:cNvSpPr>
-          <p:nvPr>
-            <p:ph sz="half" idx="1"/>
-          </p:nvPr>
-        </p:nvSpPr>
-        <p:spPr/>
-        <p:txBody>
-          <a:bodyPr>
-            <a:normAutofit fontScale="47500" lnSpcReduction="20000"/>
-          </a:bodyPr>
-          <a:lstStyle/>
-          <a:p>
-            <a:pPr marL="0" indent="0" algn="l">
-              <a:buNone/>
-            </a:pPr>
-            <a:r>
-              <a:rPr lang="it-IT" b="1" i="0" dirty="0">
-                <a:effectLst/>
-              </a:rPr>
-              <a:t>Eventi:</a:t>
-            </a:r>
-            <a:endParaRPr lang="it-IT" b="0" i="0" dirty="0">
-              <a:effectLst/>
-            </a:endParaRPr>
-          </a:p>
-          <a:p>
-            <a:r>
-              <a:rPr lang="it-IT" b="0" i="0" dirty="0">
-                <a:effectLst/>
-              </a:rPr>
-              <a:t>Registrazione dell'utente (validazione dell'email e corrispondenza della password, unicità del nome utente)</a:t>
-            </a:r>
-          </a:p>
-          <a:p>
-            <a:r>
-              <a:rPr lang="it-IT" dirty="0"/>
-              <a:t>Salva immagine</a:t>
-            </a:r>
-            <a:endParaRPr lang="it-IT" b="0" i="0" dirty="0">
-              <a:effectLst/>
-            </a:endParaRPr>
-          </a:p>
-          <a:p>
-            <a:r>
-              <a:rPr lang="it-IT" b="0" i="0" dirty="0">
-                <a:effectLst/>
-              </a:rPr>
-              <a:t>Accesso dell'utente</a:t>
-            </a:r>
-          </a:p>
-          <a:p>
-            <a:r>
-              <a:rPr lang="it-IT" b="0" i="0" dirty="0">
-                <a:effectLst/>
-              </a:rPr>
-              <a:t>Creazione di album da parte dell'utente</a:t>
-            </a:r>
-          </a:p>
-          <a:p>
-            <a:r>
-              <a:rPr lang="it-IT" b="0" i="0" dirty="0">
-                <a:effectLst/>
-              </a:rPr>
-              <a:t>Clic su un album per visualizzare le sue immagini</a:t>
-            </a:r>
-          </a:p>
-          <a:p>
-            <a:r>
-              <a:rPr lang="it-IT" b="0" i="0" dirty="0">
-                <a:effectLst/>
-              </a:rPr>
-              <a:t>Selezione di una miniatura dell'immagine per visualizzarla in dettaglio</a:t>
-            </a:r>
-          </a:p>
-          <a:p>
-            <a:r>
-              <a:rPr lang="it-IT" b="0" i="0" dirty="0">
-                <a:effectLst/>
-              </a:rPr>
-              <a:t>Aggiunta di un commento a un'immagine</a:t>
-            </a:r>
-          </a:p>
-          <a:p>
-            <a:r>
-              <a:rPr lang="it-IT" b="0" i="0" dirty="0">
-                <a:effectLst/>
-              </a:rPr>
-              <a:t>Cancellazione di un'immagine (e dei commenti associati)</a:t>
-            </a:r>
-          </a:p>
-          <a:p>
-            <a:r>
-              <a:rPr lang="it-IT" b="0" i="0" dirty="0">
-                <a:effectLst/>
-              </a:rPr>
-              <a:t>Azioni di paginazione (visualizzazione del set precedente o successivo di immagini)</a:t>
-            </a:r>
-          </a:p>
-          <a:p>
-            <a:r>
-              <a:rPr lang="it-IT" b="0" i="0" dirty="0">
-                <a:effectLst/>
-              </a:rPr>
-              <a:t>Passaggio del mouse sulla miniatura per mostrare il modale con immagine completa e dettagli (versione JavaScript)</a:t>
-            </a:r>
-          </a:p>
-          <a:p>
-            <a:r>
-              <a:rPr lang="it-IT" b="0" i="0" dirty="0">
-                <a:effectLst/>
-              </a:rPr>
-              <a:t>Trascinamento dei titoli delle immagini per riordinarle all'interno di un album (versione JavaScript)</a:t>
-            </a:r>
-          </a:p>
-          <a:p>
-            <a:r>
-              <a:rPr lang="it-IT" b="0" i="0" dirty="0">
-                <a:effectLst/>
-              </a:rPr>
-              <a:t>Salvataggio dell'ordine personalizzato delle immagini (versione JavaScript)</a:t>
-            </a:r>
-          </a:p>
-          <a:p>
-            <a:r>
-              <a:rPr lang="it-IT" b="0" i="0" dirty="0">
-                <a:effectLst/>
-              </a:rPr>
-              <a:t>Logout dell'utente</a:t>
-            </a:r>
-          </a:p>
-          <a:p>
-            <a:endParaRPr lang="it-IT" dirty="0"/>
-          </a:p>
-        </p:txBody>
-      </p:sp>
-      <p:sp>
-        <p:nvSpPr>
-          <p:cNvPr id="4" name="Segnaposto contenuto 3">
-            <a:extLst>
-              <a:ext uri="{FF2B5EF4-FFF2-40B4-BE49-F238E27FC236}">
-                <a16:creationId xmlns:a16="http://schemas.microsoft.com/office/drawing/2014/main" id="{F161132D-AEA4-129C-5063-9F1A2731C496}"/>
-              </a:ext>
-            </a:extLst>
-          </p:cNvPr>
-          <p:cNvSpPr>
-            <a:spLocks noGrp="1"/>
-          </p:cNvSpPr>
-          <p:nvPr>
-            <p:ph sz="half" idx="2"/>
-          </p:nvPr>
-        </p:nvSpPr>
-        <p:spPr/>
-        <p:txBody>
-          <a:bodyPr>
-            <a:normAutofit fontScale="47500" lnSpcReduction="20000"/>
-          </a:bodyPr>
-          <a:lstStyle/>
-          <a:p>
-            <a:pPr marL="0" indent="0" algn="l">
-              <a:buNone/>
-            </a:pPr>
-            <a:r>
-              <a:rPr lang="it-IT" b="1" i="0" dirty="0">
-                <a:effectLst/>
-              </a:rPr>
-              <a:t>Azioni:</a:t>
-            </a:r>
-            <a:endParaRPr lang="it-IT" b="0" i="0" dirty="0">
-              <a:effectLst/>
-            </a:endParaRPr>
-          </a:p>
-          <a:p>
-            <a:r>
-              <a:rPr lang="it-IT" b="0" i="0" dirty="0">
-                <a:effectLst/>
-              </a:rPr>
-              <a:t>Registrazione e accesso (invio dei moduli)</a:t>
-            </a:r>
-          </a:p>
-          <a:p>
-            <a:r>
-              <a:rPr lang="it-IT" b="0" i="0" dirty="0">
-                <a:effectLst/>
-              </a:rPr>
-              <a:t>Associazione delle immagini a un album e gestione dei dettagli dell'album</a:t>
-            </a:r>
-          </a:p>
-          <a:p>
-            <a:r>
-              <a:rPr lang="it-IT" b="0" i="0" dirty="0">
-                <a:effectLst/>
-              </a:rPr>
-              <a:t>Aggiunta di commenti alle immagini</a:t>
-            </a:r>
-          </a:p>
-          <a:p>
-            <a:r>
-              <a:rPr lang="it-IT" b="0" i="0" dirty="0">
-                <a:effectLst/>
-              </a:rPr>
-              <a:t>Cancellazione delle immagini (solo per il proprietario)</a:t>
-            </a:r>
-          </a:p>
-          <a:p>
-            <a:r>
-              <a:rPr lang="it-IT" b="0" i="0" dirty="0">
-                <a:effectLst/>
-              </a:rPr>
-              <a:t>Invio del modulo di aggiunta commento</a:t>
-            </a:r>
-            <a:endParaRPr lang="it-IT" b="0" i="0" dirty="0">
-              <a:solidFill>
-                <a:srgbClr val="00B050"/>
-              </a:solidFill>
-              <a:effectLst/>
-            </a:endParaRPr>
-          </a:p>
-          <a:p>
-            <a:r>
-              <a:rPr lang="it-IT" b="0" i="0" dirty="0">
-                <a:effectLst/>
-              </a:rPr>
-              <a:t>Riordino personalizzato delle immagini e salvataggio dell'ordine sul server (versione JavaScript)</a:t>
-            </a:r>
-          </a:p>
-          <a:p>
-            <a:endParaRPr lang="it-IT" dirty="0"/>
-          </a:p>
-        </p:txBody>
-      </p:sp>
-    </p:spTree>
-    <p:extLst>
-      <p:ext uri="{BB962C8B-B14F-4D97-AF65-F5344CB8AC3E}">
-        <p14:creationId xmlns:p14="http://schemas.microsoft.com/office/powerpoint/2010/main" val="3777948807"/>
-      </p:ext>
-    </p:extLst>
-  </p:cSld>
-  <p:clrMapOvr>
-    <a:masterClrMapping/>
-  </p:clrMapOvr>
-</p:sld>
-</file>
-
 <file path=ppt/slides/slide9.xml><?xml version="1.0" encoding="utf-8"?>
 <p:sld xmlns:a="http://schemas.openxmlformats.org/drawingml/2006/main" xmlns:r="http://schemas.openxmlformats.org/officeDocument/2006/relationships" xmlns:p="http://schemas.openxmlformats.org/presentationml/2006/main">
   <p:cSld>
@@ -10515,7 +16223,7 @@
           <p:cNvPr id="2" name="Titolo 1">
             <a:extLst>
               <a:ext uri="{FF2B5EF4-FFF2-40B4-BE49-F238E27FC236}">
-                <a16:creationId xmlns:a16="http://schemas.microsoft.com/office/drawing/2014/main" id="{1DA9E24E-24CC-0263-0412-4768E56D43C9}"/>
+                <a16:creationId xmlns:a16="http://schemas.microsoft.com/office/drawing/2014/main" id="{27E199B9-2457-4811-999B-5B199386A7AF}"/>
               </a:ext>
             </a:extLst>
           </p:cNvPr>
@@ -10532,10 +16240,9 @@
           <a:lstStyle/>
           <a:p>
             <a:r>
-              <a:rPr lang="en-US" dirty="0"/>
-              <a:t>Componenti (U)</a:t>
-            </a:r>
-            <a:endParaRPr lang="it-IT" dirty="0"/>
+              <a:rPr lang="it-IT" dirty="0"/>
+              <a:t>Eventi e azioni (riassunto)</a:t>
+            </a:r>
           </a:p>
         </p:txBody>
       </p:sp>
@@ -10544,7 +16251,7 @@
           <p:cNvPr id="3" name="Segnaposto contenuto 2">
             <a:extLst>
               <a:ext uri="{FF2B5EF4-FFF2-40B4-BE49-F238E27FC236}">
-                <a16:creationId xmlns:a16="http://schemas.microsoft.com/office/drawing/2014/main" id="{2C268C9A-34F6-A7F7-162E-B35F722E1F0A}"/>
+                <a16:creationId xmlns:a16="http://schemas.microsoft.com/office/drawing/2014/main" id="{174F638C-1CFE-9DB3-53DF-3EC03126D745}"/>
               </a:ext>
             </a:extLst>
           </p:cNvPr>
@@ -10555,328 +16262,133 @@
             <p:ph sz="half" idx="1"/>
           </p:nvPr>
         </p:nvSpPr>
-        <p:spPr>
-          <a:xfrm>
-            <a:off x="457200" y="1600200"/>
-            <a:ext cx="4038600" cy="4853136"/>
-          </a:xfrm>
-        </p:spPr>
+        <p:spPr/>
         <p:txBody>
           <a:bodyPr>
-            <a:normAutofit fontScale="25000" lnSpcReduction="20000"/>
+            <a:normAutofit fontScale="40000" lnSpcReduction="20000"/>
           </a:bodyPr>
           <a:lstStyle/>
           <a:p>
-            <a:pPr marL="0" indent="0">
+            <a:pPr marL="0" indent="0" algn="l">
               <a:buNone/>
             </a:pPr>
             <a:r>
-              <a:rPr lang="en-US" sz="4000" b="1" i="1" dirty="0">
-                <a:effectLst>
-                  <a:outerShdw blurRad="38100" dist="38100" dir="2700000" algn="tl">
-                    <a:srgbClr val="000000">
-                      <a:alpha val="43137"/>
-                    </a:srgbClr>
-                  </a:outerShdw>
-                </a:effectLst>
-              </a:rPr>
-              <a:t>Controllers (Servlets):</a:t>
-            </a:r>
-          </a:p>
-          <a:p>
-            <a:pPr marL="0" indent="0">
-              <a:buNone/>
-            </a:pPr>
-            <a:endParaRPr lang="en-US" dirty="0"/>
-          </a:p>
-          <a:p>
-            <a:pPr marL="742950" indent="-742950">
-              <a:buFont typeface="+mj-lt"/>
-              <a:buAutoNum type="arabicPeriod"/>
-            </a:pPr>
-            <a:r>
-              <a:rPr lang="it-IT" sz="3600" b="1" u="sng" dirty="0"/>
-              <a:t>CheckLogin</a:t>
-            </a:r>
-            <a:r>
-              <a:rPr lang="it-IT" sz="3600" dirty="0"/>
-              <a:t>: Autentica le credenziali di accesso dell'utente.</a:t>
-            </a:r>
-          </a:p>
-          <a:p>
-            <a:pPr marL="742950" indent="-742950">
-              <a:buFont typeface="+mj-lt"/>
-              <a:buAutoNum type="arabicPeriod"/>
-            </a:pPr>
-            <a:r>
-              <a:rPr lang="it-IT" sz="3600" b="1" u="sng" dirty="0"/>
-              <a:t>Registration</a:t>
-            </a:r>
-            <a:r>
-              <a:rPr lang="it-IT" sz="3600" dirty="0"/>
-              <a:t>: gestisce la registrazione del nuovo utente.</a:t>
-            </a:r>
-          </a:p>
-          <a:p>
-            <a:pPr marL="742950" indent="-742950">
-              <a:buFont typeface="+mj-lt"/>
-              <a:buAutoNum type="arabicPeriod"/>
-            </a:pPr>
-            <a:r>
-              <a:rPr lang="it-IT" sz="3600" b="1" u="sng" dirty="0"/>
-              <a:t>Logout</a:t>
-            </a:r>
-            <a:r>
-              <a:rPr lang="it-IT" sz="3600" dirty="0"/>
-              <a:t>: Gestisce il processo di logout dell'utente.</a:t>
-            </a:r>
-          </a:p>
-          <a:p>
-            <a:pPr marL="742950" indent="-742950">
-              <a:buFont typeface="+mj-lt"/>
-              <a:buAutoNum type="arabicPeriod"/>
-            </a:pPr>
-            <a:r>
-              <a:rPr lang="it-IT" sz="3600" b="1" u="sng" dirty="0"/>
-              <a:t>GoToHome</a:t>
-            </a:r>
-            <a:r>
-              <a:rPr lang="it-IT" sz="3600" dirty="0"/>
-              <a:t>: Reindirizza alla pagina principale.</a:t>
-            </a:r>
-          </a:p>
-          <a:p>
-            <a:pPr marL="742950" indent="-742950">
-              <a:buFont typeface="+mj-lt"/>
-              <a:buAutoNum type="arabicPeriod"/>
-            </a:pPr>
-            <a:r>
-              <a:rPr lang="it-IT" sz="3600" b="1" u="sng" dirty="0"/>
-              <a:t>CreateAlbum</a:t>
-            </a:r>
-            <a:r>
-              <a:rPr lang="it-IT" sz="3600" dirty="0"/>
-              <a:t>: Gestisce la creazione di album fotografici da parte degli utenti.</a:t>
-            </a:r>
-          </a:p>
-          <a:p>
-            <a:pPr marL="742950" indent="-742950">
-              <a:buFont typeface="+mj-lt"/>
-              <a:buAutoNum type="arabicPeriod"/>
-            </a:pPr>
-            <a:r>
-              <a:rPr lang="it-IT" sz="3600" b="1" u="sng" dirty="0"/>
-              <a:t>AddImage</a:t>
-            </a:r>
-            <a:r>
-              <a:rPr lang="it-IT" sz="3600" dirty="0"/>
-              <a:t>: Gestisce il caricamento e l'associazione delle immagini agli album.</a:t>
-            </a:r>
-          </a:p>
-          <a:p>
-            <a:pPr marL="742950" indent="-742950">
-              <a:buFont typeface="+mj-lt"/>
-              <a:buAutoNum type="arabicPeriod"/>
-            </a:pPr>
-            <a:r>
-              <a:rPr lang="it-IT" sz="3600" b="1" u="sng" dirty="0"/>
-              <a:t>GoToAlbum</a:t>
-            </a:r>
-            <a:r>
-              <a:rPr lang="it-IT" sz="3600" dirty="0"/>
-              <a:t>: Indirizza alla pagina di un album specifico.</a:t>
-            </a:r>
-          </a:p>
-          <a:p>
-            <a:pPr marL="742950" indent="-742950">
-              <a:buFont typeface="+mj-lt"/>
-              <a:buAutoNum type="arabicPeriod"/>
-            </a:pPr>
-            <a:r>
-              <a:rPr lang="it-IT" sz="3600" b="1" u="sng" dirty="0"/>
-              <a:t>AddComment</a:t>
-            </a:r>
-            <a:r>
-              <a:rPr lang="it-IT" sz="3600" dirty="0"/>
-              <a:t>: Gestisce l'aggiunta di commenti alle immagini.</a:t>
-            </a:r>
-          </a:p>
-          <a:p>
-            <a:pPr marL="742950" indent="-742950">
-              <a:buFont typeface="+mj-lt"/>
-              <a:buAutoNum type="arabicPeriod"/>
-            </a:pPr>
-            <a:r>
-              <a:rPr lang="it-IT" sz="3600" b="1" u="sng" dirty="0"/>
-              <a:t>DeleteImage</a:t>
-            </a:r>
-            <a:r>
-              <a:rPr lang="it-IT" sz="3600" dirty="0"/>
-              <a:t>: Consente l'eliminazione delle immagini, con relativi commenti.</a:t>
-            </a:r>
-          </a:p>
-          <a:p>
-            <a:pPr marL="742950" indent="-742950">
-              <a:buFont typeface="+mj-lt"/>
-              <a:buAutoNum type="arabicPeriod"/>
-            </a:pPr>
-            <a:r>
-              <a:rPr lang="it-IT" sz="3600" b="1" u="sng" dirty="0"/>
-              <a:t>SaveImageOrder</a:t>
-            </a:r>
-            <a:r>
-              <a:rPr lang="it-IT" sz="3600" dirty="0"/>
-              <a:t>: Preserva l'ordine personalizzato delle immagini impostato dall'utente.</a:t>
-            </a:r>
-            <a:endParaRPr lang="en-US" sz="3600" dirty="0"/>
-          </a:p>
-          <a:p>
-            <a:pPr marL="0" indent="0">
-              <a:buNone/>
-            </a:pPr>
-            <a:endParaRPr lang="en-US" sz="3600" dirty="0"/>
-          </a:p>
-          <a:p>
-            <a:pPr marL="0" indent="0">
-              <a:buNone/>
-            </a:pPr>
-            <a:r>
-              <a:rPr lang="en-US" sz="4000" b="1" i="1" dirty="0">
-                <a:effectLst>
-                  <a:outerShdw blurRad="38100" dist="38100" dir="2700000" algn="tl">
-                    <a:srgbClr val="000000">
-                      <a:alpha val="43137"/>
-                    </a:srgbClr>
-                  </a:outerShdw>
-                </a:effectLst>
-              </a:rPr>
-              <a:t>Views (Templates) &amp; Components</a:t>
-            </a:r>
-            <a:r>
-              <a:rPr lang="en-US" sz="4000" b="1" dirty="0"/>
-              <a:t>:</a:t>
-            </a:r>
-          </a:p>
-          <a:p>
-            <a:pPr marL="0" indent="0">
-              <a:buNone/>
-            </a:pPr>
-            <a:endParaRPr lang="en-US" dirty="0"/>
-          </a:p>
-          <a:p>
-            <a:r>
-              <a:rPr lang="en-US" sz="3600" b="1" u="sng" dirty="0"/>
-              <a:t>Login Page</a:t>
-            </a:r>
-            <a:r>
-              <a:rPr lang="en-US" sz="3600" dirty="0"/>
-              <a:t>:</a:t>
-            </a:r>
-          </a:p>
-          <a:p>
-            <a:pPr lvl="1"/>
-            <a:r>
-              <a:rPr lang="en-US" sz="3200" dirty="0"/>
-              <a:t>Login form: Username and password richiesti.</a:t>
-            </a:r>
-          </a:p>
-          <a:p>
-            <a:r>
-              <a:rPr lang="en-US" sz="3600" b="1" u="sng" dirty="0"/>
-              <a:t>Registration Page</a:t>
-            </a:r>
-            <a:r>
-              <a:rPr lang="en-US" sz="3600" dirty="0"/>
-              <a:t>:</a:t>
-            </a:r>
-          </a:p>
-          <a:p>
-            <a:pPr lvl="1"/>
-            <a:r>
-              <a:rPr lang="en-US" sz="3200" dirty="0"/>
-              <a:t>Registration form: username, email, and password.</a:t>
-            </a:r>
-          </a:p>
-          <a:p>
-            <a:r>
-              <a:rPr lang="en-US" sz="3600" b="1" u="sng" dirty="0"/>
-              <a:t>Home Page</a:t>
-            </a:r>
-            <a:r>
-              <a:rPr lang="en-US" sz="3600" dirty="0"/>
-              <a:t>:</a:t>
-            </a:r>
-          </a:p>
-          <a:p>
-            <a:pPr lvl="1"/>
-            <a:r>
-              <a:rPr lang="en-US" sz="3200" dirty="0"/>
-              <a:t>Lista di Album: disposte prima quelle dell’utente e poi le altre.</a:t>
-            </a:r>
-          </a:p>
-          <a:p>
-            <a:pPr lvl="1"/>
-            <a:r>
-              <a:rPr lang="en-US" sz="3200" dirty="0"/>
-              <a:t>Album Creation Form: titolo (richiesto) piu immagini.</a:t>
-            </a:r>
-          </a:p>
-          <a:p>
-            <a:r>
-              <a:rPr lang="en-US" sz="3600" b="1" u="sng" dirty="0"/>
-              <a:t>Album Page</a:t>
-            </a:r>
-            <a:r>
-              <a:rPr lang="en-US" sz="3600" dirty="0"/>
-              <a:t>:</a:t>
-            </a:r>
-          </a:p>
-          <a:p>
-            <a:pPr lvl="1"/>
-            <a:r>
-              <a:rPr lang="it-IT" sz="3200" dirty="0"/>
-              <a:t>Griglia delle Immagini: Una disposizione a griglia per visualizzare le miniature delle immagini.</a:t>
-            </a:r>
-          </a:p>
-          <a:p>
-            <a:pPr lvl="1"/>
-            <a:r>
-              <a:rPr lang="it-IT" sz="3200" dirty="0"/>
-              <a:t>Controlli di Paginazione: Pulsanti per navigare attraverso i set di immagini.</a:t>
-            </a:r>
-            <a:endParaRPr lang="en-US" sz="3200" dirty="0"/>
-          </a:p>
-          <a:p>
-            <a:r>
-              <a:rPr lang="en-US" sz="3600" b="1" u="sng" dirty="0"/>
-              <a:t>Image Page</a:t>
-            </a:r>
-            <a:r>
-              <a:rPr lang="en-US" sz="3600" dirty="0"/>
-              <a:t>:</a:t>
-            </a:r>
-            <a:endParaRPr lang="en-US" sz="3200" dirty="0"/>
-          </a:p>
-          <a:p>
-            <a:pPr lvl="1"/>
-            <a:r>
-              <a:rPr lang="it-IT" sz="3200" dirty="0"/>
-              <a:t>Dettagli dell'Immagine: Mostra l'immagine a dimensioni intere, titolo, descrizione e altre metadati.</a:t>
-            </a:r>
-          </a:p>
-          <a:p>
-            <a:pPr lvl="1"/>
-            <a:r>
-              <a:rPr lang="it-IT" sz="3200" dirty="0"/>
-              <a:t>Sezione Commenti: Elenca i commenti e include un modulo per aggiungere nuovi commenti.</a:t>
-            </a:r>
-          </a:p>
-          <a:p>
-            <a:pPr lvl="1"/>
-            <a:r>
-              <a:rPr lang="it-IT" sz="3200" dirty="0"/>
-              <a:t>Pulsante Elimina Immagine: Opzione per eliminare l'immagine se l'utente ne è il proprietario.</a:t>
-            </a:r>
+              <a:rPr lang="it-IT" b="1" i="0" dirty="0">
+                <a:effectLst/>
+              </a:rPr>
+              <a:t>Eventi:</a:t>
+            </a:r>
+            <a:endParaRPr lang="it-IT" b="0" i="0" dirty="0">
+              <a:effectLst/>
+            </a:endParaRPr>
+          </a:p>
+          <a:p>
+            <a:r>
+              <a:rPr lang="it-IT" b="0" i="0" dirty="0">
+                <a:effectLst/>
+              </a:rPr>
+              <a:t>Registrazione dell'utente (validazione dell'email e corrispondenza della password, unicità del nome utente)</a:t>
+            </a:r>
+          </a:p>
+          <a:p>
+            <a:r>
+              <a:rPr lang="it-IT" dirty="0"/>
+              <a:t>Salva immagine</a:t>
+            </a:r>
+            <a:endParaRPr lang="it-IT" b="0" i="0" dirty="0">
+              <a:effectLst/>
+            </a:endParaRPr>
+          </a:p>
+          <a:p>
+            <a:r>
+              <a:rPr lang="it-IT" b="0" i="0" dirty="0">
+                <a:effectLst/>
+              </a:rPr>
+              <a:t>Accesso dell'utente</a:t>
+            </a:r>
+          </a:p>
+          <a:p>
+            <a:r>
+              <a:rPr lang="it-IT" b="0" i="0" dirty="0">
+                <a:effectLst/>
+              </a:rPr>
+              <a:t>Creazione di album da parte dell'utente</a:t>
+            </a:r>
+          </a:p>
+          <a:p>
+            <a:r>
+              <a:rPr lang="it-IT" b="0" i="0" dirty="0">
+                <a:effectLst/>
+              </a:rPr>
+              <a:t>Clic su un album per visualizzare le sue immagini</a:t>
+            </a:r>
+          </a:p>
+          <a:p>
+            <a:r>
+              <a:rPr lang="it-IT" b="0" i="0" dirty="0">
+                <a:effectLst/>
+              </a:rPr>
+              <a:t>Selezione di una miniatura dell'immagine per visualizzarla in dettaglio</a:t>
+            </a:r>
+          </a:p>
+          <a:p>
+            <a:r>
+              <a:rPr lang="it-IT" b="0" i="0" dirty="0">
+                <a:effectLst/>
+              </a:rPr>
+              <a:t>Aggiunta di un commento a un'immagine</a:t>
+            </a:r>
+          </a:p>
+          <a:p>
+            <a:r>
+              <a:rPr lang="it-IT" b="0" i="0" dirty="0">
+                <a:effectLst/>
+              </a:rPr>
+              <a:t>Cancellazione di un'immagine (e dei commenti associati)</a:t>
+            </a:r>
+          </a:p>
+          <a:p>
+            <a:r>
+              <a:rPr lang="it-IT" b="0" i="0" dirty="0">
+                <a:effectLst/>
+              </a:rPr>
+              <a:t>Azioni di paginazione (visualizzazione del set precedente o successivo di immagini)</a:t>
+            </a:r>
+          </a:p>
+          <a:p>
+            <a:r>
+              <a:rPr lang="it-IT" b="0" i="0" dirty="0">
+                <a:effectLst/>
+              </a:rPr>
+              <a:t>Passaggio del mouse sulla miniatura per mostrare il modale con immagine completa e dettagli (versione JavaScript)</a:t>
+            </a:r>
+          </a:p>
+          <a:p>
+            <a:r>
+              <a:rPr lang="it-IT" b="0" i="0" dirty="0">
+                <a:effectLst/>
+              </a:rPr>
+              <a:t>Trascinamento dei titoli delle immagini per riordinarle all'interno di un album (versione JavaScript)</a:t>
+            </a:r>
+          </a:p>
+          <a:p>
+            <a:r>
+              <a:rPr lang="it-IT" b="0" i="0" dirty="0">
+                <a:effectLst/>
+              </a:rPr>
+              <a:t>Salvataggio dell'ordine personalizzato delle immagini (versione JavaScript)</a:t>
+            </a:r>
+          </a:p>
+          <a:p>
+            <a:r>
+              <a:rPr lang="it-IT" b="0" i="0" dirty="0">
+                <a:effectLst/>
+              </a:rPr>
+              <a:t>Logout dell'utente</a:t>
+            </a:r>
+          </a:p>
+          <a:p>
+            <a:endParaRPr lang="it-IT" dirty="0"/>
           </a:p>
         </p:txBody>
       </p:sp>
@@ -10885,7 +16397,7 @@
           <p:cNvPr id="4" name="Segnaposto contenuto 3">
             <a:extLst>
               <a:ext uri="{FF2B5EF4-FFF2-40B4-BE49-F238E27FC236}">
-                <a16:creationId xmlns:a16="http://schemas.microsoft.com/office/drawing/2014/main" id="{566E95B2-1436-F5C6-DDA5-48A6CD66B107}"/>
+                <a16:creationId xmlns:a16="http://schemas.microsoft.com/office/drawing/2014/main" id="{F161132D-AEA4-129C-5063-9F1A2731C496}"/>
               </a:ext>
             </a:extLst>
           </p:cNvPr>
@@ -10896,197 +16408,89 @@
             <p:ph sz="half" idx="2"/>
           </p:nvPr>
         </p:nvSpPr>
-        <p:spPr>
-          <a:xfrm>
-            <a:off x="4648200" y="1600200"/>
-            <a:ext cx="4038600" cy="4853136"/>
-          </a:xfrm>
-        </p:spPr>
+        <p:spPr/>
         <p:txBody>
           <a:bodyPr>
-            <a:normAutofit fontScale="25000" lnSpcReduction="20000"/>
+            <a:normAutofit fontScale="40000" lnSpcReduction="20000"/>
           </a:bodyPr>
           <a:lstStyle/>
           <a:p>
-            <a:pPr marL="0" indent="0">
+            <a:pPr marL="0" indent="0" algn="l">
               <a:buNone/>
             </a:pPr>
             <a:r>
-              <a:rPr lang="en-US" sz="4000" b="1" i="1" dirty="0">
-                <a:effectLst>
-                  <a:outerShdw blurRad="38100" dist="38100" dir="2700000" algn="tl">
-                    <a:srgbClr val="000000">
-                      <a:alpha val="43137"/>
-                    </a:srgbClr>
-                  </a:outerShdw>
-                </a:effectLst>
-              </a:rPr>
-              <a:t>Model Objects (Beans):</a:t>
-            </a:r>
-          </a:p>
-          <a:p>
-            <a:pPr marL="0" indent="0">
-              <a:buNone/>
-            </a:pPr>
-            <a:endParaRPr lang="en-US" dirty="0"/>
-          </a:p>
-          <a:p>
-            <a:r>
-              <a:rPr lang="en-US" sz="3600" b="1" u="sng" dirty="0"/>
-              <a:t>User</a:t>
-            </a:r>
-            <a:r>
-              <a:rPr lang="en-US" sz="3600" dirty="0"/>
-              <a:t>: Object representing the user with properties like username, password, and email.</a:t>
-            </a:r>
-          </a:p>
-          <a:p>
-            <a:r>
-              <a:rPr lang="en-US" sz="3600" b="1" u="sng" dirty="0"/>
-              <a:t>Album</a:t>
-            </a:r>
-            <a:r>
-              <a:rPr lang="en-US" sz="3600" dirty="0"/>
-              <a:t>: Represents a photo album with properties like title, creator, and creation date.</a:t>
-            </a:r>
-          </a:p>
-          <a:p>
-            <a:r>
-              <a:rPr lang="en-US" sz="3600" b="1" u="sng" dirty="0"/>
-              <a:t>Image</a:t>
-            </a:r>
-            <a:r>
-              <a:rPr lang="en-US" sz="3600" u="sng" dirty="0"/>
-              <a:t>:</a:t>
-            </a:r>
-            <a:r>
-              <a:rPr lang="en-US" sz="3600" dirty="0"/>
-              <a:t> Holds information about an image, including title, description, file path, and creation date.</a:t>
-            </a:r>
-          </a:p>
-          <a:p>
-            <a:r>
-              <a:rPr lang="en-US" sz="3600" b="1" u="sng" dirty="0"/>
-              <a:t>Comment</a:t>
-            </a:r>
-            <a:r>
-              <a:rPr lang="en-US" sz="3600" dirty="0"/>
-              <a:t>: Represents a comment made on an image with properties like text and author.</a:t>
-            </a:r>
-          </a:p>
-          <a:p>
-            <a:endParaRPr lang="en-US" dirty="0"/>
-          </a:p>
-          <a:p>
-            <a:pPr marL="0" indent="0">
-              <a:buNone/>
-            </a:pPr>
-            <a:endParaRPr lang="en-US" sz="4000" b="1" dirty="0"/>
-          </a:p>
-          <a:p>
-            <a:pPr marL="0" indent="0">
-              <a:buNone/>
-            </a:pPr>
-            <a:r>
-              <a:rPr lang="en-US" sz="4000" b="1" i="1" dirty="0">
-                <a:effectLst>
-                  <a:outerShdw blurRad="38100" dist="38100" dir="2700000" algn="tl">
-                    <a:srgbClr val="000000">
-                      <a:alpha val="43137"/>
-                    </a:srgbClr>
-                  </a:outerShdw>
-                </a:effectLst>
-              </a:rPr>
-              <a:t>Data Access Objects (Classes):</a:t>
-            </a:r>
-          </a:p>
-          <a:p>
-            <a:pPr marL="0" indent="0">
-              <a:buNone/>
-            </a:pPr>
-            <a:endParaRPr lang="en-US" dirty="0"/>
-          </a:p>
-          <a:p>
-            <a:pPr marL="0" indent="0">
-              <a:buNone/>
-            </a:pPr>
-            <a:endParaRPr lang="en-US" dirty="0"/>
-          </a:p>
-          <a:p>
-            <a:r>
-              <a:rPr lang="en-US" sz="3600" b="1" u="sng" dirty="0"/>
-              <a:t>UserDAO</a:t>
-            </a:r>
-            <a:r>
-              <a:rPr lang="en-US" sz="3600" dirty="0"/>
-              <a:t>:</a:t>
-            </a:r>
-          </a:p>
-          <a:p>
-            <a:pPr lvl="1"/>
-            <a:r>
-              <a:rPr lang="en-US" sz="3600" dirty="0"/>
-              <a:t>Metodi per creare utenti, controllare le credenziali e gestire la sessione dell’utente.</a:t>
-            </a:r>
-          </a:p>
-          <a:p>
-            <a:r>
-              <a:rPr lang="en-US" sz="3600" b="1" u="sng" dirty="0" err="1"/>
-              <a:t>AlbumDAO</a:t>
-            </a:r>
-            <a:r>
-              <a:rPr lang="en-US" sz="3600" dirty="0"/>
-              <a:t>:</a:t>
-            </a:r>
-          </a:p>
-          <a:p>
-            <a:pPr lvl="1"/>
-            <a:r>
-              <a:rPr lang="en-US" sz="3600" dirty="0"/>
-              <a:t>Metodi per la creazione di album, ritornare gli album e associazione con immagini.</a:t>
-            </a:r>
-          </a:p>
-          <a:p>
-            <a:r>
-              <a:rPr lang="en-US" sz="3600" b="1" u="sng" dirty="0"/>
-              <a:t>ImageDAO</a:t>
-            </a:r>
-            <a:r>
-              <a:rPr lang="en-US" sz="3600" dirty="0"/>
-              <a:t>:</a:t>
-            </a:r>
-          </a:p>
-          <a:p>
-            <a:pPr lvl="1"/>
-            <a:r>
-              <a:rPr lang="en-US" sz="3600" dirty="0"/>
-              <a:t>Metodi per upload di immagini, ritornare le immagini, aggiornare e cancellare le immagini.</a:t>
-            </a:r>
-          </a:p>
-          <a:p>
-            <a:r>
-              <a:rPr lang="en-US" sz="3600" b="1" u="sng" dirty="0"/>
-              <a:t>CommentDAO</a:t>
-            </a:r>
-            <a:r>
-              <a:rPr lang="en-US" sz="3600" dirty="0"/>
-              <a:t>:</a:t>
-            </a:r>
-          </a:p>
-          <a:p>
-            <a:pPr lvl="1"/>
-            <a:r>
-              <a:rPr lang="en-US" sz="3600" dirty="0"/>
-              <a:t>Metodi per aggiungere, ritornare e cancellare commenti relativi ad immagini.</a:t>
-            </a:r>
-            <a:endParaRPr lang="it-IT" sz="3600" dirty="0"/>
+              <a:rPr lang="it-IT" b="1" i="0" dirty="0">
+                <a:effectLst/>
+              </a:rPr>
+              <a:t>Azioni:</a:t>
+            </a:r>
+            <a:endParaRPr lang="it-IT" b="0" i="0" dirty="0">
+              <a:effectLst/>
+            </a:endParaRPr>
+          </a:p>
+          <a:p>
+            <a:r>
+              <a:rPr lang="it-IT" b="0" i="0" dirty="0">
+                <a:effectLst/>
+              </a:rPr>
+              <a:t>Registrazione e accesso (invio dei moduli)</a:t>
+            </a:r>
+          </a:p>
+          <a:p>
+            <a:r>
+              <a:rPr lang="it-IT" b="0" i="0" dirty="0">
+                <a:effectLst/>
+              </a:rPr>
+              <a:t>Associazione delle immagini a un album e gestione dei dettagli dell'album</a:t>
+            </a:r>
+          </a:p>
+          <a:p>
+            <a:r>
+              <a:rPr lang="it-IT" b="0" i="0" dirty="0">
+                <a:effectLst/>
+              </a:rPr>
+              <a:t>Aggiunta di commenti alle immagini</a:t>
+            </a:r>
+          </a:p>
+          <a:p>
+            <a:r>
+              <a:rPr lang="it-IT" b="0" i="0" dirty="0">
+                <a:effectLst/>
+              </a:rPr>
+              <a:t>Cancellazione delle immagini (solo per il proprietario)</a:t>
+            </a:r>
+          </a:p>
+          <a:p>
+            <a:r>
+              <a:rPr lang="it-IT" b="0" i="0" dirty="0">
+                <a:effectLst/>
+              </a:rPr>
+              <a:t>Invio del modulo di aggiunta commento</a:t>
+            </a:r>
+            <a:endParaRPr lang="it-IT" b="0" i="0" dirty="0">
+              <a:solidFill>
+                <a:srgbClr val="00B050"/>
+              </a:solidFill>
+              <a:effectLst/>
+            </a:endParaRPr>
+          </a:p>
+          <a:p>
+            <a:r>
+              <a:rPr lang="it-IT" b="0" i="0" dirty="0">
+                <a:effectLst/>
+              </a:rPr>
+              <a:t>Riordino personalizzato delle immagini e salvataggio dell'ordine sul server (versione JavaScript)</a:t>
+            </a:r>
+          </a:p>
+          <a:p>
+            <a:endParaRPr lang="it-IT" dirty="0"/>
           </a:p>
         </p:txBody>
       </p:sp>
     </p:spTree>
     <p:extLst>
       <p:ext uri="{BB962C8B-B14F-4D97-AF65-F5344CB8AC3E}">
-        <p14:creationId xmlns:p14="http://schemas.microsoft.com/office/powerpoint/2010/main" val="2096765414"/>
+        <p14:creationId xmlns:p14="http://schemas.microsoft.com/office/powerpoint/2010/main" val="3777948807"/>
       </p:ext>
     </p:extLst>
   </p:cSld>
@@ -11099,7 +16503,7 @@
 <file path=ppt/theme/theme1.xml><?xml version="1.0" encoding="utf-8"?>
 <a:theme xmlns:a="http://schemas.openxmlformats.org/drawingml/2006/main" name="Office Theme">
   <a:themeElements>
-    <a:clrScheme name="Office">
+    <a:clrScheme name="Office Theme">
       <a:dk1>
         <a:sysClr val="windowText" lastClr="000000"/>
       </a:dk1>
@@ -11107,44 +16511,44 @@
         <a:sysClr val="window" lastClr="FFFFFF"/>
       </a:lt1>
       <a:dk2>
-        <a:srgbClr val="1F497D"/>
+        <a:srgbClr val="44546A"/>
       </a:dk2>
       <a:lt2>
-        <a:srgbClr val="EEECE1"/>
+        <a:srgbClr val="E7E6E6"/>
       </a:lt2>
       <a:accent1>
-        <a:srgbClr val="4F81BD"/>
+        <a:srgbClr val="4472C4"/>
       </a:accent1>
       <a:accent2>
-        <a:srgbClr val="C0504D"/>
+        <a:srgbClr val="ED7D31"/>
       </a:accent2>
       <a:accent3>
-        <a:srgbClr val="9BBB59"/>
+        <a:srgbClr val="A5A5A5"/>
       </a:accent3>
       <a:accent4>
-        <a:srgbClr val="8064A2"/>
+        <a:srgbClr val="FFC000"/>
       </a:accent4>
       <a:accent5>
-        <a:srgbClr val="4BACC6"/>
+        <a:srgbClr val="5B9BD5"/>
       </a:accent5>
       <a:accent6>
-        <a:srgbClr val="F79646"/>
+        <a:srgbClr val="70AD47"/>
       </a:accent6>
       <a:hlink>
-        <a:srgbClr val="0000FF"/>
+        <a:srgbClr val="0563C1"/>
       </a:hlink>
       <a:folHlink>
-        <a:srgbClr val="800080"/>
+        <a:srgbClr val="954F72"/>
       </a:folHlink>
     </a:clrScheme>
-    <a:fontScheme name="Office">
+    <a:fontScheme name="Office Theme">
       <a:majorFont>
-        <a:latin typeface="Calibri"/>
+        <a:latin typeface="Calibri Light" panose="020F0302020204030204"/>
         <a:ea typeface=""/>
         <a:cs typeface=""/>
-        <a:font script="Jpan" typeface="ＭＳ Ｐゴシック"/>
+        <a:font script="Jpan" typeface="游ゴシック Light"/>
         <a:font script="Hang" typeface="맑은 고딕"/>
-        <a:font script="Hans" typeface="宋体"/>
+        <a:font script="Hans" typeface="等线 Light"/>
         <a:font script="Hant" typeface="新細明體"/>
         <a:font script="Arab" typeface="Times New Roman"/>
         <a:font script="Hebr" typeface="Times New Roman"/>
@@ -11174,12 +16578,12 @@
         <a:font script="Geor" typeface="Sylfaen"/>
       </a:majorFont>
       <a:minorFont>
-        <a:latin typeface="Calibri"/>
+        <a:latin typeface="Calibri" panose="020F0502020204030204"/>
         <a:ea typeface=""/>
         <a:cs typeface=""/>
-        <a:font script="Jpan" typeface="ＭＳ Ｐゴシック"/>
+        <a:font script="Jpan" typeface="游ゴシック"/>
         <a:font script="Hang" typeface="맑은 고딕"/>
-        <a:font script="Hans" typeface="宋体"/>
+        <a:font script="Hans" typeface="等线"/>
         <a:font script="Hant" typeface="新細明體"/>
         <a:font script="Arab" typeface="Arial"/>
         <a:font script="Hebr" typeface="Arial"/>
@@ -11209,7 +16613,7 @@
         <a:font script="Geor" typeface="Sylfaen"/>
       </a:minorFont>
     </a:fontScheme>
-    <a:fmtScheme name="Office">
+    <a:fmtScheme name="Office Theme">
       <a:fillStyleLst>
         <a:solidFill>
           <a:schemeClr val="phClr"/>
@@ -11218,166 +16622,142 @@
           <a:gsLst>
             <a:gs pos="0">
               <a:schemeClr val="phClr">
-                <a:tint val="50000"/>
-                <a:satMod val="300000"/>
+                <a:lumMod val="110000"/>
+                <a:satMod val="105000"/>
+                <a:tint val="67000"/>
               </a:schemeClr>
             </a:gs>
-            <a:gs pos="35000">
+            <a:gs pos="50000">
               <a:schemeClr val="phClr">
-                <a:tint val="37000"/>
-                <a:satMod val="300000"/>
+                <a:lumMod val="105000"/>
+                <a:satMod val="103000"/>
+                <a:tint val="73000"/>
               </a:schemeClr>
             </a:gs>
             <a:gs pos="100000">
               <a:schemeClr val="phClr">
-                <a:tint val="15000"/>
-                <a:satMod val="350000"/>
+                <a:lumMod val="105000"/>
+                <a:satMod val="109000"/>
+                <a:tint val="81000"/>
               </a:schemeClr>
             </a:gs>
           </a:gsLst>
-          <a:lin ang="16200000" scaled="1"/>
+          <a:lin ang="5400000" scaled="0"/>
         </a:gradFill>
         <a:gradFill rotWithShape="1">
           <a:gsLst>
             <a:gs pos="0">
               <a:schemeClr val="phClr">
-                <a:shade val="51000"/>
-                <a:satMod val="130000"/>
+                <a:satMod val="103000"/>
+                <a:lumMod val="102000"/>
+                <a:tint val="94000"/>
               </a:schemeClr>
             </a:gs>
-            <a:gs pos="80000">
+            <a:gs pos="50000">
               <a:schemeClr val="phClr">
-                <a:shade val="93000"/>
-                <a:satMod val="130000"/>
+                <a:satMod val="110000"/>
+                <a:lumMod val="100000"/>
+                <a:shade val="100000"/>
               </a:schemeClr>
             </a:gs>
             <a:gs pos="100000">
               <a:schemeClr val="phClr">
-                <a:shade val="94000"/>
-                <a:satMod val="135000"/>
+                <a:lumMod val="99000"/>
+                <a:satMod val="120000"/>
+                <a:shade val="78000"/>
               </a:schemeClr>
             </a:gs>
           </a:gsLst>
-          <a:lin ang="16200000" scaled="0"/>
+          <a:lin ang="5400000" scaled="0"/>
         </a:gradFill>
       </a:fillStyleLst>
       <a:lnStyleLst>
-        <a:ln w="9525" cap="flat" cmpd="sng" algn="ctr">
-          <a:solidFill>
-            <a:schemeClr val="phClr">
-              <a:shade val="95000"/>
-              <a:satMod val="105000"/>
-            </a:schemeClr>
-          </a:solidFill>
-          <a:prstDash val="solid"/>
-        </a:ln>
-        <a:ln w="25400" cap="flat" cmpd="sng" algn="ctr">
+        <a:ln w="6350" cap="flat" cmpd="sng" algn="ctr">
           <a:solidFill>
             <a:schemeClr val="phClr"/>
           </a:solidFill>
           <a:prstDash val="solid"/>
+          <a:miter lim="800000"/>
         </a:ln>
-        <a:ln w="38100" cap="flat" cmpd="sng" algn="ctr">
+        <a:ln w="12700" cap="flat" cmpd="sng" algn="ctr">
           <a:solidFill>
             <a:schemeClr val="phClr"/>
           </a:solidFill>
           <a:prstDash val="solid"/>
+          <a:miter lim="800000"/>
+        </a:ln>
+        <a:ln w="19050" cap="flat" cmpd="sng" algn="ctr">
+          <a:solidFill>
+            <a:schemeClr val="phClr"/>
+          </a:solidFill>
+          <a:prstDash val="solid"/>
+          <a:miter lim="800000"/>
         </a:ln>
       </a:lnStyleLst>
       <a:effectStyleLst>
         <a:effectStyle>
+          <a:effectLst/>
+        </a:effectStyle>
+        <a:effectStyle>
+          <a:effectLst/>
+        </a:effectStyle>
+        <a:effectStyle>
           <a:effectLst>
-            <a:outerShdw blurRad="40000" dist="20000" dir="5400000" rotWithShape="0">
+            <a:outerShdw blurRad="57150" dist="19050" dir="5400000" algn="ctr" rotWithShape="0">
               <a:srgbClr val="000000">
-                <a:alpha val="38000"/>
+                <a:alpha val="63000"/>
               </a:srgbClr>
             </a:outerShdw>
           </a:effectLst>
-        </a:effectStyle>
-        <a:effectStyle>
-          <a:effectLst>
-            <a:outerShdw blurRad="40000" dist="23000" dir="5400000" rotWithShape="0">
-              <a:srgbClr val="000000">
-                <a:alpha val="35000"/>
-              </a:srgbClr>
-            </a:outerShdw>
-          </a:effectLst>
-        </a:effectStyle>
-        <a:effectStyle>
-          <a:effectLst>
-            <a:outerShdw blurRad="40000" dist="23000" dir="5400000" rotWithShape="0">
-              <a:srgbClr val="000000">
-                <a:alpha val="35000"/>
-              </a:srgbClr>
-            </a:outerShdw>
-          </a:effectLst>
-          <a:scene3d>
-            <a:camera prst="orthographicFront">
-              <a:rot lat="0" lon="0" rev="0"/>
-            </a:camera>
-            <a:lightRig rig="threePt" dir="t">
-              <a:rot lat="0" lon="0" rev="1200000"/>
-            </a:lightRig>
-          </a:scene3d>
-          <a:sp3d>
-            <a:bevelT w="63500" h="25400"/>
-          </a:sp3d>
         </a:effectStyle>
       </a:effectStyleLst>
       <a:bgFillStyleLst>
         <a:solidFill>
           <a:schemeClr val="phClr"/>
         </a:solidFill>
+        <a:solidFill>
+          <a:schemeClr val="phClr">
+            <a:tint val="95000"/>
+            <a:satMod val="170000"/>
+          </a:schemeClr>
+        </a:solidFill>
         <a:gradFill rotWithShape="1">
           <a:gsLst>
             <a:gs pos="0">
               <a:schemeClr val="phClr">
-                <a:tint val="40000"/>
-                <a:satMod val="350000"/>
+                <a:tint val="93000"/>
+                <a:satMod val="150000"/>
+                <a:shade val="98000"/>
+                <a:lumMod val="102000"/>
               </a:schemeClr>
             </a:gs>
-            <a:gs pos="40000">
+            <a:gs pos="50000">
               <a:schemeClr val="phClr">
-                <a:tint val="45000"/>
-                <a:shade val="99000"/>
-                <a:satMod val="350000"/>
+                <a:tint val="98000"/>
+                <a:satMod val="130000"/>
+                <a:shade val="90000"/>
+                <a:lumMod val="103000"/>
               </a:schemeClr>
             </a:gs>
             <a:gs pos="100000">
               <a:schemeClr val="phClr">
-                <a:shade val="20000"/>
-                <a:satMod val="255000"/>
+                <a:shade val="63000"/>
+                <a:satMod val="120000"/>
               </a:schemeClr>
             </a:gs>
           </a:gsLst>
-          <a:path path="circle">
-            <a:fillToRect l="50000" t="-80000" r="50000" b="180000"/>
-          </a:path>
-        </a:gradFill>
-        <a:gradFill rotWithShape="1">
-          <a:gsLst>
-            <a:gs pos="0">
-              <a:schemeClr val="phClr">
-                <a:tint val="80000"/>
-                <a:satMod val="300000"/>
-              </a:schemeClr>
-            </a:gs>
-            <a:gs pos="100000">
-              <a:schemeClr val="phClr">
-                <a:shade val="30000"/>
-                <a:satMod val="200000"/>
-              </a:schemeClr>
-            </a:gs>
-          </a:gsLst>
-          <a:path path="circle">
-            <a:fillToRect l="50000" t="50000" r="50000" b="50000"/>
-          </a:path>
+          <a:lin ang="5400000" scaled="0"/>
         </a:gradFill>
       </a:bgFillStyleLst>
     </a:fmtScheme>
   </a:themeElements>
   <a:objectDefaults/>
   <a:extraClrSchemeLst/>
+  <a:extLst>
+    <a:ext uri="{05A4C25C-085E-4340-85A3-A5531E510DB2}">
+      <thm15:themeFamily xmlns:thm15="http://schemas.microsoft.com/office/thememl/2012/main" name="Office Theme 2013 - 2022" id="{62F939B6-93AF-4DB8-9C6B-D6C7DFDC589F}" vid="{4A3C46E8-61CC-4603-A589-7422A47A8E4A}"/>
+    </a:ext>
+  </a:extLst>
 </a:theme>
 </file>
 

--- a/assets/progettazioneTiw.pptx
+++ b/assets/progettazioneTiw.pptx
@@ -5,7 +5,7 @@
     <p:sldMasterId id="2147483696" r:id="rId1"/>
   </p:sldMasterIdLst>
   <p:notesMasterIdLst>
-    <p:notesMasterId r:id="rId16"/>
+    <p:notesMasterId r:id="rId20"/>
   </p:notesMasterIdLst>
   <p:sldIdLst>
     <p:sldId id="256" r:id="rId2"/>
@@ -22,6 +22,10 @@
     <p:sldId id="298" r:id="rId13"/>
     <p:sldId id="299" r:id="rId14"/>
     <p:sldId id="297" r:id="rId15"/>
+    <p:sldId id="300" r:id="rId16"/>
+    <p:sldId id="301" r:id="rId17"/>
+    <p:sldId id="302" r:id="rId18"/>
+    <p:sldId id="303" r:id="rId19"/>
   </p:sldIdLst>
   <p:sldSz cx="9144000" cy="6858000" type="screen4x3"/>
   <p:notesSz cx="6858000" cy="9144000"/>
@@ -221,7 +225,7 @@
           <a:p>
             <a:fld id="{249143A6-5764-471C-9CD3-0A32A354F559}" type="datetimeFigureOut">
               <a:rPr lang="en-GB" smtClean="0"/>
-              <a:t>26/04/2024</a:t>
+              <a:t>29/04/2024</a:t>
             </a:fld>
             <a:endParaRPr lang="en-GB"/>
           </a:p>
@@ -818,7 +822,7 @@
           <a:p>
             <a:fld id="{ADB53C6F-6285-4061-9994-6EAFF3018963}" type="datetimeFigureOut">
               <a:rPr lang="en-US" smtClean="0"/>
-              <a:t>4/26/24</a:t>
+              <a:t>4/29/24</a:t>
             </a:fld>
             <a:endParaRPr lang="en-US"/>
           </a:p>
@@ -988,7 +992,7 @@
           <a:p>
             <a:fld id="{ADB53C6F-6285-4061-9994-6EAFF3018963}" type="datetimeFigureOut">
               <a:rPr lang="en-US" smtClean="0"/>
-              <a:t>4/26/24</a:t>
+              <a:t>4/29/24</a:t>
             </a:fld>
             <a:endParaRPr lang="en-US"/>
           </a:p>
@@ -1168,7 +1172,7 @@
           <a:p>
             <a:fld id="{ADB53C6F-6285-4061-9994-6EAFF3018963}" type="datetimeFigureOut">
               <a:rPr lang="en-US" smtClean="0"/>
-              <a:t>4/26/24</a:t>
+              <a:t>4/29/24</a:t>
             </a:fld>
             <a:endParaRPr lang="en-US"/>
           </a:p>
@@ -1338,7 +1342,7 @@
           <a:p>
             <a:fld id="{ADB53C6F-6285-4061-9994-6EAFF3018963}" type="datetimeFigureOut">
               <a:rPr lang="en-US" smtClean="0"/>
-              <a:t>4/26/24</a:t>
+              <a:t>4/29/24</a:t>
             </a:fld>
             <a:endParaRPr lang="en-US"/>
           </a:p>
@@ -1582,7 +1586,7 @@
           <a:p>
             <a:fld id="{ADB53C6F-6285-4061-9994-6EAFF3018963}" type="datetimeFigureOut">
               <a:rPr lang="en-US" smtClean="0"/>
-              <a:t>4/26/24</a:t>
+              <a:t>4/29/24</a:t>
             </a:fld>
             <a:endParaRPr lang="en-US"/>
           </a:p>
@@ -1814,7 +1818,7 @@
           <a:p>
             <a:fld id="{ADB53C6F-6285-4061-9994-6EAFF3018963}" type="datetimeFigureOut">
               <a:rPr lang="en-US" smtClean="0"/>
-              <a:t>4/26/24</a:t>
+              <a:t>4/29/24</a:t>
             </a:fld>
             <a:endParaRPr lang="en-US"/>
           </a:p>
@@ -2181,7 +2185,7 @@
           <a:p>
             <a:fld id="{ADB53C6F-6285-4061-9994-6EAFF3018963}" type="datetimeFigureOut">
               <a:rPr lang="en-US" smtClean="0"/>
-              <a:t>4/26/24</a:t>
+              <a:t>4/29/24</a:t>
             </a:fld>
             <a:endParaRPr lang="en-US"/>
           </a:p>
@@ -2299,7 +2303,7 @@
           <a:p>
             <a:fld id="{ADB53C6F-6285-4061-9994-6EAFF3018963}" type="datetimeFigureOut">
               <a:rPr lang="en-US" smtClean="0"/>
-              <a:t>4/26/24</a:t>
+              <a:t>4/29/24</a:t>
             </a:fld>
             <a:endParaRPr lang="en-US"/>
           </a:p>
@@ -2394,7 +2398,7 @@
           <a:p>
             <a:fld id="{ADB53C6F-6285-4061-9994-6EAFF3018963}" type="datetimeFigureOut">
               <a:rPr lang="en-US" smtClean="0"/>
-              <a:t>4/26/24</a:t>
+              <a:t>4/29/24</a:t>
             </a:fld>
             <a:endParaRPr lang="en-US"/>
           </a:p>
@@ -2671,7 +2675,7 @@
           <a:p>
             <a:fld id="{ADB53C6F-6285-4061-9994-6EAFF3018963}" type="datetimeFigureOut">
               <a:rPr lang="en-US" smtClean="0"/>
-              <a:t>4/26/24</a:t>
+              <a:t>4/29/24</a:t>
             </a:fld>
             <a:endParaRPr lang="en-US"/>
           </a:p>
@@ -2928,7 +2932,7 @@
           <a:p>
             <a:fld id="{ADB53C6F-6285-4061-9994-6EAFF3018963}" type="datetimeFigureOut">
               <a:rPr lang="en-US" smtClean="0"/>
-              <a:t>4/26/24</a:t>
+              <a:t>4/29/24</a:t>
             </a:fld>
             <a:endParaRPr lang="en-US"/>
           </a:p>
@@ -3141,7 +3145,7 @@
           <a:p>
             <a:fld id="{ADB53C6F-6285-4061-9994-6EAFF3018963}" type="datetimeFigureOut">
               <a:rPr lang="en-US" smtClean="0"/>
-              <a:t>4/26/24</a:t>
+              <a:t>4/29/24</a:t>
             </a:fld>
             <a:endParaRPr lang="en-US"/>
           </a:p>
@@ -4690,6 +4694,479 @@
     <p:extLst>
       <p:ext uri="{BB962C8B-B14F-4D97-AF65-F5344CB8AC3E}">
         <p14:creationId xmlns:p14="http://schemas.microsoft.com/office/powerpoint/2010/main" val="579168087"/>
+      </p:ext>
+    </p:extLst>
+  </p:cSld>
+  <p:clrMapOvr>
+    <a:masterClrMapping/>
+  </p:clrMapOvr>
+</p:sld>
+</file>
+
+<file path=ppt/slides/slide15.xml><?xml version="1.0" encoding="utf-8"?>
+<p:sld xmlns:a="http://schemas.openxmlformats.org/drawingml/2006/main" xmlns:r="http://schemas.openxmlformats.org/officeDocument/2006/relationships" xmlns:p="http://schemas.openxmlformats.org/presentationml/2006/main">
+  <p:cSld>
+    <p:spTree>
+      <p:nvGrpSpPr>
+        <p:cNvPr id="1" name=""/>
+        <p:cNvGrpSpPr/>
+        <p:nvPr/>
+      </p:nvGrpSpPr>
+      <p:grpSpPr>
+        <a:xfrm>
+          <a:off x="0" y="0"/>
+          <a:ext cx="0" cy="0"/>
+          <a:chOff x="0" y="0"/>
+          <a:chExt cx="0" cy="0"/>
+        </a:xfrm>
+      </p:grpSpPr>
+      <p:sp>
+        <p:nvSpPr>
+          <p:cNvPr id="2" name="Title 1">
+            <a:extLst>
+              <a:ext uri="{FF2B5EF4-FFF2-40B4-BE49-F238E27FC236}">
+                <a16:creationId xmlns:a16="http://schemas.microsoft.com/office/drawing/2014/main" id="{4DB576EF-7F68-0FDB-046C-FB69694DA4C8}"/>
+              </a:ext>
+            </a:extLst>
+          </p:cNvPr>
+          <p:cNvSpPr>
+            <a:spLocks noGrp="1"/>
+          </p:cNvSpPr>
+          <p:nvPr>
+            <p:ph type="title"/>
+          </p:nvPr>
+        </p:nvSpPr>
+        <p:spPr/>
+        <p:txBody>
+          <a:bodyPr/>
+          <a:lstStyle/>
+          <a:p>
+            <a:r>
+              <a:rPr lang="en-IT" dirty="0"/>
+              <a:t>GoToImagePage</a:t>
+            </a:r>
+          </a:p>
+        </p:txBody>
+      </p:sp>
+      <p:pic>
+        <p:nvPicPr>
+          <p:cNvPr id="6" name="Content Placeholder 5">
+            <a:extLst>
+              <a:ext uri="{FF2B5EF4-FFF2-40B4-BE49-F238E27FC236}">
+                <a16:creationId xmlns:a16="http://schemas.microsoft.com/office/drawing/2014/main" id="{68FCDF91-C034-9977-5715-FC6CF8283297}"/>
+              </a:ext>
+            </a:extLst>
+          </p:cNvPr>
+          <p:cNvPicPr>
+            <a:picLocks noGrp="1" noChangeAspect="1"/>
+          </p:cNvPicPr>
+          <p:nvPr>
+            <p:ph sz="half" idx="1"/>
+          </p:nvPr>
+        </p:nvPicPr>
+        <p:blipFill>
+          <a:blip r:embed="rId2">
+            <a:extLst>
+              <a:ext uri="{28A0092B-C50C-407E-A947-70E740481C1C}">
+                <a14:useLocalDpi xmlns:a14="http://schemas.microsoft.com/office/drawing/2010/main" val="0"/>
+              </a:ext>
+            </a:extLst>
+          </a:blip>
+          <a:stretch>
+            <a:fillRect/>
+          </a:stretch>
+        </p:blipFill>
+        <p:spPr>
+          <a:xfrm>
+            <a:off x="1619672" y="2041299"/>
+            <a:ext cx="5781786" cy="3987437"/>
+          </a:xfrm>
+        </p:spPr>
+      </p:pic>
+      <p:sp>
+        <p:nvSpPr>
+          <p:cNvPr id="4" name="Content Placeholder 3">
+            <a:extLst>
+              <a:ext uri="{FF2B5EF4-FFF2-40B4-BE49-F238E27FC236}">
+                <a16:creationId xmlns:a16="http://schemas.microsoft.com/office/drawing/2014/main" id="{1036ADDB-49F7-5A02-2B3F-72C16A8D5BC1}"/>
+              </a:ext>
+            </a:extLst>
+          </p:cNvPr>
+          <p:cNvSpPr>
+            <a:spLocks noGrp="1"/>
+          </p:cNvSpPr>
+          <p:nvPr>
+            <p:ph sz="half" idx="2"/>
+          </p:nvPr>
+        </p:nvSpPr>
+        <p:spPr/>
+        <p:txBody>
+          <a:bodyPr/>
+          <a:lstStyle/>
+          <a:p>
+            <a:endParaRPr lang="en-IT" dirty="0"/>
+          </a:p>
+        </p:txBody>
+      </p:sp>
+    </p:spTree>
+    <p:extLst>
+      <p:ext uri="{BB962C8B-B14F-4D97-AF65-F5344CB8AC3E}">
+        <p14:creationId xmlns:p14="http://schemas.microsoft.com/office/powerpoint/2010/main" val="88822049"/>
+      </p:ext>
+    </p:extLst>
+  </p:cSld>
+  <p:clrMapOvr>
+    <a:masterClrMapping/>
+  </p:clrMapOvr>
+</p:sld>
+</file>
+
+<file path=ppt/slides/slide16.xml><?xml version="1.0" encoding="utf-8"?>
+<p:sld xmlns:a="http://schemas.openxmlformats.org/drawingml/2006/main" xmlns:r="http://schemas.openxmlformats.org/officeDocument/2006/relationships" xmlns:p="http://schemas.openxmlformats.org/presentationml/2006/main">
+  <p:cSld>
+    <p:spTree>
+      <p:nvGrpSpPr>
+        <p:cNvPr id="1" name=""/>
+        <p:cNvGrpSpPr/>
+        <p:nvPr/>
+      </p:nvGrpSpPr>
+      <p:grpSpPr>
+        <a:xfrm>
+          <a:off x="0" y="0"/>
+          <a:ext cx="0" cy="0"/>
+          <a:chOff x="0" y="0"/>
+          <a:chExt cx="0" cy="0"/>
+        </a:xfrm>
+      </p:grpSpPr>
+      <p:sp>
+        <p:nvSpPr>
+          <p:cNvPr id="2" name="Title 1">
+            <a:extLst>
+              <a:ext uri="{FF2B5EF4-FFF2-40B4-BE49-F238E27FC236}">
+                <a16:creationId xmlns:a16="http://schemas.microsoft.com/office/drawing/2014/main" id="{3B42FA94-D18F-1EE7-EF0D-1BD6F3876B67}"/>
+              </a:ext>
+            </a:extLst>
+          </p:cNvPr>
+          <p:cNvSpPr>
+            <a:spLocks noGrp="1"/>
+          </p:cNvSpPr>
+          <p:nvPr>
+            <p:ph type="title"/>
+          </p:nvPr>
+        </p:nvSpPr>
+        <p:spPr/>
+        <p:txBody>
+          <a:bodyPr/>
+          <a:lstStyle/>
+          <a:p>
+            <a:r>
+              <a:rPr lang="en-IT" dirty="0"/>
+              <a:t>AddComment</a:t>
+            </a:r>
+          </a:p>
+        </p:txBody>
+      </p:sp>
+      <p:pic>
+        <p:nvPicPr>
+          <p:cNvPr id="6" name="Content Placeholder 5">
+            <a:extLst>
+              <a:ext uri="{FF2B5EF4-FFF2-40B4-BE49-F238E27FC236}">
+                <a16:creationId xmlns:a16="http://schemas.microsoft.com/office/drawing/2014/main" id="{81001FDB-842A-B142-6EE6-C0DB03A1C853}"/>
+              </a:ext>
+            </a:extLst>
+          </p:cNvPr>
+          <p:cNvPicPr>
+            <a:picLocks noGrp="1" noChangeAspect="1"/>
+          </p:cNvPicPr>
+          <p:nvPr>
+            <p:ph sz="half" idx="1"/>
+          </p:nvPr>
+        </p:nvPicPr>
+        <p:blipFill>
+          <a:blip r:embed="rId2">
+            <a:extLst>
+              <a:ext uri="{28A0092B-C50C-407E-A947-70E740481C1C}">
+                <a14:useLocalDpi xmlns:a14="http://schemas.microsoft.com/office/drawing/2010/main" val="0"/>
+              </a:ext>
+            </a:extLst>
+          </a:blip>
+          <a:stretch>
+            <a:fillRect/>
+          </a:stretch>
+        </p:blipFill>
+        <p:spPr>
+          <a:xfrm>
+            <a:off x="1361331" y="2068498"/>
+            <a:ext cx="6535638" cy="3865591"/>
+          </a:xfrm>
+        </p:spPr>
+      </p:pic>
+      <p:sp>
+        <p:nvSpPr>
+          <p:cNvPr id="4" name="Content Placeholder 3">
+            <a:extLst>
+              <a:ext uri="{FF2B5EF4-FFF2-40B4-BE49-F238E27FC236}">
+                <a16:creationId xmlns:a16="http://schemas.microsoft.com/office/drawing/2014/main" id="{6E714EEB-2919-B39E-B46F-A228EC097CCC}"/>
+              </a:ext>
+            </a:extLst>
+          </p:cNvPr>
+          <p:cNvSpPr>
+            <a:spLocks noGrp="1"/>
+          </p:cNvSpPr>
+          <p:nvPr>
+            <p:ph sz="half" idx="2"/>
+          </p:nvPr>
+        </p:nvSpPr>
+        <p:spPr/>
+        <p:txBody>
+          <a:bodyPr/>
+          <a:lstStyle/>
+          <a:p>
+            <a:endParaRPr lang="en-IT" dirty="0"/>
+          </a:p>
+        </p:txBody>
+      </p:sp>
+    </p:spTree>
+    <p:extLst>
+      <p:ext uri="{BB962C8B-B14F-4D97-AF65-F5344CB8AC3E}">
+        <p14:creationId xmlns:p14="http://schemas.microsoft.com/office/powerpoint/2010/main" val="1468215798"/>
+      </p:ext>
+    </p:extLst>
+  </p:cSld>
+  <p:clrMapOvr>
+    <a:masterClrMapping/>
+  </p:clrMapOvr>
+</p:sld>
+</file>
+
+<file path=ppt/slides/slide17.xml><?xml version="1.0" encoding="utf-8"?>
+<p:sld xmlns:a="http://schemas.openxmlformats.org/drawingml/2006/main" xmlns:r="http://schemas.openxmlformats.org/officeDocument/2006/relationships" xmlns:p="http://schemas.openxmlformats.org/presentationml/2006/main">
+  <p:cSld>
+    <p:spTree>
+      <p:nvGrpSpPr>
+        <p:cNvPr id="1" name=""/>
+        <p:cNvGrpSpPr/>
+        <p:nvPr/>
+      </p:nvGrpSpPr>
+      <p:grpSpPr>
+        <a:xfrm>
+          <a:off x="0" y="0"/>
+          <a:ext cx="0" cy="0"/>
+          <a:chOff x="0" y="0"/>
+          <a:chExt cx="0" cy="0"/>
+        </a:xfrm>
+      </p:grpSpPr>
+      <p:sp>
+        <p:nvSpPr>
+          <p:cNvPr id="2" name="Title 1">
+            <a:extLst>
+              <a:ext uri="{FF2B5EF4-FFF2-40B4-BE49-F238E27FC236}">
+                <a16:creationId xmlns:a16="http://schemas.microsoft.com/office/drawing/2014/main" id="{AC0F9181-995D-2AAD-E16D-6A85266382FC}"/>
+              </a:ext>
+            </a:extLst>
+          </p:cNvPr>
+          <p:cNvSpPr>
+            <a:spLocks noGrp="1"/>
+          </p:cNvSpPr>
+          <p:nvPr>
+            <p:ph type="title"/>
+          </p:nvPr>
+        </p:nvSpPr>
+        <p:spPr/>
+        <p:txBody>
+          <a:bodyPr/>
+          <a:lstStyle/>
+          <a:p>
+            <a:r>
+              <a:rPr lang="en-IT" dirty="0"/>
+              <a:t>Registration</a:t>
+            </a:r>
+          </a:p>
+        </p:txBody>
+      </p:sp>
+      <p:pic>
+        <p:nvPicPr>
+          <p:cNvPr id="6" name="Content Placeholder 5">
+            <a:extLst>
+              <a:ext uri="{FF2B5EF4-FFF2-40B4-BE49-F238E27FC236}">
+                <a16:creationId xmlns:a16="http://schemas.microsoft.com/office/drawing/2014/main" id="{62264613-C5AB-0AAC-A8FB-91E4814B165B}"/>
+              </a:ext>
+            </a:extLst>
+          </p:cNvPr>
+          <p:cNvPicPr>
+            <a:picLocks noGrp="1" noChangeAspect="1"/>
+          </p:cNvPicPr>
+          <p:nvPr>
+            <p:ph sz="half" idx="1"/>
+          </p:nvPr>
+        </p:nvPicPr>
+        <p:blipFill>
+          <a:blip r:embed="rId2">
+            <a:extLst>
+              <a:ext uri="{28A0092B-C50C-407E-A947-70E740481C1C}">
+                <a14:useLocalDpi xmlns:a14="http://schemas.microsoft.com/office/drawing/2010/main" val="0"/>
+              </a:ext>
+            </a:extLst>
+          </a:blip>
+          <a:stretch>
+            <a:fillRect/>
+          </a:stretch>
+        </p:blipFill>
+        <p:spPr>
+          <a:xfrm>
+            <a:off x="1907704" y="1860107"/>
+            <a:ext cx="4929708" cy="4282373"/>
+          </a:xfrm>
+        </p:spPr>
+      </p:pic>
+      <p:sp>
+        <p:nvSpPr>
+          <p:cNvPr id="4" name="Content Placeholder 3">
+            <a:extLst>
+              <a:ext uri="{FF2B5EF4-FFF2-40B4-BE49-F238E27FC236}">
+                <a16:creationId xmlns:a16="http://schemas.microsoft.com/office/drawing/2014/main" id="{9FA8B58C-7D8F-35B5-136B-E94E163F7CB5}"/>
+              </a:ext>
+            </a:extLst>
+          </p:cNvPr>
+          <p:cNvSpPr>
+            <a:spLocks noGrp="1"/>
+          </p:cNvSpPr>
+          <p:nvPr>
+            <p:ph sz="half" idx="2"/>
+          </p:nvPr>
+        </p:nvSpPr>
+        <p:spPr/>
+        <p:txBody>
+          <a:bodyPr/>
+          <a:lstStyle/>
+          <a:p>
+            <a:endParaRPr lang="en-IT" dirty="0"/>
+          </a:p>
+        </p:txBody>
+      </p:sp>
+    </p:spTree>
+    <p:extLst>
+      <p:ext uri="{BB962C8B-B14F-4D97-AF65-F5344CB8AC3E}">
+        <p14:creationId xmlns:p14="http://schemas.microsoft.com/office/powerpoint/2010/main" val="2139717162"/>
+      </p:ext>
+    </p:extLst>
+  </p:cSld>
+  <p:clrMapOvr>
+    <a:masterClrMapping/>
+  </p:clrMapOvr>
+</p:sld>
+</file>
+
+<file path=ppt/slides/slide18.xml><?xml version="1.0" encoding="utf-8"?>
+<p:sld xmlns:a="http://schemas.openxmlformats.org/drawingml/2006/main" xmlns:r="http://schemas.openxmlformats.org/officeDocument/2006/relationships" xmlns:p="http://schemas.openxmlformats.org/presentationml/2006/main">
+  <p:cSld>
+    <p:spTree>
+      <p:nvGrpSpPr>
+        <p:cNvPr id="1" name=""/>
+        <p:cNvGrpSpPr/>
+        <p:nvPr/>
+      </p:nvGrpSpPr>
+      <p:grpSpPr>
+        <a:xfrm>
+          <a:off x="0" y="0"/>
+          <a:ext cx="0" cy="0"/>
+          <a:chOff x="0" y="0"/>
+          <a:chExt cx="0" cy="0"/>
+        </a:xfrm>
+      </p:grpSpPr>
+      <p:sp>
+        <p:nvSpPr>
+          <p:cNvPr id="2" name="Title 1">
+            <a:extLst>
+              <a:ext uri="{FF2B5EF4-FFF2-40B4-BE49-F238E27FC236}">
+                <a16:creationId xmlns:a16="http://schemas.microsoft.com/office/drawing/2014/main" id="{CA10D3A2-74FC-C414-473B-663AC043DF69}"/>
+              </a:ext>
+            </a:extLst>
+          </p:cNvPr>
+          <p:cNvSpPr>
+            <a:spLocks noGrp="1"/>
+          </p:cNvSpPr>
+          <p:nvPr>
+            <p:ph type="title"/>
+          </p:nvPr>
+        </p:nvSpPr>
+        <p:spPr/>
+        <p:txBody>
+          <a:bodyPr/>
+          <a:lstStyle/>
+          <a:p>
+            <a:r>
+              <a:rPr lang="en-IT"/>
+              <a:t>Logout</a:t>
+            </a:r>
+            <a:endParaRPr lang="en-IT" dirty="0"/>
+          </a:p>
+        </p:txBody>
+      </p:sp>
+      <p:pic>
+        <p:nvPicPr>
+          <p:cNvPr id="6" name="Content Placeholder 5">
+            <a:extLst>
+              <a:ext uri="{FF2B5EF4-FFF2-40B4-BE49-F238E27FC236}">
+                <a16:creationId xmlns:a16="http://schemas.microsoft.com/office/drawing/2014/main" id="{B7472434-E169-19D6-8FFA-D9A0B8623472}"/>
+              </a:ext>
+            </a:extLst>
+          </p:cNvPr>
+          <p:cNvPicPr>
+            <a:picLocks noGrp="1" noChangeAspect="1"/>
+          </p:cNvPicPr>
+          <p:nvPr>
+            <p:ph sz="half" idx="1"/>
+          </p:nvPr>
+        </p:nvPicPr>
+        <p:blipFill>
+          <a:blip r:embed="rId2">
+            <a:extLst>
+              <a:ext uri="{28A0092B-C50C-407E-A947-70E740481C1C}">
+                <a14:useLocalDpi xmlns:a14="http://schemas.microsoft.com/office/drawing/2010/main" val="0"/>
+              </a:ext>
+            </a:extLst>
+          </a:blip>
+          <a:stretch>
+            <a:fillRect/>
+          </a:stretch>
+        </p:blipFill>
+        <p:spPr>
+          <a:xfrm>
+            <a:off x="2095588" y="1582031"/>
+            <a:ext cx="4838526" cy="4838526"/>
+          </a:xfrm>
+        </p:spPr>
+      </p:pic>
+      <p:sp>
+        <p:nvSpPr>
+          <p:cNvPr id="4" name="Content Placeholder 3">
+            <a:extLst>
+              <a:ext uri="{FF2B5EF4-FFF2-40B4-BE49-F238E27FC236}">
+                <a16:creationId xmlns:a16="http://schemas.microsoft.com/office/drawing/2014/main" id="{F39A1BEE-5A3B-2EFD-1083-4C169B24BD94}"/>
+              </a:ext>
+            </a:extLst>
+          </p:cNvPr>
+          <p:cNvSpPr>
+            <a:spLocks noGrp="1"/>
+          </p:cNvSpPr>
+          <p:nvPr>
+            <p:ph sz="half" idx="2"/>
+          </p:nvPr>
+        </p:nvSpPr>
+        <p:spPr/>
+        <p:txBody>
+          <a:bodyPr/>
+          <a:lstStyle/>
+          <a:p>
+            <a:endParaRPr lang="en-IT" dirty="0"/>
+          </a:p>
+        </p:txBody>
+      </p:sp>
+    </p:spTree>
+    <p:extLst>
+      <p:ext uri="{BB962C8B-B14F-4D97-AF65-F5344CB8AC3E}">
+        <p14:creationId xmlns:p14="http://schemas.microsoft.com/office/powerpoint/2010/main" val="367501966"/>
       </p:ext>
     </p:extLst>
   </p:cSld>
